--- a/Screencast_PowerPoint.pptx
+++ b/Screencast_PowerPoint.pptx
@@ -128,6 +128,11 @@
       </a:defRPr>
     </a:lvl9pPr>
   </p:defaultTextStyle>
+  <p:extLst>
+    <p:ext uri="{EFAFB233-063F-42B5-8137-9DF3F51BA10A}">
+      <p15:sldGuideLst xmlns:p15="http://schemas.microsoft.com/office/powerpoint/2012/main"/>
+    </p:ext>
+  </p:extLst>
 </p:presentation>
 </file>
 
@@ -3553,14 +3558,16 @@
         </p:nvSpPr>
         <p:spPr/>
         <p:txBody>
-          <a:bodyPr/>
-          <a:lstStyle/>
-          <a:p>
-            <a:r>
-              <a:rPr lang="en-GB" dirty="0" err="1"/>
+          <a:bodyPr>
+            <a:normAutofit/>
+          </a:bodyPr>
+          <a:lstStyle/>
+          <a:p>
+            <a:r>
+              <a:rPr lang="en-GB" sz="12500" dirty="0" err="1"/>
               <a:t>MediWatch</a:t>
             </a:r>
-            <a:endParaRPr lang="en-GB" dirty="0"/>
+            <a:endParaRPr lang="en-GB" sz="12500" dirty="0"/>
           </a:p>
         </p:txBody>
       </p:sp>
@@ -3593,7 +3600,7 @@
           <a:lstStyle/>
           <a:p>
             <a:r>
-              <a:rPr lang="en-GB" sz="1600" b="1" dirty="0">
+              <a:rPr lang="en-GB" sz="4400" b="1" dirty="0">
                 <a:solidFill>
                   <a:schemeClr val="tx1"/>
                 </a:solidFill>
@@ -3603,7 +3610,7 @@
           </a:p>
           <a:p>
             <a:r>
-              <a:rPr lang="en-GB" sz="1200" dirty="0">
+              <a:rPr lang="en-GB" sz="2000" dirty="0">
                 <a:solidFill>
                   <a:schemeClr val="tx1"/>
                 </a:solidFill>
@@ -3613,7 +3620,7 @@
           </a:p>
           <a:p>
             <a:r>
-              <a:rPr lang="en-GB" sz="1200" dirty="0">
+              <a:rPr lang="en-GB" sz="2000" dirty="0">
                 <a:solidFill>
                   <a:schemeClr val="tx1"/>
                 </a:solidFill>
@@ -3623,7 +3630,7 @@
           </a:p>
           <a:p>
             <a:r>
-              <a:rPr lang="en-GB" sz="1200" dirty="0">
+              <a:rPr lang="en-GB" sz="2000" dirty="0">
                 <a:solidFill>
                   <a:schemeClr val="tx1"/>
                 </a:solidFill>
@@ -3633,7 +3640,7 @@
           </a:p>
           <a:p>
             <a:r>
-              <a:rPr lang="en-GB" sz="1200" dirty="0">
+              <a:rPr lang="en-GB" sz="2000" dirty="0">
                 <a:solidFill>
                   <a:schemeClr val="tx1"/>
                 </a:solidFill>
@@ -3695,10 +3702,10 @@
           <a:lstStyle/>
           <a:p>
             <a:r>
-              <a:rPr lang="en-US" dirty="0"/>
+              <a:rPr lang="en-US" b="1" dirty="0"/>
               <a:t>User Interface</a:t>
             </a:r>
-            <a:endParaRPr lang="en-GB" dirty="0"/>
+            <a:endParaRPr lang="en-GB" b="1" dirty="0"/>
           </a:p>
         </p:txBody>
       </p:sp>
@@ -3787,8 +3794,8 @@
         </p:nvSpPr>
         <p:spPr>
           <a:xfrm>
-            <a:off x="838199" y="5397909"/>
-            <a:ext cx="4930567" cy="1200329"/>
+            <a:off x="838199" y="4919008"/>
+            <a:ext cx="4930567" cy="1938992"/>
           </a:xfrm>
           <a:prstGeom prst="rect">
             <a:avLst/>
@@ -3806,7 +3813,7 @@
               <a:buChar char="•"/>
             </a:pPr>
             <a:r>
-              <a:rPr lang="en-US" dirty="0"/>
+              <a:rPr lang="en-US" sz="2400" dirty="0"/>
               <a:t>Meets user’s mental model</a:t>
             </a:r>
           </a:p>
@@ -3816,7 +3823,7 @@
               <a:buChar char="•"/>
             </a:pPr>
             <a:r>
-              <a:rPr lang="en-US" dirty="0"/>
+              <a:rPr lang="en-US" sz="2400" dirty="0"/>
               <a:t>Represents each physical section</a:t>
             </a:r>
           </a:p>
@@ -3826,7 +3833,7 @@
               <a:buChar char="•"/>
             </a:pPr>
             <a:r>
-              <a:rPr lang="en-US" dirty="0"/>
+              <a:rPr lang="en-US" sz="2400" dirty="0"/>
               <a:t>Uncomplicated design</a:t>
             </a:r>
           </a:p>
@@ -3836,10 +3843,10 @@
               <a:buChar char="•"/>
             </a:pPr>
             <a:r>
-              <a:rPr lang="en-US" dirty="0"/>
+              <a:rPr lang="en-US" sz="2400" dirty="0"/>
               <a:t>Each box holds the day/time of upcoming doses</a:t>
             </a:r>
-            <a:endParaRPr lang="en-GB" dirty="0"/>
+            <a:endParaRPr lang="en-GB" sz="2400" dirty="0"/>
           </a:p>
         </p:txBody>
       </p:sp>
@@ -3857,8 +3864,8 @@
         </p:nvSpPr>
         <p:spPr>
           <a:xfrm>
-            <a:off x="6423235" y="5385046"/>
-            <a:ext cx="4930567" cy="923330"/>
+            <a:off x="6423235" y="4982813"/>
+            <a:ext cx="4930567" cy="1938992"/>
           </a:xfrm>
           <a:prstGeom prst="rect">
             <a:avLst/>
@@ -3876,7 +3883,7 @@
               <a:buChar char="•"/>
             </a:pPr>
             <a:r>
-              <a:rPr lang="en-US" dirty="0"/>
+              <a:rPr lang="en-US" sz="2400" dirty="0"/>
               <a:t>Selecting a box shows countdown to next dose</a:t>
             </a:r>
           </a:p>
@@ -3886,7 +3893,7 @@
               <a:buChar char="•"/>
             </a:pPr>
             <a:r>
-              <a:rPr lang="en-US" dirty="0"/>
+              <a:rPr lang="en-US" sz="2400" dirty="0"/>
               <a:t>Box highlighted in yellow for adequate contrast</a:t>
             </a:r>
           </a:p>
@@ -3896,10 +3903,10 @@
               <a:buChar char="•"/>
             </a:pPr>
             <a:r>
-              <a:rPr lang="en-US" dirty="0"/>
+              <a:rPr lang="en-US" sz="2400" dirty="0"/>
               <a:t>Borders of selection emboldened</a:t>
             </a:r>
-            <a:endParaRPr lang="en-GB" dirty="0"/>
+            <a:endParaRPr lang="en-GB" sz="2400" dirty="0"/>
           </a:p>
         </p:txBody>
       </p:sp>
@@ -3955,10 +3962,10 @@
           <a:lstStyle/>
           <a:p>
             <a:r>
-              <a:rPr lang="en-US" dirty="0"/>
+              <a:rPr lang="en-US" b="1" dirty="0"/>
               <a:t>User Interface</a:t>
             </a:r>
-            <a:endParaRPr lang="en-GB" dirty="0"/>
+            <a:endParaRPr lang="en-GB" b="1" dirty="0"/>
           </a:p>
         </p:txBody>
       </p:sp>
@@ -3976,8 +3983,8 @@
         </p:nvSpPr>
         <p:spPr>
           <a:xfrm>
-            <a:off x="838199" y="5397909"/>
-            <a:ext cx="4930567" cy="646331"/>
+            <a:off x="846436" y="4359078"/>
+            <a:ext cx="4930567" cy="1200329"/>
           </a:xfrm>
           <a:prstGeom prst="rect">
             <a:avLst/>
@@ -3995,7 +4002,7 @@
               <a:buChar char="•"/>
             </a:pPr>
             <a:r>
-              <a:rPr lang="en-US" dirty="0"/>
+              <a:rPr lang="en-US" sz="2400" dirty="0"/>
               <a:t>Arrow pointing to the box to be accessed</a:t>
             </a:r>
           </a:p>
@@ -4005,7 +4012,7 @@
               <a:buChar char="•"/>
             </a:pPr>
             <a:r>
-              <a:rPr lang="en-US" dirty="0"/>
+              <a:rPr lang="en-US" sz="2400" dirty="0"/>
               <a:t>Green box, matching the green LED</a:t>
             </a:r>
           </a:p>
@@ -4025,8 +4032,8 @@
         </p:nvSpPr>
         <p:spPr>
           <a:xfrm>
-            <a:off x="6423235" y="5385046"/>
-            <a:ext cx="4930567" cy="923330"/>
+            <a:off x="6423233" y="4359078"/>
+            <a:ext cx="4930567" cy="2308324"/>
           </a:xfrm>
           <a:prstGeom prst="rect">
             <a:avLst/>
@@ -4044,7 +4051,7 @@
               <a:buChar char="•"/>
             </a:pPr>
             <a:r>
-              <a:rPr lang="en-US" dirty="0"/>
+              <a:rPr lang="en-US" sz="2400" dirty="0"/>
               <a:t>Red box to alert user to dangerous action</a:t>
             </a:r>
           </a:p>
@@ -4054,7 +4061,7 @@
               <a:buChar char="•"/>
             </a:pPr>
             <a:r>
-              <a:rPr lang="en-US" dirty="0"/>
+              <a:rPr lang="en-US" sz="2400" dirty="0"/>
               <a:t>Large X is an extra indicator of user error</a:t>
             </a:r>
           </a:p>
@@ -4064,10 +4071,10 @@
               <a:buChar char="•"/>
             </a:pPr>
             <a:r>
-              <a:rPr lang="en-US" dirty="0"/>
+              <a:rPr lang="en-US" sz="2400" dirty="0"/>
               <a:t>Capital letters and ! draw attention to message</a:t>
             </a:r>
-            <a:endParaRPr lang="en-GB" dirty="0"/>
+            <a:endParaRPr lang="en-GB" sz="2400" dirty="0"/>
           </a:p>
         </p:txBody>
       </p:sp>
@@ -4189,7 +4196,7 @@
           <a:lstStyle/>
           <a:p>
             <a:r>
-              <a:rPr lang="en-IE" dirty="0"/>
+              <a:rPr lang="en-IE" b="1" dirty="0"/>
               <a:t>List of Hardware</a:t>
             </a:r>
           </a:p>
@@ -4213,35 +4220,37 @@
         </p:nvSpPr>
         <p:spPr/>
         <p:txBody>
-          <a:bodyPr/>
-          <a:lstStyle/>
-          <a:p>
-            <a:r>
-              <a:rPr lang="en-IE" dirty="0"/>
+          <a:bodyPr>
+            <a:normAutofit/>
+          </a:bodyPr>
+          <a:lstStyle/>
+          <a:p>
+            <a:r>
+              <a:rPr lang="en-IE" sz="2400" dirty="0"/>
               <a:t>Roller Lever Micro Switches</a:t>
             </a:r>
           </a:p>
           <a:p>
             <a:r>
-              <a:rPr lang="en-IE" dirty="0"/>
+              <a:rPr lang="en-IE" sz="2400" dirty="0"/>
               <a:t>Force-Sensitive Resistors</a:t>
             </a:r>
           </a:p>
           <a:p>
             <a:r>
-              <a:rPr lang="en-IE" dirty="0"/>
+              <a:rPr lang="en-IE" sz="2400" dirty="0"/>
               <a:t>Green and Red LEDs</a:t>
             </a:r>
           </a:p>
           <a:p>
             <a:r>
-              <a:rPr lang="en-IE" dirty="0"/>
+              <a:rPr lang="en-IE" sz="2400" dirty="0"/>
               <a:t>Resistors (220Ω and 330Ω)</a:t>
             </a:r>
           </a:p>
           <a:p>
             <a:r>
-              <a:rPr lang="en-IE" dirty="0"/>
+              <a:rPr lang="en-IE" sz="2400" dirty="0"/>
               <a:t>Female to Female Cables</a:t>
             </a:r>
           </a:p>
@@ -4299,7 +4308,7 @@
           <a:lstStyle/>
           <a:p>
             <a:r>
-              <a:rPr lang="en-IE" dirty="0"/>
+              <a:rPr lang="en-IE" b="1" dirty="0"/>
               <a:t>Fritzing Diagram</a:t>
             </a:r>
           </a:p>
@@ -4392,7 +4401,7 @@
           <a:lstStyle/>
           <a:p>
             <a:r>
-              <a:rPr lang="en-IE" dirty="0"/>
+              <a:rPr lang="en-IE" b="1" dirty="0"/>
               <a:t>Powering the Device</a:t>
             </a:r>
           </a:p>
@@ -4416,17 +4425,19 @@
         </p:nvSpPr>
         <p:spPr/>
         <p:txBody>
-          <a:bodyPr/>
-          <a:lstStyle/>
-          <a:p>
-            <a:r>
-              <a:rPr lang="en-IE" dirty="0"/>
+          <a:bodyPr>
+            <a:normAutofit/>
+          </a:bodyPr>
+          <a:lstStyle/>
+          <a:p>
+            <a:r>
+              <a:rPr lang="en-IE" sz="2400" dirty="0"/>
               <a:t>The device will be plugged into the wall.</a:t>
             </a:r>
           </a:p>
           <a:p>
             <a:r>
-              <a:rPr lang="en-IE" dirty="0"/>
+              <a:rPr lang="en-IE" sz="2400" dirty="0"/>
               <a:t>The device will use an Uninterruptible Power Supply (UPS) to handle loss of power. This will require 2 rechargeable batteries.</a:t>
             </a:r>
           </a:p>
@@ -4484,10 +4495,10 @@
           <a:lstStyle/>
           <a:p>
             <a:r>
-              <a:rPr lang="en-GB" dirty="0"/>
+              <a:rPr lang="en-GB" b="1" dirty="0"/>
               <a:t>Network Connectivity</a:t>
             </a:r>
-            <a:endParaRPr lang="en-IE" dirty="0"/>
+            <a:endParaRPr lang="en-IE" b="1" dirty="0"/>
           </a:p>
         </p:txBody>
       </p:sp>
@@ -4509,17 +4520,19 @@
         </p:nvSpPr>
         <p:spPr/>
         <p:txBody>
-          <a:bodyPr/>
-          <a:lstStyle/>
-          <a:p>
-            <a:r>
-              <a:rPr lang="en-GB" dirty="0"/>
+          <a:bodyPr>
+            <a:normAutofit/>
+          </a:bodyPr>
+          <a:lstStyle/>
+          <a:p>
+            <a:r>
+              <a:rPr lang="en-GB" sz="2400" dirty="0"/>
               <a:t>The device will connect to local Wi-Fi using the Raspberry Pi’s onboard wireless LAN.</a:t>
             </a:r>
           </a:p>
           <a:p>
             <a:r>
-              <a:rPr lang="en-IE" dirty="0"/>
+              <a:rPr lang="en-IE" sz="2400" dirty="0"/>
               <a:t>When the device loses its connection to the internet, it will switch to using its onboard storage. When the connection is reestablished, it will bundle all local data and send it to the server.</a:t>
             </a:r>
           </a:p>
@@ -4584,17 +4597,21 @@
           </a:bodyPr>
           <a:lstStyle/>
           <a:p>
-            <a:pPr algn="ctr">
+            <a:pPr>
               <a:lnSpc>
                 <a:spcPct val="100000"/>
               </a:lnSpc>
               <a:buNone/>
             </a:pPr>
             <a:r>
-              <a:rPr lang="en-IE" sz="4400" b="0" strike="noStrike" spc="-1">
-                <a:latin typeface="Arial"/>
+              <a:rPr lang="en-IE" sz="4400" b="1" strike="noStrike" spc="-1" dirty="0"/>
+              <a:t>Data </a:t>
+            </a:r>
+            <a:r>
+              <a:rPr lang="en-IE" sz="4400" b="1" strike="noStrike" spc="-1" dirty="0">
+                <a:cs typeface="Arial" panose="020B0604020202020204" pitchFamily="34" charset="0"/>
               </a:rPr>
-              <a:t>Data Storage</a:t>
+              <a:t>Storage</a:t>
             </a:r>
           </a:p>
         </p:txBody>
@@ -4643,18 +4660,51 @@
               <a:buNone/>
             </a:pPr>
             <a:r>
-              <a:rPr lang="en-IE" sz="1800" b="0" strike="noStrike" spc="-1">
+              <a:rPr lang="en-IE" sz="2400" b="0" strike="noStrike" spc="-1" dirty="0">
                 <a:solidFill>
                   <a:srgbClr val="000000"/>
                 </a:solidFill>
-                <a:latin typeface="Arial"/>
                 <a:ea typeface="DejaVu Sans"/>
               </a:rPr>
-              <a:t>The primary database will be a mongodb database hosted on the AWS server. A secondary database will exist on the Rasberry Pi. This will contain enough data to be able to operate the pill box for a period of time if the connection to the server fails.</a:t>
-            </a:r>
-            <a:endParaRPr lang="en-IE" sz="1800" b="0" strike="noStrike" spc="-1">
-              <a:latin typeface="Arial"/>
-            </a:endParaRPr>
+              <a:t>The primary database will be a </a:t>
+            </a:r>
+            <a:r>
+              <a:rPr lang="en-IE" sz="2400" b="0" strike="noStrike" spc="-1" dirty="0" err="1">
+                <a:solidFill>
+                  <a:srgbClr val="000000"/>
+                </a:solidFill>
+                <a:ea typeface="DejaVu Sans"/>
+              </a:rPr>
+              <a:t>mongodb</a:t>
+            </a:r>
+            <a:r>
+              <a:rPr lang="en-IE" sz="2400" b="0" strike="noStrike" spc="-1" dirty="0">
+                <a:solidFill>
+                  <a:srgbClr val="000000"/>
+                </a:solidFill>
+                <a:ea typeface="DejaVu Sans"/>
+              </a:rPr>
+              <a:t> database hosted on the AWS server. A secondary database will exist on the </a:t>
+            </a:r>
+            <a:r>
+              <a:rPr lang="en-IE" sz="2400" b="0" strike="noStrike" spc="-1" dirty="0" err="1">
+                <a:solidFill>
+                  <a:srgbClr val="000000"/>
+                </a:solidFill>
+                <a:ea typeface="DejaVu Sans"/>
+              </a:rPr>
+              <a:t>Rasberry</a:t>
+            </a:r>
+            <a:r>
+              <a:rPr lang="en-IE" sz="2400" b="0" strike="noStrike" spc="-1" dirty="0">
+                <a:solidFill>
+                  <a:srgbClr val="000000"/>
+                </a:solidFill>
+                <a:ea typeface="DejaVu Sans"/>
+              </a:rPr>
+              <a:t> Pi. This will contain enough data to be able to operate the pill box for a period of time if the connection to the server fails.</a:t>
+            </a:r>
+            <a:endParaRPr lang="en-IE" sz="2400" b="0" strike="noStrike" spc="-1" dirty="0"/>
           </a:p>
           <a:p>
             <a:pPr>
@@ -4663,7 +4713,7 @@
               </a:lnSpc>
               <a:buNone/>
             </a:pPr>
-            <a:endParaRPr lang="en-IE" sz="1800" b="0" strike="noStrike" spc="-1">
+            <a:endParaRPr lang="en-IE" sz="1800" b="0" strike="noStrike" spc="-1" dirty="0">
               <a:latin typeface="Arial"/>
             </a:endParaRPr>
           </a:p>
@@ -4723,16 +4773,14 @@
           </a:bodyPr>
           <a:lstStyle/>
           <a:p>
-            <a:pPr algn="ctr">
+            <a:pPr>
               <a:lnSpc>
                 <a:spcPct val="100000"/>
               </a:lnSpc>
               <a:buNone/>
             </a:pPr>
             <a:r>
-              <a:rPr lang="en-IE" sz="4400" b="0" strike="noStrike" spc="-1">
-                <a:latin typeface="Arial"/>
-              </a:rPr>
+              <a:rPr lang="en-IE" sz="4400" b="1" strike="noStrike" spc="-1" dirty="0"/>
               <a:t>Data Storage – Example Entries</a:t>
             </a:r>
           </a:p>
@@ -4805,17 +4853,17 @@
               <a:buNone/>
             </a:pPr>
             <a:r>
-              <a:rPr lang="en-IE" sz="1800" b="0" strike="noStrike" spc="-1">
+              <a:rPr lang="en-IE" sz="2400" b="0" strike="noStrike" spc="-1" dirty="0">
                 <a:solidFill>
                   <a:srgbClr val="000000"/>
                 </a:solidFill>
-                <a:latin typeface="Arial"/>
                 <a:ea typeface="DejaVu Sans"/>
+                <a:cs typeface="Arial" panose="020B0604020202020204" pitchFamily="34" charset="0"/>
               </a:rPr>
               <a:t>User Entry on server</a:t>
             </a:r>
-            <a:endParaRPr lang="en-IE" sz="1800" b="0" strike="noStrike" spc="-1">
-              <a:latin typeface="Arial"/>
+            <a:endParaRPr lang="en-IE" sz="2400" b="0" strike="noStrike" spc="-1" dirty="0">
+              <a:cs typeface="Arial" panose="020B0604020202020204" pitchFamily="34" charset="0"/>
             </a:endParaRPr>
           </a:p>
         </p:txBody>
@@ -4887,18 +4935,33 @@
               <a:buNone/>
             </a:pPr>
             <a:r>
-              <a:rPr lang="en-IE" sz="1800" b="0" strike="noStrike" spc="-1">
+              <a:rPr lang="en-IE" sz="2400" b="0" strike="noStrike" spc="-1" dirty="0">
                 <a:solidFill>
                   <a:srgbClr val="000000"/>
                 </a:solidFill>
-                <a:latin typeface="Arial"/>
                 <a:ea typeface="DejaVu Sans"/>
               </a:rPr>
-              <a:t>Schedule stored on Rasberry Pi</a:t>
-            </a:r>
-            <a:endParaRPr lang="en-IE" sz="1800" b="0" strike="noStrike" spc="-1">
-              <a:latin typeface="Arial"/>
-            </a:endParaRPr>
+              <a:t>Schedule stored on </a:t>
+            </a:r>
+            <a:r>
+              <a:rPr lang="en-IE" sz="2400" b="0" strike="noStrike" spc="-1" dirty="0" err="1">
+                <a:solidFill>
+                  <a:srgbClr val="000000"/>
+                </a:solidFill>
+                <a:ea typeface="DejaVu Sans"/>
+              </a:rPr>
+              <a:t>Rasberry</a:t>
+            </a:r>
+            <a:r>
+              <a:rPr lang="en-IE" sz="2400" b="0" strike="noStrike" spc="-1" dirty="0">
+                <a:solidFill>
+                  <a:srgbClr val="000000"/>
+                </a:solidFill>
+                <a:ea typeface="DejaVu Sans"/>
+              </a:rPr>
+              <a:t> Pi</a:t>
+            </a:r>
+            <a:endParaRPr lang="en-IE" sz="2400" b="0" strike="noStrike" spc="-1" dirty="0"/>
           </a:p>
         </p:txBody>
       </p:sp>
@@ -4956,16 +5019,14 @@
           </a:bodyPr>
           <a:lstStyle/>
           <a:p>
-            <a:pPr algn="ctr">
+            <a:pPr>
               <a:lnSpc>
                 <a:spcPct val="100000"/>
               </a:lnSpc>
               <a:buNone/>
             </a:pPr>
             <a:r>
-              <a:rPr lang="en-IE" sz="4400" b="0" strike="noStrike" spc="-1">
-                <a:latin typeface="Arial"/>
-              </a:rPr>
+              <a:rPr lang="en-IE" sz="4400" b="1" strike="noStrike" spc="-1" dirty="0"/>
               <a:t>Data Gathering - Switches</a:t>
             </a:r>
           </a:p>
@@ -5015,18 +5076,15 @@
               <a:buNone/>
             </a:pPr>
             <a:r>
-              <a:rPr lang="en-IE" sz="1800" b="0" strike="noStrike" spc="-1">
+              <a:rPr lang="en-IE" sz="2400" b="0" strike="noStrike" spc="-1" dirty="0">
                 <a:solidFill>
                   <a:srgbClr val="000000"/>
                 </a:solidFill>
-                <a:latin typeface="Arial"/>
                 <a:ea typeface="DejaVu Sans"/>
               </a:rPr>
               <a:t>Force Sensitive Resistor</a:t>
             </a:r>
-            <a:endParaRPr lang="en-IE" sz="1800" b="0" strike="noStrike" spc="-1">
-              <a:latin typeface="Arial"/>
-            </a:endParaRPr>
+            <a:endParaRPr lang="en-IE" sz="2400" b="0" strike="noStrike" spc="-1" dirty="0"/>
           </a:p>
           <a:p>
             <a:pPr>
@@ -5036,18 +5094,15 @@
               <a:buNone/>
             </a:pPr>
             <a:r>
-              <a:rPr lang="en-IE" sz="1800" b="0" strike="noStrike" spc="-1">
+              <a:rPr lang="en-IE" sz="2400" b="0" strike="noStrike" spc="-1" dirty="0">
                 <a:solidFill>
                   <a:srgbClr val="000000"/>
                 </a:solidFill>
-                <a:latin typeface="Arial"/>
                 <a:ea typeface="DejaVu Sans"/>
               </a:rPr>
               <a:t>	- Analog data</a:t>
             </a:r>
-            <a:endParaRPr lang="en-IE" sz="1800" b="0" strike="noStrike" spc="-1">
-              <a:latin typeface="Arial"/>
-            </a:endParaRPr>
+            <a:endParaRPr lang="en-IE" sz="2400" b="0" strike="noStrike" spc="-1" dirty="0"/>
           </a:p>
           <a:p>
             <a:pPr>
@@ -5057,18 +5112,15 @@
               <a:buNone/>
             </a:pPr>
             <a:r>
-              <a:rPr lang="en-IE" sz="1800" b="0" strike="noStrike" spc="-1">
+              <a:rPr lang="en-IE" sz="2400" b="0" strike="noStrike" spc="-1" dirty="0">
                 <a:solidFill>
                   <a:srgbClr val="000000"/>
                 </a:solidFill>
-                <a:latin typeface="Arial"/>
                 <a:ea typeface="DejaVu Sans"/>
               </a:rPr>
               <a:t>	- Values between 0mV – 5000mV</a:t>
             </a:r>
-            <a:endParaRPr lang="en-IE" sz="1800" b="0" strike="noStrike" spc="-1">
-              <a:latin typeface="Arial"/>
-            </a:endParaRPr>
+            <a:endParaRPr lang="en-IE" sz="2400" b="0" strike="noStrike" spc="-1" dirty="0"/>
           </a:p>
           <a:p>
             <a:pPr>
@@ -5078,18 +5130,33 @@
               <a:buNone/>
             </a:pPr>
             <a:r>
-              <a:rPr lang="en-IE" sz="1800" b="0" strike="noStrike" spc="-1">
+              <a:rPr lang="en-IE" sz="2400" b="0" strike="noStrike" spc="-1" dirty="0">
                 <a:solidFill>
                   <a:srgbClr val="000000"/>
                 </a:solidFill>
-                <a:latin typeface="Arial"/>
                 <a:ea typeface="DejaVu Sans"/>
               </a:rPr>
-              <a:t>	- 0mV reprensents no force</a:t>
-            </a:r>
-            <a:endParaRPr lang="en-IE" sz="1800" b="0" strike="noStrike" spc="-1">
-              <a:latin typeface="Arial"/>
-            </a:endParaRPr>
+              <a:t>	- 0mV </a:t>
+            </a:r>
+            <a:r>
+              <a:rPr lang="en-IE" sz="2400" b="0" strike="noStrike" spc="-1" dirty="0" err="1">
+                <a:solidFill>
+                  <a:srgbClr val="000000"/>
+                </a:solidFill>
+                <a:ea typeface="DejaVu Sans"/>
+              </a:rPr>
+              <a:t>reprensents</a:t>
+            </a:r>
+            <a:r>
+              <a:rPr lang="en-IE" sz="2400" b="0" strike="noStrike" spc="-1" dirty="0">
+                <a:solidFill>
+                  <a:srgbClr val="000000"/>
+                </a:solidFill>
+                <a:ea typeface="DejaVu Sans"/>
+              </a:rPr>
+              <a:t> no force</a:t>
+            </a:r>
+            <a:endParaRPr lang="en-IE" sz="2400" b="0" strike="noStrike" spc="-1" dirty="0"/>
           </a:p>
           <a:p>
             <a:pPr>
@@ -5099,18 +5166,15 @@
               <a:buNone/>
             </a:pPr>
             <a:r>
-              <a:rPr lang="en-IE" sz="1800" b="0" strike="noStrike" spc="-1">
+              <a:rPr lang="en-IE" sz="2400" b="0" strike="noStrike" spc="-1" dirty="0">
                 <a:solidFill>
                   <a:srgbClr val="000000"/>
                 </a:solidFill>
-                <a:latin typeface="Arial"/>
                 <a:ea typeface="DejaVu Sans"/>
               </a:rPr>
               <a:t>	- 5000mV represents a high force</a:t>
             </a:r>
-            <a:endParaRPr lang="en-IE" sz="1800" b="0" strike="noStrike" spc="-1">
-              <a:latin typeface="Arial"/>
-            </a:endParaRPr>
+            <a:endParaRPr lang="en-IE" sz="2400" b="0" strike="noStrike" spc="-1" dirty="0"/>
           </a:p>
           <a:p>
             <a:pPr>
@@ -5120,18 +5184,15 @@
               <a:buNone/>
             </a:pPr>
             <a:r>
-              <a:rPr lang="en-IE" sz="1800" b="0" strike="noStrike" spc="-1">
+              <a:rPr lang="en-IE" sz="2400" b="0" strike="noStrike" spc="-1" dirty="0">
                 <a:solidFill>
                   <a:srgbClr val="000000"/>
                 </a:solidFill>
-                <a:latin typeface="Arial"/>
                 <a:ea typeface="DejaVu Sans"/>
               </a:rPr>
               <a:t>	- This will tell us if a box is empty or has pills inside</a:t>
             </a:r>
-            <a:endParaRPr lang="en-IE" sz="1800" b="0" strike="noStrike" spc="-1">
-              <a:latin typeface="Arial"/>
-            </a:endParaRPr>
+            <a:endParaRPr lang="en-IE" sz="2400" b="0" strike="noStrike" spc="-1" dirty="0"/>
           </a:p>
           <a:p>
             <a:pPr>
@@ -5140,9 +5201,7 @@
               </a:lnSpc>
               <a:buNone/>
             </a:pPr>
-            <a:endParaRPr lang="en-IE" sz="1800" b="0" strike="noStrike" spc="-1">
-              <a:latin typeface="Arial"/>
-            </a:endParaRPr>
+            <a:endParaRPr lang="en-IE" sz="2400" b="0" strike="noStrike" spc="-1" dirty="0"/>
           </a:p>
           <a:p>
             <a:pPr>
@@ -5151,9 +5210,7 @@
               </a:lnSpc>
               <a:buNone/>
             </a:pPr>
-            <a:endParaRPr lang="en-IE" sz="1800" b="0" strike="noStrike" spc="-1">
-              <a:latin typeface="Arial"/>
-            </a:endParaRPr>
+            <a:endParaRPr lang="en-IE" sz="2400" b="0" strike="noStrike" spc="-1" dirty="0"/>
           </a:p>
           <a:p>
             <a:pPr>
@@ -5163,18 +5220,15 @@
               <a:buNone/>
             </a:pPr>
             <a:r>
-              <a:rPr lang="en-IE" sz="1800" b="0" strike="noStrike" spc="-1">
+              <a:rPr lang="en-IE" sz="2400" b="0" strike="noStrike" spc="-1" dirty="0">
                 <a:solidFill>
                   <a:srgbClr val="000000"/>
                 </a:solidFill>
-                <a:latin typeface="Arial"/>
                 <a:ea typeface="DejaVu Sans"/>
               </a:rPr>
               <a:t>Micro Switch</a:t>
             </a:r>
-            <a:endParaRPr lang="en-IE" sz="1800" b="0" strike="noStrike" spc="-1">
-              <a:latin typeface="Arial"/>
-            </a:endParaRPr>
+            <a:endParaRPr lang="en-IE" sz="2400" b="0" strike="noStrike" spc="-1" dirty="0"/>
           </a:p>
           <a:p>
             <a:pPr>
@@ -5184,18 +5238,15 @@
               <a:buNone/>
             </a:pPr>
             <a:r>
-              <a:rPr lang="en-IE" sz="1800" b="0" strike="noStrike" spc="-1">
+              <a:rPr lang="en-IE" sz="2400" b="0" strike="noStrike" spc="-1" dirty="0">
                 <a:solidFill>
                   <a:srgbClr val="000000"/>
                 </a:solidFill>
-                <a:latin typeface="Arial"/>
                 <a:ea typeface="DejaVu Sans"/>
               </a:rPr>
               <a:t>	- 0v across a switch when the circuit is not completed</a:t>
             </a:r>
-            <a:endParaRPr lang="en-IE" sz="1800" b="0" strike="noStrike" spc="-1">
-              <a:latin typeface="Arial"/>
-            </a:endParaRPr>
+            <a:endParaRPr lang="en-IE" sz="2400" b="0" strike="noStrike" spc="-1" dirty="0"/>
           </a:p>
           <a:p>
             <a:pPr>
@@ -5205,18 +5256,15 @@
               <a:buNone/>
             </a:pPr>
             <a:r>
-              <a:rPr lang="en-IE" sz="1800" b="0" strike="noStrike" spc="-1">
+              <a:rPr lang="en-IE" sz="2400" b="0" strike="noStrike" spc="-1" dirty="0">
                 <a:solidFill>
                   <a:srgbClr val="000000"/>
                 </a:solidFill>
-                <a:latin typeface="Arial"/>
                 <a:ea typeface="DejaVu Sans"/>
               </a:rPr>
               <a:t>	- 5v across a switch when the circuit is completed.</a:t>
             </a:r>
-            <a:endParaRPr lang="en-IE" sz="1800" b="0" strike="noStrike" spc="-1">
-              <a:latin typeface="Arial"/>
-            </a:endParaRPr>
+            <a:endParaRPr lang="en-IE" sz="2400" b="0" strike="noStrike" spc="-1" dirty="0"/>
           </a:p>
           <a:p>
             <a:pPr>
@@ -5226,18 +5274,15 @@
               <a:buNone/>
             </a:pPr>
             <a:r>
-              <a:rPr lang="en-IE" sz="1800" b="0" strike="noStrike" spc="-1">
+              <a:rPr lang="en-IE" sz="2400" b="0" strike="noStrike" spc="-1" dirty="0">
                 <a:solidFill>
                   <a:srgbClr val="000000"/>
                 </a:solidFill>
-                <a:latin typeface="Arial"/>
                 <a:ea typeface="DejaVu Sans"/>
               </a:rPr>
               <a:t>	- This will tell us if a box is open or closed</a:t>
             </a:r>
-            <a:endParaRPr lang="en-IE" sz="1800" b="0" strike="noStrike" spc="-1">
-              <a:latin typeface="Arial"/>
-            </a:endParaRPr>
+            <a:endParaRPr lang="en-IE" sz="2400" b="0" strike="noStrike" spc="-1" dirty="0"/>
           </a:p>
         </p:txBody>
       </p:sp>
@@ -5318,16 +5363,14 @@
           </a:bodyPr>
           <a:lstStyle/>
           <a:p>
-            <a:pPr algn="ctr">
+            <a:pPr>
               <a:lnSpc>
                 <a:spcPct val="100000"/>
               </a:lnSpc>
               <a:buNone/>
             </a:pPr>
             <a:r>
-              <a:rPr lang="en-IE" sz="4400" b="0" strike="noStrike" spc="-1">
-                <a:latin typeface="Arial"/>
-              </a:rPr>
+              <a:rPr lang="en-IE" sz="4400" b="1" strike="noStrike" spc="-1" dirty="0"/>
               <a:t>Data Gathering - User</a:t>
             </a:r>
           </a:p>
@@ -5341,7 +5384,7 @@
         </p:nvSpPr>
         <p:spPr>
           <a:xfrm>
-            <a:off x="540000" y="1620000"/>
+            <a:off x="515520" y="1414440"/>
             <a:ext cx="11156400" cy="1878480"/>
           </a:xfrm>
           <a:prstGeom prst="rect">
@@ -5377,18 +5420,15 @@
               <a:buNone/>
             </a:pPr>
             <a:r>
-              <a:rPr lang="en-IE" sz="1800" b="0" strike="noStrike" spc="-1">
+              <a:rPr lang="en-IE" sz="2400" b="0" strike="noStrike" spc="-1" dirty="0">
                 <a:solidFill>
                   <a:srgbClr val="000000"/>
                 </a:solidFill>
-                <a:latin typeface="Arial"/>
                 <a:ea typeface="DejaVu Sans"/>
               </a:rPr>
               <a:t>User Data</a:t>
             </a:r>
-            <a:endParaRPr lang="en-IE" sz="1800" b="0" strike="noStrike" spc="-1">
-              <a:latin typeface="Arial"/>
-            </a:endParaRPr>
+            <a:endParaRPr lang="en-IE" sz="2400" b="0" strike="noStrike" spc="-1" dirty="0"/>
           </a:p>
           <a:p>
             <a:pPr>
@@ -5398,18 +5438,15 @@
               <a:buNone/>
             </a:pPr>
             <a:r>
-              <a:rPr lang="en-IE" sz="1800" b="0" strike="noStrike" spc="-1">
+              <a:rPr lang="en-IE" sz="2400" b="0" strike="noStrike" spc="-1" dirty="0">
                 <a:solidFill>
                   <a:srgbClr val="000000"/>
                 </a:solidFill>
-                <a:latin typeface="Arial"/>
                 <a:ea typeface="DejaVu Sans"/>
               </a:rPr>
               <a:t>	- User email</a:t>
             </a:r>
-            <a:endParaRPr lang="en-IE" sz="1800" b="0" strike="noStrike" spc="-1">
-              <a:latin typeface="Arial"/>
-            </a:endParaRPr>
+            <a:endParaRPr lang="en-IE" sz="2400" b="0" strike="noStrike" spc="-1" dirty="0"/>
           </a:p>
           <a:p>
             <a:pPr>
@@ -5419,18 +5456,15 @@
               <a:buNone/>
             </a:pPr>
             <a:r>
-              <a:rPr lang="en-IE" sz="1800" b="0" strike="noStrike" spc="-1">
+              <a:rPr lang="en-IE" sz="2400" b="0" strike="noStrike" spc="-1" dirty="0">
                 <a:solidFill>
                   <a:srgbClr val="000000"/>
                 </a:solidFill>
-                <a:latin typeface="Arial"/>
                 <a:ea typeface="DejaVu Sans"/>
               </a:rPr>
               <a:t>	- Password</a:t>
             </a:r>
-            <a:endParaRPr lang="en-IE" sz="1800" b="0" strike="noStrike" spc="-1">
-              <a:latin typeface="Arial"/>
-            </a:endParaRPr>
+            <a:endParaRPr lang="en-IE" sz="2400" b="0" strike="noStrike" spc="-1" dirty="0"/>
           </a:p>
           <a:p>
             <a:pPr>
@@ -5440,18 +5474,15 @@
               <a:buNone/>
             </a:pPr>
             <a:r>
-              <a:rPr lang="en-IE" sz="1800" b="0" strike="noStrike" spc="-1">
+              <a:rPr lang="en-IE" sz="2400" b="0" strike="noStrike" spc="-1" dirty="0">
                 <a:solidFill>
                   <a:srgbClr val="000000"/>
                 </a:solidFill>
-                <a:latin typeface="Arial"/>
                 <a:ea typeface="DejaVu Sans"/>
               </a:rPr>
               <a:t>	- This will be used to create a user account</a:t>
             </a:r>
-            <a:endParaRPr lang="en-IE" sz="1800" b="0" strike="noStrike" spc="-1">
-              <a:latin typeface="Arial"/>
-            </a:endParaRPr>
+            <a:endParaRPr lang="en-IE" sz="2400" b="0" strike="noStrike" spc="-1" dirty="0"/>
           </a:p>
           <a:p>
             <a:pPr>
@@ -5460,9 +5491,7 @@
               </a:lnSpc>
               <a:buNone/>
             </a:pPr>
-            <a:endParaRPr lang="en-IE" sz="1800" b="0" strike="noStrike" spc="-1">
-              <a:latin typeface="Arial"/>
-            </a:endParaRPr>
+            <a:endParaRPr lang="en-IE" sz="2400" b="0" strike="noStrike" spc="-1" dirty="0"/>
           </a:p>
           <a:p>
             <a:pPr>
@@ -5472,18 +5501,15 @@
               <a:buNone/>
             </a:pPr>
             <a:r>
-              <a:rPr lang="en-IE" sz="1800" b="0" strike="noStrike" spc="-1">
+              <a:rPr lang="en-IE" sz="2400" b="0" strike="noStrike" spc="-1" dirty="0">
                 <a:solidFill>
                   <a:srgbClr val="000000"/>
                 </a:solidFill>
-                <a:latin typeface="Arial"/>
                 <a:ea typeface="DejaVu Sans"/>
               </a:rPr>
               <a:t>Medication</a:t>
             </a:r>
-            <a:endParaRPr lang="en-IE" sz="1800" b="0" strike="noStrike" spc="-1">
-              <a:latin typeface="Arial"/>
-            </a:endParaRPr>
+            <a:endParaRPr lang="en-IE" sz="2400" b="0" strike="noStrike" spc="-1" dirty="0"/>
           </a:p>
           <a:p>
             <a:pPr>
@@ -5493,18 +5519,15 @@
               <a:buNone/>
             </a:pPr>
             <a:r>
-              <a:rPr lang="en-IE" sz="1800" b="0" strike="noStrike" spc="-1">
+              <a:rPr lang="en-IE" sz="2400" b="0" strike="noStrike" spc="-1" dirty="0">
                 <a:solidFill>
                   <a:srgbClr val="000000"/>
                 </a:solidFill>
-                <a:latin typeface="Arial"/>
                 <a:ea typeface="DejaVu Sans"/>
               </a:rPr>
               <a:t>	- Medication details</a:t>
             </a:r>
-            <a:endParaRPr lang="en-IE" sz="1800" b="0" strike="noStrike" spc="-1">
-              <a:latin typeface="Arial"/>
-            </a:endParaRPr>
+            <a:endParaRPr lang="en-IE" sz="2400" b="0" strike="noStrike" spc="-1" dirty="0"/>
           </a:p>
           <a:p>
             <a:pPr>
@@ -5514,18 +5537,15 @@
               <a:buNone/>
             </a:pPr>
             <a:r>
-              <a:rPr lang="en-IE" sz="1800" b="0" strike="noStrike" spc="-1">
+              <a:rPr lang="en-IE" sz="2400" b="0" strike="noStrike" spc="-1" dirty="0">
                 <a:solidFill>
                   <a:srgbClr val="000000"/>
                 </a:solidFill>
-                <a:latin typeface="Arial"/>
                 <a:ea typeface="DejaVu Sans"/>
               </a:rPr>
               <a:t>	- This will be used to assist in refilling the boxes and to create medication histories</a:t>
             </a:r>
-            <a:endParaRPr lang="en-IE" sz="1800" b="0" strike="noStrike" spc="-1">
-              <a:latin typeface="Arial"/>
-            </a:endParaRPr>
+            <a:endParaRPr lang="en-IE" sz="2400" b="0" strike="noStrike" spc="-1" dirty="0"/>
           </a:p>
           <a:p>
             <a:pPr>
@@ -5534,9 +5554,7 @@
               </a:lnSpc>
               <a:buNone/>
             </a:pPr>
-            <a:endParaRPr lang="en-IE" sz="1800" b="0" strike="noStrike" spc="-1">
-              <a:latin typeface="Arial"/>
-            </a:endParaRPr>
+            <a:endParaRPr lang="en-IE" sz="2400" b="0" strike="noStrike" spc="-1" dirty="0"/>
           </a:p>
           <a:p>
             <a:pPr>
@@ -5546,18 +5564,15 @@
               <a:buNone/>
             </a:pPr>
             <a:r>
-              <a:rPr lang="en-IE" sz="1800" b="0" strike="noStrike" spc="-1">
+              <a:rPr lang="en-IE" sz="2400" b="0" strike="noStrike" spc="-1" dirty="0">
                 <a:solidFill>
                   <a:srgbClr val="000000"/>
                 </a:solidFill>
-                <a:latin typeface="Arial"/>
                 <a:ea typeface="DejaVu Sans"/>
               </a:rPr>
               <a:t>Time</a:t>
             </a:r>
-            <a:endParaRPr lang="en-IE" sz="1800" b="0" strike="noStrike" spc="-1">
-              <a:latin typeface="Arial"/>
-            </a:endParaRPr>
+            <a:endParaRPr lang="en-IE" sz="2400" b="0" strike="noStrike" spc="-1" dirty="0"/>
           </a:p>
           <a:p>
             <a:pPr>
@@ -5567,18 +5582,15 @@
               <a:buNone/>
             </a:pPr>
             <a:r>
-              <a:rPr lang="en-IE" sz="1800" b="0" strike="noStrike" spc="-1">
+              <a:rPr lang="en-IE" sz="2400" b="0" strike="noStrike" spc="-1" dirty="0">
                 <a:solidFill>
                   <a:srgbClr val="000000"/>
                 </a:solidFill>
-                <a:latin typeface="Arial"/>
                 <a:ea typeface="DejaVu Sans"/>
               </a:rPr>
               <a:t>	- To send notifications</a:t>
             </a:r>
-            <a:endParaRPr lang="en-IE" sz="1800" b="0" strike="noStrike" spc="-1">
-              <a:latin typeface="Arial"/>
-            </a:endParaRPr>
+            <a:endParaRPr lang="en-IE" sz="2400" b="0" strike="noStrike" spc="-1" dirty="0"/>
           </a:p>
           <a:p>
             <a:pPr>
@@ -5588,18 +5600,15 @@
               <a:buNone/>
             </a:pPr>
             <a:r>
-              <a:rPr lang="en-IE" sz="1800" b="0" strike="noStrike" spc="-1">
+              <a:rPr lang="en-IE" sz="2400" b="0" strike="noStrike" spc="-1" dirty="0">
                 <a:solidFill>
                   <a:srgbClr val="000000"/>
                 </a:solidFill>
-                <a:latin typeface="Arial"/>
                 <a:ea typeface="DejaVu Sans"/>
               </a:rPr>
               <a:t>	- To see when a box was opened</a:t>
             </a:r>
-            <a:endParaRPr lang="en-IE" sz="1800" b="0" strike="noStrike" spc="-1">
-              <a:latin typeface="Arial"/>
-            </a:endParaRPr>
+            <a:endParaRPr lang="en-IE" sz="2400" b="0" strike="noStrike" spc="-1" dirty="0"/>
           </a:p>
           <a:p>
             <a:pPr>
@@ -5609,18 +5618,24 @@
               <a:buNone/>
             </a:pPr>
             <a:r>
-              <a:rPr lang="en-IE" sz="1800" b="0" strike="noStrike" spc="-1">
+              <a:rPr lang="en-IE" sz="2400" b="0" strike="noStrike" spc="-1" dirty="0">
                 <a:solidFill>
                   <a:srgbClr val="000000"/>
                 </a:solidFill>
-                <a:latin typeface="Arial"/>
                 <a:ea typeface="DejaVu Sans"/>
               </a:rPr>
-              <a:t>	- To record missed doeses</a:t>
-            </a:r>
-            <a:endParaRPr lang="en-IE" sz="1800" b="0" strike="noStrike" spc="-1">
-              <a:latin typeface="Arial"/>
-            </a:endParaRPr>
+              <a:t>	- To record missed </a:t>
+            </a:r>
+            <a:r>
+              <a:rPr lang="en-IE" sz="2400" b="0" strike="noStrike" spc="-1" dirty="0" err="1">
+                <a:solidFill>
+                  <a:srgbClr val="000000"/>
+                </a:solidFill>
+                <a:ea typeface="DejaVu Sans"/>
+              </a:rPr>
+              <a:t>doeses</a:t>
+            </a:r>
+            <a:endParaRPr lang="en-IE" sz="2400" b="0" strike="noStrike" spc="-1" dirty="0"/>
           </a:p>
         </p:txBody>
       </p:sp>
@@ -5671,7 +5686,7 @@
           <a:lstStyle/>
           <a:p>
             <a:r>
-              <a:rPr lang="en-GB" dirty="0"/>
+              <a:rPr lang="en-GB" b="1" dirty="0"/>
               <a:t>Get to know the team</a:t>
             </a:r>
           </a:p>
@@ -5836,7 +5851,7 @@
         <p:spPr>
           <a:xfrm>
             <a:off x="770602" y="3942129"/>
-            <a:ext cx="2521258" cy="1569660"/>
+            <a:ext cx="2521258" cy="2246769"/>
           </a:xfrm>
           <a:prstGeom prst="rect">
             <a:avLst/>
@@ -5851,17 +5866,17 @@
           <a:p>
             <a:pPr algn="ctr"/>
             <a:r>
-              <a:rPr lang="en-GB" dirty="0"/>
+              <a:rPr lang="en-GB" sz="2000" dirty="0"/>
               <a:t>Cian Ashby</a:t>
             </a:r>
           </a:p>
           <a:p>
             <a:pPr algn="ctr"/>
-            <a:endParaRPr lang="en-GB" dirty="0"/>
-          </a:p>
-          <a:p>
-            <a:r>
-              <a:rPr lang="en-GB" dirty="0"/>
+            <a:endParaRPr lang="en-GB" sz="2000" dirty="0"/>
+          </a:p>
+          <a:p>
+            <a:r>
+              <a:rPr lang="en-GB" sz="2000" dirty="0"/>
               <a:t>Roles</a:t>
             </a:r>
           </a:p>
@@ -5871,7 +5886,7 @@
               <a:buChar char="•"/>
             </a:pPr>
             <a:r>
-              <a:rPr lang="en-GB" sz="1400" dirty="0"/>
+              <a:rPr lang="en-GB" sz="2000" dirty="0"/>
               <a:t>Team Lead</a:t>
             </a:r>
           </a:p>
@@ -5881,7 +5896,7 @@
               <a:buChar char="•"/>
             </a:pPr>
             <a:r>
-              <a:rPr lang="en-GB" sz="1400" dirty="0"/>
+              <a:rPr lang="en-GB" sz="2000" dirty="0"/>
               <a:t>Front End Developer</a:t>
             </a:r>
           </a:p>
@@ -5891,7 +5906,7 @@
               <a:buChar char="•"/>
             </a:pPr>
             <a:r>
-              <a:rPr lang="en-GB" sz="1400" dirty="0"/>
+              <a:rPr lang="en-GB" sz="2000" dirty="0"/>
               <a:t>User Tester</a:t>
             </a:r>
           </a:p>
@@ -5912,7 +5927,7 @@
         <p:spPr>
           <a:xfrm>
             <a:off x="3417091" y="3942129"/>
-            <a:ext cx="2521258" cy="1354217"/>
+            <a:ext cx="2521258" cy="1938992"/>
           </a:xfrm>
           <a:prstGeom prst="rect">
             <a:avLst/>
@@ -5927,17 +5942,17 @@
           <a:p>
             <a:pPr algn="ctr"/>
             <a:r>
-              <a:rPr lang="en-GB" dirty="0"/>
+              <a:rPr lang="en-GB" sz="2000" dirty="0"/>
               <a:t>Jason Njoku</a:t>
             </a:r>
           </a:p>
           <a:p>
             <a:pPr algn="ctr"/>
-            <a:endParaRPr lang="en-GB" dirty="0"/>
-          </a:p>
-          <a:p>
-            <a:r>
-              <a:rPr lang="en-GB" dirty="0"/>
+            <a:endParaRPr lang="en-GB" sz="2000" dirty="0"/>
+          </a:p>
+          <a:p>
+            <a:r>
+              <a:rPr lang="en-GB" sz="2000" dirty="0"/>
               <a:t>Roles</a:t>
             </a:r>
           </a:p>
@@ -5947,7 +5962,7 @@
               <a:buChar char="•"/>
             </a:pPr>
             <a:r>
-              <a:rPr lang="en-GB" sz="1400" dirty="0"/>
+              <a:rPr lang="en-GB" sz="2000" dirty="0"/>
               <a:t>Front End Developer</a:t>
             </a:r>
           </a:p>
@@ -5957,7 +5972,7 @@
               <a:buChar char="•"/>
             </a:pPr>
             <a:r>
-              <a:rPr lang="en-GB" sz="1400" dirty="0"/>
+              <a:rPr lang="en-GB" sz="2000" dirty="0"/>
               <a:t>Front End Tester</a:t>
             </a:r>
           </a:p>
@@ -5978,7 +5993,7 @@
         <p:spPr>
           <a:xfrm>
             <a:off x="6035933" y="3942129"/>
-            <a:ext cx="2521258" cy="1354217"/>
+            <a:ext cx="2521258" cy="1938992"/>
           </a:xfrm>
           <a:prstGeom prst="rect">
             <a:avLst/>
@@ -5993,17 +6008,17 @@
           <a:p>
             <a:pPr algn="ctr"/>
             <a:r>
-              <a:rPr lang="en-GB" dirty="0"/>
+              <a:rPr lang="en-GB" sz="2000" dirty="0"/>
               <a:t>Méabh Gibney</a:t>
             </a:r>
           </a:p>
           <a:p>
             <a:pPr algn="ctr"/>
-            <a:endParaRPr lang="en-GB" dirty="0"/>
-          </a:p>
-          <a:p>
-            <a:r>
-              <a:rPr lang="en-GB" dirty="0"/>
+            <a:endParaRPr lang="en-GB" sz="2000" dirty="0"/>
+          </a:p>
+          <a:p>
+            <a:r>
+              <a:rPr lang="en-GB" sz="2000" dirty="0"/>
               <a:t>Roles</a:t>
             </a:r>
           </a:p>
@@ -6013,7 +6028,7 @@
               <a:buChar char="•"/>
             </a:pPr>
             <a:r>
-              <a:rPr lang="en-GB" sz="1400" dirty="0"/>
+              <a:rPr lang="en-GB" sz="2000" dirty="0"/>
               <a:t>Back End Developer</a:t>
             </a:r>
           </a:p>
@@ -6023,7 +6038,7 @@
               <a:buChar char="•"/>
             </a:pPr>
             <a:r>
-              <a:rPr lang="en-GB" sz="1400" dirty="0"/>
+              <a:rPr lang="en-GB" sz="2000" dirty="0"/>
               <a:t>Database Developer</a:t>
             </a:r>
           </a:p>
@@ -6044,7 +6059,7 @@
         <p:spPr>
           <a:xfrm>
             <a:off x="8636442" y="3942129"/>
-            <a:ext cx="2521258" cy="1569660"/>
+            <a:ext cx="2521258" cy="1938992"/>
           </a:xfrm>
           <a:prstGeom prst="rect">
             <a:avLst/>
@@ -6059,17 +6074,17 @@
           <a:p>
             <a:pPr algn="ctr"/>
             <a:r>
-              <a:rPr lang="en-GB" dirty="0"/>
+              <a:rPr lang="en-GB" sz="2000" dirty="0"/>
               <a:t>Jordan Conway</a:t>
             </a:r>
           </a:p>
           <a:p>
             <a:pPr algn="ctr"/>
-            <a:endParaRPr lang="en-GB" dirty="0"/>
-          </a:p>
-          <a:p>
-            <a:r>
-              <a:rPr lang="en-GB" dirty="0"/>
+            <a:endParaRPr lang="en-GB" sz="2000" dirty="0"/>
+          </a:p>
+          <a:p>
+            <a:r>
+              <a:rPr lang="en-GB" sz="2000" dirty="0"/>
               <a:t>Roles</a:t>
             </a:r>
           </a:p>
@@ -6079,7 +6094,7 @@
               <a:buChar char="•"/>
             </a:pPr>
             <a:r>
-              <a:rPr lang="en-GB" sz="1400" dirty="0"/>
+              <a:rPr lang="en-GB" sz="2000" dirty="0"/>
               <a:t>Back End Developer</a:t>
             </a:r>
           </a:p>
@@ -6089,7 +6104,7 @@
               <a:buChar char="•"/>
             </a:pPr>
             <a:r>
-              <a:rPr lang="en-GB" sz="1400" dirty="0"/>
+              <a:rPr lang="en-GB" sz="2000" dirty="0"/>
               <a:t>Hardware Engineer</a:t>
             </a:r>
           </a:p>
@@ -6099,7 +6114,7 @@
               <a:buChar char="•"/>
             </a:pPr>
             <a:r>
-              <a:rPr lang="en-GB" sz="1400" dirty="0"/>
+              <a:rPr lang="en-GB" sz="2000" dirty="0"/>
               <a:t>System Tester</a:t>
             </a:r>
           </a:p>
@@ -6164,16 +6179,14 @@
           </a:bodyPr>
           <a:lstStyle/>
           <a:p>
-            <a:pPr algn="ctr">
+            <a:pPr>
               <a:lnSpc>
                 <a:spcPct val="100000"/>
               </a:lnSpc>
               <a:buNone/>
             </a:pPr>
             <a:r>
-              <a:rPr lang="en-IE" sz="4400" b="0" strike="noStrike" spc="-1">
-                <a:latin typeface="Arial"/>
-              </a:rPr>
+              <a:rPr lang="en-IE" sz="4400" b="1" strike="noStrike" spc="-1" dirty="0"/>
               <a:t>Data Processing</a:t>
             </a:r>
           </a:p>
@@ -6223,18 +6236,15 @@
               <a:buNone/>
             </a:pPr>
             <a:r>
-              <a:rPr lang="en-IE" sz="1800" b="0" strike="noStrike" spc="-1">
+              <a:rPr lang="en-IE" sz="2400" b="0" strike="noStrike" spc="-1" dirty="0">
                 <a:solidFill>
                   <a:srgbClr val="000000"/>
                 </a:solidFill>
-                <a:latin typeface="Arial"/>
                 <a:ea typeface="DejaVu Sans"/>
               </a:rPr>
               <a:t>Sensor data will be processed locally.</a:t>
             </a:r>
-            <a:endParaRPr lang="en-IE" sz="1800" b="0" strike="noStrike" spc="-1">
-              <a:latin typeface="Arial"/>
-            </a:endParaRPr>
+            <a:endParaRPr lang="en-IE" sz="2400" b="0" strike="noStrike" spc="-1" dirty="0"/>
           </a:p>
           <a:p>
             <a:pPr>
@@ -6244,18 +6254,15 @@
               <a:buNone/>
             </a:pPr>
             <a:r>
-              <a:rPr lang="en-IE" sz="1800" b="0" strike="noStrike" spc="-1">
+              <a:rPr lang="en-IE" sz="2400" b="0" strike="noStrike" spc="-1" dirty="0">
                 <a:solidFill>
                   <a:srgbClr val="000000"/>
                 </a:solidFill>
-                <a:latin typeface="Arial"/>
                 <a:ea typeface="DejaVu Sans"/>
               </a:rPr>
               <a:t>Notifications and medication history will be process on the AWS server.</a:t>
             </a:r>
-            <a:endParaRPr lang="en-IE" sz="1800" b="0" strike="noStrike" spc="-1">
-              <a:latin typeface="Arial"/>
-            </a:endParaRPr>
+            <a:endParaRPr lang="en-IE" sz="2400" b="0" strike="noStrike" spc="-1" dirty="0"/>
           </a:p>
           <a:p>
             <a:pPr>
@@ -6265,18 +6272,15 @@
               <a:buNone/>
             </a:pPr>
             <a:r>
-              <a:rPr lang="en-IE" sz="1800" b="0" strike="noStrike" spc="-1">
+              <a:rPr lang="en-IE" sz="2400" b="0" strike="noStrike" spc="-1" dirty="0">
                 <a:solidFill>
                   <a:srgbClr val="000000"/>
                 </a:solidFill>
-                <a:latin typeface="Arial"/>
                 <a:ea typeface="DejaVu Sans"/>
               </a:rPr>
               <a:t>Notifications will be sent to the users’ devices by AWS server.</a:t>
             </a:r>
-            <a:endParaRPr lang="en-IE" sz="1800" b="0" strike="noStrike" spc="-1">
-              <a:latin typeface="Arial"/>
-            </a:endParaRPr>
+            <a:endParaRPr lang="en-IE" sz="2400" b="0" strike="noStrike" spc="-1" dirty="0"/>
           </a:p>
           <a:p>
             <a:pPr>
@@ -6286,18 +6290,15 @@
               <a:buNone/>
             </a:pPr>
             <a:r>
-              <a:rPr lang="en-IE" sz="1800" b="0" strike="noStrike" spc="-1">
+              <a:rPr lang="en-IE" sz="2400" b="0" strike="noStrike" spc="-1" dirty="0">
                 <a:solidFill>
                   <a:srgbClr val="000000"/>
                 </a:solidFill>
-                <a:latin typeface="Arial"/>
                 <a:ea typeface="DejaVu Sans"/>
               </a:rPr>
               <a:t>Medication data will be edited on the web client before being sent to AWS server.</a:t>
             </a:r>
-            <a:endParaRPr lang="en-IE" sz="1800" b="0" strike="noStrike" spc="-1">
-              <a:latin typeface="Arial"/>
-            </a:endParaRPr>
+            <a:endParaRPr lang="en-IE" sz="2400" b="0" strike="noStrike" spc="-1" dirty="0"/>
           </a:p>
           <a:p>
             <a:pPr>
@@ -6306,9 +6307,7 @@
               </a:lnSpc>
               <a:buNone/>
             </a:pPr>
-            <a:endParaRPr lang="en-IE" sz="1800" b="0" strike="noStrike" spc="-1">
-              <a:latin typeface="Arial"/>
-            </a:endParaRPr>
+            <a:endParaRPr lang="en-IE" sz="2400" b="0" strike="noStrike" spc="-1" dirty="0"/>
           </a:p>
           <a:p>
             <a:pPr>
@@ -6318,18 +6317,15 @@
               <a:buNone/>
             </a:pPr>
             <a:r>
-              <a:rPr lang="en-IE" sz="1800" b="0" strike="noStrike" spc="-1">
+              <a:rPr lang="en-IE" sz="2400" b="0" strike="noStrike" spc="-1" dirty="0">
                 <a:solidFill>
                   <a:srgbClr val="000000"/>
                 </a:solidFill>
-                <a:latin typeface="Arial"/>
                 <a:ea typeface="DejaVu Sans"/>
               </a:rPr>
               <a:t>The data will be processed to record if medication was taken on time, a dose was missed and if the medication box will require a refill.</a:t>
             </a:r>
-            <a:endParaRPr lang="en-IE" sz="1800" b="0" strike="noStrike" spc="-1">
-              <a:latin typeface="Arial"/>
-            </a:endParaRPr>
+            <a:endParaRPr lang="en-IE" sz="2400" b="0" strike="noStrike" spc="-1" dirty="0"/>
           </a:p>
           <a:p>
             <a:pPr>
@@ -6338,9 +6334,7 @@
               </a:lnSpc>
               <a:buNone/>
             </a:pPr>
-            <a:endParaRPr lang="en-IE" sz="1800" b="0" strike="noStrike" spc="-1">
-              <a:latin typeface="Arial"/>
-            </a:endParaRPr>
+            <a:endParaRPr lang="en-IE" sz="2400" b="0" strike="noStrike" spc="-1" dirty="0"/>
           </a:p>
           <a:p>
             <a:pPr>
@@ -6350,18 +6344,15 @@
               <a:buNone/>
             </a:pPr>
             <a:r>
-              <a:rPr lang="en-IE" sz="1800" b="0" strike="noStrike" spc="-1">
+              <a:rPr lang="en-IE" sz="2400" b="0" strike="noStrike" spc="-1" dirty="0">
                 <a:solidFill>
                   <a:srgbClr val="000000"/>
                 </a:solidFill>
-                <a:latin typeface="Arial"/>
                 <a:ea typeface="DejaVu Sans"/>
               </a:rPr>
               <a:t>A CRON job will be running to restart the program if it has stopped.</a:t>
             </a:r>
-            <a:endParaRPr lang="en-IE" sz="1800" b="0" strike="noStrike" spc="-1">
-              <a:latin typeface="Arial"/>
-            </a:endParaRPr>
+            <a:endParaRPr lang="en-IE" sz="2400" b="0" strike="noStrike" spc="-1" dirty="0"/>
           </a:p>
           <a:p>
             <a:pPr>
@@ -6370,7 +6361,7 @@
               </a:lnSpc>
               <a:buNone/>
             </a:pPr>
-            <a:endParaRPr lang="en-IE" sz="1800" b="0" strike="noStrike" spc="-1">
+            <a:endParaRPr lang="en-IE" sz="1800" b="0" strike="noStrike" spc="-1" dirty="0">
               <a:latin typeface="Arial"/>
             </a:endParaRPr>
           </a:p>
@@ -6430,13 +6421,11 @@
           </a:bodyPr>
           <a:lstStyle/>
           <a:p>
-            <a:pPr algn="ctr">
-              <a:buNone/>
-            </a:pPr>
-            <a:r>
-              <a:rPr lang="en-IE" sz="4400" b="0" strike="noStrike" spc="-1">
-                <a:latin typeface="Arial"/>
-              </a:rPr>
+            <a:pPr>
+              <a:buNone/>
+            </a:pPr>
+            <a:r>
+              <a:rPr lang="en-IE" sz="4400" b="1" strike="noStrike" spc="-1" dirty="0"/>
               <a:t>Data Processing – Example Queries</a:t>
             </a:r>
           </a:p>
@@ -6491,9 +6480,7 @@
           <a:lstStyle/>
           <a:p>
             <a:r>
-              <a:rPr lang="en-IE" sz="1800" b="0" strike="noStrike" spc="-1">
-                <a:latin typeface="Arial"/>
-              </a:rPr>
+              <a:rPr lang="en-IE" sz="2400" b="0" strike="noStrike" spc="-1" dirty="0"/>
               <a:t>Find all entries where the user has missed a dose.</a:t>
             </a:r>
           </a:p>
@@ -6548,10 +6535,16 @@
           <a:lstStyle/>
           <a:p>
             <a:r>
-              <a:rPr lang="en-IE" sz="1800" b="0" strike="noStrike" spc="-1">
-                <a:latin typeface="Arial"/>
-              </a:rPr>
-              <a:t>Get the 30 most recent histroy entries.</a:t>
+              <a:rPr lang="en-IE" sz="2400" b="0" strike="noStrike" spc="-1" dirty="0"/>
+              <a:t>Get the 30 most recent </a:t>
+            </a:r>
+            <a:r>
+              <a:rPr lang="en-IE" sz="2400" b="0" strike="noStrike" spc="-1" dirty="0" err="1"/>
+              <a:t>histroy</a:t>
+            </a:r>
+            <a:r>
+              <a:rPr lang="en-IE" sz="2400" b="0" strike="noStrike" spc="-1" dirty="0"/>
+              <a:t> entries.</a:t>
             </a:r>
           </a:p>
         </p:txBody>
@@ -6605,9 +6598,7 @@
           <a:lstStyle/>
           <a:p>
             <a:r>
-              <a:rPr lang="en-IE" sz="1800" b="0" strike="noStrike" spc="-1">
-                <a:latin typeface="Arial"/>
-              </a:rPr>
+              <a:rPr lang="en-IE" sz="2400" b="0" strike="noStrike" spc="-1" dirty="0"/>
               <a:t>Get the next 5 entries in the users schedule.</a:t>
             </a:r>
           </a:p>
@@ -6667,16 +6658,14 @@
           </a:bodyPr>
           <a:lstStyle/>
           <a:p>
-            <a:pPr algn="ctr">
+            <a:pPr>
               <a:lnSpc>
                 <a:spcPct val="100000"/>
               </a:lnSpc>
               <a:buNone/>
             </a:pPr>
             <a:r>
-              <a:rPr lang="en-IE" sz="4400" b="0" strike="noStrike" spc="-1">
-                <a:latin typeface="Arial"/>
-              </a:rPr>
+              <a:rPr lang="en-IE" sz="4400" b="1" strike="noStrike" spc="-1" dirty="0"/>
               <a:t>Data Security</a:t>
             </a:r>
           </a:p>
@@ -6726,18 +6715,15 @@
               <a:buNone/>
             </a:pPr>
             <a:r>
-              <a:rPr lang="en-IE" sz="1800" b="0" strike="noStrike" spc="-1">
+              <a:rPr lang="en-IE" sz="2400" b="0" strike="noStrike" spc="-1" dirty="0">
                 <a:solidFill>
                   <a:srgbClr val="000000"/>
                 </a:solidFill>
-                <a:latin typeface="Arial"/>
                 <a:ea typeface="DejaVu Sans"/>
               </a:rPr>
               <a:t>Data will be transferred between the device, server and web/mobile client by HTTPS.</a:t>
             </a:r>
-            <a:endParaRPr lang="en-IE" sz="1800" b="0" strike="noStrike" spc="-1">
-              <a:latin typeface="Arial"/>
-            </a:endParaRPr>
+            <a:endParaRPr lang="en-IE" sz="2400" b="0" strike="noStrike" spc="-1" dirty="0"/>
           </a:p>
           <a:p>
             <a:pPr>
@@ -6747,18 +6733,15 @@
               <a:buNone/>
             </a:pPr>
             <a:r>
-              <a:rPr lang="en-IE" sz="1800" b="0" strike="noStrike" spc="-1">
+              <a:rPr lang="en-IE" sz="2400" b="0" strike="noStrike" spc="-1" dirty="0">
                 <a:solidFill>
                   <a:srgbClr val="000000"/>
                 </a:solidFill>
-                <a:latin typeface="Arial"/>
                 <a:ea typeface="DejaVu Sans"/>
               </a:rPr>
               <a:t>HTTP GET will only be used to retrieved data.</a:t>
             </a:r>
-            <a:endParaRPr lang="en-IE" sz="1800" b="0" strike="noStrike" spc="-1">
-              <a:latin typeface="Arial"/>
-            </a:endParaRPr>
+            <a:endParaRPr lang="en-IE" sz="2400" b="0" strike="noStrike" spc="-1" dirty="0"/>
           </a:p>
           <a:p>
             <a:pPr>
@@ -6768,18 +6751,15 @@
               <a:buNone/>
             </a:pPr>
             <a:r>
-              <a:rPr lang="en-IE" sz="1800" b="0" strike="noStrike" spc="-1">
+              <a:rPr lang="en-IE" sz="2400" b="0" strike="noStrike" spc="-1" dirty="0">
                 <a:solidFill>
                   <a:srgbClr val="000000"/>
                 </a:solidFill>
-                <a:latin typeface="Arial"/>
                 <a:ea typeface="DejaVu Sans"/>
               </a:rPr>
               <a:t>HTTP POST or PUT will be used to enter or update data.</a:t>
             </a:r>
-            <a:endParaRPr lang="en-IE" sz="1800" b="0" strike="noStrike" spc="-1">
-              <a:latin typeface="Arial"/>
-            </a:endParaRPr>
+            <a:endParaRPr lang="en-IE" sz="2400" b="0" strike="noStrike" spc="-1" dirty="0"/>
           </a:p>
           <a:p>
             <a:pPr>
@@ -6788,9 +6768,7 @@
               </a:lnSpc>
               <a:buNone/>
             </a:pPr>
-            <a:endParaRPr lang="en-IE" sz="1800" b="0" strike="noStrike" spc="-1">
-              <a:latin typeface="Arial"/>
-            </a:endParaRPr>
+            <a:endParaRPr lang="en-IE" sz="2400" b="0" strike="noStrike" spc="-1" dirty="0"/>
           </a:p>
           <a:p>
             <a:pPr>
@@ -6800,18 +6778,15 @@
               <a:buNone/>
             </a:pPr>
             <a:r>
-              <a:rPr lang="en-IE" sz="1800" b="0" strike="noStrike" spc="-1">
+              <a:rPr lang="en-IE" sz="2400" b="0" strike="noStrike" spc="-1" dirty="0">
                 <a:solidFill>
                   <a:srgbClr val="000000"/>
                 </a:solidFill>
-                <a:latin typeface="Arial"/>
                 <a:ea typeface="DejaVu Sans"/>
               </a:rPr>
               <a:t>Sensitive data, such as medication information, will only be stored as encrypted data.</a:t>
             </a:r>
-            <a:endParaRPr lang="en-IE" sz="1800" b="0" strike="noStrike" spc="-1">
-              <a:latin typeface="Arial"/>
-            </a:endParaRPr>
+            <a:endParaRPr lang="en-IE" sz="2400" b="0" strike="noStrike" spc="-1" dirty="0"/>
           </a:p>
           <a:p>
             <a:pPr>
@@ -6821,18 +6796,15 @@
               <a:buNone/>
             </a:pPr>
             <a:r>
-              <a:rPr lang="en-IE" sz="1800" b="0" strike="noStrike" spc="-1">
+              <a:rPr lang="en-IE" sz="2400" b="0" strike="noStrike" spc="-1" dirty="0">
                 <a:solidFill>
                   <a:srgbClr val="000000"/>
                 </a:solidFill>
-                <a:latin typeface="Arial"/>
                 <a:ea typeface="DejaVu Sans"/>
               </a:rPr>
               <a:t>End to end encryption will be used to ensure only the user as access to sensitive data in a decrypted form.</a:t>
             </a:r>
-            <a:endParaRPr lang="en-IE" sz="1800" b="0" strike="noStrike" spc="-1">
-              <a:latin typeface="Arial"/>
-            </a:endParaRPr>
+            <a:endParaRPr lang="en-IE" sz="2400" b="0" strike="noStrike" spc="-1" dirty="0"/>
           </a:p>
           <a:p>
             <a:pPr>
@@ -6842,18 +6814,15 @@
               <a:buNone/>
             </a:pPr>
             <a:r>
-              <a:rPr lang="en-IE" sz="1800" b="0" strike="noStrike" spc="-1">
+              <a:rPr lang="en-IE" sz="2400" b="0" strike="noStrike" spc="-1" dirty="0">
                 <a:solidFill>
                   <a:srgbClr val="000000"/>
                 </a:solidFill>
-                <a:latin typeface="Arial"/>
                 <a:ea typeface="DejaVu Sans"/>
               </a:rPr>
               <a:t>The database will be stored on a AWS server.</a:t>
             </a:r>
-            <a:endParaRPr lang="en-IE" sz="1800" b="0" strike="noStrike" spc="-1">
-              <a:latin typeface="Arial"/>
-            </a:endParaRPr>
+            <a:endParaRPr lang="en-IE" sz="2400" b="0" strike="noStrike" spc="-1" dirty="0"/>
           </a:p>
           <a:p>
             <a:pPr>
@@ -6863,18 +6832,15 @@
               <a:buNone/>
             </a:pPr>
             <a:r>
-              <a:rPr lang="en-IE" sz="1800" b="0" strike="noStrike" spc="-1">
+              <a:rPr lang="en-IE" sz="2400" b="0" strike="noStrike" spc="-1" dirty="0">
                 <a:solidFill>
                   <a:srgbClr val="000000"/>
                 </a:solidFill>
-                <a:latin typeface="Arial"/>
                 <a:ea typeface="DejaVu Sans"/>
               </a:rPr>
               <a:t>Only times to take medication and which specific box it is stored in will be stored locally.</a:t>
             </a:r>
-            <a:endParaRPr lang="en-IE" sz="1800" b="0" strike="noStrike" spc="-1">
-              <a:latin typeface="Arial"/>
-            </a:endParaRPr>
+            <a:endParaRPr lang="en-IE" sz="2400" b="0" strike="noStrike" spc="-1" dirty="0"/>
           </a:p>
           <a:p>
             <a:pPr>
@@ -6884,18 +6850,15 @@
               <a:buNone/>
             </a:pPr>
             <a:r>
-              <a:rPr lang="en-IE" sz="1800" b="0" strike="noStrike" spc="-1">
+              <a:rPr lang="en-IE" sz="2400" b="0" strike="noStrike" spc="-1" dirty="0">
                 <a:solidFill>
                   <a:srgbClr val="000000"/>
                 </a:solidFill>
-                <a:latin typeface="Arial"/>
                 <a:ea typeface="DejaVu Sans"/>
               </a:rPr>
               <a:t>If sensor data is required to be stored locally due to an inability to communicate with the server, it will be wiped after the connection is reestablished and the updates are applied.</a:t>
             </a:r>
-            <a:endParaRPr lang="en-IE" sz="1800" b="0" strike="noStrike" spc="-1">
-              <a:latin typeface="Arial"/>
-            </a:endParaRPr>
+            <a:endParaRPr lang="en-IE" sz="2400" b="0" strike="noStrike" spc="-1" dirty="0"/>
           </a:p>
         </p:txBody>
       </p:sp>
@@ -6946,10 +6909,10 @@
           <a:lstStyle/>
           <a:p>
             <a:r>
-              <a:rPr lang="en-US" dirty="0"/>
+              <a:rPr lang="en-US" b="1" dirty="0"/>
               <a:t>Structure of User Test</a:t>
             </a:r>
-            <a:endParaRPr lang="en-GB" dirty="0"/>
+            <a:endParaRPr lang="en-GB" b="1" dirty="0"/>
           </a:p>
         </p:txBody>
       </p:sp>
@@ -6971,31 +6934,33 @@
         </p:nvSpPr>
         <p:spPr/>
         <p:txBody>
-          <a:bodyPr/>
-          <a:lstStyle/>
-          <a:p>
-            <a:r>
-              <a:rPr lang="en-US" dirty="0"/>
+          <a:bodyPr>
+            <a:normAutofit/>
+          </a:bodyPr>
+          <a:lstStyle/>
+          <a:p>
+            <a:r>
+              <a:rPr lang="en-US" sz="2400" dirty="0"/>
               <a:t>We will have structured tests with one person, in which metrics are used to reveal where the app excels or falls short</a:t>
             </a:r>
           </a:p>
           <a:p>
             <a:r>
-              <a:rPr lang="en-US" dirty="0"/>
+              <a:rPr lang="en-US" sz="2400" dirty="0"/>
               <a:t>They will be monitored to assess their outwardly visible experience with the app, and their interactions will be </a:t>
             </a:r>
             <a:r>
-              <a:rPr lang="en-GB" dirty="0"/>
+              <a:rPr lang="en-GB" sz="2400" dirty="0"/>
               <a:t>analysed</a:t>
             </a:r>
             <a:r>
-              <a:rPr lang="en-US" dirty="0"/>
+              <a:rPr lang="en-US" sz="2400" dirty="0"/>
               <a:t>.</a:t>
             </a:r>
           </a:p>
           <a:p>
             <a:r>
-              <a:rPr lang="en-US" dirty="0"/>
+              <a:rPr lang="en-US" sz="2400" dirty="0"/>
               <a:t>After the test, there will be a questionnaire that is intended to reveal the user’s internal thoughts and experiences</a:t>
             </a:r>
           </a:p>
@@ -7053,10 +7018,10 @@
           <a:lstStyle/>
           <a:p>
             <a:r>
-              <a:rPr lang="en-US" dirty="0"/>
+              <a:rPr lang="en-US" b="1" dirty="0"/>
               <a:t>Metrics of User Test</a:t>
             </a:r>
-            <a:endParaRPr lang="en-GB" dirty="0"/>
+            <a:endParaRPr lang="en-GB" b="1" dirty="0"/>
           </a:p>
         </p:txBody>
       </p:sp>
@@ -7072,7 +7037,13 @@
           <p:cNvGraphicFramePr>
             <a:graphicFrameLocks noGrp="1"/>
           </p:cNvGraphicFramePr>
-          <p:nvPr/>
+          <p:nvPr>
+            <p:extLst>
+              <p:ext uri="{D42A27DB-BD31-4B8C-83A1-F6EECF244321}">
+                <p14:modId xmlns:p14="http://schemas.microsoft.com/office/powerpoint/2010/main" val="1528296952"/>
+              </p:ext>
+            </p:extLst>
+          </p:nvPr>
         </p:nvGraphicFramePr>
         <p:xfrm>
           <a:off x="1052051" y="1474840"/>
@@ -7403,10 +7374,10 @@
           <a:lstStyle/>
           <a:p>
             <a:r>
-              <a:rPr lang="en-US" dirty="0"/>
+              <a:rPr lang="en-US" b="1" dirty="0"/>
               <a:t>Life Cycle of User Tests</a:t>
             </a:r>
-            <a:endParaRPr lang="en-GB" dirty="0"/>
+            <a:endParaRPr lang="en-GB" b="1" dirty="0"/>
           </a:p>
         </p:txBody>
       </p:sp>
@@ -7435,7 +7406,7 @@
               <a:buNone/>
             </a:pPr>
             <a:r>
-              <a:rPr lang="en-US" dirty="0"/>
+              <a:rPr lang="en-US" sz="2400" dirty="0"/>
               <a:t>Here are the planned steps to our future tests</a:t>
             </a:r>
           </a:p>
@@ -7445,7 +7416,7 @@
               <a:buAutoNum type="arabicPeriod"/>
             </a:pPr>
             <a:r>
-              <a:rPr lang="en-US" dirty="0"/>
+              <a:rPr lang="en-US" sz="2400" dirty="0"/>
               <a:t>Find a suitable person to act as a user</a:t>
             </a:r>
           </a:p>
@@ -7455,7 +7426,7 @@
               <a:buAutoNum type="arabicPeriod"/>
             </a:pPr>
             <a:r>
-              <a:rPr lang="en-US" dirty="0"/>
+              <a:rPr lang="en-US" sz="2400" dirty="0"/>
               <a:t>Conduct an evaluation of the product UI/hardware</a:t>
             </a:r>
           </a:p>
@@ -7465,7 +7436,7 @@
               <a:buAutoNum type="arabicPeriod"/>
             </a:pPr>
             <a:r>
-              <a:rPr lang="en-US" dirty="0"/>
+              <a:rPr lang="en-US" sz="2400" dirty="0"/>
               <a:t>Perform an interview with the user</a:t>
             </a:r>
           </a:p>
@@ -7475,11 +7446,11 @@
               <a:buAutoNum type="arabicPeriod"/>
             </a:pPr>
             <a:r>
-              <a:rPr lang="en-US" dirty="0" err="1"/>
+              <a:rPr lang="en-US" sz="2400" dirty="0" err="1"/>
               <a:t>Analyse</a:t>
             </a:r>
             <a:r>
-              <a:rPr lang="en-US" dirty="0"/>
+              <a:rPr lang="en-US" sz="2400" dirty="0"/>
               <a:t> results and guide project development with findings</a:t>
             </a:r>
           </a:p>
@@ -7489,14 +7460,9 @@
               <a:buAutoNum type="arabicPeriod"/>
             </a:pPr>
             <a:r>
-              <a:rPr lang="en-US" dirty="0"/>
-              <a:t>Repeat 1-4 until development </a:t>
-            </a:r>
-            <a:r>
-              <a:rPr lang="en-US"/>
-              <a:t>is complete!</a:t>
-            </a:r>
-            <a:endParaRPr lang="en-US" dirty="0"/>
+              <a:rPr lang="en-US" sz="2400" dirty="0"/>
+              <a:t>Repeat 1-4 until development is complete!</a:t>
+            </a:r>
           </a:p>
           <a:p>
             <a:pPr marL="514350" indent="-514350">
@@ -7565,7 +7531,7 @@
           <a:lstStyle/>
           <a:p>
             <a:r>
-              <a:rPr lang="en-GB" dirty="0"/>
+              <a:rPr lang="en-GB" b="1" dirty="0"/>
               <a:t>Get to know the idea</a:t>
             </a:r>
           </a:p>
@@ -7597,32 +7563,17 @@
               <a:buChar char="•"/>
             </a:pPr>
             <a:r>
-              <a:rPr lang="en-US" sz="1800" b="0" i="0" u="none" strike="noStrike" dirty="0">
-                <a:solidFill>
-                  <a:srgbClr val="404040"/>
-                </a:solidFill>
+              <a:rPr lang="en-US" sz="2400" b="0" i="0" u="none" strike="noStrike" dirty="0">
                 <a:effectLst/>
-                <a:latin typeface="Trebuchet MS" panose="020B0603020202020204" pitchFamily="34" charset="0"/>
               </a:rPr>
               <a:t>We wish to improve the current landscape of medication boxes, by adding an IoT system on top of existing implementations.</a:t>
             </a:r>
             <a:r>
-              <a:rPr lang="en-US" sz="1800" b="0" i="0" dirty="0">
-                <a:solidFill>
-                  <a:srgbClr val="404040"/>
-                </a:solidFill>
+              <a:rPr lang="en-US" sz="2400" b="0" i="0" dirty="0">
                 <a:effectLst/>
-                <a:latin typeface="Trebuchet MS" panose="020B0603020202020204" pitchFamily="34" charset="0"/>
               </a:rPr>
               <a:t>​</a:t>
             </a:r>
-            <a:endParaRPr lang="en-US" b="0" i="0" dirty="0">
-              <a:solidFill>
-                <a:srgbClr val="000000"/>
-              </a:solidFill>
-              <a:effectLst/>
-              <a:latin typeface="Arial" panose="020B0604020202020204" pitchFamily="34" charset="0"/>
-            </a:endParaRPr>
           </a:p>
           <a:p>
             <a:pPr algn="l" rtl="0" fontAlgn="base">
@@ -7630,32 +7581,17 @@
               <a:buChar char="•"/>
             </a:pPr>
             <a:r>
-              <a:rPr lang="en-US" sz="1800" b="0" i="0" u="none" strike="noStrike" dirty="0">
-                <a:solidFill>
-                  <a:srgbClr val="404040"/>
-                </a:solidFill>
+              <a:rPr lang="en-US" sz="2400" b="0" i="0" u="none" strike="noStrike" dirty="0">
                 <a:effectLst/>
-                <a:latin typeface="Trebuchet MS" panose="020B0603020202020204" pitchFamily="34" charset="0"/>
               </a:rPr>
               <a:t>This will allow users to effectively keep track of what medication they should or shouldn’t take.</a:t>
             </a:r>
             <a:r>
-              <a:rPr lang="en-US" sz="1800" b="0" i="0" dirty="0">
-                <a:solidFill>
-                  <a:srgbClr val="404040"/>
-                </a:solidFill>
+              <a:rPr lang="en-US" sz="2400" b="0" i="0" dirty="0">
                 <a:effectLst/>
-                <a:latin typeface="Trebuchet MS" panose="020B0603020202020204" pitchFamily="34" charset="0"/>
               </a:rPr>
               <a:t>​</a:t>
             </a:r>
-            <a:endParaRPr lang="en-US" b="0" i="0" dirty="0">
-              <a:solidFill>
-                <a:srgbClr val="000000"/>
-              </a:solidFill>
-              <a:effectLst/>
-              <a:latin typeface="Arial" panose="020B0604020202020204" pitchFamily="34" charset="0"/>
-            </a:endParaRPr>
           </a:p>
           <a:p>
             <a:pPr algn="l" rtl="0" fontAlgn="base">
@@ -7663,12 +7599,8 @@
               <a:buChar char="•"/>
             </a:pPr>
             <a:r>
-              <a:rPr lang="en-US" sz="1800" b="0" i="0" u="none" strike="noStrike" dirty="0">
-                <a:solidFill>
-                  <a:srgbClr val="404040"/>
-                </a:solidFill>
+              <a:rPr lang="en-US" sz="2400" b="0" i="0" u="none" strike="noStrike" dirty="0">
                 <a:effectLst/>
-                <a:latin typeface="Trebuchet MS" panose="020B0603020202020204" pitchFamily="34" charset="0"/>
               </a:rPr>
               <a:t>This information will be conveyed through hardware and notifications.</a:t>
             </a:r>
@@ -7679,52 +7611,17 @@
               <a:buChar char="•"/>
             </a:pPr>
             <a:r>
-              <a:rPr lang="en-US" sz="1800" b="0" i="0" dirty="0">
-                <a:solidFill>
-                  <a:srgbClr val="404040"/>
-                </a:solidFill>
+              <a:rPr lang="en-US" sz="2400" b="0" i="0" dirty="0">
                 <a:effectLst/>
-                <a:latin typeface="Trebuchet MS" panose="020B0603020202020204" pitchFamily="34" charset="0"/>
               </a:rPr>
               <a:t>Users who are forgetful or stressed may benefit from our </a:t>
             </a:r>
             <a:r>
-              <a:rPr lang="en-GB" sz="1800" b="0" i="0" dirty="0">
-                <a:solidFill>
-                  <a:srgbClr val="404040"/>
-                </a:solidFill>
+              <a:rPr lang="en-GB" sz="2400" b="0" i="0" dirty="0">
                 <a:effectLst/>
-                <a:latin typeface="Trebuchet MS" panose="020B0603020202020204" pitchFamily="34" charset="0"/>
               </a:rPr>
-              <a:t>idea, as the resulting product should provide timely, easy-to-digest notifications. This will </a:t>
-            </a:r>
-            <a:r>
-              <a:rPr lang="en-GB" sz="1800" b="0" i="0">
-                <a:solidFill>
-                  <a:srgbClr val="404040"/>
-                </a:solidFill>
-                <a:effectLst/>
-                <a:latin typeface="Trebuchet MS" panose="020B0603020202020204" pitchFamily="34" charset="0"/>
-              </a:rPr>
-              <a:t>help lighten the </a:t>
-            </a:r>
-            <a:r>
-              <a:rPr lang="en-GB" sz="1800" b="0" i="0" dirty="0">
-                <a:solidFill>
-                  <a:srgbClr val="404040"/>
-                </a:solidFill>
-                <a:effectLst/>
-                <a:latin typeface="Trebuchet MS" panose="020B0603020202020204" pitchFamily="34" charset="0"/>
-              </a:rPr>
-              <a:t>burden of managing medication off the user’s mind.</a:t>
-            </a:r>
-            <a:endParaRPr lang="en-GB" b="0" i="0" dirty="0">
-              <a:solidFill>
-                <a:srgbClr val="000000"/>
-              </a:solidFill>
-              <a:effectLst/>
-              <a:latin typeface="Arial" panose="020B0604020202020204" pitchFamily="34" charset="0"/>
-            </a:endParaRPr>
+              <a:t>idea, as the resulting product should provide timely, easy-to-digest notifications. This will help lighten the burden of managing medication off the user’s mind.</a:t>
+            </a:r>
           </a:p>
           <a:p>
             <a:endParaRPr lang="en-GB" dirty="0"/>
@@ -7783,10 +7680,10 @@
           <a:lstStyle/>
           <a:p>
             <a:r>
-              <a:rPr lang="en-US" dirty="0"/>
+              <a:rPr lang="en-US" b="1" dirty="0"/>
               <a:t>Functionality M &amp; S</a:t>
             </a:r>
-            <a:endParaRPr lang="en-IE" dirty="0"/>
+            <a:endParaRPr lang="en-IE" b="1" dirty="0"/>
           </a:p>
         </p:txBody>
       </p:sp>
@@ -8140,7 +8037,7 @@
           <a:lstStyle/>
           <a:p>
             <a:r>
-              <a:rPr lang="en-IE" dirty="0"/>
+              <a:rPr lang="en-IE" b="1" dirty="0"/>
               <a:t>Functionality C &amp; W</a:t>
             </a:r>
           </a:p>
@@ -8321,7 +8218,7 @@
         <p:spPr>
           <a:xfrm>
             <a:off x="595435" y="2237900"/>
-            <a:ext cx="5257799" cy="2677656"/>
+            <a:ext cx="5257799" cy="2308324"/>
           </a:xfrm>
           <a:prstGeom prst="rect">
             <a:avLst/>
@@ -8339,7 +8236,7 @@
               <a:buChar char="•"/>
             </a:pPr>
             <a:r>
-              <a:rPr lang="en-US" sz="2800" dirty="0"/>
+              <a:rPr lang="en-US" sz="2400" dirty="0"/>
               <a:t>Store a record of previous days.</a:t>
             </a:r>
           </a:p>
@@ -8349,7 +8246,7 @@
               <a:buChar char="•"/>
             </a:pPr>
             <a:r>
-              <a:rPr lang="en-US" sz="2800" dirty="0"/>
+              <a:rPr lang="en-US" sz="2400" dirty="0"/>
               <a:t>Audio version of notifications.</a:t>
             </a:r>
           </a:p>
@@ -8359,7 +8256,7 @@
               <a:buChar char="•"/>
             </a:pPr>
             <a:r>
-              <a:rPr lang="en-US" sz="2800" dirty="0"/>
+              <a:rPr lang="en-US" sz="2400" dirty="0"/>
               <a:t>Locking</a:t>
             </a:r>
           </a:p>
@@ -8369,7 +8266,7 @@
               <a:buChar char="•"/>
             </a:pPr>
             <a:r>
-              <a:rPr lang="en-US" sz="2800" dirty="0"/>
+              <a:rPr lang="en-US" sz="2400" dirty="0"/>
               <a:t>It should be either portable or able to handle the user travelling without the box.</a:t>
             </a:r>
           </a:p>
@@ -8390,7 +8287,7 @@
         <p:spPr>
           <a:xfrm>
             <a:off x="5853234" y="2223044"/>
-            <a:ext cx="5257799" cy="954107"/>
+            <a:ext cx="5257799" cy="830997"/>
           </a:xfrm>
           <a:prstGeom prst="rect">
             <a:avLst/>
@@ -8408,7 +8305,7 @@
               <a:buChar char="•"/>
             </a:pPr>
             <a:r>
-              <a:rPr lang="en-US" sz="2800" dirty="0"/>
+              <a:rPr lang="en-US" sz="2400" dirty="0"/>
               <a:t>Location tracking.</a:t>
             </a:r>
           </a:p>
@@ -8418,7 +8315,7 @@
               <a:buChar char="•"/>
             </a:pPr>
             <a:r>
-              <a:rPr lang="en-US" sz="2800" dirty="0"/>
+              <a:rPr lang="en-US" sz="2400" dirty="0"/>
               <a:t>Emergency contact button.</a:t>
             </a:r>
           </a:p>
@@ -8627,7 +8524,7 @@
           <a:lstStyle/>
           <a:p>
             <a:r>
-              <a:rPr lang="en-US" sz="4000" kern="1200" dirty="0">
+              <a:rPr lang="en-US" b="1" kern="1200" dirty="0">
                 <a:solidFill>
                   <a:schemeClr val="tx1"/>
                 </a:solidFill>
@@ -8692,7 +8589,7 @@
           <a:lstStyle/>
           <a:p>
             <a:r>
-              <a:rPr lang="en-IE" dirty="0"/>
+              <a:rPr lang="en-IE" b="1" dirty="0"/>
               <a:t>How users connect</a:t>
             </a:r>
           </a:p>
@@ -8721,14 +8618,16 @@
           </a:xfrm>
         </p:spPr>
         <p:txBody>
-          <a:bodyPr/>
+          <a:bodyPr>
+            <a:normAutofit/>
+          </a:bodyPr>
           <a:lstStyle/>
           <a:p>
             <a:pPr marL="0" indent="0">
               <a:buNone/>
             </a:pPr>
             <a:r>
-              <a:rPr lang="en-IE" dirty="0"/>
+              <a:rPr lang="en-IE" sz="2400" dirty="0"/>
               <a:t>The application will absolutely start off available on desktop/laptops as most of our target audience is more comfortable with these devices. </a:t>
             </a:r>
           </a:p>
@@ -8736,14 +8635,14 @@
             <a:pPr marL="0" indent="0">
               <a:buNone/>
             </a:pPr>
-            <a:endParaRPr lang="en-IE" dirty="0"/>
+            <a:endParaRPr lang="en-IE" sz="2400" dirty="0"/>
           </a:p>
           <a:p>
             <a:pPr marL="0" indent="0">
               <a:buNone/>
             </a:pPr>
             <a:r>
-              <a:rPr lang="en-IE" dirty="0"/>
+              <a:rPr lang="en-IE" sz="2400" dirty="0"/>
               <a:t>However, many users may also be comfortable using mobile devices. Therefore, we are considering the potential of developing a progressive web app to cater for both desktop and mobile users.</a:t>
             </a:r>
           </a:p>
@@ -8808,7 +8707,7 @@
           <a:lstStyle/>
           <a:p>
             <a:r>
-              <a:rPr lang="en-IE" dirty="0"/>
+              <a:rPr lang="en-IE" b="1" dirty="0"/>
               <a:t>How we can tell if the project has been successful or not.</a:t>
             </a:r>
           </a:p>
@@ -8838,24 +8737,24 @@
         </p:spPr>
         <p:txBody>
           <a:bodyPr>
-            <a:normAutofit/>
+            <a:noAutofit/>
           </a:bodyPr>
           <a:lstStyle/>
           <a:p>
             <a:r>
-              <a:rPr lang="en-IE" sz="2000" dirty="0"/>
+              <a:rPr lang="en-IE" sz="2400" dirty="0"/>
               <a:t>To assess the success of the project we can calculate the ratio of a user's {“missed” : “true”} to {“missed : “false”}.</a:t>
             </a:r>
           </a:p>
           <a:p>
             <a:r>
-              <a:rPr lang="en-IE" sz="2000" dirty="0"/>
+              <a:rPr lang="en-IE" sz="2400" dirty="0"/>
               <a:t> If the ratio of {“missed” : “true”} to {“missed : “false”} is low, it indicates that the user has stuck to their medication regimen.</a:t>
             </a:r>
           </a:p>
           <a:p>
             <a:r>
-              <a:rPr lang="en-IE" sz="2000" dirty="0"/>
+              <a:rPr lang="en-IE" sz="2400" dirty="0"/>
               <a:t>If the ratio of {“missed” : “true”} to {“missed : “false”} is high, it indicates that the user has frequently missed taking.</a:t>
             </a:r>
           </a:p>
@@ -8959,10 +8858,10 @@
           <a:lstStyle/>
           <a:p>
             <a:r>
-              <a:rPr lang="en-US" dirty="0"/>
+              <a:rPr lang="en-US" b="1" dirty="0"/>
               <a:t>Initial UI Sketch</a:t>
             </a:r>
-            <a:endParaRPr lang="en-GB" dirty="0"/>
+            <a:endParaRPr lang="en-GB" b="1" dirty="0"/>
           </a:p>
         </p:txBody>
       </p:sp>

--- a/Screencast_PowerPoint.pptx
+++ b/Screencast_PowerPoint.pptx
@@ -5136,25 +5136,7 @@
                 </a:solidFill>
                 <a:ea typeface="DejaVu Sans"/>
               </a:rPr>
-              <a:t>	- 0mV </a:t>
-            </a:r>
-            <a:r>
-              <a:rPr lang="en-IE" sz="2400" b="0" strike="noStrike" spc="-1" dirty="0" err="1">
-                <a:solidFill>
-                  <a:srgbClr val="000000"/>
-                </a:solidFill>
-                <a:ea typeface="DejaVu Sans"/>
-              </a:rPr>
-              <a:t>reprensents</a:t>
-            </a:r>
-            <a:r>
-              <a:rPr lang="en-IE" sz="2400" b="0" strike="noStrike" spc="-1" dirty="0">
-                <a:solidFill>
-                  <a:srgbClr val="000000"/>
-                </a:solidFill>
-                <a:ea typeface="DejaVu Sans"/>
-              </a:rPr>
-              <a:t> no force</a:t>
+              <a:t>	- 0mV represents no force</a:t>
             </a:r>
             <a:endParaRPr lang="en-IE" sz="2400" b="0" strike="noStrike" spc="-1" dirty="0"/>
           </a:p>
@@ -6536,15 +6518,7 @@
           <a:p>
             <a:r>
               <a:rPr lang="en-IE" sz="2400" b="0" strike="noStrike" spc="-1" dirty="0"/>
-              <a:t>Get the 30 most recent </a:t>
-            </a:r>
-            <a:r>
-              <a:rPr lang="en-IE" sz="2400" b="0" strike="noStrike" spc="-1" dirty="0" err="1"/>
-              <a:t>histroy</a:t>
-            </a:r>
-            <a:r>
-              <a:rPr lang="en-IE" sz="2400" b="0" strike="noStrike" spc="-1" dirty="0"/>
-              <a:t> entries.</a:t>
+              <a:t>Get the 30 most recent history entries.</a:t>
             </a:r>
           </a:p>
         </p:txBody>
@@ -7437,7 +7411,15 @@
             </a:pPr>
             <a:r>
               <a:rPr lang="en-US" sz="2400" dirty="0"/>
-              <a:t>Perform an interview with the user</a:t>
+              <a:t>Perform an </a:t>
+            </a:r>
+            <a:r>
+              <a:rPr lang="en-GB" sz="2400" dirty="0"/>
+              <a:t>interview</a:t>
+            </a:r>
+            <a:r>
+              <a:rPr lang="en-US" sz="2400" dirty="0"/>
+              <a:t> with the user</a:t>
             </a:r>
           </a:p>
           <a:p>
@@ -7446,12 +7428,8 @@
               <a:buAutoNum type="arabicPeriod"/>
             </a:pPr>
             <a:r>
-              <a:rPr lang="en-US" sz="2400" dirty="0" err="1"/>
-              <a:t>Analyse</a:t>
-            </a:r>
-            <a:r>
               <a:rPr lang="en-US" sz="2400" dirty="0"/>
-              <a:t> results and guide project development with findings</a:t>
+              <a:t>Analyze results and guide project development with findings</a:t>
             </a:r>
           </a:p>
           <a:p>

--- a/Screencast_PowerPoint.pptx
+++ b/Screencast_PowerPoint.pptx
@@ -5192,15 +5192,6 @@
               </a:lnSpc>
               <a:buNone/>
             </a:pPr>
-            <a:endParaRPr lang="en-IE" sz="2400" b="0" strike="noStrike" spc="-1" dirty="0"/>
-          </a:p>
-          <a:p>
-            <a:pPr>
-              <a:lnSpc>
-                <a:spcPct val="100000"/>
-              </a:lnSpc>
-              <a:buNone/>
-            </a:pPr>
             <a:r>
               <a:rPr lang="en-IE" sz="2400" b="0" strike="noStrike" spc="-1" dirty="0">
                 <a:solidFill>
@@ -5280,7 +5271,7 @@
         </p:blipFill>
         <p:spPr>
           <a:xfrm>
-            <a:off x="7560000" y="1416240"/>
+            <a:off x="7557840" y="765790"/>
             <a:ext cx="4020120" cy="2856600"/>
           </a:xfrm>
           <a:prstGeom prst="rect">

--- a/Screencast_PowerPoint.pptx
+++ b/Screencast_PowerPoint.pptx
@@ -20,16 +20,17 @@
     <p:sldId id="268" r:id="rId14"/>
     <p:sldId id="269" r:id="rId15"/>
     <p:sldId id="280" r:id="rId16"/>
-    <p:sldId id="270" r:id="rId17"/>
-    <p:sldId id="271" r:id="rId18"/>
-    <p:sldId id="272" r:id="rId19"/>
-    <p:sldId id="273" r:id="rId20"/>
-    <p:sldId id="274" r:id="rId21"/>
-    <p:sldId id="275" r:id="rId22"/>
-    <p:sldId id="276" r:id="rId23"/>
-    <p:sldId id="277" r:id="rId24"/>
-    <p:sldId id="278" r:id="rId25"/>
-    <p:sldId id="279" r:id="rId26"/>
+    <p:sldId id="282" r:id="rId17"/>
+    <p:sldId id="270" r:id="rId18"/>
+    <p:sldId id="271" r:id="rId19"/>
+    <p:sldId id="272" r:id="rId20"/>
+    <p:sldId id="273" r:id="rId21"/>
+    <p:sldId id="274" r:id="rId22"/>
+    <p:sldId id="275" r:id="rId23"/>
+    <p:sldId id="276" r:id="rId24"/>
+    <p:sldId id="277" r:id="rId25"/>
+    <p:sldId id="278" r:id="rId26"/>
+    <p:sldId id="279" r:id="rId27"/>
   </p:sldIdLst>
   <p:sldSz cx="12192000" cy="6858000"/>
   <p:notesSz cx="6858000" cy="9144000"/>
@@ -4570,6 +4571,122 @@
       </p:grpSpPr>
       <p:sp>
         <p:nvSpPr>
+          <p:cNvPr id="2" name="Title 1">
+            <a:extLst>
+              <a:ext uri="{FF2B5EF4-FFF2-40B4-BE49-F238E27FC236}">
+                <a16:creationId xmlns:a16="http://schemas.microsoft.com/office/drawing/2014/main" id="{9C033677-6058-80CC-C478-27183A73C953}"/>
+              </a:ext>
+            </a:extLst>
+          </p:cNvPr>
+          <p:cNvSpPr>
+            <a:spLocks noGrp="1"/>
+          </p:cNvSpPr>
+          <p:nvPr>
+            <p:ph type="title"/>
+          </p:nvPr>
+        </p:nvSpPr>
+        <p:spPr/>
+        <p:txBody>
+          <a:bodyPr/>
+          <a:lstStyle/>
+          <a:p>
+            <a:r>
+              <a:rPr lang="en-GB" b="1" dirty="0"/>
+              <a:t>Physical</a:t>
+            </a:r>
+            <a:r>
+              <a:rPr lang="en-GB" dirty="0"/>
+              <a:t> </a:t>
+            </a:r>
+            <a:r>
+              <a:rPr lang="en-GB" b="1" dirty="0"/>
+              <a:t>Security</a:t>
+            </a:r>
+            <a:endParaRPr lang="en-IE" b="1" dirty="0"/>
+          </a:p>
+        </p:txBody>
+      </p:sp>
+      <p:sp>
+        <p:nvSpPr>
+          <p:cNvPr id="3" name="Content Placeholder 2">
+            <a:extLst>
+              <a:ext uri="{FF2B5EF4-FFF2-40B4-BE49-F238E27FC236}">
+                <a16:creationId xmlns:a16="http://schemas.microsoft.com/office/drawing/2014/main" id="{CF990485-C4AC-24AA-836B-A016CC2B3E3F}"/>
+              </a:ext>
+            </a:extLst>
+          </p:cNvPr>
+          <p:cNvSpPr>
+            <a:spLocks noGrp="1"/>
+          </p:cNvSpPr>
+          <p:nvPr>
+            <p:ph idx="1"/>
+          </p:nvPr>
+        </p:nvSpPr>
+        <p:spPr/>
+        <p:txBody>
+          <a:bodyPr/>
+          <a:lstStyle/>
+          <a:p>
+            <a:r>
+              <a:rPr lang="en-GB" sz="2400" dirty="0"/>
+              <a:t>The hardware will be built into the box to protect it from the environment.</a:t>
+            </a:r>
+          </a:p>
+          <a:p>
+            <a:r>
+              <a:rPr lang="en-GB" sz="2400" dirty="0"/>
+              <a:t>The Pi will be mounted to the box using 4 M2.5 screws so it will not be damaged if the box is dropped or hit.</a:t>
+            </a:r>
+          </a:p>
+          <a:p>
+            <a:r>
+              <a:rPr lang="en-GB" sz="2400" dirty="0"/>
+              <a:t>We plan on blocking off ports using Linux’s IPtables command.</a:t>
+            </a:r>
+          </a:p>
+          <a:p>
+            <a:r>
+              <a:rPr lang="en-GB" sz="2400" dirty="0"/>
+              <a:t>This will stop unauthorized access to the box’s software.</a:t>
+            </a:r>
+          </a:p>
+          <a:p>
+            <a:endParaRPr lang="en-IE" dirty="0"/>
+          </a:p>
+        </p:txBody>
+      </p:sp>
+    </p:spTree>
+    <p:extLst>
+      <p:ext uri="{BB962C8B-B14F-4D97-AF65-F5344CB8AC3E}">
+        <p14:creationId xmlns:p14="http://schemas.microsoft.com/office/powerpoint/2010/main" val="3469279610"/>
+      </p:ext>
+    </p:extLst>
+  </p:cSld>
+  <p:clrMapOvr>
+    <a:masterClrMapping/>
+  </p:clrMapOvr>
+</p:sld>
+</file>
+
+<file path=ppt/slides/slide17.xml><?xml version="1.0" encoding="utf-8"?>
+<p:sld xmlns:a="http://schemas.openxmlformats.org/drawingml/2006/main" xmlns:r="http://schemas.openxmlformats.org/officeDocument/2006/relationships" xmlns:p="http://schemas.openxmlformats.org/presentationml/2006/main">
+  <p:cSld>
+    <p:spTree>
+      <p:nvGrpSpPr>
+        <p:cNvPr id="1" name=""/>
+        <p:cNvGrpSpPr/>
+        <p:nvPr/>
+      </p:nvGrpSpPr>
+      <p:grpSpPr>
+        <a:xfrm>
+          <a:off x="0" y="0"/>
+          <a:ext cx="0" cy="0"/>
+          <a:chOff x="0" y="0"/>
+          <a:chExt cx="0" cy="0"/>
+        </a:xfrm>
+      </p:grpSpPr>
+      <p:sp>
+        <p:nvSpPr>
           <p:cNvPr id="164" name="PlaceHolder 1"/>
           <p:cNvSpPr>
             <a:spLocks noGrp="1"/>
@@ -4727,7 +4844,7 @@
 </p:sld>
 </file>
 
-<file path=ppt/slides/slide17.xml><?xml version="1.0" encoding="utf-8"?>
+<file path=ppt/slides/slide18.xml><?xml version="1.0" encoding="utf-8"?>
 <p:sld xmlns:a="http://schemas.openxmlformats.org/drawingml/2006/main" xmlns:r="http://schemas.openxmlformats.org/officeDocument/2006/relationships" xmlns:p="http://schemas.openxmlformats.org/presentationml/2006/main">
   <p:cSld>
     <p:spTree>
@@ -4973,7 +5090,7 @@
 </p:sld>
 </file>
 
-<file path=ppt/slides/slide18.xml><?xml version="1.0" encoding="utf-8"?>
+<file path=ppt/slides/slide19.xml><?xml version="1.0" encoding="utf-8"?>
 <p:sld xmlns:a="http://schemas.openxmlformats.org/drawingml/2006/main" xmlns:r="http://schemas.openxmlformats.org/officeDocument/2006/relationships" xmlns:p="http://schemas.openxmlformats.org/presentationml/2006/main">
   <p:cSld>
     <p:spTree>
@@ -5290,336 +5407,6 @@
 </p:sld>
 </file>
 
-<file path=ppt/slides/slide19.xml><?xml version="1.0" encoding="utf-8"?>
-<p:sld xmlns:a="http://schemas.openxmlformats.org/drawingml/2006/main" xmlns:r="http://schemas.openxmlformats.org/officeDocument/2006/relationships" xmlns:p="http://schemas.openxmlformats.org/presentationml/2006/main">
-  <p:cSld>
-    <p:spTree>
-      <p:nvGrpSpPr>
-        <p:cNvPr id="1" name=""/>
-        <p:cNvGrpSpPr/>
-        <p:nvPr/>
-      </p:nvGrpSpPr>
-      <p:grpSpPr>
-        <a:xfrm>
-          <a:off x="0" y="0"/>
-          <a:ext cx="0" cy="0"/>
-          <a:chOff x="0" y="0"/>
-          <a:chExt cx="0" cy="0"/>
-        </a:xfrm>
-      </p:grpSpPr>
-      <p:sp>
-        <p:nvSpPr>
-          <p:cNvPr id="174" name="PlaceHolder 1"/>
-          <p:cNvSpPr>
-            <a:spLocks noGrp="1"/>
-          </p:cNvSpPr>
-          <p:nvPr>
-            <p:ph type="title"/>
-          </p:nvPr>
-        </p:nvSpPr>
-        <p:spPr>
-          <a:xfrm>
-            <a:off x="609480" y="273600"/>
-            <a:ext cx="10968480" cy="1140840"/>
-          </a:xfrm>
-          <a:prstGeom prst="rect">
-            <a:avLst/>
-          </a:prstGeom>
-          <a:noFill/>
-          <a:ln w="0">
-            <a:noFill/>
-          </a:ln>
-        </p:spPr>
-        <p:txBody>
-          <a:bodyPr lIns="0" tIns="0" rIns="0" bIns="0" anchor="ctr">
-            <a:noAutofit/>
-          </a:bodyPr>
-          <a:lstStyle/>
-          <a:p>
-            <a:pPr>
-              <a:lnSpc>
-                <a:spcPct val="100000"/>
-              </a:lnSpc>
-              <a:buNone/>
-            </a:pPr>
-            <a:r>
-              <a:rPr lang="en-IE" sz="4400" b="1" strike="noStrike" spc="-1" dirty="0"/>
-              <a:t>Data Gathering - User</a:t>
-            </a:r>
-          </a:p>
-        </p:txBody>
-      </p:sp>
-      <p:sp>
-        <p:nvSpPr>
-          <p:cNvPr id="175" name="Rectangle 174"/>
-          <p:cNvSpPr/>
-          <p:nvPr/>
-        </p:nvSpPr>
-        <p:spPr>
-          <a:xfrm>
-            <a:off x="515520" y="1414440"/>
-            <a:ext cx="11156400" cy="1878480"/>
-          </a:xfrm>
-          <a:prstGeom prst="rect">
-            <a:avLst/>
-          </a:prstGeom>
-          <a:noFill/>
-          <a:ln w="0">
-            <a:noFill/>
-          </a:ln>
-        </p:spPr>
-        <p:style>
-          <a:lnRef idx="0">
-            <a:scrgbClr r="0" g="0" b="0"/>
-          </a:lnRef>
-          <a:fillRef idx="0">
-            <a:scrgbClr r="0" g="0" b="0"/>
-          </a:fillRef>
-          <a:effectRef idx="0">
-            <a:scrgbClr r="0" g="0" b="0"/>
-          </a:effectRef>
-          <a:fontRef idx="minor"/>
-        </p:style>
-        <p:txBody>
-          <a:bodyPr lIns="90000" tIns="45000" rIns="90000" bIns="45000" anchor="t">
-            <a:noAutofit/>
-          </a:bodyPr>
-          <a:lstStyle/>
-          <a:p>
-            <a:pPr>
-              <a:lnSpc>
-                <a:spcPct val="100000"/>
-              </a:lnSpc>
-              <a:buNone/>
-            </a:pPr>
-            <a:r>
-              <a:rPr lang="en-IE" sz="2400" b="0" strike="noStrike" spc="-1" dirty="0">
-                <a:solidFill>
-                  <a:srgbClr val="000000"/>
-                </a:solidFill>
-                <a:ea typeface="DejaVu Sans"/>
-              </a:rPr>
-              <a:t>User Data</a:t>
-            </a:r>
-            <a:endParaRPr lang="en-IE" sz="2400" b="0" strike="noStrike" spc="-1" dirty="0"/>
-          </a:p>
-          <a:p>
-            <a:pPr>
-              <a:lnSpc>
-                <a:spcPct val="100000"/>
-              </a:lnSpc>
-              <a:buNone/>
-            </a:pPr>
-            <a:r>
-              <a:rPr lang="en-IE" sz="2400" b="0" strike="noStrike" spc="-1" dirty="0">
-                <a:solidFill>
-                  <a:srgbClr val="000000"/>
-                </a:solidFill>
-                <a:ea typeface="DejaVu Sans"/>
-              </a:rPr>
-              <a:t>	- User email</a:t>
-            </a:r>
-            <a:endParaRPr lang="en-IE" sz="2400" b="0" strike="noStrike" spc="-1" dirty="0"/>
-          </a:p>
-          <a:p>
-            <a:pPr>
-              <a:lnSpc>
-                <a:spcPct val="100000"/>
-              </a:lnSpc>
-              <a:buNone/>
-            </a:pPr>
-            <a:r>
-              <a:rPr lang="en-IE" sz="2400" b="0" strike="noStrike" spc="-1" dirty="0">
-                <a:solidFill>
-                  <a:srgbClr val="000000"/>
-                </a:solidFill>
-                <a:ea typeface="DejaVu Sans"/>
-              </a:rPr>
-              <a:t>	- Password</a:t>
-            </a:r>
-            <a:endParaRPr lang="en-IE" sz="2400" b="0" strike="noStrike" spc="-1" dirty="0"/>
-          </a:p>
-          <a:p>
-            <a:pPr>
-              <a:lnSpc>
-                <a:spcPct val="100000"/>
-              </a:lnSpc>
-              <a:buNone/>
-            </a:pPr>
-            <a:r>
-              <a:rPr lang="en-IE" sz="2400" b="0" strike="noStrike" spc="-1" dirty="0">
-                <a:solidFill>
-                  <a:srgbClr val="000000"/>
-                </a:solidFill>
-                <a:ea typeface="DejaVu Sans"/>
-              </a:rPr>
-              <a:t>	- This will be used to create a user account</a:t>
-            </a:r>
-            <a:endParaRPr lang="en-IE" sz="2400" b="0" strike="noStrike" spc="-1" dirty="0"/>
-          </a:p>
-          <a:p>
-            <a:pPr>
-              <a:lnSpc>
-                <a:spcPct val="100000"/>
-              </a:lnSpc>
-              <a:buNone/>
-            </a:pPr>
-            <a:endParaRPr lang="en-IE" sz="2400" b="0" strike="noStrike" spc="-1" dirty="0"/>
-          </a:p>
-          <a:p>
-            <a:pPr>
-              <a:lnSpc>
-                <a:spcPct val="100000"/>
-              </a:lnSpc>
-              <a:buNone/>
-            </a:pPr>
-            <a:r>
-              <a:rPr lang="en-IE" sz="2400" b="0" strike="noStrike" spc="-1" dirty="0">
-                <a:solidFill>
-                  <a:srgbClr val="000000"/>
-                </a:solidFill>
-                <a:ea typeface="DejaVu Sans"/>
-              </a:rPr>
-              <a:t>Medication</a:t>
-            </a:r>
-            <a:endParaRPr lang="en-IE" sz="2400" b="0" strike="noStrike" spc="-1" dirty="0"/>
-          </a:p>
-          <a:p>
-            <a:pPr>
-              <a:lnSpc>
-                <a:spcPct val="100000"/>
-              </a:lnSpc>
-              <a:buNone/>
-            </a:pPr>
-            <a:r>
-              <a:rPr lang="en-IE" sz="2400" b="0" strike="noStrike" spc="-1" dirty="0">
-                <a:solidFill>
-                  <a:srgbClr val="000000"/>
-                </a:solidFill>
-                <a:ea typeface="DejaVu Sans"/>
-              </a:rPr>
-              <a:t>	- Medication details</a:t>
-            </a:r>
-            <a:endParaRPr lang="en-IE" sz="2400" b="0" strike="noStrike" spc="-1" dirty="0"/>
-          </a:p>
-          <a:p>
-            <a:pPr>
-              <a:lnSpc>
-                <a:spcPct val="100000"/>
-              </a:lnSpc>
-              <a:buNone/>
-            </a:pPr>
-            <a:r>
-              <a:rPr lang="en-IE" sz="2400" b="0" strike="noStrike" spc="-1" dirty="0">
-                <a:solidFill>
-                  <a:srgbClr val="000000"/>
-                </a:solidFill>
-                <a:ea typeface="DejaVu Sans"/>
-              </a:rPr>
-              <a:t>	- This will be used to assist in refilling the boxes and to create medication histories</a:t>
-            </a:r>
-            <a:endParaRPr lang="en-IE" sz="2400" b="0" strike="noStrike" spc="-1" dirty="0"/>
-          </a:p>
-          <a:p>
-            <a:pPr>
-              <a:lnSpc>
-                <a:spcPct val="100000"/>
-              </a:lnSpc>
-              <a:buNone/>
-            </a:pPr>
-            <a:endParaRPr lang="en-IE" sz="2400" b="0" strike="noStrike" spc="-1" dirty="0"/>
-          </a:p>
-          <a:p>
-            <a:pPr>
-              <a:lnSpc>
-                <a:spcPct val="100000"/>
-              </a:lnSpc>
-              <a:buNone/>
-            </a:pPr>
-            <a:r>
-              <a:rPr lang="en-IE" sz="2400" b="0" strike="noStrike" spc="-1" dirty="0">
-                <a:solidFill>
-                  <a:srgbClr val="000000"/>
-                </a:solidFill>
-                <a:ea typeface="DejaVu Sans"/>
-              </a:rPr>
-              <a:t>Time</a:t>
-            </a:r>
-            <a:endParaRPr lang="en-IE" sz="2400" b="0" strike="noStrike" spc="-1" dirty="0"/>
-          </a:p>
-          <a:p>
-            <a:pPr>
-              <a:lnSpc>
-                <a:spcPct val="100000"/>
-              </a:lnSpc>
-              <a:buNone/>
-            </a:pPr>
-            <a:r>
-              <a:rPr lang="en-IE" sz="2400" b="0" strike="noStrike" spc="-1" dirty="0">
-                <a:solidFill>
-                  <a:srgbClr val="000000"/>
-                </a:solidFill>
-                <a:ea typeface="DejaVu Sans"/>
-              </a:rPr>
-              <a:t>	- To send notifications</a:t>
-            </a:r>
-            <a:endParaRPr lang="en-IE" sz="2400" b="0" strike="noStrike" spc="-1" dirty="0"/>
-          </a:p>
-          <a:p>
-            <a:pPr>
-              <a:lnSpc>
-                <a:spcPct val="100000"/>
-              </a:lnSpc>
-              <a:buNone/>
-            </a:pPr>
-            <a:r>
-              <a:rPr lang="en-IE" sz="2400" b="0" strike="noStrike" spc="-1" dirty="0">
-                <a:solidFill>
-                  <a:srgbClr val="000000"/>
-                </a:solidFill>
-                <a:ea typeface="DejaVu Sans"/>
-              </a:rPr>
-              <a:t>	- To see when a box was opened</a:t>
-            </a:r>
-            <a:endParaRPr lang="en-IE" sz="2400" b="0" strike="noStrike" spc="-1" dirty="0"/>
-          </a:p>
-          <a:p>
-            <a:pPr>
-              <a:lnSpc>
-                <a:spcPct val="100000"/>
-              </a:lnSpc>
-              <a:buNone/>
-            </a:pPr>
-            <a:r>
-              <a:rPr lang="en-IE" sz="2400" b="0" strike="noStrike" spc="-1" dirty="0">
-                <a:solidFill>
-                  <a:srgbClr val="000000"/>
-                </a:solidFill>
-                <a:ea typeface="DejaVu Sans"/>
-              </a:rPr>
-              <a:t>	- To record missed </a:t>
-            </a:r>
-            <a:r>
-              <a:rPr lang="en-IE" sz="2400" b="0" strike="noStrike" spc="-1" dirty="0" err="1">
-                <a:solidFill>
-                  <a:srgbClr val="000000"/>
-                </a:solidFill>
-                <a:ea typeface="DejaVu Sans"/>
-              </a:rPr>
-              <a:t>doeses</a:t>
-            </a:r>
-            <a:endParaRPr lang="en-IE" sz="2400" b="0" strike="noStrike" spc="-1" dirty="0"/>
-          </a:p>
-        </p:txBody>
-      </p:sp>
-    </p:spTree>
-  </p:cSld>
-  <p:clrMapOvr>
-    <a:masterClrMapping/>
-  </p:clrMapOvr>
-</p:sld>
-</file>
-
 <file path=ppt/slides/slide2.xml><?xml version="1.0" encoding="utf-8"?>
 <p:sld xmlns:a="http://schemas.openxmlformats.org/drawingml/2006/main" xmlns:r="http://schemas.openxmlformats.org/officeDocument/2006/relationships" xmlns:p="http://schemas.openxmlformats.org/presentationml/2006/main">
   <p:cSld>
@@ -6125,6 +5912,336 @@
       </p:grpSpPr>
       <p:sp>
         <p:nvSpPr>
+          <p:cNvPr id="174" name="PlaceHolder 1"/>
+          <p:cNvSpPr>
+            <a:spLocks noGrp="1"/>
+          </p:cNvSpPr>
+          <p:nvPr>
+            <p:ph type="title"/>
+          </p:nvPr>
+        </p:nvSpPr>
+        <p:spPr>
+          <a:xfrm>
+            <a:off x="609480" y="273600"/>
+            <a:ext cx="10968480" cy="1140840"/>
+          </a:xfrm>
+          <a:prstGeom prst="rect">
+            <a:avLst/>
+          </a:prstGeom>
+          <a:noFill/>
+          <a:ln w="0">
+            <a:noFill/>
+          </a:ln>
+        </p:spPr>
+        <p:txBody>
+          <a:bodyPr lIns="0" tIns="0" rIns="0" bIns="0" anchor="ctr">
+            <a:noAutofit/>
+          </a:bodyPr>
+          <a:lstStyle/>
+          <a:p>
+            <a:pPr>
+              <a:lnSpc>
+                <a:spcPct val="100000"/>
+              </a:lnSpc>
+              <a:buNone/>
+            </a:pPr>
+            <a:r>
+              <a:rPr lang="en-IE" sz="4400" b="1" strike="noStrike" spc="-1" dirty="0"/>
+              <a:t>Data Gathering - User</a:t>
+            </a:r>
+          </a:p>
+        </p:txBody>
+      </p:sp>
+      <p:sp>
+        <p:nvSpPr>
+          <p:cNvPr id="175" name="Rectangle 174"/>
+          <p:cNvSpPr/>
+          <p:nvPr/>
+        </p:nvSpPr>
+        <p:spPr>
+          <a:xfrm>
+            <a:off x="515520" y="1414440"/>
+            <a:ext cx="11156400" cy="1878480"/>
+          </a:xfrm>
+          <a:prstGeom prst="rect">
+            <a:avLst/>
+          </a:prstGeom>
+          <a:noFill/>
+          <a:ln w="0">
+            <a:noFill/>
+          </a:ln>
+        </p:spPr>
+        <p:style>
+          <a:lnRef idx="0">
+            <a:scrgbClr r="0" g="0" b="0"/>
+          </a:lnRef>
+          <a:fillRef idx="0">
+            <a:scrgbClr r="0" g="0" b="0"/>
+          </a:fillRef>
+          <a:effectRef idx="0">
+            <a:scrgbClr r="0" g="0" b="0"/>
+          </a:effectRef>
+          <a:fontRef idx="minor"/>
+        </p:style>
+        <p:txBody>
+          <a:bodyPr lIns="90000" tIns="45000" rIns="90000" bIns="45000" anchor="t">
+            <a:noAutofit/>
+          </a:bodyPr>
+          <a:lstStyle/>
+          <a:p>
+            <a:pPr>
+              <a:lnSpc>
+                <a:spcPct val="100000"/>
+              </a:lnSpc>
+              <a:buNone/>
+            </a:pPr>
+            <a:r>
+              <a:rPr lang="en-IE" sz="2400" b="0" strike="noStrike" spc="-1" dirty="0">
+                <a:solidFill>
+                  <a:srgbClr val="000000"/>
+                </a:solidFill>
+                <a:ea typeface="DejaVu Sans"/>
+              </a:rPr>
+              <a:t>User Data</a:t>
+            </a:r>
+            <a:endParaRPr lang="en-IE" sz="2400" b="0" strike="noStrike" spc="-1" dirty="0"/>
+          </a:p>
+          <a:p>
+            <a:pPr>
+              <a:lnSpc>
+                <a:spcPct val="100000"/>
+              </a:lnSpc>
+              <a:buNone/>
+            </a:pPr>
+            <a:r>
+              <a:rPr lang="en-IE" sz="2400" b="0" strike="noStrike" spc="-1" dirty="0">
+                <a:solidFill>
+                  <a:srgbClr val="000000"/>
+                </a:solidFill>
+                <a:ea typeface="DejaVu Sans"/>
+              </a:rPr>
+              <a:t>	- User email</a:t>
+            </a:r>
+            <a:endParaRPr lang="en-IE" sz="2400" b="0" strike="noStrike" spc="-1" dirty="0"/>
+          </a:p>
+          <a:p>
+            <a:pPr>
+              <a:lnSpc>
+                <a:spcPct val="100000"/>
+              </a:lnSpc>
+              <a:buNone/>
+            </a:pPr>
+            <a:r>
+              <a:rPr lang="en-IE" sz="2400" b="0" strike="noStrike" spc="-1" dirty="0">
+                <a:solidFill>
+                  <a:srgbClr val="000000"/>
+                </a:solidFill>
+                <a:ea typeface="DejaVu Sans"/>
+              </a:rPr>
+              <a:t>	- Password</a:t>
+            </a:r>
+            <a:endParaRPr lang="en-IE" sz="2400" b="0" strike="noStrike" spc="-1" dirty="0"/>
+          </a:p>
+          <a:p>
+            <a:pPr>
+              <a:lnSpc>
+                <a:spcPct val="100000"/>
+              </a:lnSpc>
+              <a:buNone/>
+            </a:pPr>
+            <a:r>
+              <a:rPr lang="en-IE" sz="2400" b="0" strike="noStrike" spc="-1" dirty="0">
+                <a:solidFill>
+                  <a:srgbClr val="000000"/>
+                </a:solidFill>
+                <a:ea typeface="DejaVu Sans"/>
+              </a:rPr>
+              <a:t>	- This will be used to create a user account</a:t>
+            </a:r>
+            <a:endParaRPr lang="en-IE" sz="2400" b="0" strike="noStrike" spc="-1" dirty="0"/>
+          </a:p>
+          <a:p>
+            <a:pPr>
+              <a:lnSpc>
+                <a:spcPct val="100000"/>
+              </a:lnSpc>
+              <a:buNone/>
+            </a:pPr>
+            <a:endParaRPr lang="en-IE" sz="2400" b="0" strike="noStrike" spc="-1" dirty="0"/>
+          </a:p>
+          <a:p>
+            <a:pPr>
+              <a:lnSpc>
+                <a:spcPct val="100000"/>
+              </a:lnSpc>
+              <a:buNone/>
+            </a:pPr>
+            <a:r>
+              <a:rPr lang="en-IE" sz="2400" b="0" strike="noStrike" spc="-1" dirty="0">
+                <a:solidFill>
+                  <a:srgbClr val="000000"/>
+                </a:solidFill>
+                <a:ea typeface="DejaVu Sans"/>
+              </a:rPr>
+              <a:t>Medication</a:t>
+            </a:r>
+            <a:endParaRPr lang="en-IE" sz="2400" b="0" strike="noStrike" spc="-1" dirty="0"/>
+          </a:p>
+          <a:p>
+            <a:pPr>
+              <a:lnSpc>
+                <a:spcPct val="100000"/>
+              </a:lnSpc>
+              <a:buNone/>
+            </a:pPr>
+            <a:r>
+              <a:rPr lang="en-IE" sz="2400" b="0" strike="noStrike" spc="-1" dirty="0">
+                <a:solidFill>
+                  <a:srgbClr val="000000"/>
+                </a:solidFill>
+                <a:ea typeface="DejaVu Sans"/>
+              </a:rPr>
+              <a:t>	- Medication details</a:t>
+            </a:r>
+            <a:endParaRPr lang="en-IE" sz="2400" b="0" strike="noStrike" spc="-1" dirty="0"/>
+          </a:p>
+          <a:p>
+            <a:pPr>
+              <a:lnSpc>
+                <a:spcPct val="100000"/>
+              </a:lnSpc>
+              <a:buNone/>
+            </a:pPr>
+            <a:r>
+              <a:rPr lang="en-IE" sz="2400" b="0" strike="noStrike" spc="-1" dirty="0">
+                <a:solidFill>
+                  <a:srgbClr val="000000"/>
+                </a:solidFill>
+                <a:ea typeface="DejaVu Sans"/>
+              </a:rPr>
+              <a:t>	- This will be used to assist in refilling the boxes and to create medication histories</a:t>
+            </a:r>
+            <a:endParaRPr lang="en-IE" sz="2400" b="0" strike="noStrike" spc="-1" dirty="0"/>
+          </a:p>
+          <a:p>
+            <a:pPr>
+              <a:lnSpc>
+                <a:spcPct val="100000"/>
+              </a:lnSpc>
+              <a:buNone/>
+            </a:pPr>
+            <a:endParaRPr lang="en-IE" sz="2400" b="0" strike="noStrike" spc="-1" dirty="0"/>
+          </a:p>
+          <a:p>
+            <a:pPr>
+              <a:lnSpc>
+                <a:spcPct val="100000"/>
+              </a:lnSpc>
+              <a:buNone/>
+            </a:pPr>
+            <a:r>
+              <a:rPr lang="en-IE" sz="2400" b="0" strike="noStrike" spc="-1" dirty="0">
+                <a:solidFill>
+                  <a:srgbClr val="000000"/>
+                </a:solidFill>
+                <a:ea typeface="DejaVu Sans"/>
+              </a:rPr>
+              <a:t>Time</a:t>
+            </a:r>
+            <a:endParaRPr lang="en-IE" sz="2400" b="0" strike="noStrike" spc="-1" dirty="0"/>
+          </a:p>
+          <a:p>
+            <a:pPr>
+              <a:lnSpc>
+                <a:spcPct val="100000"/>
+              </a:lnSpc>
+              <a:buNone/>
+            </a:pPr>
+            <a:r>
+              <a:rPr lang="en-IE" sz="2400" b="0" strike="noStrike" spc="-1" dirty="0">
+                <a:solidFill>
+                  <a:srgbClr val="000000"/>
+                </a:solidFill>
+                <a:ea typeface="DejaVu Sans"/>
+              </a:rPr>
+              <a:t>	- To send notifications</a:t>
+            </a:r>
+            <a:endParaRPr lang="en-IE" sz="2400" b="0" strike="noStrike" spc="-1" dirty="0"/>
+          </a:p>
+          <a:p>
+            <a:pPr>
+              <a:lnSpc>
+                <a:spcPct val="100000"/>
+              </a:lnSpc>
+              <a:buNone/>
+            </a:pPr>
+            <a:r>
+              <a:rPr lang="en-IE" sz="2400" b="0" strike="noStrike" spc="-1" dirty="0">
+                <a:solidFill>
+                  <a:srgbClr val="000000"/>
+                </a:solidFill>
+                <a:ea typeface="DejaVu Sans"/>
+              </a:rPr>
+              <a:t>	- To see when a box was opened</a:t>
+            </a:r>
+            <a:endParaRPr lang="en-IE" sz="2400" b="0" strike="noStrike" spc="-1" dirty="0"/>
+          </a:p>
+          <a:p>
+            <a:pPr>
+              <a:lnSpc>
+                <a:spcPct val="100000"/>
+              </a:lnSpc>
+              <a:buNone/>
+            </a:pPr>
+            <a:r>
+              <a:rPr lang="en-IE" sz="2400" b="0" strike="noStrike" spc="-1" dirty="0">
+                <a:solidFill>
+                  <a:srgbClr val="000000"/>
+                </a:solidFill>
+                <a:ea typeface="DejaVu Sans"/>
+              </a:rPr>
+              <a:t>	- To record missed </a:t>
+            </a:r>
+            <a:r>
+              <a:rPr lang="en-IE" sz="2400" b="0" strike="noStrike" spc="-1" dirty="0" err="1">
+                <a:solidFill>
+                  <a:srgbClr val="000000"/>
+                </a:solidFill>
+                <a:ea typeface="DejaVu Sans"/>
+              </a:rPr>
+              <a:t>doeses</a:t>
+            </a:r>
+            <a:endParaRPr lang="en-IE" sz="2400" b="0" strike="noStrike" spc="-1" dirty="0"/>
+          </a:p>
+        </p:txBody>
+      </p:sp>
+    </p:spTree>
+  </p:cSld>
+  <p:clrMapOvr>
+    <a:masterClrMapping/>
+  </p:clrMapOvr>
+</p:sld>
+</file>
+
+<file path=ppt/slides/slide21.xml><?xml version="1.0" encoding="utf-8"?>
+<p:sld xmlns:a="http://schemas.openxmlformats.org/drawingml/2006/main" xmlns:r="http://schemas.openxmlformats.org/officeDocument/2006/relationships" xmlns:p="http://schemas.openxmlformats.org/presentationml/2006/main">
+  <p:cSld>
+    <p:spTree>
+      <p:nvGrpSpPr>
+        <p:cNvPr id="1" name=""/>
+        <p:cNvGrpSpPr/>
+        <p:nvPr/>
+      </p:nvGrpSpPr>
+      <p:grpSpPr>
+        <a:xfrm>
+          <a:off x="0" y="0"/>
+          <a:ext cx="0" cy="0"/>
+          <a:chOff x="0" y="0"/>
+          <a:chExt cx="0" cy="0"/>
+        </a:xfrm>
+      </p:grpSpPr>
+      <p:sp>
+        <p:nvSpPr>
           <p:cNvPr id="176" name="PlaceHolder 1"/>
           <p:cNvSpPr>
             <a:spLocks noGrp="1"/>
@@ -6348,7 +6465,7 @@
 </p:sld>
 </file>
 
-<file path=ppt/slides/slide21.xml><?xml version="1.0" encoding="utf-8"?>
+<file path=ppt/slides/slide22.xml><?xml version="1.0" encoding="utf-8"?>
 <p:sld xmlns:a="http://schemas.openxmlformats.org/drawingml/2006/main" xmlns:r="http://schemas.openxmlformats.org/officeDocument/2006/relationships" xmlns:p="http://schemas.openxmlformats.org/presentationml/2006/main">
   <p:cSld>
     <p:spTree>
@@ -6577,7 +6694,7 @@
 </p:sld>
 </file>
 
-<file path=ppt/slides/slide22.xml><?xml version="1.0" encoding="utf-8"?>
+<file path=ppt/slides/slide23.xml><?xml version="1.0" encoding="utf-8"?>
 <p:sld xmlns:a="http://schemas.openxmlformats.org/drawingml/2006/main" xmlns:r="http://schemas.openxmlformats.org/officeDocument/2006/relationships" xmlns:p="http://schemas.openxmlformats.org/presentationml/2006/main">
   <p:cSld>
     <p:spTree>
@@ -6835,7 +6952,7 @@
 </p:sld>
 </file>
 
-<file path=ppt/slides/slide23.xml><?xml version="1.0" encoding="utf-8"?>
+<file path=ppt/slides/slide24.xml><?xml version="1.0" encoding="utf-8"?>
 <p:sld xmlns:a="http://schemas.openxmlformats.org/drawingml/2006/main" xmlns:r="http://schemas.openxmlformats.org/officeDocument/2006/relationships" xmlns:p="http://schemas.openxmlformats.org/presentationml/2006/main">
   <p:cSld>
     <p:spTree>
@@ -6944,7 +7061,7 @@
 </p:sld>
 </file>
 
-<file path=ppt/slides/slide24.xml><?xml version="1.0" encoding="utf-8"?>
+<file path=ppt/slides/slide25.xml><?xml version="1.0" encoding="utf-8"?>
 <p:sld xmlns:a="http://schemas.openxmlformats.org/drawingml/2006/main" xmlns:r="http://schemas.openxmlformats.org/officeDocument/2006/relationships" xmlns:p="http://schemas.openxmlformats.org/presentationml/2006/main">
   <p:cSld>
     <p:spTree>
@@ -7300,7 +7417,7 @@
 </p:sld>
 </file>
 
-<file path=ppt/slides/slide25.xml><?xml version="1.0" encoding="utf-8"?>
+<file path=ppt/slides/slide26.xml><?xml version="1.0" encoding="utf-8"?>
 <p:sld xmlns:a="http://schemas.openxmlformats.org/drawingml/2006/main" xmlns:r="http://schemas.openxmlformats.org/officeDocument/2006/relationships" xmlns:p="http://schemas.openxmlformats.org/presentationml/2006/main">
   <p:cSld>
     <p:spTree>

--- a/Screencast_PowerPoint.pptx
+++ b/Screencast_PowerPoint.pptx
@@ -4,33 +4,37 @@
   <p:sldMasterIdLst>
     <p:sldMasterId id="2147483648" r:id="rId1"/>
   </p:sldMasterIdLst>
+  <p:notesMasterIdLst>
+    <p:notesMasterId r:id="rId29"/>
+  </p:notesMasterIdLst>
   <p:sldIdLst>
     <p:sldId id="256" r:id="rId2"/>
-    <p:sldId id="257" r:id="rId3"/>
-    <p:sldId id="258" r:id="rId4"/>
-    <p:sldId id="259" r:id="rId5"/>
-    <p:sldId id="260" r:id="rId6"/>
-    <p:sldId id="261" r:id="rId7"/>
-    <p:sldId id="262" r:id="rId8"/>
-    <p:sldId id="263" r:id="rId9"/>
-    <p:sldId id="264" r:id="rId10"/>
-    <p:sldId id="265" r:id="rId11"/>
-    <p:sldId id="266" r:id="rId12"/>
-    <p:sldId id="267" r:id="rId13"/>
-    <p:sldId id="268" r:id="rId14"/>
-    <p:sldId id="269" r:id="rId15"/>
-    <p:sldId id="280" r:id="rId16"/>
-    <p:sldId id="282" r:id="rId17"/>
-    <p:sldId id="270" r:id="rId18"/>
-    <p:sldId id="271" r:id="rId19"/>
-    <p:sldId id="272" r:id="rId20"/>
-    <p:sldId id="273" r:id="rId21"/>
-    <p:sldId id="274" r:id="rId22"/>
-    <p:sldId id="275" r:id="rId23"/>
-    <p:sldId id="276" r:id="rId24"/>
-    <p:sldId id="277" r:id="rId25"/>
-    <p:sldId id="278" r:id="rId26"/>
-    <p:sldId id="279" r:id="rId27"/>
+    <p:sldId id="283" r:id="rId3"/>
+    <p:sldId id="257" r:id="rId4"/>
+    <p:sldId id="258" r:id="rId5"/>
+    <p:sldId id="259" r:id="rId6"/>
+    <p:sldId id="260" r:id="rId7"/>
+    <p:sldId id="261" r:id="rId8"/>
+    <p:sldId id="262" r:id="rId9"/>
+    <p:sldId id="263" r:id="rId10"/>
+    <p:sldId id="264" r:id="rId11"/>
+    <p:sldId id="265" r:id="rId12"/>
+    <p:sldId id="266" r:id="rId13"/>
+    <p:sldId id="267" r:id="rId14"/>
+    <p:sldId id="268" r:id="rId15"/>
+    <p:sldId id="269" r:id="rId16"/>
+    <p:sldId id="280" r:id="rId17"/>
+    <p:sldId id="282" r:id="rId18"/>
+    <p:sldId id="270" r:id="rId19"/>
+    <p:sldId id="271" r:id="rId20"/>
+    <p:sldId id="272" r:id="rId21"/>
+    <p:sldId id="273" r:id="rId22"/>
+    <p:sldId id="274" r:id="rId23"/>
+    <p:sldId id="275" r:id="rId24"/>
+    <p:sldId id="276" r:id="rId25"/>
+    <p:sldId id="277" r:id="rId26"/>
+    <p:sldId id="278" r:id="rId27"/>
+    <p:sldId id="279" r:id="rId28"/>
   </p:sldIdLst>
   <p:sldSz cx="12192000" cy="6858000"/>
   <p:notesSz cx="6858000" cy="9144000"/>
@@ -137,6 +141,356 @@
 </p:presentation>
 </file>
 
+<file path=ppt/notesMasters/notesMaster1.xml><?xml version="1.0" encoding="utf-8"?>
+<p:notesMaster xmlns:a="http://schemas.openxmlformats.org/drawingml/2006/main" xmlns:r="http://schemas.openxmlformats.org/officeDocument/2006/relationships" xmlns:p="http://schemas.openxmlformats.org/presentationml/2006/main">
+  <p:cSld>
+    <p:bg>
+      <p:bgRef idx="1001">
+        <a:schemeClr val="bg1"/>
+      </p:bgRef>
+    </p:bg>
+    <p:spTree>
+      <p:nvGrpSpPr>
+        <p:cNvPr id="1" name=""/>
+        <p:cNvGrpSpPr/>
+        <p:nvPr/>
+      </p:nvGrpSpPr>
+      <p:grpSpPr>
+        <a:xfrm>
+          <a:off x="0" y="0"/>
+          <a:ext cx="0" cy="0"/>
+          <a:chOff x="0" y="0"/>
+          <a:chExt cx="0" cy="0"/>
+        </a:xfrm>
+      </p:grpSpPr>
+      <p:sp>
+        <p:nvSpPr>
+          <p:cNvPr id="2" name="Header Placeholder 1"/>
+          <p:cNvSpPr>
+            <a:spLocks noGrp="1"/>
+          </p:cNvSpPr>
+          <p:nvPr>
+            <p:ph type="hdr" sz="quarter"/>
+          </p:nvPr>
+        </p:nvSpPr>
+        <p:spPr>
+          <a:xfrm>
+            <a:off x="0" y="0"/>
+            <a:ext cx="2971800" cy="458788"/>
+          </a:xfrm>
+          <a:prstGeom prst="rect">
+            <a:avLst/>
+          </a:prstGeom>
+        </p:spPr>
+        <p:txBody>
+          <a:bodyPr vert="horz" lIns="91440" tIns="45720" rIns="91440" bIns="45720" rtlCol="0"/>
+          <a:lstStyle>
+            <a:lvl1pPr algn="l">
+              <a:defRPr sz="1200"/>
+            </a:lvl1pPr>
+          </a:lstStyle>
+          <a:p>
+            <a:endParaRPr lang="en-GB"/>
+          </a:p>
+        </p:txBody>
+      </p:sp>
+      <p:sp>
+        <p:nvSpPr>
+          <p:cNvPr id="3" name="Date Placeholder 2"/>
+          <p:cNvSpPr>
+            <a:spLocks noGrp="1"/>
+          </p:cNvSpPr>
+          <p:nvPr>
+            <p:ph type="dt" idx="1"/>
+          </p:nvPr>
+        </p:nvSpPr>
+        <p:spPr>
+          <a:xfrm>
+            <a:off x="3884613" y="0"/>
+            <a:ext cx="2971800" cy="458788"/>
+          </a:xfrm>
+          <a:prstGeom prst="rect">
+            <a:avLst/>
+          </a:prstGeom>
+        </p:spPr>
+        <p:txBody>
+          <a:bodyPr vert="horz" lIns="91440" tIns="45720" rIns="91440" bIns="45720" rtlCol="0"/>
+          <a:lstStyle>
+            <a:lvl1pPr algn="r">
+              <a:defRPr sz="1200"/>
+            </a:lvl1pPr>
+          </a:lstStyle>
+          <a:p>
+            <a:fld id="{EEAB1763-74A9-4D34-8376-933C0B74C98A}" type="datetimeFigureOut">
+              <a:rPr lang="en-GB" smtClean="0"/>
+              <a:t>29/10/2023</a:t>
+            </a:fld>
+            <a:endParaRPr lang="en-GB"/>
+          </a:p>
+        </p:txBody>
+      </p:sp>
+      <p:sp>
+        <p:nvSpPr>
+          <p:cNvPr id="4" name="Slide Image Placeholder 3"/>
+          <p:cNvSpPr>
+            <a:spLocks noGrp="1" noRot="1" noChangeAspect="1"/>
+          </p:cNvSpPr>
+          <p:nvPr>
+            <p:ph type="sldImg" idx="2"/>
+          </p:nvPr>
+        </p:nvSpPr>
+        <p:spPr>
+          <a:xfrm>
+            <a:off x="685800" y="1143000"/>
+            <a:ext cx="5486400" cy="3086100"/>
+          </a:xfrm>
+          <a:prstGeom prst="rect">
+            <a:avLst/>
+          </a:prstGeom>
+          <a:noFill/>
+          <a:ln w="12700">
+            <a:solidFill>
+              <a:prstClr val="black"/>
+            </a:solidFill>
+          </a:ln>
+        </p:spPr>
+        <p:txBody>
+          <a:bodyPr vert="horz" lIns="91440" tIns="45720" rIns="91440" bIns="45720" rtlCol="0" anchor="ctr"/>
+          <a:lstStyle/>
+          <a:p>
+            <a:endParaRPr lang="en-GB"/>
+          </a:p>
+        </p:txBody>
+      </p:sp>
+      <p:sp>
+        <p:nvSpPr>
+          <p:cNvPr id="5" name="Notes Placeholder 4"/>
+          <p:cNvSpPr>
+            <a:spLocks noGrp="1"/>
+          </p:cNvSpPr>
+          <p:nvPr>
+            <p:ph type="body" sz="quarter" idx="3"/>
+          </p:nvPr>
+        </p:nvSpPr>
+        <p:spPr>
+          <a:xfrm>
+            <a:off x="685800" y="4400550"/>
+            <a:ext cx="5486400" cy="3600450"/>
+          </a:xfrm>
+          <a:prstGeom prst="rect">
+            <a:avLst/>
+          </a:prstGeom>
+        </p:spPr>
+        <p:txBody>
+          <a:bodyPr vert="horz" lIns="91440" tIns="45720" rIns="91440" bIns="45720" rtlCol="0"/>
+          <a:lstStyle/>
+          <a:p>
+            <a:pPr lvl="0"/>
+            <a:r>
+              <a:rPr lang="en-US"/>
+              <a:t>Click to edit Master text styles</a:t>
+            </a:r>
+          </a:p>
+          <a:p>
+            <a:pPr lvl="1"/>
+            <a:r>
+              <a:rPr lang="en-US"/>
+              <a:t>Second level</a:t>
+            </a:r>
+          </a:p>
+          <a:p>
+            <a:pPr lvl="2"/>
+            <a:r>
+              <a:rPr lang="en-US"/>
+              <a:t>Third level</a:t>
+            </a:r>
+          </a:p>
+          <a:p>
+            <a:pPr lvl="3"/>
+            <a:r>
+              <a:rPr lang="en-US"/>
+              <a:t>Fourth level</a:t>
+            </a:r>
+          </a:p>
+          <a:p>
+            <a:pPr lvl="4"/>
+            <a:r>
+              <a:rPr lang="en-US"/>
+              <a:t>Fifth level</a:t>
+            </a:r>
+            <a:endParaRPr lang="en-GB"/>
+          </a:p>
+        </p:txBody>
+      </p:sp>
+      <p:sp>
+        <p:nvSpPr>
+          <p:cNvPr id="6" name="Footer Placeholder 5"/>
+          <p:cNvSpPr>
+            <a:spLocks noGrp="1"/>
+          </p:cNvSpPr>
+          <p:nvPr>
+            <p:ph type="ftr" sz="quarter" idx="4"/>
+          </p:nvPr>
+        </p:nvSpPr>
+        <p:spPr>
+          <a:xfrm>
+            <a:off x="0" y="8685213"/>
+            <a:ext cx="2971800" cy="458787"/>
+          </a:xfrm>
+          <a:prstGeom prst="rect">
+            <a:avLst/>
+          </a:prstGeom>
+        </p:spPr>
+        <p:txBody>
+          <a:bodyPr vert="horz" lIns="91440" tIns="45720" rIns="91440" bIns="45720" rtlCol="0" anchor="b"/>
+          <a:lstStyle>
+            <a:lvl1pPr algn="l">
+              <a:defRPr sz="1200"/>
+            </a:lvl1pPr>
+          </a:lstStyle>
+          <a:p>
+            <a:endParaRPr lang="en-GB"/>
+          </a:p>
+        </p:txBody>
+      </p:sp>
+      <p:sp>
+        <p:nvSpPr>
+          <p:cNvPr id="7" name="Slide Number Placeholder 6"/>
+          <p:cNvSpPr>
+            <a:spLocks noGrp="1"/>
+          </p:cNvSpPr>
+          <p:nvPr>
+            <p:ph type="sldNum" sz="quarter" idx="5"/>
+          </p:nvPr>
+        </p:nvSpPr>
+        <p:spPr>
+          <a:xfrm>
+            <a:off x="3884613" y="8685213"/>
+            <a:ext cx="2971800" cy="458787"/>
+          </a:xfrm>
+          <a:prstGeom prst="rect">
+            <a:avLst/>
+          </a:prstGeom>
+        </p:spPr>
+        <p:txBody>
+          <a:bodyPr vert="horz" lIns="91440" tIns="45720" rIns="91440" bIns="45720" rtlCol="0" anchor="b"/>
+          <a:lstStyle>
+            <a:lvl1pPr algn="r">
+              <a:defRPr sz="1200"/>
+            </a:lvl1pPr>
+          </a:lstStyle>
+          <a:p>
+            <a:fld id="{55AD41E7-A192-4BE3-9C0D-DFEA5F6B7706}" type="slidenum">
+              <a:rPr lang="en-GB" smtClean="0"/>
+              <a:t>‹#›</a:t>
+            </a:fld>
+            <a:endParaRPr lang="en-GB"/>
+          </a:p>
+        </p:txBody>
+      </p:sp>
+    </p:spTree>
+    <p:extLst>
+      <p:ext uri="{BB962C8B-B14F-4D97-AF65-F5344CB8AC3E}">
+        <p14:creationId xmlns:p14="http://schemas.microsoft.com/office/powerpoint/2010/main" val="2846317401"/>
+      </p:ext>
+    </p:extLst>
+  </p:cSld>
+  <p:clrMap bg1="lt1" tx1="dk1" bg2="lt2" tx2="dk2" accent1="accent1" accent2="accent2" accent3="accent3" accent4="accent4" accent5="accent5" accent6="accent6" hlink="hlink" folHlink="folHlink"/>
+  <p:notesStyle>
+    <a:lvl1pPr marL="0" algn="l" defTabSz="914400" rtl="0" eaLnBrk="1" latinLnBrk="0" hangingPunct="1">
+      <a:defRPr sz="1200" kern="1200">
+        <a:solidFill>
+          <a:schemeClr val="tx1"/>
+        </a:solidFill>
+        <a:latin typeface="+mn-lt"/>
+        <a:ea typeface="+mn-ea"/>
+        <a:cs typeface="+mn-cs"/>
+      </a:defRPr>
+    </a:lvl1pPr>
+    <a:lvl2pPr marL="457200" algn="l" defTabSz="914400" rtl="0" eaLnBrk="1" latinLnBrk="0" hangingPunct="1">
+      <a:defRPr sz="1200" kern="1200">
+        <a:solidFill>
+          <a:schemeClr val="tx1"/>
+        </a:solidFill>
+        <a:latin typeface="+mn-lt"/>
+        <a:ea typeface="+mn-ea"/>
+        <a:cs typeface="+mn-cs"/>
+      </a:defRPr>
+    </a:lvl2pPr>
+    <a:lvl3pPr marL="914400" algn="l" defTabSz="914400" rtl="0" eaLnBrk="1" latinLnBrk="0" hangingPunct="1">
+      <a:defRPr sz="1200" kern="1200">
+        <a:solidFill>
+          <a:schemeClr val="tx1"/>
+        </a:solidFill>
+        <a:latin typeface="+mn-lt"/>
+        <a:ea typeface="+mn-ea"/>
+        <a:cs typeface="+mn-cs"/>
+      </a:defRPr>
+    </a:lvl3pPr>
+    <a:lvl4pPr marL="1371600" algn="l" defTabSz="914400" rtl="0" eaLnBrk="1" latinLnBrk="0" hangingPunct="1">
+      <a:defRPr sz="1200" kern="1200">
+        <a:solidFill>
+          <a:schemeClr val="tx1"/>
+        </a:solidFill>
+        <a:latin typeface="+mn-lt"/>
+        <a:ea typeface="+mn-ea"/>
+        <a:cs typeface="+mn-cs"/>
+      </a:defRPr>
+    </a:lvl4pPr>
+    <a:lvl5pPr marL="1828800" algn="l" defTabSz="914400" rtl="0" eaLnBrk="1" latinLnBrk="0" hangingPunct="1">
+      <a:defRPr sz="1200" kern="1200">
+        <a:solidFill>
+          <a:schemeClr val="tx1"/>
+        </a:solidFill>
+        <a:latin typeface="+mn-lt"/>
+        <a:ea typeface="+mn-ea"/>
+        <a:cs typeface="+mn-cs"/>
+      </a:defRPr>
+    </a:lvl5pPr>
+    <a:lvl6pPr marL="2286000" algn="l" defTabSz="914400" rtl="0" eaLnBrk="1" latinLnBrk="0" hangingPunct="1">
+      <a:defRPr sz="1200" kern="1200">
+        <a:solidFill>
+          <a:schemeClr val="tx1"/>
+        </a:solidFill>
+        <a:latin typeface="+mn-lt"/>
+        <a:ea typeface="+mn-ea"/>
+        <a:cs typeface="+mn-cs"/>
+      </a:defRPr>
+    </a:lvl6pPr>
+    <a:lvl7pPr marL="2743200" algn="l" defTabSz="914400" rtl="0" eaLnBrk="1" latinLnBrk="0" hangingPunct="1">
+      <a:defRPr sz="1200" kern="1200">
+        <a:solidFill>
+          <a:schemeClr val="tx1"/>
+        </a:solidFill>
+        <a:latin typeface="+mn-lt"/>
+        <a:ea typeface="+mn-ea"/>
+        <a:cs typeface="+mn-cs"/>
+      </a:defRPr>
+    </a:lvl7pPr>
+    <a:lvl8pPr marL="3200400" algn="l" defTabSz="914400" rtl="0" eaLnBrk="1" latinLnBrk="0" hangingPunct="1">
+      <a:defRPr sz="1200" kern="1200">
+        <a:solidFill>
+          <a:schemeClr val="tx1"/>
+        </a:solidFill>
+        <a:latin typeface="+mn-lt"/>
+        <a:ea typeface="+mn-ea"/>
+        <a:cs typeface="+mn-cs"/>
+      </a:defRPr>
+    </a:lvl8pPr>
+    <a:lvl9pPr marL="3657600" algn="l" defTabSz="914400" rtl="0" eaLnBrk="1" latinLnBrk="0" hangingPunct="1">
+      <a:defRPr sz="1200" kern="1200">
+        <a:solidFill>
+          <a:schemeClr val="tx1"/>
+        </a:solidFill>
+        <a:latin typeface="+mn-lt"/>
+        <a:ea typeface="+mn-ea"/>
+        <a:cs typeface="+mn-cs"/>
+      </a:defRPr>
+    </a:lvl9pPr>
+  </p:notesStyle>
+</p:notesMaster>
+</file>
+
 <file path=ppt/slideLayouts/slideLayout1.xml><?xml version="1.0" encoding="utf-8"?>
 <p:sldLayout xmlns:a="http://schemas.openxmlformats.org/drawingml/2006/main" xmlns:r="http://schemas.openxmlformats.org/officeDocument/2006/relationships" xmlns:p="http://schemas.openxmlformats.org/presentationml/2006/main" type="title" preserve="1">
   <p:cSld name="Title Slide">
@@ -284,7 +638,7 @@
           <a:bodyPr/>
           <a:lstStyle/>
           <a:p>
-            <a:fld id="{4CAE101D-1499-4E97-87A3-9A39F9B45B14}" type="datetimeFigureOut">
+            <a:fld id="{7D6FAA7B-02C7-4990-8805-6244278752FC}" type="datetime1">
               <a:rPr lang="en-GB" smtClean="0"/>
               <a:t>29/10/2023</a:t>
             </a:fld>
@@ -484,7 +838,7 @@
           <a:bodyPr/>
           <a:lstStyle/>
           <a:p>
-            <a:fld id="{4CAE101D-1499-4E97-87A3-9A39F9B45B14}" type="datetimeFigureOut">
+            <a:fld id="{36F83E70-FBEC-4FC1-8EA6-38C4FD4F735C}" type="datetime1">
               <a:rPr lang="en-GB" smtClean="0"/>
               <a:t>29/10/2023</a:t>
             </a:fld>
@@ -694,7 +1048,7 @@
           <a:bodyPr/>
           <a:lstStyle/>
           <a:p>
-            <a:fld id="{4CAE101D-1499-4E97-87A3-9A39F9B45B14}" type="datetimeFigureOut">
+            <a:fld id="{A57AEDFA-140C-4CA3-BAB8-4920F69867AE}" type="datetime1">
               <a:rPr lang="en-GB" smtClean="0"/>
               <a:t>29/10/2023</a:t>
             </a:fld>
@@ -877,9 +1231,7 @@
           <a:bodyPr/>
           <a:lstStyle/>
           <a:p>
-            <a:r>
-              <a:t>Footer</a:t>
-            </a:r>
+            <a:endParaRPr/>
           </a:p>
         </p:txBody>
       </p:sp>
@@ -920,6 +1272,10 @@
           <a:bodyPr/>
           <a:lstStyle/>
           <a:p>
+            <a:fld id="{8BF620A1-C6F2-4D79-96E4-7004C1F01D93}" type="datetime1">
+              <a:rPr lang="en-GB" smtClean="0"/>
+              <a:t>29/10/2023</a:t>
+            </a:fld>
             <a:endParaRPr/>
           </a:p>
         </p:txBody>
@@ -1062,7 +1418,7 @@
           <a:bodyPr/>
           <a:lstStyle/>
           <a:p>
-            <a:fld id="{4CAE101D-1499-4E97-87A3-9A39F9B45B14}" type="datetimeFigureOut">
+            <a:fld id="{66BA1E85-5769-495B-AD24-8ED75AD9F15E}" type="datetime1">
               <a:rPr lang="en-GB" smtClean="0"/>
               <a:t>29/10/2023</a:t>
             </a:fld>
@@ -1338,7 +1694,7 @@
           <a:bodyPr/>
           <a:lstStyle/>
           <a:p>
-            <a:fld id="{4CAE101D-1499-4E97-87A3-9A39F9B45B14}" type="datetimeFigureOut">
+            <a:fld id="{4200CBEB-DDDC-46B9-AF31-C8376607FD66}" type="datetime1">
               <a:rPr lang="en-GB" smtClean="0"/>
               <a:t>29/10/2023</a:t>
             </a:fld>
@@ -1606,7 +1962,7 @@
           <a:bodyPr/>
           <a:lstStyle/>
           <a:p>
-            <a:fld id="{4CAE101D-1499-4E97-87A3-9A39F9B45B14}" type="datetimeFigureOut">
+            <a:fld id="{DA73D87C-74DD-4DB7-9D02-57BFEBCF1E19}" type="datetime1">
               <a:rPr lang="en-GB" smtClean="0"/>
               <a:t>29/10/2023</a:t>
             </a:fld>
@@ -2021,7 +2377,7 @@
           <a:bodyPr/>
           <a:lstStyle/>
           <a:p>
-            <a:fld id="{4CAE101D-1499-4E97-87A3-9A39F9B45B14}" type="datetimeFigureOut">
+            <a:fld id="{EFCACAB5-A71E-4394-9DA4-58CE963593BE}" type="datetime1">
               <a:rPr lang="en-GB" smtClean="0"/>
               <a:t>29/10/2023</a:t>
             </a:fld>
@@ -2163,7 +2519,7 @@
           <a:bodyPr/>
           <a:lstStyle/>
           <a:p>
-            <a:fld id="{4CAE101D-1499-4E97-87A3-9A39F9B45B14}" type="datetimeFigureOut">
+            <a:fld id="{82350B92-F139-42FE-9ECC-B0553061DA36}" type="datetime1">
               <a:rPr lang="en-GB" smtClean="0"/>
               <a:t>29/10/2023</a:t>
             </a:fld>
@@ -2276,7 +2632,7 @@
           <a:bodyPr/>
           <a:lstStyle/>
           <a:p>
-            <a:fld id="{4CAE101D-1499-4E97-87A3-9A39F9B45B14}" type="datetimeFigureOut">
+            <a:fld id="{1DD44118-76D5-42A8-A4F5-9C1FEECFC037}" type="datetime1">
               <a:rPr lang="en-GB" smtClean="0"/>
               <a:t>29/10/2023</a:t>
             </a:fld>
@@ -2589,7 +2945,7 @@
           <a:bodyPr/>
           <a:lstStyle/>
           <a:p>
-            <a:fld id="{4CAE101D-1499-4E97-87A3-9A39F9B45B14}" type="datetimeFigureOut">
+            <a:fld id="{B115281A-CDDA-490C-B25D-0F6B929D7A68}" type="datetime1">
               <a:rPr lang="en-GB" smtClean="0"/>
               <a:t>29/10/2023</a:t>
             </a:fld>
@@ -2878,7 +3234,7 @@
           <a:bodyPr/>
           <a:lstStyle/>
           <a:p>
-            <a:fld id="{4CAE101D-1499-4E97-87A3-9A39F9B45B14}" type="datetimeFigureOut">
+            <a:fld id="{F871E949-6F0A-4F9C-AB65-C185EAAE1F36}" type="datetime1">
               <a:rPr lang="en-GB" smtClean="0"/>
               <a:t>29/10/2023</a:t>
             </a:fld>
@@ -3121,7 +3477,7 @@
             </a:lvl1pPr>
           </a:lstStyle>
           <a:p>
-            <a:fld id="{4CAE101D-1499-4E97-87A3-9A39F9B45B14}" type="datetimeFigureOut">
+            <a:fld id="{1012349A-F834-401D-ADFF-8DFC03C58EF4}" type="datetime1">
               <a:rPr lang="en-GB" smtClean="0"/>
               <a:t>29/10/2023</a:t>
             </a:fld>
@@ -3241,6 +3597,7 @@
     <p:sldLayoutId id="2147483659" r:id="rId11"/>
     <p:sldLayoutId id="2147483660" r:id="rId12"/>
   </p:sldLayoutIdLst>
+  <p:hf hdr="0" ftr="0" dt="0"/>
   <p:txStyles>
     <p:titleStyle>
       <a:lvl1pPr algn="l" defTabSz="914400" rtl="0" eaLnBrk="1" latinLnBrk="0" hangingPunct="1">
@@ -3565,10 +3922,9 @@
           <a:lstStyle/>
           <a:p>
             <a:r>
-              <a:rPr lang="en-GB" sz="12500" dirty="0" err="1"/>
+              <a:rPr lang="en-GB" sz="12500" dirty="0"/>
               <a:t>MediWatch</a:t>
             </a:r>
-            <a:endParaRPr lang="en-GB" sz="12500" dirty="0"/>
           </a:p>
         </p:txBody>
       </p:sp>
@@ -3648,6 +4004,35 @@
               </a:rPr>
               <a:t>Cian Ashby</a:t>
             </a:r>
+          </a:p>
+        </p:txBody>
+      </p:sp>
+      <p:sp>
+        <p:nvSpPr>
+          <p:cNvPr id="4" name="Slide Number Placeholder 3">
+            <a:extLst>
+              <a:ext uri="{FF2B5EF4-FFF2-40B4-BE49-F238E27FC236}">
+                <a16:creationId xmlns:a16="http://schemas.microsoft.com/office/drawing/2014/main" id="{C943D4AE-D0FF-A704-67A5-13E51CA64D9B}"/>
+              </a:ext>
+            </a:extLst>
+          </p:cNvPr>
+          <p:cNvSpPr>
+            <a:spLocks noGrp="1"/>
+          </p:cNvSpPr>
+          <p:nvPr>
+            <p:ph type="sldNum" sz="quarter" idx="12"/>
+          </p:nvPr>
+        </p:nvSpPr>
+        <p:spPr/>
+        <p:txBody>
+          <a:bodyPr/>
+          <a:lstStyle/>
+          <a:p>
+            <a:fld id="{6F6DEA05-8770-4987-B5A1-0C7FA388430F}" type="slidenum">
+              <a:rPr lang="en-GB" smtClean="0"/>
+              <a:t>1</a:t>
+            </a:fld>
+            <a:endParaRPr lang="en-GB"/>
           </a:p>
         </p:txBody>
       </p:sp>
@@ -3686,7 +4071,7 @@
           <p:cNvPr id="2" name="Title 1">
             <a:extLst>
               <a:ext uri="{FF2B5EF4-FFF2-40B4-BE49-F238E27FC236}">
-                <a16:creationId xmlns:a16="http://schemas.microsoft.com/office/drawing/2014/main" id="{0BFFF94C-392D-D0D9-2621-B6C1CF0188B7}"/>
+                <a16:creationId xmlns:a16="http://schemas.microsoft.com/office/drawing/2014/main" id="{81F8D0E1-41E5-5D57-F90D-626CDB30EC72}"/>
               </a:ext>
             </a:extLst>
           </p:cNvPr>
@@ -3704,7 +4089,7 @@
           <a:p>
             <a:r>
               <a:rPr lang="en-US" b="1" dirty="0"/>
-              <a:t>User Interface</a:t>
+              <a:t>Initial UI Sketch</a:t>
             </a:r>
             <a:endParaRPr lang="en-GB" b="1" dirty="0"/>
           </a:p>
@@ -3712,10 +4097,10 @@
       </p:sp>
       <p:pic>
         <p:nvPicPr>
-          <p:cNvPr id="5" name="Content Placeholder 4" descr="A grey rectangular object with black lines&#10;&#10;Description automatically generated">
-            <a:extLst>
-              <a:ext uri="{FF2B5EF4-FFF2-40B4-BE49-F238E27FC236}">
-                <a16:creationId xmlns:a16="http://schemas.microsoft.com/office/drawing/2014/main" id="{8C2A1217-2D4D-3374-05F2-3BCC3B4DDE3E}"/>
+          <p:cNvPr id="5" name="Content Placeholder 4" descr="A drawing of a clock and a few notes&#10;&#10;Description automatically generated with medium confidence">
+            <a:extLst>
+              <a:ext uri="{FF2B5EF4-FFF2-40B4-BE49-F238E27FC236}">
+                <a16:creationId xmlns:a16="http://schemas.microsoft.com/office/drawing/2014/main" id="{FC62F7D8-1506-EAB7-3B37-EB09E7473B58}"/>
               </a:ext>
             </a:extLst>
           </p:cNvPr>
@@ -3740,181 +4125,44 @@
         </p:blipFill>
         <p:spPr>
           <a:xfrm>
-            <a:off x="838199" y="2634585"/>
-            <a:ext cx="4930567" cy="1181202"/>
+            <a:off x="1036627" y="1373233"/>
+            <a:ext cx="10118745" cy="5119642"/>
           </a:xfrm>
         </p:spPr>
       </p:pic>
-      <p:pic>
-        <p:nvPicPr>
-          <p:cNvPr id="7" name="Picture 6" descr="A yellow and grey box with black text&#10;&#10;Description automatically generated">
-            <a:extLst>
-              <a:ext uri="{FF2B5EF4-FFF2-40B4-BE49-F238E27FC236}">
-                <a16:creationId xmlns:a16="http://schemas.microsoft.com/office/drawing/2014/main" id="{E962C091-02C2-B3D1-3970-75262061681E}"/>
-              </a:ext>
-            </a:extLst>
-          </p:cNvPr>
-          <p:cNvPicPr>
-            <a:picLocks noChangeAspect="1"/>
-          </p:cNvPicPr>
-          <p:nvPr/>
-        </p:nvPicPr>
-        <p:blipFill>
-          <a:blip r:embed="rId3">
-            <a:extLst>
-              <a:ext uri="{28A0092B-C50C-407E-A947-70E740481C1C}">
-                <a14:useLocalDpi xmlns:a14="http://schemas.microsoft.com/office/drawing/2010/main" val="0"/>
-              </a:ext>
-            </a:extLst>
-          </a:blip>
-          <a:stretch>
-            <a:fillRect/>
-          </a:stretch>
-        </p:blipFill>
-        <p:spPr>
-          <a:xfrm>
-            <a:off x="6423235" y="1690688"/>
-            <a:ext cx="5448772" cy="3292125"/>
-          </a:xfrm>
-          <a:prstGeom prst="rect">
-            <a:avLst/>
-          </a:prstGeom>
-        </p:spPr>
-      </p:pic>
-      <p:sp>
-        <p:nvSpPr>
-          <p:cNvPr id="8" name="TextBox 7">
-            <a:extLst>
-              <a:ext uri="{FF2B5EF4-FFF2-40B4-BE49-F238E27FC236}">
-                <a16:creationId xmlns:a16="http://schemas.microsoft.com/office/drawing/2014/main" id="{9C56B647-DE96-591D-D298-C3B4D7B6D463}"/>
-              </a:ext>
-            </a:extLst>
-          </p:cNvPr>
-          <p:cNvSpPr txBox="1"/>
-          <p:nvPr/>
-        </p:nvSpPr>
-        <p:spPr>
-          <a:xfrm>
-            <a:off x="838199" y="4919008"/>
-            <a:ext cx="4930567" cy="1938992"/>
-          </a:xfrm>
-          <a:prstGeom prst="rect">
-            <a:avLst/>
-          </a:prstGeom>
-          <a:noFill/>
-        </p:spPr>
-        <p:txBody>
-          <a:bodyPr wrap="square" rtlCol="0">
-            <a:spAutoFit/>
-          </a:bodyPr>
-          <a:lstStyle/>
-          <a:p>
-            <a:pPr marL="285750" indent="-285750">
-              <a:buFont typeface="Arial" panose="020B0604020202020204" pitchFamily="34" charset="0"/>
-              <a:buChar char="•"/>
-            </a:pPr>
-            <a:r>
-              <a:rPr lang="en-US" sz="2400" dirty="0"/>
-              <a:t>Meets user’s mental model</a:t>
-            </a:r>
-          </a:p>
-          <a:p>
-            <a:pPr marL="285750" indent="-285750">
-              <a:buFont typeface="Arial" panose="020B0604020202020204" pitchFamily="34" charset="0"/>
-              <a:buChar char="•"/>
-            </a:pPr>
-            <a:r>
-              <a:rPr lang="en-US" sz="2400" dirty="0"/>
-              <a:t>Represents each physical section</a:t>
-            </a:r>
-          </a:p>
-          <a:p>
-            <a:pPr marL="285750" indent="-285750">
-              <a:buFont typeface="Arial" panose="020B0604020202020204" pitchFamily="34" charset="0"/>
-              <a:buChar char="•"/>
-            </a:pPr>
-            <a:r>
-              <a:rPr lang="en-US" sz="2400" dirty="0"/>
-              <a:t>Uncomplicated design</a:t>
-            </a:r>
-          </a:p>
-          <a:p>
-            <a:pPr marL="285750" indent="-285750">
-              <a:buFont typeface="Arial" panose="020B0604020202020204" pitchFamily="34" charset="0"/>
-              <a:buChar char="•"/>
-            </a:pPr>
-            <a:r>
-              <a:rPr lang="en-US" sz="2400" dirty="0"/>
-              <a:t>Each box holds the day/time of upcoming doses</a:t>
-            </a:r>
-            <a:endParaRPr lang="en-GB" sz="2400" dirty="0"/>
-          </a:p>
-        </p:txBody>
-      </p:sp>
-      <p:sp>
-        <p:nvSpPr>
-          <p:cNvPr id="9" name="TextBox 8">
-            <a:extLst>
-              <a:ext uri="{FF2B5EF4-FFF2-40B4-BE49-F238E27FC236}">
-                <a16:creationId xmlns:a16="http://schemas.microsoft.com/office/drawing/2014/main" id="{9E3B4BF2-EAB9-9ABA-8EFC-8D3514FACEA3}"/>
-              </a:ext>
-            </a:extLst>
-          </p:cNvPr>
-          <p:cNvSpPr txBox="1"/>
-          <p:nvPr/>
-        </p:nvSpPr>
-        <p:spPr>
-          <a:xfrm>
-            <a:off x="6423235" y="4982813"/>
-            <a:ext cx="4930567" cy="1938992"/>
-          </a:xfrm>
-          <a:prstGeom prst="rect">
-            <a:avLst/>
-          </a:prstGeom>
-          <a:noFill/>
-        </p:spPr>
-        <p:txBody>
-          <a:bodyPr wrap="square" rtlCol="0">
-            <a:spAutoFit/>
-          </a:bodyPr>
-          <a:lstStyle/>
-          <a:p>
-            <a:pPr marL="285750" indent="-285750">
-              <a:buFont typeface="Arial" panose="020B0604020202020204" pitchFamily="34" charset="0"/>
-              <a:buChar char="•"/>
-            </a:pPr>
-            <a:r>
-              <a:rPr lang="en-US" sz="2400" dirty="0"/>
-              <a:t>Selecting a box shows countdown to next dose</a:t>
-            </a:r>
-          </a:p>
-          <a:p>
-            <a:pPr marL="285750" indent="-285750">
-              <a:buFont typeface="Arial" panose="020B0604020202020204" pitchFamily="34" charset="0"/>
-              <a:buChar char="•"/>
-            </a:pPr>
-            <a:r>
-              <a:rPr lang="en-US" sz="2400" dirty="0"/>
-              <a:t>Box highlighted in yellow for adequate contrast</a:t>
-            </a:r>
-          </a:p>
-          <a:p>
-            <a:pPr marL="285750" indent="-285750">
-              <a:buFont typeface="Arial" panose="020B0604020202020204" pitchFamily="34" charset="0"/>
-              <a:buChar char="•"/>
-            </a:pPr>
-            <a:r>
-              <a:rPr lang="en-US" sz="2400" dirty="0"/>
-              <a:t>Borders of selection emboldened</a:t>
-            </a:r>
-            <a:endParaRPr lang="en-GB" sz="2400" dirty="0"/>
+      <p:sp>
+        <p:nvSpPr>
+          <p:cNvPr id="3" name="Slide Number Placeholder 2">
+            <a:extLst>
+              <a:ext uri="{FF2B5EF4-FFF2-40B4-BE49-F238E27FC236}">
+                <a16:creationId xmlns:a16="http://schemas.microsoft.com/office/drawing/2014/main" id="{614C1FFC-F834-2709-E8C3-8FE80CDB7C66}"/>
+              </a:ext>
+            </a:extLst>
+          </p:cNvPr>
+          <p:cNvSpPr>
+            <a:spLocks noGrp="1"/>
+          </p:cNvSpPr>
+          <p:nvPr>
+            <p:ph type="sldNum" sz="quarter" idx="12"/>
+          </p:nvPr>
+        </p:nvSpPr>
+        <p:spPr/>
+        <p:txBody>
+          <a:bodyPr/>
+          <a:lstStyle/>
+          <a:p>
+            <a:fld id="{6F6DEA05-8770-4987-B5A1-0C7FA388430F}" type="slidenum">
+              <a:rPr lang="en-GB" smtClean="0"/>
+              <a:t>10</a:t>
+            </a:fld>
+            <a:endParaRPr lang="en-GB"/>
           </a:p>
         </p:txBody>
       </p:sp>
     </p:spTree>
     <p:extLst>
       <p:ext uri="{BB962C8B-B14F-4D97-AF65-F5344CB8AC3E}">
-        <p14:creationId xmlns:p14="http://schemas.microsoft.com/office/powerpoint/2010/main" val="4107201398"/>
+        <p14:creationId xmlns:p14="http://schemas.microsoft.com/office/powerpoint/2010/main" val="2508038474"/>
       </p:ext>
     </p:extLst>
   </p:cSld>
@@ -3970,128 +4218,21 @@
           </a:p>
         </p:txBody>
       </p:sp>
-      <p:sp>
-        <p:nvSpPr>
-          <p:cNvPr id="8" name="TextBox 7">
-            <a:extLst>
-              <a:ext uri="{FF2B5EF4-FFF2-40B4-BE49-F238E27FC236}">
-                <a16:creationId xmlns:a16="http://schemas.microsoft.com/office/drawing/2014/main" id="{9C56B647-DE96-591D-D298-C3B4D7B6D463}"/>
-              </a:ext>
-            </a:extLst>
-          </p:cNvPr>
-          <p:cNvSpPr txBox="1"/>
-          <p:nvPr/>
-        </p:nvSpPr>
-        <p:spPr>
-          <a:xfrm>
-            <a:off x="846436" y="4359078"/>
-            <a:ext cx="4930567" cy="1200329"/>
-          </a:xfrm>
-          <a:prstGeom prst="rect">
-            <a:avLst/>
-          </a:prstGeom>
-          <a:noFill/>
-        </p:spPr>
-        <p:txBody>
-          <a:bodyPr wrap="square" rtlCol="0">
-            <a:spAutoFit/>
-          </a:bodyPr>
-          <a:lstStyle/>
-          <a:p>
-            <a:pPr marL="285750" indent="-285750">
-              <a:buFont typeface="Arial" panose="020B0604020202020204" pitchFamily="34" charset="0"/>
-              <a:buChar char="•"/>
-            </a:pPr>
-            <a:r>
-              <a:rPr lang="en-US" sz="2400" dirty="0"/>
-              <a:t>Arrow pointing to the box to be accessed</a:t>
-            </a:r>
-          </a:p>
-          <a:p>
-            <a:pPr marL="285750" indent="-285750">
-              <a:buFont typeface="Arial" panose="020B0604020202020204" pitchFamily="34" charset="0"/>
-              <a:buChar char="•"/>
-            </a:pPr>
-            <a:r>
-              <a:rPr lang="en-US" sz="2400" dirty="0"/>
-              <a:t>Green box, matching the green LED</a:t>
-            </a:r>
-          </a:p>
-        </p:txBody>
-      </p:sp>
-      <p:sp>
-        <p:nvSpPr>
-          <p:cNvPr id="9" name="TextBox 8">
-            <a:extLst>
-              <a:ext uri="{FF2B5EF4-FFF2-40B4-BE49-F238E27FC236}">
-                <a16:creationId xmlns:a16="http://schemas.microsoft.com/office/drawing/2014/main" id="{9E3B4BF2-EAB9-9ABA-8EFC-8D3514FACEA3}"/>
-              </a:ext>
-            </a:extLst>
-          </p:cNvPr>
-          <p:cNvSpPr txBox="1"/>
-          <p:nvPr/>
-        </p:nvSpPr>
-        <p:spPr>
-          <a:xfrm>
-            <a:off x="6423233" y="4359078"/>
-            <a:ext cx="4930567" cy="2308324"/>
-          </a:xfrm>
-          <a:prstGeom prst="rect">
-            <a:avLst/>
-          </a:prstGeom>
-          <a:noFill/>
-        </p:spPr>
-        <p:txBody>
-          <a:bodyPr wrap="square" rtlCol="0">
-            <a:spAutoFit/>
-          </a:bodyPr>
-          <a:lstStyle/>
-          <a:p>
-            <a:pPr marL="285750" indent="-285750">
-              <a:buFont typeface="Arial" panose="020B0604020202020204" pitchFamily="34" charset="0"/>
-              <a:buChar char="•"/>
-            </a:pPr>
-            <a:r>
-              <a:rPr lang="en-US" sz="2400" dirty="0"/>
-              <a:t>Red box to alert user to dangerous action</a:t>
-            </a:r>
-          </a:p>
-          <a:p>
-            <a:pPr marL="285750" indent="-285750">
-              <a:buFont typeface="Arial" panose="020B0604020202020204" pitchFamily="34" charset="0"/>
-              <a:buChar char="•"/>
-            </a:pPr>
-            <a:r>
-              <a:rPr lang="en-US" sz="2400" dirty="0"/>
-              <a:t>Large X is an extra indicator of user error</a:t>
-            </a:r>
-          </a:p>
-          <a:p>
-            <a:pPr marL="285750" indent="-285750">
-              <a:buFont typeface="Arial" panose="020B0604020202020204" pitchFamily="34" charset="0"/>
-              <a:buChar char="•"/>
-            </a:pPr>
-            <a:r>
-              <a:rPr lang="en-US" sz="2400" dirty="0"/>
-              <a:t>Capital letters and ! draw attention to message</a:t>
-            </a:r>
-            <a:endParaRPr lang="en-GB" sz="2400" dirty="0"/>
-          </a:p>
-        </p:txBody>
-      </p:sp>
       <p:pic>
         <p:nvPicPr>
-          <p:cNvPr id="10" name="Picture 9" descr="A warning sign with a red and black symbol&#10;&#10;Description automatically generated">
-            <a:extLst>
-              <a:ext uri="{FF2B5EF4-FFF2-40B4-BE49-F238E27FC236}">
-                <a16:creationId xmlns:a16="http://schemas.microsoft.com/office/drawing/2014/main" id="{9572A338-BE9B-B48B-DC4B-DF15C4578FAD}"/>
+          <p:cNvPr id="5" name="Content Placeholder 4" descr="A grey rectangular object with black lines&#10;&#10;Description automatically generated">
+            <a:extLst>
+              <a:ext uri="{FF2B5EF4-FFF2-40B4-BE49-F238E27FC236}">
+                <a16:creationId xmlns:a16="http://schemas.microsoft.com/office/drawing/2014/main" id="{8C2A1217-2D4D-3374-05F2-3BCC3B4DDE3E}"/>
               </a:ext>
             </a:extLst>
           </p:cNvPr>
           <p:cNvPicPr>
-            <a:picLocks noChangeAspect="1"/>
+            <a:picLocks noGrp="1" noChangeAspect="1"/>
           </p:cNvPicPr>
-          <p:nvPr/>
+          <p:nvPr>
+            <p:ph idx="1"/>
+          </p:nvPr>
         </p:nvPicPr>
         <p:blipFill>
           <a:blip r:embed="rId2">
@@ -4107,48 +4248,210 @@
         </p:blipFill>
         <p:spPr>
           <a:xfrm>
-            <a:off x="6423235" y="2005234"/>
-            <a:ext cx="4938188" cy="2217612"/>
+            <a:off x="838199" y="2634585"/>
+            <a:ext cx="4930567" cy="1181202"/>
+          </a:xfrm>
+        </p:spPr>
+      </p:pic>
+      <p:pic>
+        <p:nvPicPr>
+          <p:cNvPr id="7" name="Picture 6" descr="A yellow and grey box with black text&#10;&#10;Description automatically generated">
+            <a:extLst>
+              <a:ext uri="{FF2B5EF4-FFF2-40B4-BE49-F238E27FC236}">
+                <a16:creationId xmlns:a16="http://schemas.microsoft.com/office/drawing/2014/main" id="{E962C091-02C2-B3D1-3970-75262061681E}"/>
+              </a:ext>
+            </a:extLst>
+          </p:cNvPr>
+          <p:cNvPicPr>
+            <a:picLocks noChangeAspect="1"/>
+          </p:cNvPicPr>
+          <p:nvPr/>
+        </p:nvPicPr>
+        <p:blipFill>
+          <a:blip r:embed="rId3">
+            <a:extLst>
+              <a:ext uri="{28A0092B-C50C-407E-A947-70E740481C1C}">
+                <a14:useLocalDpi xmlns:a14="http://schemas.microsoft.com/office/drawing/2010/main" val="0"/>
+              </a:ext>
+            </a:extLst>
+          </a:blip>
+          <a:stretch>
+            <a:fillRect/>
+          </a:stretch>
+        </p:blipFill>
+        <p:spPr>
+          <a:xfrm>
+            <a:off x="6423235" y="1690688"/>
+            <a:ext cx="5448772" cy="3292125"/>
           </a:xfrm>
           <a:prstGeom prst="rect">
             <a:avLst/>
           </a:prstGeom>
         </p:spPr>
       </p:pic>
-      <p:pic>
-        <p:nvPicPr>
-          <p:cNvPr id="14" name="Picture 13">
-            <a:extLst>
-              <a:ext uri="{FF2B5EF4-FFF2-40B4-BE49-F238E27FC236}">
-                <a16:creationId xmlns:a16="http://schemas.microsoft.com/office/drawing/2014/main" id="{AD2A10FC-16E2-9E37-5809-89127E8DCCCA}"/>
-              </a:ext>
-            </a:extLst>
-          </p:cNvPr>
-          <p:cNvPicPr>
-            <a:picLocks noChangeAspect="1"/>
-          </p:cNvPicPr>
+      <p:sp>
+        <p:nvSpPr>
+          <p:cNvPr id="8" name="TextBox 7">
+            <a:extLst>
+              <a:ext uri="{FF2B5EF4-FFF2-40B4-BE49-F238E27FC236}">
+                <a16:creationId xmlns:a16="http://schemas.microsoft.com/office/drawing/2014/main" id="{9C56B647-DE96-591D-D298-C3B4D7B6D463}"/>
+              </a:ext>
+            </a:extLst>
+          </p:cNvPr>
+          <p:cNvSpPr txBox="1"/>
           <p:nvPr/>
-        </p:nvPicPr>
-        <p:blipFill>
-          <a:blip r:embed="rId3"/>
-          <a:stretch>
-            <a:fillRect/>
-          </a:stretch>
-        </p:blipFill>
+        </p:nvSpPr>
         <p:spPr>
           <a:xfrm>
-            <a:off x="846436" y="1964594"/>
-            <a:ext cx="4922330" cy="2217612"/>
+            <a:off x="838199" y="4919008"/>
+            <a:ext cx="4930567" cy="1938992"/>
           </a:xfrm>
           <a:prstGeom prst="rect">
             <a:avLst/>
           </a:prstGeom>
+          <a:noFill/>
         </p:spPr>
-      </p:pic>
+        <p:txBody>
+          <a:bodyPr wrap="square" rtlCol="0">
+            <a:spAutoFit/>
+          </a:bodyPr>
+          <a:lstStyle/>
+          <a:p>
+            <a:pPr marL="285750" indent="-285750">
+              <a:buFont typeface="Arial" panose="020B0604020202020204" pitchFamily="34" charset="0"/>
+              <a:buChar char="•"/>
+            </a:pPr>
+            <a:r>
+              <a:rPr lang="en-US" sz="2400" dirty="0"/>
+              <a:t>Meets user’s mental model</a:t>
+            </a:r>
+          </a:p>
+          <a:p>
+            <a:pPr marL="285750" indent="-285750">
+              <a:buFont typeface="Arial" panose="020B0604020202020204" pitchFamily="34" charset="0"/>
+              <a:buChar char="•"/>
+            </a:pPr>
+            <a:r>
+              <a:rPr lang="en-US" sz="2400" dirty="0"/>
+              <a:t>Represents each physical section</a:t>
+            </a:r>
+          </a:p>
+          <a:p>
+            <a:pPr marL="285750" indent="-285750">
+              <a:buFont typeface="Arial" panose="020B0604020202020204" pitchFamily="34" charset="0"/>
+              <a:buChar char="•"/>
+            </a:pPr>
+            <a:r>
+              <a:rPr lang="en-US" sz="2400" dirty="0"/>
+              <a:t>Uncomplicated design</a:t>
+            </a:r>
+          </a:p>
+          <a:p>
+            <a:pPr marL="285750" indent="-285750">
+              <a:buFont typeface="Arial" panose="020B0604020202020204" pitchFamily="34" charset="0"/>
+              <a:buChar char="•"/>
+            </a:pPr>
+            <a:r>
+              <a:rPr lang="en-US" sz="2400" dirty="0"/>
+              <a:t>Each box holds the day/time of upcoming doses</a:t>
+            </a:r>
+            <a:endParaRPr lang="en-GB" sz="2400" dirty="0"/>
+          </a:p>
+        </p:txBody>
+      </p:sp>
+      <p:sp>
+        <p:nvSpPr>
+          <p:cNvPr id="9" name="TextBox 8">
+            <a:extLst>
+              <a:ext uri="{FF2B5EF4-FFF2-40B4-BE49-F238E27FC236}">
+                <a16:creationId xmlns:a16="http://schemas.microsoft.com/office/drawing/2014/main" id="{9E3B4BF2-EAB9-9ABA-8EFC-8D3514FACEA3}"/>
+              </a:ext>
+            </a:extLst>
+          </p:cNvPr>
+          <p:cNvSpPr txBox="1"/>
+          <p:nvPr/>
+        </p:nvSpPr>
+        <p:spPr>
+          <a:xfrm>
+            <a:off x="6423235" y="4982813"/>
+            <a:ext cx="4930567" cy="1938992"/>
+          </a:xfrm>
+          <a:prstGeom prst="rect">
+            <a:avLst/>
+          </a:prstGeom>
+          <a:noFill/>
+        </p:spPr>
+        <p:txBody>
+          <a:bodyPr wrap="square" rtlCol="0">
+            <a:spAutoFit/>
+          </a:bodyPr>
+          <a:lstStyle/>
+          <a:p>
+            <a:pPr marL="285750" indent="-285750">
+              <a:buFont typeface="Arial" panose="020B0604020202020204" pitchFamily="34" charset="0"/>
+              <a:buChar char="•"/>
+            </a:pPr>
+            <a:r>
+              <a:rPr lang="en-US" sz="2400" dirty="0"/>
+              <a:t>Selecting a box shows countdown to next dose</a:t>
+            </a:r>
+          </a:p>
+          <a:p>
+            <a:pPr marL="285750" indent="-285750">
+              <a:buFont typeface="Arial" panose="020B0604020202020204" pitchFamily="34" charset="0"/>
+              <a:buChar char="•"/>
+            </a:pPr>
+            <a:r>
+              <a:rPr lang="en-US" sz="2400" dirty="0"/>
+              <a:t>Box highlighted in yellow for adequate contrast</a:t>
+            </a:r>
+          </a:p>
+          <a:p>
+            <a:pPr marL="285750" indent="-285750">
+              <a:buFont typeface="Arial" panose="020B0604020202020204" pitchFamily="34" charset="0"/>
+              <a:buChar char="•"/>
+            </a:pPr>
+            <a:r>
+              <a:rPr lang="en-US" sz="2400" dirty="0"/>
+              <a:t>Borders of selection emboldened</a:t>
+            </a:r>
+            <a:endParaRPr lang="en-GB" sz="2400" dirty="0"/>
+          </a:p>
+        </p:txBody>
+      </p:sp>
+      <p:sp>
+        <p:nvSpPr>
+          <p:cNvPr id="3" name="Slide Number Placeholder 2">
+            <a:extLst>
+              <a:ext uri="{FF2B5EF4-FFF2-40B4-BE49-F238E27FC236}">
+                <a16:creationId xmlns:a16="http://schemas.microsoft.com/office/drawing/2014/main" id="{FD40E65B-2A0B-85B2-6EB5-7221DCF89AB1}"/>
+              </a:ext>
+            </a:extLst>
+          </p:cNvPr>
+          <p:cNvSpPr>
+            <a:spLocks noGrp="1"/>
+          </p:cNvSpPr>
+          <p:nvPr>
+            <p:ph type="sldNum" sz="quarter" idx="12"/>
+          </p:nvPr>
+        </p:nvSpPr>
+        <p:spPr/>
+        <p:txBody>
+          <a:bodyPr/>
+          <a:lstStyle/>
+          <a:p>
+            <a:fld id="{6F6DEA05-8770-4987-B5A1-0C7FA388430F}" type="slidenum">
+              <a:rPr lang="en-GB" smtClean="0"/>
+              <a:t>11</a:t>
+            </a:fld>
+            <a:endParaRPr lang="en-GB"/>
+          </a:p>
+        </p:txBody>
+      </p:sp>
     </p:spTree>
     <p:extLst>
       <p:ext uri="{BB962C8B-B14F-4D97-AF65-F5344CB8AC3E}">
-        <p14:creationId xmlns:p14="http://schemas.microsoft.com/office/powerpoint/2010/main" val="3771462479"/>
+        <p14:creationId xmlns:p14="http://schemas.microsoft.com/office/powerpoint/2010/main" val="4107201398"/>
       </p:ext>
     </p:extLst>
   </p:cSld>
@@ -4180,7 +4483,7 @@
           <p:cNvPr id="2" name="Title 1">
             <a:extLst>
               <a:ext uri="{FF2B5EF4-FFF2-40B4-BE49-F238E27FC236}">
-                <a16:creationId xmlns:a16="http://schemas.microsoft.com/office/drawing/2014/main" id="{72A5F9D2-ABEE-6B73-27A1-06F34E1296EA}"/>
+                <a16:creationId xmlns:a16="http://schemas.microsoft.com/office/drawing/2014/main" id="{0BFFF94C-392D-D0D9-2621-B6C1CF0188B7}"/>
               </a:ext>
             </a:extLst>
           </p:cNvPr>
@@ -4197,70 +4500,221 @@
           <a:lstStyle/>
           <a:p>
             <a:r>
-              <a:rPr lang="en-IE" b="1" dirty="0"/>
-              <a:t>List of Hardware</a:t>
-            </a:r>
-          </a:p>
-        </p:txBody>
-      </p:sp>
-      <p:sp>
-        <p:nvSpPr>
-          <p:cNvPr id="3" name="Content Placeholder 2">
-            <a:extLst>
-              <a:ext uri="{FF2B5EF4-FFF2-40B4-BE49-F238E27FC236}">
-                <a16:creationId xmlns:a16="http://schemas.microsoft.com/office/drawing/2014/main" id="{EB3BA343-8FDC-2076-848E-CFC0752DFC52}"/>
-              </a:ext>
-            </a:extLst>
-          </p:cNvPr>
-          <p:cNvSpPr>
-            <a:spLocks noGrp="1"/>
-          </p:cNvSpPr>
-          <p:nvPr>
-            <p:ph idx="1"/>
+              <a:rPr lang="en-US" b="1" dirty="0"/>
+              <a:t>User Interface</a:t>
+            </a:r>
+            <a:endParaRPr lang="en-GB" b="1" dirty="0"/>
+          </a:p>
+        </p:txBody>
+      </p:sp>
+      <p:sp>
+        <p:nvSpPr>
+          <p:cNvPr id="8" name="TextBox 7">
+            <a:extLst>
+              <a:ext uri="{FF2B5EF4-FFF2-40B4-BE49-F238E27FC236}">
+                <a16:creationId xmlns:a16="http://schemas.microsoft.com/office/drawing/2014/main" id="{9C56B647-DE96-591D-D298-C3B4D7B6D463}"/>
+              </a:ext>
+            </a:extLst>
+          </p:cNvPr>
+          <p:cNvSpPr txBox="1"/>
+          <p:nvPr/>
+        </p:nvSpPr>
+        <p:spPr>
+          <a:xfrm>
+            <a:off x="846436" y="4359078"/>
+            <a:ext cx="4930567" cy="1200329"/>
+          </a:xfrm>
+          <a:prstGeom prst="rect">
+            <a:avLst/>
+          </a:prstGeom>
+          <a:noFill/>
+        </p:spPr>
+        <p:txBody>
+          <a:bodyPr wrap="square" rtlCol="0">
+            <a:spAutoFit/>
+          </a:bodyPr>
+          <a:lstStyle/>
+          <a:p>
+            <a:pPr marL="285750" indent="-285750">
+              <a:buFont typeface="Arial" panose="020B0604020202020204" pitchFamily="34" charset="0"/>
+              <a:buChar char="•"/>
+            </a:pPr>
+            <a:r>
+              <a:rPr lang="en-US" sz="2400" dirty="0"/>
+              <a:t>Arrow pointing to the box to be accessed</a:t>
+            </a:r>
+          </a:p>
+          <a:p>
+            <a:pPr marL="285750" indent="-285750">
+              <a:buFont typeface="Arial" panose="020B0604020202020204" pitchFamily="34" charset="0"/>
+              <a:buChar char="•"/>
+            </a:pPr>
+            <a:r>
+              <a:rPr lang="en-US" sz="2400" dirty="0"/>
+              <a:t>Green box, matching the green LED</a:t>
+            </a:r>
+          </a:p>
+        </p:txBody>
+      </p:sp>
+      <p:sp>
+        <p:nvSpPr>
+          <p:cNvPr id="9" name="TextBox 8">
+            <a:extLst>
+              <a:ext uri="{FF2B5EF4-FFF2-40B4-BE49-F238E27FC236}">
+                <a16:creationId xmlns:a16="http://schemas.microsoft.com/office/drawing/2014/main" id="{9E3B4BF2-EAB9-9ABA-8EFC-8D3514FACEA3}"/>
+              </a:ext>
+            </a:extLst>
+          </p:cNvPr>
+          <p:cNvSpPr txBox="1"/>
+          <p:nvPr/>
+        </p:nvSpPr>
+        <p:spPr>
+          <a:xfrm>
+            <a:off x="6423233" y="4359078"/>
+            <a:ext cx="4930567" cy="2308324"/>
+          </a:xfrm>
+          <a:prstGeom prst="rect">
+            <a:avLst/>
+          </a:prstGeom>
+          <a:noFill/>
+        </p:spPr>
+        <p:txBody>
+          <a:bodyPr wrap="square" rtlCol="0">
+            <a:spAutoFit/>
+          </a:bodyPr>
+          <a:lstStyle/>
+          <a:p>
+            <a:pPr marL="285750" indent="-285750">
+              <a:buFont typeface="Arial" panose="020B0604020202020204" pitchFamily="34" charset="0"/>
+              <a:buChar char="•"/>
+            </a:pPr>
+            <a:r>
+              <a:rPr lang="en-US" sz="2400" dirty="0"/>
+              <a:t>Red box to alert user to dangerous action</a:t>
+            </a:r>
+          </a:p>
+          <a:p>
+            <a:pPr marL="285750" indent="-285750">
+              <a:buFont typeface="Arial" panose="020B0604020202020204" pitchFamily="34" charset="0"/>
+              <a:buChar char="•"/>
+            </a:pPr>
+            <a:r>
+              <a:rPr lang="en-US" sz="2400" dirty="0"/>
+              <a:t>Large X is an extra indicator of user error</a:t>
+            </a:r>
+          </a:p>
+          <a:p>
+            <a:pPr marL="285750" indent="-285750">
+              <a:buFont typeface="Arial" panose="020B0604020202020204" pitchFamily="34" charset="0"/>
+              <a:buChar char="•"/>
+            </a:pPr>
+            <a:r>
+              <a:rPr lang="en-US" sz="2400" dirty="0"/>
+              <a:t>Capital letters and ! draw attention to message</a:t>
+            </a:r>
+            <a:endParaRPr lang="en-GB" sz="2400" dirty="0"/>
+          </a:p>
+        </p:txBody>
+      </p:sp>
+      <p:pic>
+        <p:nvPicPr>
+          <p:cNvPr id="10" name="Picture 9" descr="A warning sign with a red and black symbol&#10;&#10;Description automatically generated">
+            <a:extLst>
+              <a:ext uri="{FF2B5EF4-FFF2-40B4-BE49-F238E27FC236}">
+                <a16:creationId xmlns:a16="http://schemas.microsoft.com/office/drawing/2014/main" id="{9572A338-BE9B-B48B-DC4B-DF15C4578FAD}"/>
+              </a:ext>
+            </a:extLst>
+          </p:cNvPr>
+          <p:cNvPicPr>
+            <a:picLocks noChangeAspect="1"/>
+          </p:cNvPicPr>
+          <p:nvPr/>
+        </p:nvPicPr>
+        <p:blipFill>
+          <a:blip r:embed="rId2">
+            <a:extLst>
+              <a:ext uri="{28A0092B-C50C-407E-A947-70E740481C1C}">
+                <a14:useLocalDpi xmlns:a14="http://schemas.microsoft.com/office/drawing/2010/main" val="0"/>
+              </a:ext>
+            </a:extLst>
+          </a:blip>
+          <a:stretch>
+            <a:fillRect/>
+          </a:stretch>
+        </p:blipFill>
+        <p:spPr>
+          <a:xfrm>
+            <a:off x="6423235" y="2005234"/>
+            <a:ext cx="4938188" cy="2217612"/>
+          </a:xfrm>
+          <a:prstGeom prst="rect">
+            <a:avLst/>
+          </a:prstGeom>
+        </p:spPr>
+      </p:pic>
+      <p:pic>
+        <p:nvPicPr>
+          <p:cNvPr id="14" name="Picture 13">
+            <a:extLst>
+              <a:ext uri="{FF2B5EF4-FFF2-40B4-BE49-F238E27FC236}">
+                <a16:creationId xmlns:a16="http://schemas.microsoft.com/office/drawing/2014/main" id="{AD2A10FC-16E2-9E37-5809-89127E8DCCCA}"/>
+              </a:ext>
+            </a:extLst>
+          </p:cNvPr>
+          <p:cNvPicPr>
+            <a:picLocks noChangeAspect="1"/>
+          </p:cNvPicPr>
+          <p:nvPr/>
+        </p:nvPicPr>
+        <p:blipFill>
+          <a:blip r:embed="rId3"/>
+          <a:stretch>
+            <a:fillRect/>
+          </a:stretch>
+        </p:blipFill>
+        <p:spPr>
+          <a:xfrm>
+            <a:off x="846436" y="1964594"/>
+            <a:ext cx="4922330" cy="2217612"/>
+          </a:xfrm>
+          <a:prstGeom prst="rect">
+            <a:avLst/>
+          </a:prstGeom>
+        </p:spPr>
+      </p:pic>
+      <p:sp>
+        <p:nvSpPr>
+          <p:cNvPr id="3" name="Slide Number Placeholder 2">
+            <a:extLst>
+              <a:ext uri="{FF2B5EF4-FFF2-40B4-BE49-F238E27FC236}">
+                <a16:creationId xmlns:a16="http://schemas.microsoft.com/office/drawing/2014/main" id="{47CADF90-6DA7-7712-1A8B-45CDA452C103}"/>
+              </a:ext>
+            </a:extLst>
+          </p:cNvPr>
+          <p:cNvSpPr>
+            <a:spLocks noGrp="1"/>
+          </p:cNvSpPr>
+          <p:nvPr>
+            <p:ph type="sldNum" sz="quarter" idx="12"/>
           </p:nvPr>
         </p:nvSpPr>
         <p:spPr/>
         <p:txBody>
-          <a:bodyPr>
-            <a:normAutofit/>
-          </a:bodyPr>
-          <a:lstStyle/>
-          <a:p>
-            <a:r>
-              <a:rPr lang="en-IE" sz="2400" dirty="0"/>
-              <a:t>Roller Lever Micro Switches</a:t>
-            </a:r>
-          </a:p>
-          <a:p>
-            <a:r>
-              <a:rPr lang="en-IE" sz="2400" dirty="0"/>
-              <a:t>Force-Sensitive Resistors</a:t>
-            </a:r>
-          </a:p>
-          <a:p>
-            <a:r>
-              <a:rPr lang="en-IE" sz="2400" dirty="0"/>
-              <a:t>Green and Red LEDs</a:t>
-            </a:r>
-          </a:p>
-          <a:p>
-            <a:r>
-              <a:rPr lang="en-IE" sz="2400" dirty="0"/>
-              <a:t>Resistors (220Ω and 330Ω)</a:t>
-            </a:r>
-          </a:p>
-          <a:p>
-            <a:r>
-              <a:rPr lang="en-IE" sz="2400" dirty="0"/>
-              <a:t>Female to Female Cables</a:t>
-            </a:r>
+          <a:bodyPr/>
+          <a:lstStyle/>
+          <a:p>
+            <a:fld id="{6F6DEA05-8770-4987-B5A1-0C7FA388430F}" type="slidenum">
+              <a:rPr lang="en-GB" smtClean="0"/>
+              <a:t>12</a:t>
+            </a:fld>
+            <a:endParaRPr lang="en-GB"/>
           </a:p>
         </p:txBody>
       </p:sp>
     </p:spTree>
     <p:extLst>
       <p:ext uri="{BB962C8B-B14F-4D97-AF65-F5344CB8AC3E}">
-        <p14:creationId xmlns:p14="http://schemas.microsoft.com/office/powerpoint/2010/main" val="2826197371"/>
+        <p14:creationId xmlns:p14="http://schemas.microsoft.com/office/powerpoint/2010/main" val="3771462479"/>
       </p:ext>
     </p:extLst>
   </p:cSld>
@@ -4292,7 +4746,7 @@
           <p:cNvPr id="2" name="Title 1">
             <a:extLst>
               <a:ext uri="{FF2B5EF4-FFF2-40B4-BE49-F238E27FC236}">
-                <a16:creationId xmlns:a16="http://schemas.microsoft.com/office/drawing/2014/main" id="{994F05C5-D907-9A03-6508-55C79881B218}"/>
+                <a16:creationId xmlns:a16="http://schemas.microsoft.com/office/drawing/2014/main" id="{72A5F9D2-ABEE-6B73-27A1-06F34E1296EA}"/>
               </a:ext>
             </a:extLst>
           </p:cNvPr>
@@ -4310,50 +4764,98 @@
           <a:p>
             <a:r>
               <a:rPr lang="en-IE" b="1" dirty="0"/>
-              <a:t>Fritzing Diagram</a:t>
-            </a:r>
-          </a:p>
-        </p:txBody>
-      </p:sp>
-      <p:pic>
-        <p:nvPicPr>
-          <p:cNvPr id="6" name="Content Placeholder 5">
-            <a:extLst>
-              <a:ext uri="{FF2B5EF4-FFF2-40B4-BE49-F238E27FC236}">
-                <a16:creationId xmlns:a16="http://schemas.microsoft.com/office/drawing/2014/main" id="{6BE5F963-383F-6584-D05C-BDEB47F1C7C2}"/>
-              </a:ext>
-            </a:extLst>
-          </p:cNvPr>
-          <p:cNvPicPr>
-            <a:picLocks noGrp="1" noChangeAspect="1"/>
-          </p:cNvPicPr>
+              <a:t>List of Hardware</a:t>
+            </a:r>
+          </a:p>
+        </p:txBody>
+      </p:sp>
+      <p:sp>
+        <p:nvSpPr>
+          <p:cNvPr id="3" name="Content Placeholder 2">
+            <a:extLst>
+              <a:ext uri="{FF2B5EF4-FFF2-40B4-BE49-F238E27FC236}">
+                <a16:creationId xmlns:a16="http://schemas.microsoft.com/office/drawing/2014/main" id="{EB3BA343-8FDC-2076-848E-CFC0752DFC52}"/>
+              </a:ext>
+            </a:extLst>
+          </p:cNvPr>
+          <p:cNvSpPr>
+            <a:spLocks noGrp="1"/>
+          </p:cNvSpPr>
           <p:nvPr>
             <p:ph idx="1"/>
           </p:nvPr>
-        </p:nvPicPr>
-        <p:blipFill>
-          <a:blip r:embed="rId2">
-            <a:extLst>
-              <a:ext uri="{28A0092B-C50C-407E-A947-70E740481C1C}">
-                <a14:useLocalDpi xmlns:a14="http://schemas.microsoft.com/office/drawing/2010/main" val="0"/>
-              </a:ext>
-            </a:extLst>
-          </a:blip>
-          <a:stretch>
-            <a:fillRect/>
-          </a:stretch>
-        </p:blipFill>
-        <p:spPr>
-          <a:xfrm>
-            <a:off x="1874154" y="1958957"/>
-            <a:ext cx="8443692" cy="4084674"/>
-          </a:xfrm>
-        </p:spPr>
-      </p:pic>
+        </p:nvSpPr>
+        <p:spPr/>
+        <p:txBody>
+          <a:bodyPr>
+            <a:normAutofit/>
+          </a:bodyPr>
+          <a:lstStyle/>
+          <a:p>
+            <a:r>
+              <a:rPr lang="en-IE" sz="2400" dirty="0"/>
+              <a:t>Roller Lever Micro Switches</a:t>
+            </a:r>
+          </a:p>
+          <a:p>
+            <a:r>
+              <a:rPr lang="en-IE" sz="2400" dirty="0"/>
+              <a:t>Force-Sensitive Resistors</a:t>
+            </a:r>
+          </a:p>
+          <a:p>
+            <a:r>
+              <a:rPr lang="en-IE" sz="2400" dirty="0"/>
+              <a:t>Green and Red LEDs</a:t>
+            </a:r>
+          </a:p>
+          <a:p>
+            <a:r>
+              <a:rPr lang="en-IE" sz="2400" dirty="0"/>
+              <a:t>Resistors (220Ω and 330Ω)</a:t>
+            </a:r>
+          </a:p>
+          <a:p>
+            <a:r>
+              <a:rPr lang="en-IE" sz="2400" dirty="0"/>
+              <a:t>Female to Female Cables</a:t>
+            </a:r>
+          </a:p>
+        </p:txBody>
+      </p:sp>
+      <p:sp>
+        <p:nvSpPr>
+          <p:cNvPr id="4" name="Slide Number Placeholder 3">
+            <a:extLst>
+              <a:ext uri="{FF2B5EF4-FFF2-40B4-BE49-F238E27FC236}">
+                <a16:creationId xmlns:a16="http://schemas.microsoft.com/office/drawing/2014/main" id="{35169488-6029-66A9-0616-2A610075C36F}"/>
+              </a:ext>
+            </a:extLst>
+          </p:cNvPr>
+          <p:cNvSpPr>
+            <a:spLocks noGrp="1"/>
+          </p:cNvSpPr>
+          <p:nvPr>
+            <p:ph type="sldNum" sz="quarter" idx="12"/>
+          </p:nvPr>
+        </p:nvSpPr>
+        <p:spPr/>
+        <p:txBody>
+          <a:bodyPr/>
+          <a:lstStyle/>
+          <a:p>
+            <a:fld id="{6F6DEA05-8770-4987-B5A1-0C7FA388430F}" type="slidenum">
+              <a:rPr lang="en-GB" smtClean="0"/>
+              <a:t>13</a:t>
+            </a:fld>
+            <a:endParaRPr lang="en-GB"/>
+          </a:p>
+        </p:txBody>
+      </p:sp>
     </p:spTree>
     <p:extLst>
       <p:ext uri="{BB962C8B-B14F-4D97-AF65-F5344CB8AC3E}">
-        <p14:creationId xmlns:p14="http://schemas.microsoft.com/office/powerpoint/2010/main" val="1982667111"/>
+        <p14:creationId xmlns:p14="http://schemas.microsoft.com/office/powerpoint/2010/main" val="2826197371"/>
       </p:ext>
     </p:extLst>
   </p:cSld>
@@ -4385,7 +4887,7 @@
           <p:cNvPr id="2" name="Title 1">
             <a:extLst>
               <a:ext uri="{FF2B5EF4-FFF2-40B4-BE49-F238E27FC236}">
-                <a16:creationId xmlns:a16="http://schemas.microsoft.com/office/drawing/2014/main" id="{78B85200-41EE-9011-5F9D-8C61C1884813}"/>
+                <a16:creationId xmlns:a16="http://schemas.microsoft.com/office/drawing/2014/main" id="{994F05C5-D907-9A03-6508-55C79881B218}"/>
               </a:ext>
             </a:extLst>
           </p:cNvPr>
@@ -4403,51 +4905,79 @@
           <a:p>
             <a:r>
               <a:rPr lang="en-IE" b="1" dirty="0"/>
-              <a:t>Powering the Device</a:t>
-            </a:r>
-          </a:p>
-        </p:txBody>
-      </p:sp>
-      <p:sp>
-        <p:nvSpPr>
-          <p:cNvPr id="3" name="Content Placeholder 2">
-            <a:extLst>
-              <a:ext uri="{FF2B5EF4-FFF2-40B4-BE49-F238E27FC236}">
-                <a16:creationId xmlns:a16="http://schemas.microsoft.com/office/drawing/2014/main" id="{B891EF61-F88D-10E3-943B-FC72FC0A9563}"/>
-              </a:ext>
-            </a:extLst>
-          </p:cNvPr>
-          <p:cNvSpPr>
-            <a:spLocks noGrp="1"/>
-          </p:cNvSpPr>
+              <a:t>Fritzing Diagram</a:t>
+            </a:r>
+          </a:p>
+        </p:txBody>
+      </p:sp>
+      <p:pic>
+        <p:nvPicPr>
+          <p:cNvPr id="6" name="Content Placeholder 5">
+            <a:extLst>
+              <a:ext uri="{FF2B5EF4-FFF2-40B4-BE49-F238E27FC236}">
+                <a16:creationId xmlns:a16="http://schemas.microsoft.com/office/drawing/2014/main" id="{6BE5F963-383F-6584-D05C-BDEB47F1C7C2}"/>
+              </a:ext>
+            </a:extLst>
+          </p:cNvPr>
+          <p:cNvPicPr>
+            <a:picLocks noGrp="1" noChangeAspect="1"/>
+          </p:cNvPicPr>
           <p:nvPr>
             <p:ph idx="1"/>
           </p:nvPr>
+        </p:nvPicPr>
+        <p:blipFill>
+          <a:blip r:embed="rId2">
+            <a:extLst>
+              <a:ext uri="{28A0092B-C50C-407E-A947-70E740481C1C}">
+                <a14:useLocalDpi xmlns:a14="http://schemas.microsoft.com/office/drawing/2010/main" val="0"/>
+              </a:ext>
+            </a:extLst>
+          </a:blip>
+          <a:stretch>
+            <a:fillRect/>
+          </a:stretch>
+        </p:blipFill>
+        <p:spPr>
+          <a:xfrm>
+            <a:off x="1874154" y="1958957"/>
+            <a:ext cx="8443692" cy="4084674"/>
+          </a:xfrm>
+        </p:spPr>
+      </p:pic>
+      <p:sp>
+        <p:nvSpPr>
+          <p:cNvPr id="3" name="Slide Number Placeholder 2">
+            <a:extLst>
+              <a:ext uri="{FF2B5EF4-FFF2-40B4-BE49-F238E27FC236}">
+                <a16:creationId xmlns:a16="http://schemas.microsoft.com/office/drawing/2014/main" id="{8E5291C8-409E-6054-6EF0-67008C8291D8}"/>
+              </a:ext>
+            </a:extLst>
+          </p:cNvPr>
+          <p:cNvSpPr>
+            <a:spLocks noGrp="1"/>
+          </p:cNvSpPr>
+          <p:nvPr>
+            <p:ph type="sldNum" sz="quarter" idx="12"/>
+          </p:nvPr>
         </p:nvSpPr>
         <p:spPr/>
         <p:txBody>
-          <a:bodyPr>
-            <a:normAutofit/>
-          </a:bodyPr>
-          <a:lstStyle/>
-          <a:p>
-            <a:r>
-              <a:rPr lang="en-IE" sz="2400" dirty="0"/>
-              <a:t>The device will be plugged into the wall.</a:t>
-            </a:r>
-          </a:p>
-          <a:p>
-            <a:r>
-              <a:rPr lang="en-IE" sz="2400" dirty="0"/>
-              <a:t>The device will use an Uninterruptible Power Supply (UPS) to handle loss of power. This will require 2 rechargeable batteries.</a:t>
-            </a:r>
+          <a:bodyPr/>
+          <a:lstStyle/>
+          <a:p>
+            <a:fld id="{6F6DEA05-8770-4987-B5A1-0C7FA388430F}" type="slidenum">
+              <a:rPr lang="en-GB" smtClean="0"/>
+              <a:t>14</a:t>
+            </a:fld>
+            <a:endParaRPr lang="en-GB"/>
           </a:p>
         </p:txBody>
       </p:sp>
     </p:spTree>
     <p:extLst>
       <p:ext uri="{BB962C8B-B14F-4D97-AF65-F5344CB8AC3E}">
-        <p14:creationId xmlns:p14="http://schemas.microsoft.com/office/powerpoint/2010/main" val="1863438459"/>
+        <p14:creationId xmlns:p14="http://schemas.microsoft.com/office/powerpoint/2010/main" val="1982667111"/>
       </p:ext>
     </p:extLst>
   </p:cSld>
@@ -4479,7 +5009,7 @@
           <p:cNvPr id="2" name="Title 1">
             <a:extLst>
               <a:ext uri="{FF2B5EF4-FFF2-40B4-BE49-F238E27FC236}">
-                <a16:creationId xmlns:a16="http://schemas.microsoft.com/office/drawing/2014/main" id="{59D5748E-CDB0-9F1F-B801-1D7F7A3AC526}"/>
+                <a16:creationId xmlns:a16="http://schemas.microsoft.com/office/drawing/2014/main" id="{78B85200-41EE-9011-5F9D-8C61C1884813}"/>
               </a:ext>
             </a:extLst>
           </p:cNvPr>
@@ -4496,10 +5026,9 @@
           <a:lstStyle/>
           <a:p>
             <a:r>
-              <a:rPr lang="en-GB" b="1" dirty="0"/>
-              <a:t>Network Connectivity</a:t>
-            </a:r>
-            <a:endParaRPr lang="en-IE" b="1" dirty="0"/>
+              <a:rPr lang="en-IE" b="1" dirty="0"/>
+              <a:t>Powering the Device</a:t>
+            </a:r>
           </a:p>
         </p:txBody>
       </p:sp>
@@ -4508,7 +5037,7 @@
           <p:cNvPr id="3" name="Content Placeholder 2">
             <a:extLst>
               <a:ext uri="{FF2B5EF4-FFF2-40B4-BE49-F238E27FC236}">
-                <a16:creationId xmlns:a16="http://schemas.microsoft.com/office/drawing/2014/main" id="{28CB5CBC-F0C6-8B01-9307-C736F80E5F08}"/>
+                <a16:creationId xmlns:a16="http://schemas.microsoft.com/office/drawing/2014/main" id="{B891EF61-F88D-10E3-943B-FC72FC0A9563}"/>
               </a:ext>
             </a:extLst>
           </p:cNvPr>
@@ -4527,22 +5056,51 @@
           <a:lstStyle/>
           <a:p>
             <a:r>
-              <a:rPr lang="en-GB" sz="2400" dirty="0"/>
-              <a:t>The device will connect to local Wi-Fi using the Raspberry Pi’s onboard wireless LAN.</a:t>
-            </a:r>
-          </a:p>
-          <a:p>
-            <a:r>
               <a:rPr lang="en-IE" sz="2400" dirty="0"/>
-              <a:t>When the device loses its connection to the internet, it will switch to using its onboard storage. When the connection is reestablished, it will bundle all local data and send it to the server.</a:t>
-            </a:r>
+              <a:t>The device will be plugged into the wall.</a:t>
+            </a:r>
+          </a:p>
+          <a:p>
+            <a:r>
+              <a:rPr lang="en-IE" sz="2400" dirty="0"/>
+              <a:t>The device will use an Uninterruptible Power Supply (UPS) to handle loss of power. This will require 2 rechargeable batteries.</a:t>
+            </a:r>
+          </a:p>
+        </p:txBody>
+      </p:sp>
+      <p:sp>
+        <p:nvSpPr>
+          <p:cNvPr id="4" name="Slide Number Placeholder 3">
+            <a:extLst>
+              <a:ext uri="{FF2B5EF4-FFF2-40B4-BE49-F238E27FC236}">
+                <a16:creationId xmlns:a16="http://schemas.microsoft.com/office/drawing/2014/main" id="{4E120835-DBDC-2F50-E719-DE2A38116FBB}"/>
+              </a:ext>
+            </a:extLst>
+          </p:cNvPr>
+          <p:cNvSpPr>
+            <a:spLocks noGrp="1"/>
+          </p:cNvSpPr>
+          <p:nvPr>
+            <p:ph type="sldNum" sz="quarter" idx="12"/>
+          </p:nvPr>
+        </p:nvSpPr>
+        <p:spPr/>
+        <p:txBody>
+          <a:bodyPr/>
+          <a:lstStyle/>
+          <a:p>
+            <a:fld id="{6F6DEA05-8770-4987-B5A1-0C7FA388430F}" type="slidenum">
+              <a:rPr lang="en-GB" smtClean="0"/>
+              <a:t>15</a:t>
+            </a:fld>
+            <a:endParaRPr lang="en-GB"/>
           </a:p>
         </p:txBody>
       </p:sp>
     </p:spTree>
     <p:extLst>
       <p:ext uri="{BB962C8B-B14F-4D97-AF65-F5344CB8AC3E}">
-        <p14:creationId xmlns:p14="http://schemas.microsoft.com/office/powerpoint/2010/main" val="372561474"/>
+        <p14:creationId xmlns:p14="http://schemas.microsoft.com/office/powerpoint/2010/main" val="1863438459"/>
       </p:ext>
     </p:extLst>
   </p:cSld>
@@ -4574,7 +5132,7 @@
           <p:cNvPr id="2" name="Title 1">
             <a:extLst>
               <a:ext uri="{FF2B5EF4-FFF2-40B4-BE49-F238E27FC236}">
-                <a16:creationId xmlns:a16="http://schemas.microsoft.com/office/drawing/2014/main" id="{9C033677-6058-80CC-C478-27183A73C953}"/>
+                <a16:creationId xmlns:a16="http://schemas.microsoft.com/office/drawing/2014/main" id="{59D5748E-CDB0-9F1F-B801-1D7F7A3AC526}"/>
               </a:ext>
             </a:extLst>
           </p:cNvPr>
@@ -4592,15 +5150,7 @@
           <a:p>
             <a:r>
               <a:rPr lang="en-GB" b="1" dirty="0"/>
-              <a:t>Physical</a:t>
-            </a:r>
-            <a:r>
-              <a:rPr lang="en-GB" dirty="0"/>
-              <a:t> </a:t>
-            </a:r>
-            <a:r>
-              <a:rPr lang="en-GB" b="1" dirty="0"/>
-              <a:t>Security</a:t>
+              <a:t>Network Connectivity</a:t>
             </a:r>
             <a:endParaRPr lang="en-IE" b="1" dirty="0"/>
           </a:p>
@@ -4611,7 +5161,7 @@
           <p:cNvPr id="3" name="Content Placeholder 2">
             <a:extLst>
               <a:ext uri="{FF2B5EF4-FFF2-40B4-BE49-F238E27FC236}">
-                <a16:creationId xmlns:a16="http://schemas.microsoft.com/office/drawing/2014/main" id="{CF990485-C4AC-24AA-836B-A016CC2B3E3F}"/>
+                <a16:creationId xmlns:a16="http://schemas.microsoft.com/office/drawing/2014/main" id="{28CB5CBC-F0C6-8B01-9307-C736F80E5F08}"/>
               </a:ext>
             </a:extLst>
           </p:cNvPr>
@@ -4624,41 +5174,57 @@
         </p:nvSpPr>
         <p:spPr/>
         <p:txBody>
+          <a:bodyPr>
+            <a:normAutofit/>
+          </a:bodyPr>
+          <a:lstStyle/>
+          <a:p>
+            <a:r>
+              <a:rPr lang="en-GB" sz="2400" dirty="0"/>
+              <a:t>The device will connect to local Wi-Fi using the Raspberry Pi’s onboard wireless LAN.</a:t>
+            </a:r>
+          </a:p>
+          <a:p>
+            <a:r>
+              <a:rPr lang="en-IE" sz="2400" dirty="0"/>
+              <a:t>When the device loses its connection to the internet, it will switch to using its onboard storage. When the connection is reestablished, it will bundle all local data and send it to the server.</a:t>
+            </a:r>
+          </a:p>
+        </p:txBody>
+      </p:sp>
+      <p:sp>
+        <p:nvSpPr>
+          <p:cNvPr id="4" name="Slide Number Placeholder 3">
+            <a:extLst>
+              <a:ext uri="{FF2B5EF4-FFF2-40B4-BE49-F238E27FC236}">
+                <a16:creationId xmlns:a16="http://schemas.microsoft.com/office/drawing/2014/main" id="{A75408A4-1251-C71C-BAA6-BF539CDE9607}"/>
+              </a:ext>
+            </a:extLst>
+          </p:cNvPr>
+          <p:cNvSpPr>
+            <a:spLocks noGrp="1"/>
+          </p:cNvSpPr>
+          <p:nvPr>
+            <p:ph type="sldNum" sz="quarter" idx="12"/>
+          </p:nvPr>
+        </p:nvSpPr>
+        <p:spPr/>
+        <p:txBody>
           <a:bodyPr/>
           <a:lstStyle/>
           <a:p>
-            <a:r>
-              <a:rPr lang="en-GB" sz="2400" dirty="0"/>
-              <a:t>The hardware will be built into the box to protect it from the environment.</a:t>
-            </a:r>
-          </a:p>
-          <a:p>
-            <a:r>
-              <a:rPr lang="en-GB" sz="2400" dirty="0"/>
-              <a:t>The Pi will be mounted to the box using 4 M2.5 screws so it will not be damaged if the box is dropped or hit.</a:t>
-            </a:r>
-          </a:p>
-          <a:p>
-            <a:r>
-              <a:rPr lang="en-GB" sz="2400" dirty="0"/>
-              <a:t>We plan on blocking off ports using Linux’s IPtables command.</a:t>
-            </a:r>
-          </a:p>
-          <a:p>
-            <a:r>
-              <a:rPr lang="en-GB" sz="2400" dirty="0"/>
-              <a:t>This will stop unauthorized access to the box’s software.</a:t>
-            </a:r>
-          </a:p>
-          <a:p>
-            <a:endParaRPr lang="en-IE" dirty="0"/>
+            <a:fld id="{6F6DEA05-8770-4987-B5A1-0C7FA388430F}" type="slidenum">
+              <a:rPr lang="en-GB" smtClean="0"/>
+              <a:t>16</a:t>
+            </a:fld>
+            <a:endParaRPr lang="en-GB"/>
           </a:p>
         </p:txBody>
       </p:sp>
     </p:spTree>
     <p:extLst>
       <p:ext uri="{BB962C8B-B14F-4D97-AF65-F5344CB8AC3E}">
-        <p14:creationId xmlns:p14="http://schemas.microsoft.com/office/powerpoint/2010/main" val="3469279610"/>
+        <p14:creationId xmlns:p14="http://schemas.microsoft.com/office/powerpoint/2010/main" val="372561474"/>
       </p:ext>
     </p:extLst>
   </p:cSld>
@@ -4687,6 +5253,151 @@
       </p:grpSpPr>
       <p:sp>
         <p:nvSpPr>
+          <p:cNvPr id="2" name="Title 1">
+            <a:extLst>
+              <a:ext uri="{FF2B5EF4-FFF2-40B4-BE49-F238E27FC236}">
+                <a16:creationId xmlns:a16="http://schemas.microsoft.com/office/drawing/2014/main" id="{9C033677-6058-80CC-C478-27183A73C953}"/>
+              </a:ext>
+            </a:extLst>
+          </p:cNvPr>
+          <p:cNvSpPr>
+            <a:spLocks noGrp="1"/>
+          </p:cNvSpPr>
+          <p:nvPr>
+            <p:ph type="title"/>
+          </p:nvPr>
+        </p:nvSpPr>
+        <p:spPr/>
+        <p:txBody>
+          <a:bodyPr/>
+          <a:lstStyle/>
+          <a:p>
+            <a:r>
+              <a:rPr lang="en-GB" b="1" dirty="0"/>
+              <a:t>Physical</a:t>
+            </a:r>
+            <a:r>
+              <a:rPr lang="en-GB" dirty="0"/>
+              <a:t> </a:t>
+            </a:r>
+            <a:r>
+              <a:rPr lang="en-GB" b="1" dirty="0"/>
+              <a:t>Security</a:t>
+            </a:r>
+            <a:endParaRPr lang="en-IE" b="1" dirty="0"/>
+          </a:p>
+        </p:txBody>
+      </p:sp>
+      <p:sp>
+        <p:nvSpPr>
+          <p:cNvPr id="3" name="Content Placeholder 2">
+            <a:extLst>
+              <a:ext uri="{FF2B5EF4-FFF2-40B4-BE49-F238E27FC236}">
+                <a16:creationId xmlns:a16="http://schemas.microsoft.com/office/drawing/2014/main" id="{CF990485-C4AC-24AA-836B-A016CC2B3E3F}"/>
+              </a:ext>
+            </a:extLst>
+          </p:cNvPr>
+          <p:cNvSpPr>
+            <a:spLocks noGrp="1"/>
+          </p:cNvSpPr>
+          <p:nvPr>
+            <p:ph idx="1"/>
+          </p:nvPr>
+        </p:nvSpPr>
+        <p:spPr/>
+        <p:txBody>
+          <a:bodyPr/>
+          <a:lstStyle/>
+          <a:p>
+            <a:r>
+              <a:rPr lang="en-GB" sz="2400" dirty="0"/>
+              <a:t>The hardware will be built into the box to protect it from the environment.</a:t>
+            </a:r>
+          </a:p>
+          <a:p>
+            <a:r>
+              <a:rPr lang="en-GB" sz="2400" dirty="0"/>
+              <a:t>The Pi will be mounted to the box using 4 M2.5 screws so it will not be damaged if the box is dropped or hit.</a:t>
+            </a:r>
+          </a:p>
+          <a:p>
+            <a:r>
+              <a:rPr lang="en-GB" sz="2400" dirty="0"/>
+              <a:t>We plan on blocking off ports using Linux’s IPtables command.</a:t>
+            </a:r>
+          </a:p>
+          <a:p>
+            <a:r>
+              <a:rPr lang="en-GB" sz="2400" dirty="0"/>
+              <a:t>This will stop unauthorized access to the box’s software.</a:t>
+            </a:r>
+          </a:p>
+          <a:p>
+            <a:endParaRPr lang="en-IE" dirty="0"/>
+          </a:p>
+        </p:txBody>
+      </p:sp>
+      <p:sp>
+        <p:nvSpPr>
+          <p:cNvPr id="4" name="Slide Number Placeholder 3">
+            <a:extLst>
+              <a:ext uri="{FF2B5EF4-FFF2-40B4-BE49-F238E27FC236}">
+                <a16:creationId xmlns:a16="http://schemas.microsoft.com/office/drawing/2014/main" id="{2D7D5843-C77E-57D1-5F82-CACDEAC77419}"/>
+              </a:ext>
+            </a:extLst>
+          </p:cNvPr>
+          <p:cNvSpPr>
+            <a:spLocks noGrp="1"/>
+          </p:cNvSpPr>
+          <p:nvPr>
+            <p:ph type="sldNum" sz="quarter" idx="12"/>
+          </p:nvPr>
+        </p:nvSpPr>
+        <p:spPr/>
+        <p:txBody>
+          <a:bodyPr/>
+          <a:lstStyle/>
+          <a:p>
+            <a:fld id="{6F6DEA05-8770-4987-B5A1-0C7FA388430F}" type="slidenum">
+              <a:rPr lang="en-GB" smtClean="0"/>
+              <a:t>17</a:t>
+            </a:fld>
+            <a:endParaRPr lang="en-GB"/>
+          </a:p>
+        </p:txBody>
+      </p:sp>
+    </p:spTree>
+    <p:extLst>
+      <p:ext uri="{BB962C8B-B14F-4D97-AF65-F5344CB8AC3E}">
+        <p14:creationId xmlns:p14="http://schemas.microsoft.com/office/powerpoint/2010/main" val="3469279610"/>
+      </p:ext>
+    </p:extLst>
+  </p:cSld>
+  <p:clrMapOvr>
+    <a:masterClrMapping/>
+  </p:clrMapOvr>
+</p:sld>
+</file>
+
+<file path=ppt/slides/slide18.xml><?xml version="1.0" encoding="utf-8"?>
+<p:sld xmlns:a="http://schemas.openxmlformats.org/drawingml/2006/main" xmlns:r="http://schemas.openxmlformats.org/officeDocument/2006/relationships" xmlns:p="http://schemas.openxmlformats.org/presentationml/2006/main">
+  <p:cSld>
+    <p:spTree>
+      <p:nvGrpSpPr>
+        <p:cNvPr id="1" name=""/>
+        <p:cNvGrpSpPr/>
+        <p:nvPr/>
+      </p:nvGrpSpPr>
+      <p:grpSpPr>
+        <a:xfrm>
+          <a:off x="0" y="0"/>
+          <a:ext cx="0" cy="0"/>
+          <a:chOff x="0" y="0"/>
+          <a:chExt cx="0" cy="0"/>
+        </a:xfrm>
+      </p:grpSpPr>
+      <p:sp>
+        <p:nvSpPr>
           <p:cNvPr id="164" name="PlaceHolder 1"/>
           <p:cNvSpPr>
             <a:spLocks noGrp="1"/>
@@ -4836,6 +5547,35 @@
           </a:p>
         </p:txBody>
       </p:sp>
+      <p:sp>
+        <p:nvSpPr>
+          <p:cNvPr id="2" name="Slide Number Placeholder 1">
+            <a:extLst>
+              <a:ext uri="{FF2B5EF4-FFF2-40B4-BE49-F238E27FC236}">
+                <a16:creationId xmlns:a16="http://schemas.microsoft.com/office/drawing/2014/main" id="{88CCE5CE-7E25-5E16-03DA-2665D5A7651B}"/>
+              </a:ext>
+            </a:extLst>
+          </p:cNvPr>
+          <p:cNvSpPr>
+            <a:spLocks noGrp="1"/>
+          </p:cNvSpPr>
+          <p:nvPr>
+            <p:ph type="sldNum" sz="quarter" idx="12"/>
+          </p:nvPr>
+        </p:nvSpPr>
+        <p:spPr/>
+        <p:txBody>
+          <a:bodyPr/>
+          <a:lstStyle/>
+          <a:p>
+            <a:fld id="{6F6DEA05-8770-4987-B5A1-0C7FA388430F}" type="slidenum">
+              <a:rPr lang="en-GB" smtClean="0"/>
+              <a:t>18</a:t>
+            </a:fld>
+            <a:endParaRPr lang="en-GB"/>
+          </a:p>
+        </p:txBody>
+      </p:sp>
     </p:spTree>
   </p:cSld>
   <p:clrMapOvr>
@@ -4844,7 +5584,7 @@
 </p:sld>
 </file>
 
-<file path=ppt/slides/slide18.xml><?xml version="1.0" encoding="utf-8"?>
+<file path=ppt/slides/slide19.xml><?xml version="1.0" encoding="utf-8"?>
 <p:sld xmlns:a="http://schemas.openxmlformats.org/drawingml/2006/main" xmlns:r="http://schemas.openxmlformats.org/officeDocument/2006/relationships" xmlns:p="http://schemas.openxmlformats.org/presentationml/2006/main">
   <p:cSld>
     <p:spTree>
@@ -5082,323 +5822,35 @@
           </a:p>
         </p:txBody>
       </p:sp>
-    </p:spTree>
-  </p:cSld>
-  <p:clrMapOvr>
-    <a:masterClrMapping/>
-  </p:clrMapOvr>
-</p:sld>
-</file>
-
-<file path=ppt/slides/slide19.xml><?xml version="1.0" encoding="utf-8"?>
-<p:sld xmlns:a="http://schemas.openxmlformats.org/drawingml/2006/main" xmlns:r="http://schemas.openxmlformats.org/officeDocument/2006/relationships" xmlns:p="http://schemas.openxmlformats.org/presentationml/2006/main">
-  <p:cSld>
-    <p:spTree>
-      <p:nvGrpSpPr>
-        <p:cNvPr id="1" name=""/>
-        <p:cNvGrpSpPr/>
-        <p:nvPr/>
-      </p:nvGrpSpPr>
-      <p:grpSpPr>
-        <a:xfrm>
-          <a:off x="0" y="0"/>
-          <a:ext cx="0" cy="0"/>
-          <a:chOff x="0" y="0"/>
-          <a:chExt cx="0" cy="0"/>
-        </a:xfrm>
-      </p:grpSpPr>
-      <p:sp>
-        <p:nvSpPr>
-          <p:cNvPr id="171" name="PlaceHolder 1"/>
-          <p:cNvSpPr>
-            <a:spLocks noGrp="1"/>
-          </p:cNvSpPr>
-          <p:nvPr>
-            <p:ph type="title"/>
-          </p:nvPr>
-        </p:nvSpPr>
-        <p:spPr>
-          <a:xfrm>
-            <a:off x="609480" y="273600"/>
-            <a:ext cx="10968480" cy="1140840"/>
-          </a:xfrm>
-          <a:prstGeom prst="rect">
-            <a:avLst/>
-          </a:prstGeom>
-          <a:noFill/>
-          <a:ln w="0">
-            <a:noFill/>
-          </a:ln>
-        </p:spPr>
-        <p:txBody>
-          <a:bodyPr lIns="0" tIns="0" rIns="0" bIns="0" anchor="ctr">
-            <a:noAutofit/>
-          </a:bodyPr>
-          <a:lstStyle/>
-          <a:p>
-            <a:pPr>
-              <a:lnSpc>
-                <a:spcPct val="100000"/>
-              </a:lnSpc>
-              <a:buNone/>
-            </a:pPr>
-            <a:r>
-              <a:rPr lang="en-IE" sz="4400" b="1" strike="noStrike" spc="-1" dirty="0"/>
-              <a:t>Data Gathering - Switches</a:t>
-            </a:r>
-          </a:p>
-        </p:txBody>
-      </p:sp>
-      <p:sp>
-        <p:nvSpPr>
-          <p:cNvPr id="172" name="Rectangle 171"/>
-          <p:cNvSpPr/>
-          <p:nvPr/>
-        </p:nvSpPr>
-        <p:spPr>
-          <a:xfrm>
-            <a:off x="900000" y="1800000"/>
-            <a:ext cx="10796040" cy="2646000"/>
-          </a:xfrm>
-          <a:prstGeom prst="rect">
-            <a:avLst/>
-          </a:prstGeom>
-          <a:noFill/>
-          <a:ln w="0">
-            <a:noFill/>
-          </a:ln>
-        </p:spPr>
-        <p:style>
-          <a:lnRef idx="0">
-            <a:scrgbClr r="0" g="0" b="0"/>
-          </a:lnRef>
-          <a:fillRef idx="0">
-            <a:scrgbClr r="0" g="0" b="0"/>
-          </a:fillRef>
-          <a:effectRef idx="0">
-            <a:scrgbClr r="0" g="0" b="0"/>
-          </a:effectRef>
-          <a:fontRef idx="minor"/>
-        </p:style>
-        <p:txBody>
-          <a:bodyPr lIns="90000" tIns="45000" rIns="90000" bIns="45000" anchor="t">
-            <a:noAutofit/>
-          </a:bodyPr>
-          <a:lstStyle/>
-          <a:p>
-            <a:pPr>
-              <a:lnSpc>
-                <a:spcPct val="100000"/>
-              </a:lnSpc>
-              <a:buNone/>
-            </a:pPr>
-            <a:r>
-              <a:rPr lang="en-IE" sz="2400" b="0" strike="noStrike" spc="-1" dirty="0">
-                <a:solidFill>
-                  <a:srgbClr val="000000"/>
-                </a:solidFill>
-                <a:ea typeface="DejaVu Sans"/>
-              </a:rPr>
-              <a:t>Force Sensitive Resistor</a:t>
-            </a:r>
-            <a:endParaRPr lang="en-IE" sz="2400" b="0" strike="noStrike" spc="-1" dirty="0"/>
-          </a:p>
-          <a:p>
-            <a:pPr>
-              <a:lnSpc>
-                <a:spcPct val="100000"/>
-              </a:lnSpc>
-              <a:buNone/>
-            </a:pPr>
-            <a:r>
-              <a:rPr lang="en-IE" sz="2400" b="0" strike="noStrike" spc="-1" dirty="0">
-                <a:solidFill>
-                  <a:srgbClr val="000000"/>
-                </a:solidFill>
-                <a:ea typeface="DejaVu Sans"/>
-              </a:rPr>
-              <a:t>	- Analog data</a:t>
-            </a:r>
-            <a:endParaRPr lang="en-IE" sz="2400" b="0" strike="noStrike" spc="-1" dirty="0"/>
-          </a:p>
-          <a:p>
-            <a:pPr>
-              <a:lnSpc>
-                <a:spcPct val="100000"/>
-              </a:lnSpc>
-              <a:buNone/>
-            </a:pPr>
-            <a:r>
-              <a:rPr lang="en-IE" sz="2400" b="0" strike="noStrike" spc="-1" dirty="0">
-                <a:solidFill>
-                  <a:srgbClr val="000000"/>
-                </a:solidFill>
-                <a:ea typeface="DejaVu Sans"/>
-              </a:rPr>
-              <a:t>	- Values between 0mV – 5000mV</a:t>
-            </a:r>
-            <a:endParaRPr lang="en-IE" sz="2400" b="0" strike="noStrike" spc="-1" dirty="0"/>
-          </a:p>
-          <a:p>
-            <a:pPr>
-              <a:lnSpc>
-                <a:spcPct val="100000"/>
-              </a:lnSpc>
-              <a:buNone/>
-            </a:pPr>
-            <a:r>
-              <a:rPr lang="en-IE" sz="2400" b="0" strike="noStrike" spc="-1" dirty="0">
-                <a:solidFill>
-                  <a:srgbClr val="000000"/>
-                </a:solidFill>
-                <a:ea typeface="DejaVu Sans"/>
-              </a:rPr>
-              <a:t>	- 0mV represents no force</a:t>
-            </a:r>
-            <a:endParaRPr lang="en-IE" sz="2400" b="0" strike="noStrike" spc="-1" dirty="0"/>
-          </a:p>
-          <a:p>
-            <a:pPr>
-              <a:lnSpc>
-                <a:spcPct val="100000"/>
-              </a:lnSpc>
-              <a:buNone/>
-            </a:pPr>
-            <a:r>
-              <a:rPr lang="en-IE" sz="2400" b="0" strike="noStrike" spc="-1" dirty="0">
-                <a:solidFill>
-                  <a:srgbClr val="000000"/>
-                </a:solidFill>
-                <a:ea typeface="DejaVu Sans"/>
-              </a:rPr>
-              <a:t>	- 5000mV represents a high force</a:t>
-            </a:r>
-            <a:endParaRPr lang="en-IE" sz="2400" b="0" strike="noStrike" spc="-1" dirty="0"/>
-          </a:p>
-          <a:p>
-            <a:pPr>
-              <a:lnSpc>
-                <a:spcPct val="100000"/>
-              </a:lnSpc>
-              <a:buNone/>
-            </a:pPr>
-            <a:r>
-              <a:rPr lang="en-IE" sz="2400" b="0" strike="noStrike" spc="-1" dirty="0">
-                <a:solidFill>
-                  <a:srgbClr val="000000"/>
-                </a:solidFill>
-                <a:ea typeface="DejaVu Sans"/>
-              </a:rPr>
-              <a:t>	- This will tell us if a box is empty or has pills inside</a:t>
-            </a:r>
-            <a:endParaRPr lang="en-IE" sz="2400" b="0" strike="noStrike" spc="-1" dirty="0"/>
-          </a:p>
-          <a:p>
-            <a:pPr>
-              <a:lnSpc>
-                <a:spcPct val="100000"/>
-              </a:lnSpc>
-              <a:buNone/>
-            </a:pPr>
-            <a:endParaRPr lang="en-IE" sz="2400" b="0" strike="noStrike" spc="-1" dirty="0"/>
-          </a:p>
-          <a:p>
-            <a:pPr>
-              <a:lnSpc>
-                <a:spcPct val="100000"/>
-              </a:lnSpc>
-              <a:buNone/>
-            </a:pPr>
-            <a:r>
-              <a:rPr lang="en-IE" sz="2400" b="0" strike="noStrike" spc="-1" dirty="0">
-                <a:solidFill>
-                  <a:srgbClr val="000000"/>
-                </a:solidFill>
-                <a:ea typeface="DejaVu Sans"/>
-              </a:rPr>
-              <a:t>Micro Switch</a:t>
-            </a:r>
-            <a:endParaRPr lang="en-IE" sz="2400" b="0" strike="noStrike" spc="-1" dirty="0"/>
-          </a:p>
-          <a:p>
-            <a:pPr>
-              <a:lnSpc>
-                <a:spcPct val="100000"/>
-              </a:lnSpc>
-              <a:buNone/>
-            </a:pPr>
-            <a:r>
-              <a:rPr lang="en-IE" sz="2400" b="0" strike="noStrike" spc="-1" dirty="0">
-                <a:solidFill>
-                  <a:srgbClr val="000000"/>
-                </a:solidFill>
-                <a:ea typeface="DejaVu Sans"/>
-              </a:rPr>
-              <a:t>	- 0v across a switch when the circuit is not completed</a:t>
-            </a:r>
-            <a:endParaRPr lang="en-IE" sz="2400" b="0" strike="noStrike" spc="-1" dirty="0"/>
-          </a:p>
-          <a:p>
-            <a:pPr>
-              <a:lnSpc>
-                <a:spcPct val="100000"/>
-              </a:lnSpc>
-              <a:buNone/>
-            </a:pPr>
-            <a:r>
-              <a:rPr lang="en-IE" sz="2400" b="0" strike="noStrike" spc="-1" dirty="0">
-                <a:solidFill>
-                  <a:srgbClr val="000000"/>
-                </a:solidFill>
-                <a:ea typeface="DejaVu Sans"/>
-              </a:rPr>
-              <a:t>	- 5v across a switch when the circuit is completed.</a:t>
-            </a:r>
-            <a:endParaRPr lang="en-IE" sz="2400" b="0" strike="noStrike" spc="-1" dirty="0"/>
-          </a:p>
-          <a:p>
-            <a:pPr>
-              <a:lnSpc>
-                <a:spcPct val="100000"/>
-              </a:lnSpc>
-              <a:buNone/>
-            </a:pPr>
-            <a:r>
-              <a:rPr lang="en-IE" sz="2400" b="0" strike="noStrike" spc="-1" dirty="0">
-                <a:solidFill>
-                  <a:srgbClr val="000000"/>
-                </a:solidFill>
-                <a:ea typeface="DejaVu Sans"/>
-              </a:rPr>
-              <a:t>	- This will tell us if a box is open or closed</a:t>
-            </a:r>
-            <a:endParaRPr lang="en-IE" sz="2400" b="0" strike="noStrike" spc="-1" dirty="0"/>
-          </a:p>
-        </p:txBody>
-      </p:sp>
-      <p:pic>
-        <p:nvPicPr>
-          <p:cNvPr id="173" name="Picture 172"/>
-          <p:cNvPicPr/>
-          <p:nvPr/>
-        </p:nvPicPr>
-        <p:blipFill>
-          <a:blip r:embed="rId2"/>
-          <a:stretch/>
-        </p:blipFill>
-        <p:spPr>
-          <a:xfrm>
-            <a:off x="7557840" y="765790"/>
-            <a:ext cx="4020120" cy="2856600"/>
-          </a:xfrm>
-          <a:prstGeom prst="rect">
-            <a:avLst/>
-          </a:prstGeom>
-          <a:ln w="0">
-            <a:noFill/>
-          </a:ln>
-        </p:spPr>
-      </p:pic>
+      <p:sp>
+        <p:nvSpPr>
+          <p:cNvPr id="2" name="Slide Number Placeholder 1">
+            <a:extLst>
+              <a:ext uri="{FF2B5EF4-FFF2-40B4-BE49-F238E27FC236}">
+                <a16:creationId xmlns:a16="http://schemas.microsoft.com/office/drawing/2014/main" id="{0BD19702-449B-460B-FB00-D5C472E5CC5F}"/>
+              </a:ext>
+            </a:extLst>
+          </p:cNvPr>
+          <p:cNvSpPr>
+            <a:spLocks noGrp="1"/>
+          </p:cNvSpPr>
+          <p:nvPr>
+            <p:ph type="sldNum" sz="quarter" idx="12"/>
+          </p:nvPr>
+        </p:nvSpPr>
+        <p:spPr/>
+        <p:txBody>
+          <a:bodyPr/>
+          <a:lstStyle/>
+          <a:p>
+            <a:fld id="{6F6DEA05-8770-4987-B5A1-0C7FA388430F}" type="slidenum">
+              <a:rPr lang="en-GB" smtClean="0"/>
+              <a:t>19</a:t>
+            </a:fld>
+            <a:endParaRPr lang="en-GB"/>
+          </a:p>
+        </p:txBody>
+      </p:sp>
     </p:spTree>
   </p:cSld>
   <p:clrMapOvr>
@@ -5429,7 +5881,7 @@
           <p:cNvPr id="2" name="Title 1">
             <a:extLst>
               <a:ext uri="{FF2B5EF4-FFF2-40B4-BE49-F238E27FC236}">
-                <a16:creationId xmlns:a16="http://schemas.microsoft.com/office/drawing/2014/main" id="{D7062DA8-B694-03D5-D841-E9A1866D1899}"/>
+                <a16:creationId xmlns:a16="http://schemas.microsoft.com/office/drawing/2014/main" id="{8C83D147-C70E-B5F0-70C4-3CB2C4CBF710}"/>
               </a:ext>
             </a:extLst>
           </p:cNvPr>
@@ -5447,443 +5899,617 @@
           <a:p>
             <a:r>
               <a:rPr lang="en-GB" b="1" dirty="0"/>
-              <a:t>Get to know the team</a:t>
-            </a:r>
-          </a:p>
-        </p:txBody>
-      </p:sp>
-      <p:pic>
-        <p:nvPicPr>
-          <p:cNvPr id="5" name="Picture 4" descr="A person with a beard and mustache&#10;&#10;Description automatically generated">
-            <a:extLst>
-              <a:ext uri="{FF2B5EF4-FFF2-40B4-BE49-F238E27FC236}">
-                <a16:creationId xmlns:a16="http://schemas.microsoft.com/office/drawing/2014/main" id="{DB1A7E8C-944B-BA07-1338-74C4FD8AA3EA}"/>
-              </a:ext>
-            </a:extLst>
-          </p:cNvPr>
-          <p:cNvPicPr>
-            <a:picLocks noChangeAspect="1"/>
-          </p:cNvPicPr>
-          <p:nvPr/>
-        </p:nvPicPr>
-        <p:blipFill>
-          <a:blip r:embed="rId2">
-            <a:extLst>
-              <a:ext uri="{28A0092B-C50C-407E-A947-70E740481C1C}">
-                <a14:useLocalDpi xmlns:a14="http://schemas.microsoft.com/office/drawing/2010/main" val="0"/>
-              </a:ext>
-            </a:extLst>
-          </a:blip>
-          <a:stretch>
-            <a:fillRect/>
-          </a:stretch>
-        </p:blipFill>
-        <p:spPr>
-          <a:xfrm>
-            <a:off x="1080579" y="1994040"/>
-            <a:ext cx="1901304" cy="1954862"/>
-          </a:xfrm>
-          <a:prstGeom prst="rect">
-            <a:avLst/>
-          </a:prstGeom>
-        </p:spPr>
-      </p:pic>
-      <p:pic>
-        <p:nvPicPr>
-          <p:cNvPr id="7" name="Picture 6" descr="A person smiling for the camera&#10;&#10;Description automatically generated">
-            <a:extLst>
-              <a:ext uri="{FF2B5EF4-FFF2-40B4-BE49-F238E27FC236}">
-                <a16:creationId xmlns:a16="http://schemas.microsoft.com/office/drawing/2014/main" id="{76924C45-3D02-3B08-70D4-932D23096F9F}"/>
-              </a:ext>
-            </a:extLst>
-          </p:cNvPr>
-          <p:cNvPicPr>
-            <a:picLocks noChangeAspect="1"/>
-          </p:cNvPicPr>
-          <p:nvPr/>
-        </p:nvPicPr>
-        <p:blipFill>
-          <a:blip r:embed="rId3">
-            <a:extLst>
-              <a:ext uri="{28A0092B-C50C-407E-A947-70E740481C1C}">
-                <a14:useLocalDpi xmlns:a14="http://schemas.microsoft.com/office/drawing/2010/main" val="0"/>
-              </a:ext>
-            </a:extLst>
-          </a:blip>
-          <a:stretch>
-            <a:fillRect/>
-          </a:stretch>
-        </p:blipFill>
-        <p:spPr>
-          <a:xfrm>
-            <a:off x="8918772" y="1992304"/>
-            <a:ext cx="1956598" cy="1956598"/>
-          </a:xfrm>
-          <a:prstGeom prst="rect">
-            <a:avLst/>
-          </a:prstGeom>
-        </p:spPr>
-      </p:pic>
-      <p:pic>
-        <p:nvPicPr>
-          <p:cNvPr id="9" name="Picture 8" descr="A person wearing glasses and a black headband&#10;&#10;Description automatically generated">
-            <a:extLst>
-              <a:ext uri="{FF2B5EF4-FFF2-40B4-BE49-F238E27FC236}">
-                <a16:creationId xmlns:a16="http://schemas.microsoft.com/office/drawing/2014/main" id="{B364B7D4-0998-0031-7BB7-1D0A844669EA}"/>
-              </a:ext>
-            </a:extLst>
-          </p:cNvPr>
-          <p:cNvPicPr>
-            <a:picLocks noChangeAspect="1"/>
-          </p:cNvPicPr>
-          <p:nvPr/>
-        </p:nvPicPr>
-        <p:blipFill>
-          <a:blip r:embed="rId4">
-            <a:extLst>
-              <a:ext uri="{28A0092B-C50C-407E-A947-70E740481C1C}">
-                <a14:useLocalDpi xmlns:a14="http://schemas.microsoft.com/office/drawing/2010/main" val="0"/>
-              </a:ext>
-            </a:extLst>
-          </a:blip>
-          <a:stretch>
-            <a:fillRect/>
-          </a:stretch>
-        </p:blipFill>
-        <p:spPr>
-          <a:xfrm>
-            <a:off x="3713103" y="1992304"/>
-            <a:ext cx="1956598" cy="1916117"/>
-          </a:xfrm>
-          <a:prstGeom prst="rect">
-            <a:avLst/>
-          </a:prstGeom>
-        </p:spPr>
-      </p:pic>
-      <p:pic>
-        <p:nvPicPr>
-          <p:cNvPr id="11" name="Picture 10" descr="A person with glasses and a black shirt&#10;&#10;Description automatically generated">
-            <a:extLst>
-              <a:ext uri="{FF2B5EF4-FFF2-40B4-BE49-F238E27FC236}">
-                <a16:creationId xmlns:a16="http://schemas.microsoft.com/office/drawing/2014/main" id="{9660FA4D-ACAD-B223-377B-7F8A859A41A1}"/>
-              </a:ext>
-            </a:extLst>
-          </p:cNvPr>
-          <p:cNvPicPr>
-            <a:picLocks noChangeAspect="1"/>
-          </p:cNvPicPr>
-          <p:nvPr/>
-        </p:nvPicPr>
-        <p:blipFill>
-          <a:blip r:embed="rId5">
-            <a:extLst>
-              <a:ext uri="{28A0092B-C50C-407E-A947-70E740481C1C}">
-                <a14:useLocalDpi xmlns:a14="http://schemas.microsoft.com/office/drawing/2010/main" val="0"/>
-              </a:ext>
-            </a:extLst>
-          </a:blip>
-          <a:stretch>
-            <a:fillRect/>
-          </a:stretch>
-        </p:blipFill>
-        <p:spPr>
-          <a:xfrm>
-            <a:off x="6336595" y="1992304"/>
-            <a:ext cx="1919933" cy="1946786"/>
-          </a:xfrm>
-          <a:prstGeom prst="rect">
-            <a:avLst/>
-          </a:prstGeom>
-        </p:spPr>
-      </p:pic>
-      <p:sp>
-        <p:nvSpPr>
-          <p:cNvPr id="12" name="TextBox 11">
-            <a:extLst>
-              <a:ext uri="{FF2B5EF4-FFF2-40B4-BE49-F238E27FC236}">
-                <a16:creationId xmlns:a16="http://schemas.microsoft.com/office/drawing/2014/main" id="{2AC049B3-F311-5138-F8E1-60963BEA79E0}"/>
-              </a:ext>
-            </a:extLst>
-          </p:cNvPr>
-          <p:cNvSpPr txBox="1"/>
-          <p:nvPr/>
-        </p:nvSpPr>
-        <p:spPr>
-          <a:xfrm>
-            <a:off x="770602" y="3942129"/>
-            <a:ext cx="2521258" cy="2246769"/>
-          </a:xfrm>
-          <a:prstGeom prst="rect">
-            <a:avLst/>
-          </a:prstGeom>
-          <a:noFill/>
-        </p:spPr>
-        <p:txBody>
-          <a:bodyPr wrap="square" rtlCol="0">
-            <a:spAutoFit/>
-          </a:bodyPr>
-          <a:lstStyle/>
-          <a:p>
-            <a:pPr algn="ctr"/>
-            <a:r>
-              <a:rPr lang="en-GB" sz="2000" dirty="0"/>
-              <a:t>Cian Ashby</a:t>
-            </a:r>
-          </a:p>
-          <a:p>
-            <a:pPr algn="ctr"/>
-            <a:endParaRPr lang="en-GB" sz="2000" dirty="0"/>
-          </a:p>
-          <a:p>
-            <a:r>
-              <a:rPr lang="en-GB" sz="2000" dirty="0"/>
-              <a:t>Roles</a:t>
-            </a:r>
-          </a:p>
-          <a:p>
-            <a:pPr marL="285750" indent="-285750">
-              <a:buFont typeface="Arial" panose="020B0604020202020204" pitchFamily="34" charset="0"/>
-              <a:buChar char="•"/>
-            </a:pPr>
-            <a:r>
-              <a:rPr lang="en-GB" sz="2000" dirty="0"/>
-              <a:t>Team Lead</a:t>
-            </a:r>
-          </a:p>
-          <a:p>
-            <a:pPr marL="285750" indent="-285750">
-              <a:buFont typeface="Arial" panose="020B0604020202020204" pitchFamily="34" charset="0"/>
-              <a:buChar char="•"/>
-            </a:pPr>
-            <a:r>
-              <a:rPr lang="en-GB" sz="2000" dirty="0"/>
-              <a:t>Front End Developer</a:t>
-            </a:r>
-          </a:p>
-          <a:p>
-            <a:pPr marL="285750" indent="-285750">
-              <a:buFont typeface="Arial" panose="020B0604020202020204" pitchFamily="34" charset="0"/>
-              <a:buChar char="•"/>
-            </a:pPr>
-            <a:r>
-              <a:rPr lang="en-GB" sz="2000" dirty="0"/>
-              <a:t>User Tester</a:t>
-            </a:r>
-          </a:p>
-        </p:txBody>
-      </p:sp>
-      <p:sp>
-        <p:nvSpPr>
-          <p:cNvPr id="13" name="TextBox 12">
-            <a:extLst>
-              <a:ext uri="{FF2B5EF4-FFF2-40B4-BE49-F238E27FC236}">
-                <a16:creationId xmlns:a16="http://schemas.microsoft.com/office/drawing/2014/main" id="{709003D8-77EF-4180-890B-D090FC8931C9}"/>
-              </a:ext>
-            </a:extLst>
-          </p:cNvPr>
-          <p:cNvSpPr txBox="1"/>
-          <p:nvPr/>
-        </p:nvSpPr>
-        <p:spPr>
-          <a:xfrm>
-            <a:off x="3417091" y="3942129"/>
-            <a:ext cx="2521258" cy="1938992"/>
-          </a:xfrm>
-          <a:prstGeom prst="rect">
-            <a:avLst/>
-          </a:prstGeom>
-          <a:noFill/>
-        </p:spPr>
-        <p:txBody>
-          <a:bodyPr wrap="square" rtlCol="0">
-            <a:spAutoFit/>
-          </a:bodyPr>
-          <a:lstStyle/>
-          <a:p>
-            <a:pPr algn="ctr"/>
-            <a:r>
-              <a:rPr lang="en-GB" sz="2000" dirty="0"/>
-              <a:t>Jason Njoku</a:t>
-            </a:r>
-          </a:p>
-          <a:p>
-            <a:pPr algn="ctr"/>
-            <a:endParaRPr lang="en-GB" sz="2000" dirty="0"/>
-          </a:p>
-          <a:p>
-            <a:r>
-              <a:rPr lang="en-GB" sz="2000" dirty="0"/>
-              <a:t>Roles</a:t>
-            </a:r>
-          </a:p>
-          <a:p>
-            <a:pPr marL="285750" indent="-285750">
-              <a:buFont typeface="Arial" panose="020B0604020202020204" pitchFamily="34" charset="0"/>
-              <a:buChar char="•"/>
-            </a:pPr>
-            <a:r>
-              <a:rPr lang="en-GB" sz="2000" dirty="0"/>
-              <a:t>Front End Developer</a:t>
-            </a:r>
-          </a:p>
-          <a:p>
-            <a:pPr marL="285750" indent="-285750">
-              <a:buFont typeface="Arial" panose="020B0604020202020204" pitchFamily="34" charset="0"/>
-              <a:buChar char="•"/>
-            </a:pPr>
-            <a:r>
-              <a:rPr lang="en-GB" sz="2000" dirty="0"/>
-              <a:t>Front End Tester</a:t>
-            </a:r>
-          </a:p>
-        </p:txBody>
-      </p:sp>
-      <p:sp>
-        <p:nvSpPr>
-          <p:cNvPr id="14" name="TextBox 13">
-            <a:extLst>
-              <a:ext uri="{FF2B5EF4-FFF2-40B4-BE49-F238E27FC236}">
-                <a16:creationId xmlns:a16="http://schemas.microsoft.com/office/drawing/2014/main" id="{4E779812-96E2-07A3-C5EF-A8BA2BA48AE9}"/>
-              </a:ext>
-            </a:extLst>
-          </p:cNvPr>
-          <p:cNvSpPr txBox="1"/>
-          <p:nvPr/>
-        </p:nvSpPr>
-        <p:spPr>
-          <a:xfrm>
-            <a:off x="6035933" y="3942129"/>
-            <a:ext cx="2521258" cy="1938992"/>
-          </a:xfrm>
-          <a:prstGeom prst="rect">
-            <a:avLst/>
-          </a:prstGeom>
-          <a:noFill/>
-        </p:spPr>
-        <p:txBody>
-          <a:bodyPr wrap="square" rtlCol="0">
-            <a:spAutoFit/>
-          </a:bodyPr>
-          <a:lstStyle/>
-          <a:p>
-            <a:pPr algn="ctr"/>
-            <a:r>
-              <a:rPr lang="en-GB" sz="2000" dirty="0"/>
-              <a:t>Méabh Gibney</a:t>
-            </a:r>
-          </a:p>
-          <a:p>
-            <a:pPr algn="ctr"/>
-            <a:endParaRPr lang="en-GB" sz="2000" dirty="0"/>
-          </a:p>
-          <a:p>
-            <a:r>
-              <a:rPr lang="en-GB" sz="2000" dirty="0"/>
-              <a:t>Roles</a:t>
-            </a:r>
-          </a:p>
-          <a:p>
-            <a:pPr marL="285750" indent="-285750">
-              <a:buFont typeface="Arial" panose="020B0604020202020204" pitchFamily="34" charset="0"/>
-              <a:buChar char="•"/>
-            </a:pPr>
-            <a:r>
-              <a:rPr lang="en-GB" sz="2000" dirty="0"/>
-              <a:t>Back End Developer</a:t>
-            </a:r>
-          </a:p>
-          <a:p>
-            <a:pPr marL="285750" indent="-285750">
-              <a:buFont typeface="Arial" panose="020B0604020202020204" pitchFamily="34" charset="0"/>
-              <a:buChar char="•"/>
-            </a:pPr>
-            <a:r>
-              <a:rPr lang="en-GB" sz="2000" dirty="0"/>
-              <a:t>Database Developer</a:t>
-            </a:r>
-          </a:p>
-        </p:txBody>
-      </p:sp>
-      <p:sp>
-        <p:nvSpPr>
-          <p:cNvPr id="15" name="TextBox 14">
-            <a:extLst>
-              <a:ext uri="{FF2B5EF4-FFF2-40B4-BE49-F238E27FC236}">
-                <a16:creationId xmlns:a16="http://schemas.microsoft.com/office/drawing/2014/main" id="{982D3A91-AEED-2E04-11C3-D1293B667EAD}"/>
-              </a:ext>
-            </a:extLst>
-          </p:cNvPr>
-          <p:cNvSpPr txBox="1"/>
-          <p:nvPr/>
-        </p:nvSpPr>
-        <p:spPr>
-          <a:xfrm>
-            <a:off x="8636442" y="3942129"/>
-            <a:ext cx="2521258" cy="1938992"/>
-          </a:xfrm>
-          <a:prstGeom prst="rect">
-            <a:avLst/>
-          </a:prstGeom>
-          <a:noFill/>
-        </p:spPr>
-        <p:txBody>
-          <a:bodyPr wrap="square" rtlCol="0">
-            <a:spAutoFit/>
-          </a:bodyPr>
-          <a:lstStyle/>
-          <a:p>
-            <a:pPr algn="ctr"/>
-            <a:r>
-              <a:rPr lang="en-GB" sz="2000" dirty="0"/>
-              <a:t>Jordan Conway</a:t>
-            </a:r>
-          </a:p>
-          <a:p>
-            <a:pPr algn="ctr"/>
-            <a:endParaRPr lang="en-GB" sz="2000" dirty="0"/>
-          </a:p>
-          <a:p>
-            <a:r>
-              <a:rPr lang="en-GB" sz="2000" dirty="0"/>
-              <a:t>Roles</a:t>
-            </a:r>
-          </a:p>
-          <a:p>
-            <a:pPr marL="285750" indent="-285750">
-              <a:buFont typeface="Arial" panose="020B0604020202020204" pitchFamily="34" charset="0"/>
-              <a:buChar char="•"/>
-            </a:pPr>
-            <a:r>
-              <a:rPr lang="en-GB" sz="2000" dirty="0"/>
-              <a:t>Back End Developer</a:t>
-            </a:r>
-          </a:p>
-          <a:p>
-            <a:pPr marL="285750" indent="-285750">
-              <a:buFont typeface="Arial" panose="020B0604020202020204" pitchFamily="34" charset="0"/>
-              <a:buChar char="•"/>
-            </a:pPr>
-            <a:r>
-              <a:rPr lang="en-GB" sz="2000" dirty="0"/>
-              <a:t>Hardware Engineer</a:t>
-            </a:r>
-          </a:p>
-          <a:p>
-            <a:pPr marL="285750" indent="-285750">
-              <a:buFont typeface="Arial" panose="020B0604020202020204" pitchFamily="34" charset="0"/>
-              <a:buChar char="•"/>
-            </a:pPr>
-            <a:r>
-              <a:rPr lang="en-GB" sz="2000" dirty="0"/>
-              <a:t>System Tester</a:t>
-            </a:r>
+              <a:t>Table of Contents</a:t>
+            </a:r>
+          </a:p>
+        </p:txBody>
+      </p:sp>
+      <p:graphicFrame>
+        <p:nvGraphicFramePr>
+          <p:cNvPr id="5" name="Content Placeholder 4">
+            <a:extLst>
+              <a:ext uri="{FF2B5EF4-FFF2-40B4-BE49-F238E27FC236}">
+                <a16:creationId xmlns:a16="http://schemas.microsoft.com/office/drawing/2014/main" id="{8817E9C0-4759-C9B1-08B7-F955F07B41EF}"/>
+              </a:ext>
+            </a:extLst>
+          </p:cNvPr>
+          <p:cNvGraphicFramePr>
+            <a:graphicFrameLocks noGrp="1"/>
+          </p:cNvGraphicFramePr>
+          <p:nvPr>
+            <p:ph idx="1"/>
+            <p:extLst>
+              <p:ext uri="{D42A27DB-BD31-4B8C-83A1-F6EECF244321}">
+                <p14:modId xmlns:p14="http://schemas.microsoft.com/office/powerpoint/2010/main" val="2603752856"/>
+              </p:ext>
+            </p:extLst>
+          </p:nvPr>
+        </p:nvGraphicFramePr>
+        <p:xfrm>
+          <a:off x="0" y="1589103"/>
+          <a:ext cx="12192000" cy="15819322"/>
+        </p:xfrm>
+        <a:graphic>
+          <a:graphicData uri="http://schemas.openxmlformats.org/drawingml/2006/table">
+            <a:tbl>
+              <a:tblPr firstRow="1" bandRow="1">
+                <a:tableStyleId>{2D5ABB26-0587-4C30-8999-92F81FD0307C}</a:tableStyleId>
+              </a:tblPr>
+              <a:tblGrid>
+                <a:gridCol w="6096000">
+                  <a:extLst>
+                    <a:ext uri="{9D8B030D-6E8A-4147-A177-3AD203B41FA5}">
+                      <a16:colId xmlns:a16="http://schemas.microsoft.com/office/drawing/2014/main" val="2965806393"/>
+                    </a:ext>
+                  </a:extLst>
+                </a:gridCol>
+                <a:gridCol w="6096000">
+                  <a:extLst>
+                    <a:ext uri="{9D8B030D-6E8A-4147-A177-3AD203B41FA5}">
+                      <a16:colId xmlns:a16="http://schemas.microsoft.com/office/drawing/2014/main" val="1687236828"/>
+                    </a:ext>
+                  </a:extLst>
+                </a:gridCol>
+              </a:tblGrid>
+              <a:tr h="13184249">
+                <a:tc>
+                  <a:txBody>
+                    <a:bodyPr/>
+                    <a:lstStyle/>
+                    <a:p>
+                      <a:pPr marL="342900" indent="-342900">
+                        <a:buAutoNum type="arabicPeriod"/>
+                      </a:pPr>
+                      <a:r>
+                        <a:rPr lang="en-GB" dirty="0"/>
+                        <a:t>Introduction Card</a:t>
+                      </a:r>
+                    </a:p>
+                    <a:p>
+                      <a:pPr marL="342900" indent="-342900">
+                        <a:buAutoNum type="arabicPeriod"/>
+                      </a:pPr>
+                      <a:r>
+                        <a:rPr lang="en-GB" dirty="0"/>
+                        <a:t>Table of Contents</a:t>
+                      </a:r>
+                    </a:p>
+                    <a:p>
+                      <a:pPr marL="342900" indent="-342900">
+                        <a:buAutoNum type="arabicPeriod"/>
+                      </a:pPr>
+                      <a:r>
+                        <a:rPr lang="en-GB" dirty="0"/>
+                        <a:t>Get to know the team</a:t>
+                      </a:r>
+                    </a:p>
+                    <a:p>
+                      <a:pPr marL="342900" indent="-342900">
+                        <a:buAutoNum type="arabicPeriod"/>
+                      </a:pPr>
+                      <a:r>
+                        <a:rPr lang="en-GB" dirty="0"/>
+                        <a:t>Get to know the idea</a:t>
+                      </a:r>
+                    </a:p>
+                    <a:p>
+                      <a:pPr marL="342900" indent="-342900">
+                        <a:buAutoNum type="arabicPeriod"/>
+                      </a:pPr>
+                      <a:r>
+                        <a:rPr lang="en-GB" dirty="0"/>
+                        <a:t>Functionality M &amp; S</a:t>
+                      </a:r>
+                    </a:p>
+                    <a:p>
+                      <a:pPr marL="342900" indent="-342900">
+                        <a:buAutoNum type="arabicPeriod"/>
+                      </a:pPr>
+                      <a:r>
+                        <a:rPr lang="en-GB" dirty="0"/>
+                        <a:t>Functionality C &amp; W</a:t>
+                      </a:r>
+                    </a:p>
+                    <a:p>
+                      <a:pPr marL="342900" indent="-342900">
+                        <a:buAutoNum type="arabicPeriod"/>
+                      </a:pPr>
+                      <a:r>
+                        <a:rPr lang="en-GB" dirty="0"/>
+                        <a:t>User Personas</a:t>
+                      </a:r>
+                    </a:p>
+                    <a:p>
+                      <a:pPr marL="342900" indent="-342900">
+                        <a:buAutoNum type="arabicPeriod"/>
+                      </a:pPr>
+                      <a:r>
+                        <a:rPr lang="en-GB" dirty="0"/>
+                        <a:t>How users connect</a:t>
+                      </a:r>
+                    </a:p>
+                    <a:p>
+                      <a:pPr marL="342900" indent="-342900">
+                        <a:buAutoNum type="arabicPeriod"/>
+                      </a:pPr>
+                      <a:r>
+                        <a:rPr lang="en-GB" dirty="0"/>
+                        <a:t>How we can tell if the project has been successful or not.</a:t>
+                      </a:r>
+                    </a:p>
+                    <a:p>
+                      <a:pPr marL="342900" indent="-342900">
+                        <a:buAutoNum type="arabicPeriod"/>
+                      </a:pPr>
+                      <a:r>
+                        <a:rPr lang="en-GB" dirty="0"/>
+                        <a:t>Initial UI Sketch</a:t>
+                      </a:r>
+                    </a:p>
+                    <a:p>
+                      <a:pPr marL="342900" indent="-342900">
+                        <a:buAutoNum type="arabicPeriod"/>
+                      </a:pPr>
+                      <a:r>
+                        <a:rPr lang="en-GB" dirty="0"/>
+                        <a:t>User Interface</a:t>
+                      </a:r>
+                    </a:p>
+                    <a:p>
+                      <a:pPr marL="342900" indent="-342900">
+                        <a:buAutoNum type="arabicPeriod"/>
+                      </a:pPr>
+                      <a:r>
+                        <a:rPr lang="en-GB" dirty="0"/>
+                        <a:t>User Interface</a:t>
+                      </a:r>
+                    </a:p>
+                    <a:p>
+                      <a:pPr marL="342900" marR="0" lvl="0" indent="-342900" algn="l" defTabSz="914400" rtl="0" eaLnBrk="1" fontAlgn="auto" latinLnBrk="0" hangingPunct="1">
+                        <a:lnSpc>
+                          <a:spcPct val="100000"/>
+                        </a:lnSpc>
+                        <a:spcBef>
+                          <a:spcPts val="0"/>
+                        </a:spcBef>
+                        <a:spcAft>
+                          <a:spcPts val="0"/>
+                        </a:spcAft>
+                        <a:buClrTx/>
+                        <a:buSzTx/>
+                        <a:buFontTx/>
+                        <a:buAutoNum type="arabicPeriod"/>
+                        <a:tabLst/>
+                        <a:defRPr/>
+                      </a:pPr>
+                      <a:r>
+                        <a:rPr lang="en-GB" dirty="0"/>
+                        <a:t>List of Hardware</a:t>
+                      </a:r>
+                    </a:p>
+                    <a:p>
+                      <a:pPr marL="0" indent="0">
+                        <a:buNone/>
+                      </a:pPr>
+                      <a:endParaRPr lang="en-GB" dirty="0"/>
+                    </a:p>
+                    <a:p>
+                      <a:pPr marL="0" marR="0" lvl="0" indent="0" algn="l" defTabSz="914400" rtl="0" eaLnBrk="1" fontAlgn="auto" latinLnBrk="0" hangingPunct="1">
+                        <a:lnSpc>
+                          <a:spcPct val="100000"/>
+                        </a:lnSpc>
+                        <a:spcBef>
+                          <a:spcPts val="0"/>
+                        </a:spcBef>
+                        <a:spcAft>
+                          <a:spcPts val="0"/>
+                        </a:spcAft>
+                        <a:buClrTx/>
+                        <a:buSzTx/>
+                        <a:buFontTx/>
+                        <a:buNone/>
+                        <a:tabLst/>
+                        <a:defRPr/>
+                      </a:pPr>
+                      <a:endParaRPr lang="en-GB" dirty="0"/>
+                    </a:p>
+                    <a:p>
+                      <a:pPr marL="342900" marR="0" lvl="0" indent="-342900" algn="l" defTabSz="914400" rtl="0" eaLnBrk="1" fontAlgn="auto" latinLnBrk="0" hangingPunct="1">
+                        <a:lnSpc>
+                          <a:spcPct val="100000"/>
+                        </a:lnSpc>
+                        <a:spcBef>
+                          <a:spcPts val="0"/>
+                        </a:spcBef>
+                        <a:spcAft>
+                          <a:spcPts val="0"/>
+                        </a:spcAft>
+                        <a:buClrTx/>
+                        <a:buSzTx/>
+                        <a:buFontTx/>
+                        <a:buAutoNum type="arabicPeriod"/>
+                        <a:tabLst/>
+                        <a:defRPr/>
+                      </a:pPr>
+                      <a:endParaRPr lang="en-GB" dirty="0"/>
+                    </a:p>
+                    <a:p>
+                      <a:pPr marL="342900" indent="-342900">
+                        <a:buAutoNum type="arabicPeriod"/>
+                      </a:pPr>
+                      <a:endParaRPr lang="en-GB" dirty="0"/>
+                    </a:p>
+                  </a:txBody>
+                  <a:tcPr/>
+                </a:tc>
+                <a:tc>
+                  <a:txBody>
+                    <a:bodyPr/>
+                    <a:lstStyle/>
+                    <a:p>
+                      <a:pPr marL="0" indent="0">
+                        <a:buNone/>
+                      </a:pPr>
+                      <a:r>
+                        <a:rPr lang="en-GB" dirty="0"/>
+                        <a:t>14. Fritzing Diagram</a:t>
+                      </a:r>
+                    </a:p>
+                    <a:p>
+                      <a:pPr marL="0" indent="0">
+                        <a:buNone/>
+                      </a:pPr>
+                      <a:r>
+                        <a:rPr lang="en-GB" dirty="0"/>
+                        <a:t>15. Powering the Device</a:t>
+                      </a:r>
+                    </a:p>
+                    <a:p>
+                      <a:pPr marL="0" indent="0">
+                        <a:buNone/>
+                      </a:pPr>
+                      <a:r>
+                        <a:rPr lang="en-GB" dirty="0"/>
+                        <a:t>16. Network Connectivity</a:t>
+                      </a:r>
+                    </a:p>
+                    <a:p>
+                      <a:pPr marL="0" indent="0">
+                        <a:buNone/>
+                      </a:pPr>
+                      <a:r>
+                        <a:rPr lang="en-GB" dirty="0"/>
+                        <a:t>17. Physical Security</a:t>
+                      </a:r>
+                    </a:p>
+                    <a:p>
+                      <a:pPr marL="0" indent="0">
+                        <a:buNone/>
+                      </a:pPr>
+                      <a:r>
+                        <a:rPr lang="en-GB" dirty="0"/>
+                        <a:t>18. Data Storage</a:t>
+                      </a:r>
+                    </a:p>
+                    <a:p>
+                      <a:pPr marL="0" indent="0">
+                        <a:buNone/>
+                      </a:pPr>
+                      <a:r>
+                        <a:rPr lang="en-GB" dirty="0"/>
+                        <a:t>19. Data Storage – Example Entries</a:t>
+                      </a:r>
+                    </a:p>
+                    <a:p>
+                      <a:pPr marL="0" indent="0">
+                        <a:buNone/>
+                      </a:pPr>
+                      <a:r>
+                        <a:rPr lang="en-GB" dirty="0"/>
+                        <a:t>20. Data Gathering - Switches</a:t>
+                      </a:r>
+                    </a:p>
+                    <a:p>
+                      <a:pPr marL="0" indent="0">
+                        <a:buNone/>
+                      </a:pPr>
+                      <a:r>
+                        <a:rPr lang="en-GB" dirty="0"/>
+                        <a:t>21. Data Gathering - User</a:t>
+                      </a:r>
+                    </a:p>
+                    <a:p>
+                      <a:pPr marL="0" indent="0">
+                        <a:buNone/>
+                      </a:pPr>
+                      <a:r>
+                        <a:rPr lang="en-GB" dirty="0"/>
+                        <a:t>22. Data Processing</a:t>
+                      </a:r>
+                    </a:p>
+                    <a:p>
+                      <a:pPr marL="0" indent="0">
+                        <a:buNone/>
+                      </a:pPr>
+                      <a:r>
+                        <a:rPr lang="en-GB" dirty="0"/>
+                        <a:t>23. Data Processing – Example Queries</a:t>
+                      </a:r>
+                    </a:p>
+                    <a:p>
+                      <a:pPr marL="0" indent="0">
+                        <a:buNone/>
+                      </a:pPr>
+                      <a:r>
+                        <a:rPr lang="en-GB" dirty="0"/>
+                        <a:t>24. Data Security</a:t>
+                      </a:r>
+                    </a:p>
+                    <a:p>
+                      <a:pPr marL="0" indent="0">
+                        <a:buNone/>
+                      </a:pPr>
+                      <a:r>
+                        <a:rPr lang="en-GB" dirty="0"/>
+                        <a:t>25. Structure of User Test</a:t>
+                      </a:r>
+                    </a:p>
+                    <a:p>
+                      <a:pPr marL="0" indent="0">
+                        <a:buNone/>
+                      </a:pPr>
+                      <a:r>
+                        <a:rPr lang="en-GB" dirty="0"/>
+                        <a:t>26. Metrics of User Test</a:t>
+                      </a:r>
+                    </a:p>
+                    <a:p>
+                      <a:pPr marL="0" indent="0">
+                        <a:buNone/>
+                      </a:pPr>
+                      <a:r>
+                        <a:rPr lang="en-GB" dirty="0"/>
+                        <a:t>27. Life Cycle of User Tests</a:t>
+                      </a:r>
+                    </a:p>
+                    <a:p>
+                      <a:endParaRPr lang="en-GB" dirty="0"/>
+                    </a:p>
+                  </a:txBody>
+                  <a:tcPr/>
+                </a:tc>
+                <a:extLst>
+                  <a:ext uri="{0D108BD9-81ED-4DB2-BD59-A6C34878D82A}">
+                    <a16:rowId xmlns:a16="http://schemas.microsoft.com/office/drawing/2014/main" val="3883314015"/>
+                  </a:ext>
+                </a:extLst>
+              </a:tr>
+              <a:tr h="376439">
+                <a:tc>
+                  <a:txBody>
+                    <a:bodyPr/>
+                    <a:lstStyle/>
+                    <a:p>
+                      <a:endParaRPr lang="en-GB"/>
+                    </a:p>
+                  </a:txBody>
+                  <a:tcPr/>
+                </a:tc>
+                <a:tc>
+                  <a:txBody>
+                    <a:bodyPr/>
+                    <a:lstStyle/>
+                    <a:p>
+                      <a:endParaRPr lang="en-GB"/>
+                    </a:p>
+                  </a:txBody>
+                  <a:tcPr/>
+                </a:tc>
+                <a:extLst>
+                  <a:ext uri="{0D108BD9-81ED-4DB2-BD59-A6C34878D82A}">
+                    <a16:rowId xmlns:a16="http://schemas.microsoft.com/office/drawing/2014/main" val="1598625120"/>
+                  </a:ext>
+                </a:extLst>
+              </a:tr>
+              <a:tr h="376439">
+                <a:tc>
+                  <a:txBody>
+                    <a:bodyPr/>
+                    <a:lstStyle/>
+                    <a:p>
+                      <a:endParaRPr lang="en-GB"/>
+                    </a:p>
+                  </a:txBody>
+                  <a:tcPr/>
+                </a:tc>
+                <a:tc>
+                  <a:txBody>
+                    <a:bodyPr/>
+                    <a:lstStyle/>
+                    <a:p>
+                      <a:endParaRPr lang="en-GB"/>
+                    </a:p>
+                  </a:txBody>
+                  <a:tcPr/>
+                </a:tc>
+                <a:extLst>
+                  <a:ext uri="{0D108BD9-81ED-4DB2-BD59-A6C34878D82A}">
+                    <a16:rowId xmlns:a16="http://schemas.microsoft.com/office/drawing/2014/main" val="3701074777"/>
+                  </a:ext>
+                </a:extLst>
+              </a:tr>
+              <a:tr h="376439">
+                <a:tc>
+                  <a:txBody>
+                    <a:bodyPr/>
+                    <a:lstStyle/>
+                    <a:p>
+                      <a:endParaRPr lang="en-GB"/>
+                    </a:p>
+                  </a:txBody>
+                  <a:tcPr/>
+                </a:tc>
+                <a:tc>
+                  <a:txBody>
+                    <a:bodyPr/>
+                    <a:lstStyle/>
+                    <a:p>
+                      <a:endParaRPr lang="en-GB"/>
+                    </a:p>
+                  </a:txBody>
+                  <a:tcPr/>
+                </a:tc>
+                <a:extLst>
+                  <a:ext uri="{0D108BD9-81ED-4DB2-BD59-A6C34878D82A}">
+                    <a16:rowId xmlns:a16="http://schemas.microsoft.com/office/drawing/2014/main" val="745178366"/>
+                  </a:ext>
+                </a:extLst>
+              </a:tr>
+              <a:tr h="376439">
+                <a:tc>
+                  <a:txBody>
+                    <a:bodyPr/>
+                    <a:lstStyle/>
+                    <a:p>
+                      <a:endParaRPr lang="en-GB"/>
+                    </a:p>
+                  </a:txBody>
+                  <a:tcPr/>
+                </a:tc>
+                <a:tc>
+                  <a:txBody>
+                    <a:bodyPr/>
+                    <a:lstStyle/>
+                    <a:p>
+                      <a:endParaRPr lang="en-GB"/>
+                    </a:p>
+                  </a:txBody>
+                  <a:tcPr/>
+                </a:tc>
+                <a:extLst>
+                  <a:ext uri="{0D108BD9-81ED-4DB2-BD59-A6C34878D82A}">
+                    <a16:rowId xmlns:a16="http://schemas.microsoft.com/office/drawing/2014/main" val="316659478"/>
+                  </a:ext>
+                </a:extLst>
+              </a:tr>
+              <a:tr h="376439">
+                <a:tc>
+                  <a:txBody>
+                    <a:bodyPr/>
+                    <a:lstStyle/>
+                    <a:p>
+                      <a:endParaRPr lang="en-GB"/>
+                    </a:p>
+                  </a:txBody>
+                  <a:tcPr/>
+                </a:tc>
+                <a:tc>
+                  <a:txBody>
+                    <a:bodyPr/>
+                    <a:lstStyle/>
+                    <a:p>
+                      <a:endParaRPr lang="en-GB"/>
+                    </a:p>
+                  </a:txBody>
+                  <a:tcPr/>
+                </a:tc>
+                <a:extLst>
+                  <a:ext uri="{0D108BD9-81ED-4DB2-BD59-A6C34878D82A}">
+                    <a16:rowId xmlns:a16="http://schemas.microsoft.com/office/drawing/2014/main" val="636373311"/>
+                  </a:ext>
+                </a:extLst>
+              </a:tr>
+              <a:tr h="376439">
+                <a:tc>
+                  <a:txBody>
+                    <a:bodyPr/>
+                    <a:lstStyle/>
+                    <a:p>
+                      <a:endParaRPr lang="en-GB"/>
+                    </a:p>
+                  </a:txBody>
+                  <a:tcPr/>
+                </a:tc>
+                <a:tc>
+                  <a:txBody>
+                    <a:bodyPr/>
+                    <a:lstStyle/>
+                    <a:p>
+                      <a:endParaRPr lang="en-GB"/>
+                    </a:p>
+                  </a:txBody>
+                  <a:tcPr/>
+                </a:tc>
+                <a:extLst>
+                  <a:ext uri="{0D108BD9-81ED-4DB2-BD59-A6C34878D82A}">
+                    <a16:rowId xmlns:a16="http://schemas.microsoft.com/office/drawing/2014/main" val="4015859568"/>
+                  </a:ext>
+                </a:extLst>
+              </a:tr>
+              <a:tr h="376439">
+                <a:tc>
+                  <a:txBody>
+                    <a:bodyPr/>
+                    <a:lstStyle/>
+                    <a:p>
+                      <a:endParaRPr lang="en-GB" dirty="0"/>
+                    </a:p>
+                  </a:txBody>
+                  <a:tcPr/>
+                </a:tc>
+                <a:tc>
+                  <a:txBody>
+                    <a:bodyPr/>
+                    <a:lstStyle/>
+                    <a:p>
+                      <a:endParaRPr lang="en-GB" dirty="0"/>
+                    </a:p>
+                  </a:txBody>
+                  <a:tcPr/>
+                </a:tc>
+                <a:extLst>
+                  <a:ext uri="{0D108BD9-81ED-4DB2-BD59-A6C34878D82A}">
+                    <a16:rowId xmlns:a16="http://schemas.microsoft.com/office/drawing/2014/main" val="2568834171"/>
+                  </a:ext>
+                </a:extLst>
+              </a:tr>
+            </a:tbl>
+          </a:graphicData>
+        </a:graphic>
+      </p:graphicFrame>
+      <p:sp>
+        <p:nvSpPr>
+          <p:cNvPr id="4" name="Slide Number Placeholder 3">
+            <a:extLst>
+              <a:ext uri="{FF2B5EF4-FFF2-40B4-BE49-F238E27FC236}">
+                <a16:creationId xmlns:a16="http://schemas.microsoft.com/office/drawing/2014/main" id="{7751B050-4F03-7F37-080B-EE3340FD6F50}"/>
+              </a:ext>
+            </a:extLst>
+          </p:cNvPr>
+          <p:cNvSpPr>
+            <a:spLocks noGrp="1"/>
+          </p:cNvSpPr>
+          <p:nvPr>
+            <p:ph type="sldNum" sz="quarter" idx="12"/>
+          </p:nvPr>
+        </p:nvSpPr>
+        <p:spPr/>
+        <p:txBody>
+          <a:bodyPr/>
+          <a:lstStyle/>
+          <a:p>
+            <a:fld id="{6F6DEA05-8770-4987-B5A1-0C7FA388430F}" type="slidenum">
+              <a:rPr lang="en-GB" smtClean="0"/>
+              <a:t>2</a:t>
+            </a:fld>
+            <a:endParaRPr lang="en-GB"/>
           </a:p>
         </p:txBody>
       </p:sp>
     </p:spTree>
     <p:extLst>
       <p:ext uri="{BB962C8B-B14F-4D97-AF65-F5344CB8AC3E}">
-        <p14:creationId xmlns:p14="http://schemas.microsoft.com/office/powerpoint/2010/main" val="1741918805"/>
+        <p14:creationId xmlns:p14="http://schemas.microsoft.com/office/powerpoint/2010/main" val="1698210327"/>
       </p:ext>
     </p:extLst>
   </p:cSld>
@@ -5912,6 +6538,352 @@
       </p:grpSpPr>
       <p:sp>
         <p:nvSpPr>
+          <p:cNvPr id="171" name="PlaceHolder 1"/>
+          <p:cNvSpPr>
+            <a:spLocks noGrp="1"/>
+          </p:cNvSpPr>
+          <p:nvPr>
+            <p:ph type="title"/>
+          </p:nvPr>
+        </p:nvSpPr>
+        <p:spPr>
+          <a:xfrm>
+            <a:off x="609480" y="273600"/>
+            <a:ext cx="10968480" cy="1140840"/>
+          </a:xfrm>
+          <a:prstGeom prst="rect">
+            <a:avLst/>
+          </a:prstGeom>
+          <a:noFill/>
+          <a:ln w="0">
+            <a:noFill/>
+          </a:ln>
+        </p:spPr>
+        <p:txBody>
+          <a:bodyPr lIns="0" tIns="0" rIns="0" bIns="0" anchor="ctr">
+            <a:noAutofit/>
+          </a:bodyPr>
+          <a:lstStyle/>
+          <a:p>
+            <a:pPr>
+              <a:lnSpc>
+                <a:spcPct val="100000"/>
+              </a:lnSpc>
+              <a:buNone/>
+            </a:pPr>
+            <a:r>
+              <a:rPr lang="en-IE" sz="4400" b="1" strike="noStrike" spc="-1" dirty="0"/>
+              <a:t>Data Gathering - Switches</a:t>
+            </a:r>
+          </a:p>
+        </p:txBody>
+      </p:sp>
+      <p:sp>
+        <p:nvSpPr>
+          <p:cNvPr id="172" name="Rectangle 171"/>
+          <p:cNvSpPr/>
+          <p:nvPr/>
+        </p:nvSpPr>
+        <p:spPr>
+          <a:xfrm>
+            <a:off x="900000" y="1800000"/>
+            <a:ext cx="10796040" cy="2646000"/>
+          </a:xfrm>
+          <a:prstGeom prst="rect">
+            <a:avLst/>
+          </a:prstGeom>
+          <a:noFill/>
+          <a:ln w="0">
+            <a:noFill/>
+          </a:ln>
+        </p:spPr>
+        <p:style>
+          <a:lnRef idx="0">
+            <a:scrgbClr r="0" g="0" b="0"/>
+          </a:lnRef>
+          <a:fillRef idx="0">
+            <a:scrgbClr r="0" g="0" b="0"/>
+          </a:fillRef>
+          <a:effectRef idx="0">
+            <a:scrgbClr r="0" g="0" b="0"/>
+          </a:effectRef>
+          <a:fontRef idx="minor"/>
+        </p:style>
+        <p:txBody>
+          <a:bodyPr lIns="90000" tIns="45000" rIns="90000" bIns="45000" anchor="t">
+            <a:noAutofit/>
+          </a:bodyPr>
+          <a:lstStyle/>
+          <a:p>
+            <a:pPr>
+              <a:lnSpc>
+                <a:spcPct val="100000"/>
+              </a:lnSpc>
+              <a:buNone/>
+            </a:pPr>
+            <a:r>
+              <a:rPr lang="en-IE" sz="2400" b="0" strike="noStrike" spc="-1" dirty="0">
+                <a:solidFill>
+                  <a:srgbClr val="000000"/>
+                </a:solidFill>
+                <a:ea typeface="DejaVu Sans"/>
+              </a:rPr>
+              <a:t>Force Sensitive Resistor</a:t>
+            </a:r>
+            <a:endParaRPr lang="en-IE" sz="2400" b="0" strike="noStrike" spc="-1" dirty="0"/>
+          </a:p>
+          <a:p>
+            <a:pPr>
+              <a:lnSpc>
+                <a:spcPct val="100000"/>
+              </a:lnSpc>
+              <a:buNone/>
+            </a:pPr>
+            <a:r>
+              <a:rPr lang="en-IE" sz="2400" b="0" strike="noStrike" spc="-1" dirty="0">
+                <a:solidFill>
+                  <a:srgbClr val="000000"/>
+                </a:solidFill>
+                <a:ea typeface="DejaVu Sans"/>
+              </a:rPr>
+              <a:t>	- Analog data</a:t>
+            </a:r>
+            <a:endParaRPr lang="en-IE" sz="2400" b="0" strike="noStrike" spc="-1" dirty="0"/>
+          </a:p>
+          <a:p>
+            <a:pPr>
+              <a:lnSpc>
+                <a:spcPct val="100000"/>
+              </a:lnSpc>
+              <a:buNone/>
+            </a:pPr>
+            <a:r>
+              <a:rPr lang="en-IE" sz="2400" b="0" strike="noStrike" spc="-1" dirty="0">
+                <a:solidFill>
+                  <a:srgbClr val="000000"/>
+                </a:solidFill>
+                <a:ea typeface="DejaVu Sans"/>
+              </a:rPr>
+              <a:t>	- Values between 0mV – 5000mV</a:t>
+            </a:r>
+            <a:endParaRPr lang="en-IE" sz="2400" b="0" strike="noStrike" spc="-1" dirty="0"/>
+          </a:p>
+          <a:p>
+            <a:pPr>
+              <a:lnSpc>
+                <a:spcPct val="100000"/>
+              </a:lnSpc>
+              <a:buNone/>
+            </a:pPr>
+            <a:r>
+              <a:rPr lang="en-IE" sz="2400" b="0" strike="noStrike" spc="-1" dirty="0">
+                <a:solidFill>
+                  <a:srgbClr val="000000"/>
+                </a:solidFill>
+                <a:ea typeface="DejaVu Sans"/>
+              </a:rPr>
+              <a:t>	- 0mV represents no force</a:t>
+            </a:r>
+            <a:endParaRPr lang="en-IE" sz="2400" b="0" strike="noStrike" spc="-1" dirty="0"/>
+          </a:p>
+          <a:p>
+            <a:pPr>
+              <a:lnSpc>
+                <a:spcPct val="100000"/>
+              </a:lnSpc>
+              <a:buNone/>
+            </a:pPr>
+            <a:r>
+              <a:rPr lang="en-IE" sz="2400" b="0" strike="noStrike" spc="-1" dirty="0">
+                <a:solidFill>
+                  <a:srgbClr val="000000"/>
+                </a:solidFill>
+                <a:ea typeface="DejaVu Sans"/>
+              </a:rPr>
+              <a:t>	- 5000mV represents a high force</a:t>
+            </a:r>
+            <a:endParaRPr lang="en-IE" sz="2400" b="0" strike="noStrike" spc="-1" dirty="0"/>
+          </a:p>
+          <a:p>
+            <a:pPr>
+              <a:lnSpc>
+                <a:spcPct val="100000"/>
+              </a:lnSpc>
+              <a:buNone/>
+            </a:pPr>
+            <a:r>
+              <a:rPr lang="en-IE" sz="2400" b="0" strike="noStrike" spc="-1" dirty="0">
+                <a:solidFill>
+                  <a:srgbClr val="000000"/>
+                </a:solidFill>
+                <a:ea typeface="DejaVu Sans"/>
+              </a:rPr>
+              <a:t>	- This will tell us if a box is empty or has pills inside</a:t>
+            </a:r>
+            <a:endParaRPr lang="en-IE" sz="2400" b="0" strike="noStrike" spc="-1" dirty="0"/>
+          </a:p>
+          <a:p>
+            <a:pPr>
+              <a:lnSpc>
+                <a:spcPct val="100000"/>
+              </a:lnSpc>
+              <a:buNone/>
+            </a:pPr>
+            <a:endParaRPr lang="en-IE" sz="2400" b="0" strike="noStrike" spc="-1" dirty="0"/>
+          </a:p>
+          <a:p>
+            <a:pPr>
+              <a:lnSpc>
+                <a:spcPct val="100000"/>
+              </a:lnSpc>
+              <a:buNone/>
+            </a:pPr>
+            <a:r>
+              <a:rPr lang="en-IE" sz="2400" b="0" strike="noStrike" spc="-1" dirty="0">
+                <a:solidFill>
+                  <a:srgbClr val="000000"/>
+                </a:solidFill>
+                <a:ea typeface="DejaVu Sans"/>
+              </a:rPr>
+              <a:t>Micro Switch</a:t>
+            </a:r>
+            <a:endParaRPr lang="en-IE" sz="2400" b="0" strike="noStrike" spc="-1" dirty="0"/>
+          </a:p>
+          <a:p>
+            <a:pPr>
+              <a:lnSpc>
+                <a:spcPct val="100000"/>
+              </a:lnSpc>
+              <a:buNone/>
+            </a:pPr>
+            <a:r>
+              <a:rPr lang="en-IE" sz="2400" b="0" strike="noStrike" spc="-1" dirty="0">
+                <a:solidFill>
+                  <a:srgbClr val="000000"/>
+                </a:solidFill>
+                <a:ea typeface="DejaVu Sans"/>
+              </a:rPr>
+              <a:t>	- 0v across a switch when the circuit is not completed</a:t>
+            </a:r>
+            <a:endParaRPr lang="en-IE" sz="2400" b="0" strike="noStrike" spc="-1" dirty="0"/>
+          </a:p>
+          <a:p>
+            <a:pPr>
+              <a:lnSpc>
+                <a:spcPct val="100000"/>
+              </a:lnSpc>
+              <a:buNone/>
+            </a:pPr>
+            <a:r>
+              <a:rPr lang="en-IE" sz="2400" b="0" strike="noStrike" spc="-1" dirty="0">
+                <a:solidFill>
+                  <a:srgbClr val="000000"/>
+                </a:solidFill>
+                <a:ea typeface="DejaVu Sans"/>
+              </a:rPr>
+              <a:t>	- 5v across a switch when the circuit is completed.</a:t>
+            </a:r>
+            <a:endParaRPr lang="en-IE" sz="2400" b="0" strike="noStrike" spc="-1" dirty="0"/>
+          </a:p>
+          <a:p>
+            <a:pPr>
+              <a:lnSpc>
+                <a:spcPct val="100000"/>
+              </a:lnSpc>
+              <a:buNone/>
+            </a:pPr>
+            <a:r>
+              <a:rPr lang="en-IE" sz="2400" b="0" strike="noStrike" spc="-1" dirty="0">
+                <a:solidFill>
+                  <a:srgbClr val="000000"/>
+                </a:solidFill>
+                <a:ea typeface="DejaVu Sans"/>
+              </a:rPr>
+              <a:t>	- This will tell us if a box is open or closed</a:t>
+            </a:r>
+            <a:endParaRPr lang="en-IE" sz="2400" b="0" strike="noStrike" spc="-1" dirty="0"/>
+          </a:p>
+        </p:txBody>
+      </p:sp>
+      <p:pic>
+        <p:nvPicPr>
+          <p:cNvPr id="173" name="Picture 172"/>
+          <p:cNvPicPr/>
+          <p:nvPr/>
+        </p:nvPicPr>
+        <p:blipFill>
+          <a:blip r:embed="rId2"/>
+          <a:stretch/>
+        </p:blipFill>
+        <p:spPr>
+          <a:xfrm>
+            <a:off x="7557840" y="765790"/>
+            <a:ext cx="4020120" cy="2856600"/>
+          </a:xfrm>
+          <a:prstGeom prst="rect">
+            <a:avLst/>
+          </a:prstGeom>
+          <a:ln w="0">
+            <a:noFill/>
+          </a:ln>
+        </p:spPr>
+      </p:pic>
+      <p:sp>
+        <p:nvSpPr>
+          <p:cNvPr id="2" name="Slide Number Placeholder 1">
+            <a:extLst>
+              <a:ext uri="{FF2B5EF4-FFF2-40B4-BE49-F238E27FC236}">
+                <a16:creationId xmlns:a16="http://schemas.microsoft.com/office/drawing/2014/main" id="{921F891F-0036-22D4-846A-C7E160858FD6}"/>
+              </a:ext>
+            </a:extLst>
+          </p:cNvPr>
+          <p:cNvSpPr>
+            <a:spLocks noGrp="1"/>
+          </p:cNvSpPr>
+          <p:nvPr>
+            <p:ph type="sldNum" sz="quarter" idx="12"/>
+          </p:nvPr>
+        </p:nvSpPr>
+        <p:spPr/>
+        <p:txBody>
+          <a:bodyPr/>
+          <a:lstStyle/>
+          <a:p>
+            <a:fld id="{6F6DEA05-8770-4987-B5A1-0C7FA388430F}" type="slidenum">
+              <a:rPr lang="en-GB" smtClean="0"/>
+              <a:t>20</a:t>
+            </a:fld>
+            <a:endParaRPr lang="en-GB"/>
+          </a:p>
+        </p:txBody>
+      </p:sp>
+    </p:spTree>
+  </p:cSld>
+  <p:clrMapOvr>
+    <a:masterClrMapping/>
+  </p:clrMapOvr>
+</p:sld>
+</file>
+
+<file path=ppt/slides/slide21.xml><?xml version="1.0" encoding="utf-8"?>
+<p:sld xmlns:a="http://schemas.openxmlformats.org/drawingml/2006/main" xmlns:r="http://schemas.openxmlformats.org/officeDocument/2006/relationships" xmlns:p="http://schemas.openxmlformats.org/presentationml/2006/main">
+  <p:cSld>
+    <p:spTree>
+      <p:nvGrpSpPr>
+        <p:cNvPr id="1" name=""/>
+        <p:cNvGrpSpPr/>
+        <p:nvPr/>
+      </p:nvGrpSpPr>
+      <p:grpSpPr>
+        <a:xfrm>
+          <a:off x="0" y="0"/>
+          <a:ext cx="0" cy="0"/>
+          <a:chOff x="0" y="0"/>
+          <a:chExt cx="0" cy="0"/>
+        </a:xfrm>
+      </p:grpSpPr>
+      <p:sp>
+        <p:nvSpPr>
           <p:cNvPr id="174" name="PlaceHolder 1"/>
           <p:cNvSpPr>
             <a:spLocks noGrp="1"/>
@@ -6215,6 +7187,35 @@
           </a:p>
         </p:txBody>
       </p:sp>
+      <p:sp>
+        <p:nvSpPr>
+          <p:cNvPr id="2" name="Slide Number Placeholder 1">
+            <a:extLst>
+              <a:ext uri="{FF2B5EF4-FFF2-40B4-BE49-F238E27FC236}">
+                <a16:creationId xmlns:a16="http://schemas.microsoft.com/office/drawing/2014/main" id="{2E9F8489-266C-12C9-A81B-B007E2ABF1F0}"/>
+              </a:ext>
+            </a:extLst>
+          </p:cNvPr>
+          <p:cNvSpPr>
+            <a:spLocks noGrp="1"/>
+          </p:cNvSpPr>
+          <p:nvPr>
+            <p:ph type="sldNum" sz="quarter" idx="12"/>
+          </p:nvPr>
+        </p:nvSpPr>
+        <p:spPr/>
+        <p:txBody>
+          <a:bodyPr/>
+          <a:lstStyle/>
+          <a:p>
+            <a:fld id="{6F6DEA05-8770-4987-B5A1-0C7FA388430F}" type="slidenum">
+              <a:rPr lang="en-GB" smtClean="0"/>
+              <a:t>21</a:t>
+            </a:fld>
+            <a:endParaRPr lang="en-GB"/>
+          </a:p>
+        </p:txBody>
+      </p:sp>
     </p:spTree>
   </p:cSld>
   <p:clrMapOvr>
@@ -6223,7 +7224,7 @@
 </p:sld>
 </file>
 
-<file path=ppt/slides/slide21.xml><?xml version="1.0" encoding="utf-8"?>
+<file path=ppt/slides/slide22.xml><?xml version="1.0" encoding="utf-8"?>
 <p:sld xmlns:a="http://schemas.openxmlformats.org/drawingml/2006/main" xmlns:r="http://schemas.openxmlformats.org/officeDocument/2006/relationships" xmlns:p="http://schemas.openxmlformats.org/presentationml/2006/main">
   <p:cSld>
     <p:spTree>
@@ -6457,232 +7458,32 @@
           </a:p>
         </p:txBody>
       </p:sp>
-    </p:spTree>
-  </p:cSld>
-  <p:clrMapOvr>
-    <a:masterClrMapping/>
-  </p:clrMapOvr>
-</p:sld>
-</file>
-
-<file path=ppt/slides/slide22.xml><?xml version="1.0" encoding="utf-8"?>
-<p:sld xmlns:a="http://schemas.openxmlformats.org/drawingml/2006/main" xmlns:r="http://schemas.openxmlformats.org/officeDocument/2006/relationships" xmlns:p="http://schemas.openxmlformats.org/presentationml/2006/main">
-  <p:cSld>
-    <p:spTree>
-      <p:nvGrpSpPr>
-        <p:cNvPr id="1" name=""/>
-        <p:cNvGrpSpPr/>
-        <p:nvPr/>
-      </p:nvGrpSpPr>
-      <p:grpSpPr>
-        <a:xfrm>
-          <a:off x="0" y="0"/>
-          <a:ext cx="0" cy="0"/>
-          <a:chOff x="0" y="0"/>
-          <a:chExt cx="0" cy="0"/>
-        </a:xfrm>
-      </p:grpSpPr>
-      <p:sp>
-        <p:nvSpPr>
-          <p:cNvPr id="178" name="PlaceHolder 1"/>
-          <p:cNvSpPr>
-            <a:spLocks noGrp="1"/>
-          </p:cNvSpPr>
-          <p:nvPr>
-            <p:ph type="title"/>
-          </p:nvPr>
-        </p:nvSpPr>
-        <p:spPr>
-          <a:xfrm>
-            <a:off x="609480" y="273600"/>
-            <a:ext cx="10972440" cy="1144800"/>
-          </a:xfrm>
-          <a:prstGeom prst="rect">
-            <a:avLst/>
-          </a:prstGeom>
-          <a:noFill/>
-          <a:ln w="0">
-            <a:noFill/>
-          </a:ln>
-        </p:spPr>
-        <p:txBody>
-          <a:bodyPr lIns="0" tIns="0" rIns="0" bIns="0" anchor="ctr">
-            <a:noAutofit/>
-          </a:bodyPr>
-          <a:lstStyle/>
-          <a:p>
-            <a:pPr>
-              <a:buNone/>
-            </a:pPr>
-            <a:r>
-              <a:rPr lang="en-IE" sz="4400" b="1" strike="noStrike" spc="-1" dirty="0"/>
-              <a:t>Data Processing – Example Queries</a:t>
-            </a:r>
-          </a:p>
-        </p:txBody>
-      </p:sp>
-      <p:pic>
-        <p:nvPicPr>
-          <p:cNvPr id="179" name="Picture 178"/>
-          <p:cNvPicPr/>
-          <p:nvPr/>
-        </p:nvPicPr>
-        <p:blipFill>
-          <a:blip r:embed="rId2"/>
-          <a:stretch/>
-        </p:blipFill>
-        <p:spPr>
-          <a:xfrm>
-            <a:off x="319680" y="1693080"/>
-            <a:ext cx="2380320" cy="646920"/>
-          </a:xfrm>
-          <a:prstGeom prst="rect">
-            <a:avLst/>
-          </a:prstGeom>
-          <a:ln w="0">
-            <a:noFill/>
-          </a:ln>
-        </p:spPr>
-      </p:pic>
-      <p:sp>
-        <p:nvSpPr>
-          <p:cNvPr id="180" name="TextBox 179"/>
-          <p:cNvSpPr txBox="1"/>
-          <p:nvPr/>
-        </p:nvSpPr>
-        <p:spPr>
-          <a:xfrm>
-            <a:off x="2880000" y="1800000"/>
-            <a:ext cx="5400000" cy="360000"/>
-          </a:xfrm>
-          <a:prstGeom prst="rect">
-            <a:avLst/>
-          </a:prstGeom>
-          <a:noFill/>
-          <a:ln w="0">
-            <a:noFill/>
-          </a:ln>
-        </p:spPr>
-        <p:txBody>
-          <a:bodyPr lIns="90000" tIns="45000" rIns="90000" bIns="45000" anchor="t">
-            <a:noAutofit/>
-          </a:bodyPr>
-          <a:lstStyle/>
-          <a:p>
-            <a:r>
-              <a:rPr lang="en-IE" sz="2400" b="0" strike="noStrike" spc="-1" dirty="0"/>
-              <a:t>Find all entries where the user has missed a dose.</a:t>
-            </a:r>
-          </a:p>
-        </p:txBody>
-      </p:sp>
-      <p:pic>
-        <p:nvPicPr>
-          <p:cNvPr id="181" name="Picture 180"/>
-          <p:cNvPicPr/>
-          <p:nvPr/>
-        </p:nvPicPr>
-        <p:blipFill>
-          <a:blip r:embed="rId3"/>
-          <a:stretch/>
-        </p:blipFill>
-        <p:spPr>
-          <a:xfrm>
-            <a:off x="646200" y="2520000"/>
-            <a:ext cx="1513800" cy="808920"/>
-          </a:xfrm>
-          <a:prstGeom prst="rect">
-            <a:avLst/>
-          </a:prstGeom>
-          <a:ln w="0">
-            <a:noFill/>
-          </a:ln>
-        </p:spPr>
-      </p:pic>
-      <p:sp>
-        <p:nvSpPr>
-          <p:cNvPr id="182" name="TextBox 181"/>
-          <p:cNvSpPr txBox="1"/>
-          <p:nvPr/>
-        </p:nvSpPr>
-        <p:spPr>
-          <a:xfrm>
-            <a:off x="2880000" y="2700000"/>
-            <a:ext cx="5220000" cy="346320"/>
-          </a:xfrm>
-          <a:prstGeom prst="rect">
-            <a:avLst/>
-          </a:prstGeom>
-          <a:noFill/>
-          <a:ln w="0">
-            <a:noFill/>
-          </a:ln>
-        </p:spPr>
-        <p:txBody>
-          <a:bodyPr lIns="90000" tIns="45000" rIns="90000" bIns="45000" anchor="t">
-            <a:noAutofit/>
-          </a:bodyPr>
-          <a:lstStyle/>
-          <a:p>
-            <a:r>
-              <a:rPr lang="en-IE" sz="2400" b="0" strike="noStrike" spc="-1" dirty="0"/>
-              <a:t>Get the 30 most recent history entries.</a:t>
-            </a:r>
-          </a:p>
-        </p:txBody>
-      </p:sp>
-      <p:pic>
-        <p:nvPicPr>
-          <p:cNvPr id="183" name="Picture 182"/>
-          <p:cNvPicPr/>
-          <p:nvPr/>
-        </p:nvPicPr>
-        <p:blipFill>
-          <a:blip r:embed="rId4"/>
-          <a:stretch/>
-        </p:blipFill>
-        <p:spPr>
-          <a:xfrm>
-            <a:off x="540000" y="3600000"/>
-            <a:ext cx="1647000" cy="818640"/>
-          </a:xfrm>
-          <a:prstGeom prst="rect">
-            <a:avLst/>
-          </a:prstGeom>
-          <a:ln w="0">
-            <a:noFill/>
-          </a:ln>
-        </p:spPr>
-      </p:pic>
-      <p:sp>
-        <p:nvSpPr>
-          <p:cNvPr id="184" name="TextBox 183"/>
-          <p:cNvSpPr txBox="1"/>
-          <p:nvPr/>
-        </p:nvSpPr>
-        <p:spPr>
-          <a:xfrm>
-            <a:off x="2700000" y="3780000"/>
-            <a:ext cx="5580000" cy="346320"/>
-          </a:xfrm>
-          <a:prstGeom prst="rect">
-            <a:avLst/>
-          </a:prstGeom>
-          <a:noFill/>
-          <a:ln w="0">
-            <a:noFill/>
-          </a:ln>
-        </p:spPr>
-        <p:txBody>
-          <a:bodyPr lIns="90000" tIns="45000" rIns="90000" bIns="45000" anchor="t">
-            <a:noAutofit/>
-          </a:bodyPr>
-          <a:lstStyle/>
-          <a:p>
-            <a:r>
-              <a:rPr lang="en-IE" sz="2400" b="0" strike="noStrike" spc="-1" dirty="0"/>
-              <a:t>Get the next 5 entries in the users schedule.</a:t>
-            </a:r>
+      <p:sp>
+        <p:nvSpPr>
+          <p:cNvPr id="2" name="Slide Number Placeholder 1">
+            <a:extLst>
+              <a:ext uri="{FF2B5EF4-FFF2-40B4-BE49-F238E27FC236}">
+                <a16:creationId xmlns:a16="http://schemas.microsoft.com/office/drawing/2014/main" id="{BC669C0C-4D64-5FF0-B8B3-68F74E0619BF}"/>
+              </a:ext>
+            </a:extLst>
+          </p:cNvPr>
+          <p:cNvSpPr>
+            <a:spLocks noGrp="1"/>
+          </p:cNvSpPr>
+          <p:nvPr>
+            <p:ph type="sldNum" sz="quarter" idx="12"/>
+          </p:nvPr>
+        </p:nvSpPr>
+        <p:spPr/>
+        <p:txBody>
+          <a:bodyPr/>
+          <a:lstStyle/>
+          <a:p>
+            <a:fld id="{6F6DEA05-8770-4987-B5A1-0C7FA388430F}" type="slidenum">
+              <a:rPr lang="en-GB" smtClean="0"/>
+              <a:t>22</a:t>
+            </a:fld>
+            <a:endParaRPr lang="en-GB"/>
           </a:p>
         </p:txBody>
       </p:sp>
@@ -6713,6 +7514,264 @@
       </p:grpSpPr>
       <p:sp>
         <p:nvSpPr>
+          <p:cNvPr id="178" name="PlaceHolder 1"/>
+          <p:cNvSpPr>
+            <a:spLocks noGrp="1"/>
+          </p:cNvSpPr>
+          <p:nvPr>
+            <p:ph type="title"/>
+          </p:nvPr>
+        </p:nvSpPr>
+        <p:spPr>
+          <a:xfrm>
+            <a:off x="609480" y="273600"/>
+            <a:ext cx="10972440" cy="1144800"/>
+          </a:xfrm>
+          <a:prstGeom prst="rect">
+            <a:avLst/>
+          </a:prstGeom>
+          <a:noFill/>
+          <a:ln w="0">
+            <a:noFill/>
+          </a:ln>
+        </p:spPr>
+        <p:txBody>
+          <a:bodyPr lIns="0" tIns="0" rIns="0" bIns="0" anchor="ctr">
+            <a:noAutofit/>
+          </a:bodyPr>
+          <a:lstStyle/>
+          <a:p>
+            <a:pPr>
+              <a:buNone/>
+            </a:pPr>
+            <a:r>
+              <a:rPr lang="en-IE" sz="4400" b="1" strike="noStrike" spc="-1" dirty="0"/>
+              <a:t>Data Processing – Example Queries</a:t>
+            </a:r>
+          </a:p>
+        </p:txBody>
+      </p:sp>
+      <p:pic>
+        <p:nvPicPr>
+          <p:cNvPr id="179" name="Picture 178"/>
+          <p:cNvPicPr/>
+          <p:nvPr/>
+        </p:nvPicPr>
+        <p:blipFill>
+          <a:blip r:embed="rId2"/>
+          <a:stretch/>
+        </p:blipFill>
+        <p:spPr>
+          <a:xfrm>
+            <a:off x="319680" y="1693080"/>
+            <a:ext cx="2380320" cy="646920"/>
+          </a:xfrm>
+          <a:prstGeom prst="rect">
+            <a:avLst/>
+          </a:prstGeom>
+          <a:ln w="0">
+            <a:noFill/>
+          </a:ln>
+        </p:spPr>
+      </p:pic>
+      <p:sp>
+        <p:nvSpPr>
+          <p:cNvPr id="180" name="TextBox 179"/>
+          <p:cNvSpPr txBox="1"/>
+          <p:nvPr/>
+        </p:nvSpPr>
+        <p:spPr>
+          <a:xfrm>
+            <a:off x="2880000" y="1800000"/>
+            <a:ext cx="5400000" cy="360000"/>
+          </a:xfrm>
+          <a:prstGeom prst="rect">
+            <a:avLst/>
+          </a:prstGeom>
+          <a:noFill/>
+          <a:ln w="0">
+            <a:noFill/>
+          </a:ln>
+        </p:spPr>
+        <p:txBody>
+          <a:bodyPr lIns="90000" tIns="45000" rIns="90000" bIns="45000" anchor="t">
+            <a:noAutofit/>
+          </a:bodyPr>
+          <a:lstStyle/>
+          <a:p>
+            <a:r>
+              <a:rPr lang="en-IE" sz="2400" b="0" strike="noStrike" spc="-1" dirty="0"/>
+              <a:t>Find all entries where the user has missed a dose.</a:t>
+            </a:r>
+          </a:p>
+        </p:txBody>
+      </p:sp>
+      <p:pic>
+        <p:nvPicPr>
+          <p:cNvPr id="181" name="Picture 180"/>
+          <p:cNvPicPr/>
+          <p:nvPr/>
+        </p:nvPicPr>
+        <p:blipFill>
+          <a:blip r:embed="rId3"/>
+          <a:stretch/>
+        </p:blipFill>
+        <p:spPr>
+          <a:xfrm>
+            <a:off x="646200" y="2520000"/>
+            <a:ext cx="1513800" cy="808920"/>
+          </a:xfrm>
+          <a:prstGeom prst="rect">
+            <a:avLst/>
+          </a:prstGeom>
+          <a:ln w="0">
+            <a:noFill/>
+          </a:ln>
+        </p:spPr>
+      </p:pic>
+      <p:sp>
+        <p:nvSpPr>
+          <p:cNvPr id="182" name="TextBox 181"/>
+          <p:cNvSpPr txBox="1"/>
+          <p:nvPr/>
+        </p:nvSpPr>
+        <p:spPr>
+          <a:xfrm>
+            <a:off x="2880000" y="2700000"/>
+            <a:ext cx="5220000" cy="346320"/>
+          </a:xfrm>
+          <a:prstGeom prst="rect">
+            <a:avLst/>
+          </a:prstGeom>
+          <a:noFill/>
+          <a:ln w="0">
+            <a:noFill/>
+          </a:ln>
+        </p:spPr>
+        <p:txBody>
+          <a:bodyPr lIns="90000" tIns="45000" rIns="90000" bIns="45000" anchor="t">
+            <a:noAutofit/>
+          </a:bodyPr>
+          <a:lstStyle/>
+          <a:p>
+            <a:r>
+              <a:rPr lang="en-IE" sz="2400" b="0" strike="noStrike" spc="-1" dirty="0"/>
+              <a:t>Get the 30 most recent history entries.</a:t>
+            </a:r>
+          </a:p>
+        </p:txBody>
+      </p:sp>
+      <p:pic>
+        <p:nvPicPr>
+          <p:cNvPr id="183" name="Picture 182"/>
+          <p:cNvPicPr/>
+          <p:nvPr/>
+        </p:nvPicPr>
+        <p:blipFill>
+          <a:blip r:embed="rId4"/>
+          <a:stretch/>
+        </p:blipFill>
+        <p:spPr>
+          <a:xfrm>
+            <a:off x="540000" y="3600000"/>
+            <a:ext cx="1647000" cy="818640"/>
+          </a:xfrm>
+          <a:prstGeom prst="rect">
+            <a:avLst/>
+          </a:prstGeom>
+          <a:ln w="0">
+            <a:noFill/>
+          </a:ln>
+        </p:spPr>
+      </p:pic>
+      <p:sp>
+        <p:nvSpPr>
+          <p:cNvPr id="184" name="TextBox 183"/>
+          <p:cNvSpPr txBox="1"/>
+          <p:nvPr/>
+        </p:nvSpPr>
+        <p:spPr>
+          <a:xfrm>
+            <a:off x="2700000" y="3780000"/>
+            <a:ext cx="5580000" cy="346320"/>
+          </a:xfrm>
+          <a:prstGeom prst="rect">
+            <a:avLst/>
+          </a:prstGeom>
+          <a:noFill/>
+          <a:ln w="0">
+            <a:noFill/>
+          </a:ln>
+        </p:spPr>
+        <p:txBody>
+          <a:bodyPr lIns="90000" tIns="45000" rIns="90000" bIns="45000" anchor="t">
+            <a:noAutofit/>
+          </a:bodyPr>
+          <a:lstStyle/>
+          <a:p>
+            <a:r>
+              <a:rPr lang="en-IE" sz="2400" b="0" strike="noStrike" spc="-1" dirty="0"/>
+              <a:t>Get the next 5 entries in the users schedule.</a:t>
+            </a:r>
+          </a:p>
+        </p:txBody>
+      </p:sp>
+      <p:sp>
+        <p:nvSpPr>
+          <p:cNvPr id="2" name="Slide Number Placeholder 1">
+            <a:extLst>
+              <a:ext uri="{FF2B5EF4-FFF2-40B4-BE49-F238E27FC236}">
+                <a16:creationId xmlns:a16="http://schemas.microsoft.com/office/drawing/2014/main" id="{2125348B-97FC-2E04-F395-C0980706BF3D}"/>
+              </a:ext>
+            </a:extLst>
+          </p:cNvPr>
+          <p:cNvSpPr>
+            <a:spLocks noGrp="1"/>
+          </p:cNvSpPr>
+          <p:nvPr>
+            <p:ph type="sldNum" idx="5"/>
+          </p:nvPr>
+        </p:nvSpPr>
+        <p:spPr/>
+        <p:txBody>
+          <a:bodyPr/>
+          <a:lstStyle/>
+          <a:p>
+            <a:fld id="{6E6742BD-6F28-4EA7-80F1-139F6D7233BF}" type="slidenum">
+              <a:rPr lang="en-GB" smtClean="0"/>
+              <a:t>23</a:t>
+            </a:fld>
+            <a:endParaRPr lang="en-GB"/>
+          </a:p>
+        </p:txBody>
+      </p:sp>
+    </p:spTree>
+  </p:cSld>
+  <p:clrMapOvr>
+    <a:masterClrMapping/>
+  </p:clrMapOvr>
+</p:sld>
+</file>
+
+<file path=ppt/slides/slide24.xml><?xml version="1.0" encoding="utf-8"?>
+<p:sld xmlns:a="http://schemas.openxmlformats.org/drawingml/2006/main" xmlns:r="http://schemas.openxmlformats.org/officeDocument/2006/relationships" xmlns:p="http://schemas.openxmlformats.org/presentationml/2006/main">
+  <p:cSld>
+    <p:spTree>
+      <p:nvGrpSpPr>
+        <p:cNvPr id="1" name=""/>
+        <p:cNvGrpSpPr/>
+        <p:nvPr/>
+      </p:nvGrpSpPr>
+      <p:grpSpPr>
+        <a:xfrm>
+          <a:off x="0" y="0"/>
+          <a:ext cx="0" cy="0"/>
+          <a:chOff x="0" y="0"/>
+          <a:chExt cx="0" cy="0"/>
+        </a:xfrm>
+      </p:grpSpPr>
+      <p:sp>
+        <p:nvSpPr>
           <p:cNvPr id="185" name="PlaceHolder 1"/>
           <p:cNvSpPr>
             <a:spLocks noGrp="1"/>
@@ -6944,6 +8003,35 @@
           </a:p>
         </p:txBody>
       </p:sp>
+      <p:sp>
+        <p:nvSpPr>
+          <p:cNvPr id="2" name="Slide Number Placeholder 1">
+            <a:extLst>
+              <a:ext uri="{FF2B5EF4-FFF2-40B4-BE49-F238E27FC236}">
+                <a16:creationId xmlns:a16="http://schemas.microsoft.com/office/drawing/2014/main" id="{0E6809CC-446B-DA34-C833-D46CA3D7B516}"/>
+              </a:ext>
+            </a:extLst>
+          </p:cNvPr>
+          <p:cNvSpPr>
+            <a:spLocks noGrp="1"/>
+          </p:cNvSpPr>
+          <p:nvPr>
+            <p:ph type="sldNum" sz="quarter" idx="12"/>
+          </p:nvPr>
+        </p:nvSpPr>
+        <p:spPr/>
+        <p:txBody>
+          <a:bodyPr/>
+          <a:lstStyle/>
+          <a:p>
+            <a:fld id="{6F6DEA05-8770-4987-B5A1-0C7FA388430F}" type="slidenum">
+              <a:rPr lang="en-GB" smtClean="0"/>
+              <a:t>24</a:t>
+            </a:fld>
+            <a:endParaRPr lang="en-GB"/>
+          </a:p>
+        </p:txBody>
+      </p:sp>
     </p:spTree>
   </p:cSld>
   <p:clrMapOvr>
@@ -6952,7 +8040,7 @@
 </p:sld>
 </file>
 
-<file path=ppt/slides/slide24.xml><?xml version="1.0" encoding="utf-8"?>
+<file path=ppt/slides/slide25.xml><?xml version="1.0" encoding="utf-8"?>
 <p:sld xmlns:a="http://schemas.openxmlformats.org/drawingml/2006/main" xmlns:r="http://schemas.openxmlformats.org/officeDocument/2006/relationships" xmlns:p="http://schemas.openxmlformats.org/presentationml/2006/main">
   <p:cSld>
     <p:spTree>
@@ -7048,6 +8136,35 @@
           </a:p>
         </p:txBody>
       </p:sp>
+      <p:sp>
+        <p:nvSpPr>
+          <p:cNvPr id="4" name="Slide Number Placeholder 3">
+            <a:extLst>
+              <a:ext uri="{FF2B5EF4-FFF2-40B4-BE49-F238E27FC236}">
+                <a16:creationId xmlns:a16="http://schemas.microsoft.com/office/drawing/2014/main" id="{B0C56DA5-F905-9E34-90E1-D6FB40419AF6}"/>
+              </a:ext>
+            </a:extLst>
+          </p:cNvPr>
+          <p:cNvSpPr>
+            <a:spLocks noGrp="1"/>
+          </p:cNvSpPr>
+          <p:nvPr>
+            <p:ph type="sldNum" sz="quarter" idx="12"/>
+          </p:nvPr>
+        </p:nvSpPr>
+        <p:spPr/>
+        <p:txBody>
+          <a:bodyPr/>
+          <a:lstStyle/>
+          <a:p>
+            <a:fld id="{6F6DEA05-8770-4987-B5A1-0C7FA388430F}" type="slidenum">
+              <a:rPr lang="en-GB" smtClean="0"/>
+              <a:t>25</a:t>
+            </a:fld>
+            <a:endParaRPr lang="en-GB"/>
+          </a:p>
+        </p:txBody>
+      </p:sp>
     </p:spTree>
     <p:extLst>
       <p:ext uri="{BB962C8B-B14F-4D97-AF65-F5344CB8AC3E}">
@@ -7061,7 +8178,7 @@
 </p:sld>
 </file>
 
-<file path=ppt/slides/slide25.xml><?xml version="1.0" encoding="utf-8"?>
+<file path=ppt/slides/slide26.xml><?xml version="1.0" encoding="utf-8"?>
 <p:sld xmlns:a="http://schemas.openxmlformats.org/drawingml/2006/main" xmlns:r="http://schemas.openxmlformats.org/officeDocument/2006/relationships" xmlns:p="http://schemas.openxmlformats.org/presentationml/2006/main">
   <p:cSld>
     <p:spTree>
@@ -7404,6 +8521,35 @@
           </a:graphicData>
         </a:graphic>
       </p:graphicFrame>
+      <p:sp>
+        <p:nvSpPr>
+          <p:cNvPr id="3" name="Slide Number Placeholder 2">
+            <a:extLst>
+              <a:ext uri="{FF2B5EF4-FFF2-40B4-BE49-F238E27FC236}">
+                <a16:creationId xmlns:a16="http://schemas.microsoft.com/office/drawing/2014/main" id="{4B2AF435-EB3C-BAE7-33EE-E517E3F51EEB}"/>
+              </a:ext>
+            </a:extLst>
+          </p:cNvPr>
+          <p:cNvSpPr>
+            <a:spLocks noGrp="1"/>
+          </p:cNvSpPr>
+          <p:nvPr>
+            <p:ph type="sldNum" sz="quarter" idx="12"/>
+          </p:nvPr>
+        </p:nvSpPr>
+        <p:spPr/>
+        <p:txBody>
+          <a:bodyPr/>
+          <a:lstStyle/>
+          <a:p>
+            <a:fld id="{6F6DEA05-8770-4987-B5A1-0C7FA388430F}" type="slidenum">
+              <a:rPr lang="en-GB" smtClean="0"/>
+              <a:t>26</a:t>
+            </a:fld>
+            <a:endParaRPr lang="en-GB"/>
+          </a:p>
+        </p:txBody>
+      </p:sp>
     </p:spTree>
     <p:extLst>
       <p:ext uri="{BB962C8B-B14F-4D97-AF65-F5344CB8AC3E}">
@@ -7417,7 +8563,7 @@
 </p:sld>
 </file>
 
-<file path=ppt/slides/slide26.xml><?xml version="1.0" encoding="utf-8"?>
+<file path=ppt/slides/slide27.xml><?xml version="1.0" encoding="utf-8"?>
 <p:sld xmlns:a="http://schemas.openxmlformats.org/drawingml/2006/main" xmlns:r="http://schemas.openxmlformats.org/officeDocument/2006/relationships" xmlns:p="http://schemas.openxmlformats.org/presentationml/2006/main">
   <p:cSld>
     <p:spTree>
@@ -7562,6 +8708,35 @@
               <a:buNone/>
             </a:pPr>
             <a:endParaRPr lang="en-GB" dirty="0"/>
+          </a:p>
+        </p:txBody>
+      </p:sp>
+      <p:sp>
+        <p:nvSpPr>
+          <p:cNvPr id="4" name="Slide Number Placeholder 3">
+            <a:extLst>
+              <a:ext uri="{FF2B5EF4-FFF2-40B4-BE49-F238E27FC236}">
+                <a16:creationId xmlns:a16="http://schemas.microsoft.com/office/drawing/2014/main" id="{8045C7CE-0C3C-436B-28B5-248C7D563BF3}"/>
+              </a:ext>
+            </a:extLst>
+          </p:cNvPr>
+          <p:cNvSpPr>
+            <a:spLocks noGrp="1"/>
+          </p:cNvSpPr>
+          <p:nvPr>
+            <p:ph type="sldNum" sz="quarter" idx="12"/>
+          </p:nvPr>
+        </p:nvSpPr>
+        <p:spPr/>
+        <p:txBody>
+          <a:bodyPr/>
+          <a:lstStyle/>
+          <a:p>
+            <a:fld id="{6F6DEA05-8770-4987-B5A1-0C7FA388430F}" type="slidenum">
+              <a:rPr lang="en-GB" smtClean="0"/>
+              <a:t>27</a:t>
+            </a:fld>
+            <a:endParaRPr lang="en-GB"/>
           </a:p>
         </p:txBody>
       </p:sp>
@@ -7600,7 +8775,7 @@
           <p:cNvPr id="2" name="Title 1">
             <a:extLst>
               <a:ext uri="{FF2B5EF4-FFF2-40B4-BE49-F238E27FC236}">
-                <a16:creationId xmlns:a16="http://schemas.microsoft.com/office/drawing/2014/main" id="{03F0B424-9B21-DFE3-8490-57CC5C74BF60}"/>
+                <a16:creationId xmlns:a16="http://schemas.microsoft.com/office/drawing/2014/main" id="{D7062DA8-B694-03D5-D841-E9A1866D1899}"/>
               </a:ext>
             </a:extLst>
           </p:cNvPr>
@@ -7618,106 +8793,472 @@
           <a:p>
             <a:r>
               <a:rPr lang="en-GB" b="1" dirty="0"/>
-              <a:t>Get to know the idea</a:t>
-            </a:r>
-          </a:p>
-        </p:txBody>
-      </p:sp>
-      <p:sp>
-        <p:nvSpPr>
-          <p:cNvPr id="3" name="Content Placeholder 2">
-            <a:extLst>
-              <a:ext uri="{FF2B5EF4-FFF2-40B4-BE49-F238E27FC236}">
-                <a16:creationId xmlns:a16="http://schemas.microsoft.com/office/drawing/2014/main" id="{81646FDB-86FF-E6EB-2531-1B3CA92396EB}"/>
-              </a:ext>
-            </a:extLst>
-          </p:cNvPr>
-          <p:cNvSpPr>
-            <a:spLocks noGrp="1"/>
-          </p:cNvSpPr>
-          <p:nvPr>
-            <p:ph idx="1"/>
-          </p:nvPr>
-        </p:nvSpPr>
-        <p:spPr/>
-        <p:txBody>
-          <a:bodyPr/>
-          <a:lstStyle/>
-          <a:p>
-            <a:pPr algn="l" rtl="0" fontAlgn="base">
+              <a:t>Get to know the team</a:t>
+            </a:r>
+          </a:p>
+        </p:txBody>
+      </p:sp>
+      <p:pic>
+        <p:nvPicPr>
+          <p:cNvPr id="5" name="Picture 4" descr="A person with a beard and mustache&#10;&#10;Description automatically generated">
+            <a:extLst>
+              <a:ext uri="{FF2B5EF4-FFF2-40B4-BE49-F238E27FC236}">
+                <a16:creationId xmlns:a16="http://schemas.microsoft.com/office/drawing/2014/main" id="{DB1A7E8C-944B-BA07-1338-74C4FD8AA3EA}"/>
+              </a:ext>
+            </a:extLst>
+          </p:cNvPr>
+          <p:cNvPicPr>
+            <a:picLocks noChangeAspect="1"/>
+          </p:cNvPicPr>
+          <p:nvPr/>
+        </p:nvPicPr>
+        <p:blipFill>
+          <a:blip r:embed="rId2">
+            <a:extLst>
+              <a:ext uri="{28A0092B-C50C-407E-A947-70E740481C1C}">
+                <a14:useLocalDpi xmlns:a14="http://schemas.microsoft.com/office/drawing/2010/main" val="0"/>
+              </a:ext>
+            </a:extLst>
+          </a:blip>
+          <a:stretch>
+            <a:fillRect/>
+          </a:stretch>
+        </p:blipFill>
+        <p:spPr>
+          <a:xfrm>
+            <a:off x="1080579" y="1994040"/>
+            <a:ext cx="1901304" cy="1954862"/>
+          </a:xfrm>
+          <a:prstGeom prst="rect">
+            <a:avLst/>
+          </a:prstGeom>
+        </p:spPr>
+      </p:pic>
+      <p:pic>
+        <p:nvPicPr>
+          <p:cNvPr id="7" name="Picture 6" descr="A person smiling for the camera&#10;&#10;Description automatically generated">
+            <a:extLst>
+              <a:ext uri="{FF2B5EF4-FFF2-40B4-BE49-F238E27FC236}">
+                <a16:creationId xmlns:a16="http://schemas.microsoft.com/office/drawing/2014/main" id="{76924C45-3D02-3B08-70D4-932D23096F9F}"/>
+              </a:ext>
+            </a:extLst>
+          </p:cNvPr>
+          <p:cNvPicPr>
+            <a:picLocks noChangeAspect="1"/>
+          </p:cNvPicPr>
+          <p:nvPr/>
+        </p:nvPicPr>
+        <p:blipFill>
+          <a:blip r:embed="rId3">
+            <a:extLst>
+              <a:ext uri="{28A0092B-C50C-407E-A947-70E740481C1C}">
+                <a14:useLocalDpi xmlns:a14="http://schemas.microsoft.com/office/drawing/2010/main" val="0"/>
+              </a:ext>
+            </a:extLst>
+          </a:blip>
+          <a:stretch>
+            <a:fillRect/>
+          </a:stretch>
+        </p:blipFill>
+        <p:spPr>
+          <a:xfrm>
+            <a:off x="8918772" y="1992304"/>
+            <a:ext cx="1956598" cy="1956598"/>
+          </a:xfrm>
+          <a:prstGeom prst="rect">
+            <a:avLst/>
+          </a:prstGeom>
+        </p:spPr>
+      </p:pic>
+      <p:pic>
+        <p:nvPicPr>
+          <p:cNvPr id="9" name="Picture 8" descr="A person wearing glasses and a black headband&#10;&#10;Description automatically generated">
+            <a:extLst>
+              <a:ext uri="{FF2B5EF4-FFF2-40B4-BE49-F238E27FC236}">
+                <a16:creationId xmlns:a16="http://schemas.microsoft.com/office/drawing/2014/main" id="{B364B7D4-0998-0031-7BB7-1D0A844669EA}"/>
+              </a:ext>
+            </a:extLst>
+          </p:cNvPr>
+          <p:cNvPicPr>
+            <a:picLocks noChangeAspect="1"/>
+          </p:cNvPicPr>
+          <p:nvPr/>
+        </p:nvPicPr>
+        <p:blipFill>
+          <a:blip r:embed="rId4">
+            <a:extLst>
+              <a:ext uri="{28A0092B-C50C-407E-A947-70E740481C1C}">
+                <a14:useLocalDpi xmlns:a14="http://schemas.microsoft.com/office/drawing/2010/main" val="0"/>
+              </a:ext>
+            </a:extLst>
+          </a:blip>
+          <a:stretch>
+            <a:fillRect/>
+          </a:stretch>
+        </p:blipFill>
+        <p:spPr>
+          <a:xfrm>
+            <a:off x="3713103" y="1992304"/>
+            <a:ext cx="1956598" cy="1916117"/>
+          </a:xfrm>
+          <a:prstGeom prst="rect">
+            <a:avLst/>
+          </a:prstGeom>
+        </p:spPr>
+      </p:pic>
+      <p:pic>
+        <p:nvPicPr>
+          <p:cNvPr id="11" name="Picture 10" descr="A person with glasses and a black shirt&#10;&#10;Description automatically generated">
+            <a:extLst>
+              <a:ext uri="{FF2B5EF4-FFF2-40B4-BE49-F238E27FC236}">
+                <a16:creationId xmlns:a16="http://schemas.microsoft.com/office/drawing/2014/main" id="{9660FA4D-ACAD-B223-377B-7F8A859A41A1}"/>
+              </a:ext>
+            </a:extLst>
+          </p:cNvPr>
+          <p:cNvPicPr>
+            <a:picLocks noChangeAspect="1"/>
+          </p:cNvPicPr>
+          <p:nvPr/>
+        </p:nvPicPr>
+        <p:blipFill>
+          <a:blip r:embed="rId5">
+            <a:extLst>
+              <a:ext uri="{28A0092B-C50C-407E-A947-70E740481C1C}">
+                <a14:useLocalDpi xmlns:a14="http://schemas.microsoft.com/office/drawing/2010/main" val="0"/>
+              </a:ext>
+            </a:extLst>
+          </a:blip>
+          <a:stretch>
+            <a:fillRect/>
+          </a:stretch>
+        </p:blipFill>
+        <p:spPr>
+          <a:xfrm>
+            <a:off x="6336595" y="1992304"/>
+            <a:ext cx="1919933" cy="1946786"/>
+          </a:xfrm>
+          <a:prstGeom prst="rect">
+            <a:avLst/>
+          </a:prstGeom>
+        </p:spPr>
+      </p:pic>
+      <p:sp>
+        <p:nvSpPr>
+          <p:cNvPr id="12" name="TextBox 11">
+            <a:extLst>
+              <a:ext uri="{FF2B5EF4-FFF2-40B4-BE49-F238E27FC236}">
+                <a16:creationId xmlns:a16="http://schemas.microsoft.com/office/drawing/2014/main" id="{2AC049B3-F311-5138-F8E1-60963BEA79E0}"/>
+              </a:ext>
+            </a:extLst>
+          </p:cNvPr>
+          <p:cNvSpPr txBox="1"/>
+          <p:nvPr/>
+        </p:nvSpPr>
+        <p:spPr>
+          <a:xfrm>
+            <a:off x="770602" y="3942129"/>
+            <a:ext cx="2521258" cy="2246769"/>
+          </a:xfrm>
+          <a:prstGeom prst="rect">
+            <a:avLst/>
+          </a:prstGeom>
+          <a:noFill/>
+        </p:spPr>
+        <p:txBody>
+          <a:bodyPr wrap="square" rtlCol="0">
+            <a:spAutoFit/>
+          </a:bodyPr>
+          <a:lstStyle/>
+          <a:p>
+            <a:pPr algn="ctr"/>
+            <a:r>
+              <a:rPr lang="en-GB" sz="2000" dirty="0"/>
+              <a:t>Cian Ashby</a:t>
+            </a:r>
+          </a:p>
+          <a:p>
+            <a:pPr algn="ctr"/>
+            <a:endParaRPr lang="en-GB" sz="2000" dirty="0"/>
+          </a:p>
+          <a:p>
+            <a:r>
+              <a:rPr lang="en-GB" sz="2000" dirty="0"/>
+              <a:t>Roles</a:t>
+            </a:r>
+          </a:p>
+          <a:p>
+            <a:pPr marL="285750" indent="-285750">
               <a:buFont typeface="Arial" panose="020B0604020202020204" pitchFamily="34" charset="0"/>
               <a:buChar char="•"/>
             </a:pPr>
             <a:r>
-              <a:rPr lang="en-US" sz="2400" b="0" i="0" u="none" strike="noStrike" dirty="0">
-                <a:effectLst/>
-              </a:rPr>
-              <a:t>We wish to improve the current landscape of medication boxes, by adding an IoT system on top of existing implementations.</a:t>
-            </a:r>
-            <a:r>
-              <a:rPr lang="en-US" sz="2400" b="0" i="0" dirty="0">
-                <a:effectLst/>
-              </a:rPr>
-              <a:t>​</a:t>
-            </a:r>
-          </a:p>
-          <a:p>
-            <a:pPr algn="l" rtl="0" fontAlgn="base">
+              <a:rPr lang="en-GB" sz="2000" dirty="0"/>
+              <a:t>Team Lead</a:t>
+            </a:r>
+          </a:p>
+          <a:p>
+            <a:pPr marL="285750" indent="-285750">
               <a:buFont typeface="Arial" panose="020B0604020202020204" pitchFamily="34" charset="0"/>
               <a:buChar char="•"/>
             </a:pPr>
             <a:r>
-              <a:rPr lang="en-US" sz="2400" b="0" i="0" u="none" strike="noStrike" dirty="0">
-                <a:effectLst/>
-              </a:rPr>
-              <a:t>This will allow users to effectively keep track of what medication they should or shouldn’t take.</a:t>
-            </a:r>
-            <a:r>
-              <a:rPr lang="en-US" sz="2400" b="0" i="0" dirty="0">
-                <a:effectLst/>
-              </a:rPr>
-              <a:t>​</a:t>
-            </a:r>
-          </a:p>
-          <a:p>
-            <a:pPr algn="l" rtl="0" fontAlgn="base">
+              <a:rPr lang="en-GB" sz="2000" dirty="0"/>
+              <a:t>Front End Developer</a:t>
+            </a:r>
+          </a:p>
+          <a:p>
+            <a:pPr marL="285750" indent="-285750">
               <a:buFont typeface="Arial" panose="020B0604020202020204" pitchFamily="34" charset="0"/>
               <a:buChar char="•"/>
             </a:pPr>
             <a:r>
-              <a:rPr lang="en-US" sz="2400" b="0" i="0" u="none" strike="noStrike" dirty="0">
-                <a:effectLst/>
-              </a:rPr>
-              <a:t>This information will be conveyed through hardware and notifications.</a:t>
-            </a:r>
-          </a:p>
-          <a:p>
-            <a:pPr algn="l" rtl="0" fontAlgn="base">
+              <a:rPr lang="en-GB" sz="2000" dirty="0"/>
+              <a:t>User Tester</a:t>
+            </a:r>
+          </a:p>
+        </p:txBody>
+      </p:sp>
+      <p:sp>
+        <p:nvSpPr>
+          <p:cNvPr id="13" name="TextBox 12">
+            <a:extLst>
+              <a:ext uri="{FF2B5EF4-FFF2-40B4-BE49-F238E27FC236}">
+                <a16:creationId xmlns:a16="http://schemas.microsoft.com/office/drawing/2014/main" id="{709003D8-77EF-4180-890B-D090FC8931C9}"/>
+              </a:ext>
+            </a:extLst>
+          </p:cNvPr>
+          <p:cNvSpPr txBox="1"/>
+          <p:nvPr/>
+        </p:nvSpPr>
+        <p:spPr>
+          <a:xfrm>
+            <a:off x="3417091" y="3942129"/>
+            <a:ext cx="2521258" cy="1938992"/>
+          </a:xfrm>
+          <a:prstGeom prst="rect">
+            <a:avLst/>
+          </a:prstGeom>
+          <a:noFill/>
+        </p:spPr>
+        <p:txBody>
+          <a:bodyPr wrap="square" rtlCol="0">
+            <a:spAutoFit/>
+          </a:bodyPr>
+          <a:lstStyle/>
+          <a:p>
+            <a:pPr algn="ctr"/>
+            <a:r>
+              <a:rPr lang="en-GB" sz="2000" dirty="0"/>
+              <a:t>Jason Njoku</a:t>
+            </a:r>
+          </a:p>
+          <a:p>
+            <a:pPr algn="ctr"/>
+            <a:endParaRPr lang="en-GB" sz="2000" dirty="0"/>
+          </a:p>
+          <a:p>
+            <a:r>
+              <a:rPr lang="en-GB" sz="2000" dirty="0"/>
+              <a:t>Roles</a:t>
+            </a:r>
+          </a:p>
+          <a:p>
+            <a:pPr marL="285750" indent="-285750">
               <a:buFont typeface="Arial" panose="020B0604020202020204" pitchFamily="34" charset="0"/>
               <a:buChar char="•"/>
             </a:pPr>
             <a:r>
-              <a:rPr lang="en-US" sz="2400" b="0" i="0" dirty="0">
-                <a:effectLst/>
-              </a:rPr>
-              <a:t>Users who are forgetful or stressed may benefit from our </a:t>
-            </a:r>
-            <a:r>
-              <a:rPr lang="en-GB" sz="2400" b="0" i="0" dirty="0">
-                <a:effectLst/>
-              </a:rPr>
-              <a:t>idea, as the resulting product should provide timely, easy-to-digest notifications. This will help lighten the burden of managing medication off the user’s mind.</a:t>
-            </a:r>
-          </a:p>
-          <a:p>
-            <a:endParaRPr lang="en-GB" dirty="0"/>
+              <a:rPr lang="en-GB" sz="2000" dirty="0"/>
+              <a:t>Front End Developer</a:t>
+            </a:r>
+          </a:p>
+          <a:p>
+            <a:pPr marL="285750" indent="-285750">
+              <a:buFont typeface="Arial" panose="020B0604020202020204" pitchFamily="34" charset="0"/>
+              <a:buChar char="•"/>
+            </a:pPr>
+            <a:r>
+              <a:rPr lang="en-GB" sz="2000" dirty="0"/>
+              <a:t>Front End Tester</a:t>
+            </a:r>
+          </a:p>
+        </p:txBody>
+      </p:sp>
+      <p:sp>
+        <p:nvSpPr>
+          <p:cNvPr id="14" name="TextBox 13">
+            <a:extLst>
+              <a:ext uri="{FF2B5EF4-FFF2-40B4-BE49-F238E27FC236}">
+                <a16:creationId xmlns:a16="http://schemas.microsoft.com/office/drawing/2014/main" id="{4E779812-96E2-07A3-C5EF-A8BA2BA48AE9}"/>
+              </a:ext>
+            </a:extLst>
+          </p:cNvPr>
+          <p:cNvSpPr txBox="1"/>
+          <p:nvPr/>
+        </p:nvSpPr>
+        <p:spPr>
+          <a:xfrm>
+            <a:off x="6035933" y="3942129"/>
+            <a:ext cx="2521258" cy="1938992"/>
+          </a:xfrm>
+          <a:prstGeom prst="rect">
+            <a:avLst/>
+          </a:prstGeom>
+          <a:noFill/>
+        </p:spPr>
+        <p:txBody>
+          <a:bodyPr wrap="square" rtlCol="0">
+            <a:spAutoFit/>
+          </a:bodyPr>
+          <a:lstStyle/>
+          <a:p>
+            <a:pPr algn="ctr"/>
+            <a:r>
+              <a:rPr lang="en-GB" sz="2000" dirty="0"/>
+              <a:t>Méabh Gibney</a:t>
+            </a:r>
+          </a:p>
+          <a:p>
+            <a:pPr algn="ctr"/>
+            <a:endParaRPr lang="en-GB" sz="2000" dirty="0"/>
+          </a:p>
+          <a:p>
+            <a:r>
+              <a:rPr lang="en-GB" sz="2000" dirty="0"/>
+              <a:t>Roles</a:t>
+            </a:r>
+          </a:p>
+          <a:p>
+            <a:pPr marL="285750" indent="-285750">
+              <a:buFont typeface="Arial" panose="020B0604020202020204" pitchFamily="34" charset="0"/>
+              <a:buChar char="•"/>
+            </a:pPr>
+            <a:r>
+              <a:rPr lang="en-GB" sz="2000" dirty="0"/>
+              <a:t>Back End Developer</a:t>
+            </a:r>
+          </a:p>
+          <a:p>
+            <a:pPr marL="285750" indent="-285750">
+              <a:buFont typeface="Arial" panose="020B0604020202020204" pitchFamily="34" charset="0"/>
+              <a:buChar char="•"/>
+            </a:pPr>
+            <a:r>
+              <a:rPr lang="en-GB" sz="2000" dirty="0"/>
+              <a:t>Database Developer</a:t>
+            </a:r>
+          </a:p>
+        </p:txBody>
+      </p:sp>
+      <p:sp>
+        <p:nvSpPr>
+          <p:cNvPr id="15" name="TextBox 14">
+            <a:extLst>
+              <a:ext uri="{FF2B5EF4-FFF2-40B4-BE49-F238E27FC236}">
+                <a16:creationId xmlns:a16="http://schemas.microsoft.com/office/drawing/2014/main" id="{982D3A91-AEED-2E04-11C3-D1293B667EAD}"/>
+              </a:ext>
+            </a:extLst>
+          </p:cNvPr>
+          <p:cNvSpPr txBox="1"/>
+          <p:nvPr/>
+        </p:nvSpPr>
+        <p:spPr>
+          <a:xfrm>
+            <a:off x="8636442" y="3942129"/>
+            <a:ext cx="2521258" cy="1938992"/>
+          </a:xfrm>
+          <a:prstGeom prst="rect">
+            <a:avLst/>
+          </a:prstGeom>
+          <a:noFill/>
+        </p:spPr>
+        <p:txBody>
+          <a:bodyPr wrap="square" rtlCol="0">
+            <a:spAutoFit/>
+          </a:bodyPr>
+          <a:lstStyle/>
+          <a:p>
+            <a:pPr algn="ctr"/>
+            <a:r>
+              <a:rPr lang="en-GB" sz="2000" dirty="0"/>
+              <a:t>Jordan Conway</a:t>
+            </a:r>
+          </a:p>
+          <a:p>
+            <a:pPr algn="ctr"/>
+            <a:endParaRPr lang="en-GB" sz="2000" dirty="0"/>
+          </a:p>
+          <a:p>
+            <a:r>
+              <a:rPr lang="en-GB" sz="2000" dirty="0"/>
+              <a:t>Roles</a:t>
+            </a:r>
+          </a:p>
+          <a:p>
+            <a:pPr marL="285750" indent="-285750">
+              <a:buFont typeface="Arial" panose="020B0604020202020204" pitchFamily="34" charset="0"/>
+              <a:buChar char="•"/>
+            </a:pPr>
+            <a:r>
+              <a:rPr lang="en-GB" sz="2000" dirty="0"/>
+              <a:t>Back End Developer</a:t>
+            </a:r>
+          </a:p>
+          <a:p>
+            <a:pPr marL="285750" indent="-285750">
+              <a:buFont typeface="Arial" panose="020B0604020202020204" pitchFamily="34" charset="0"/>
+              <a:buChar char="•"/>
+            </a:pPr>
+            <a:r>
+              <a:rPr lang="en-GB" sz="2000" dirty="0"/>
+              <a:t>Hardware Engineer</a:t>
+            </a:r>
+          </a:p>
+          <a:p>
+            <a:pPr marL="285750" indent="-285750">
+              <a:buFont typeface="Arial" panose="020B0604020202020204" pitchFamily="34" charset="0"/>
+              <a:buChar char="•"/>
+            </a:pPr>
+            <a:r>
+              <a:rPr lang="en-GB" sz="2000" dirty="0"/>
+              <a:t>System Tester</a:t>
+            </a:r>
+          </a:p>
+        </p:txBody>
+      </p:sp>
+      <p:sp>
+        <p:nvSpPr>
+          <p:cNvPr id="3" name="Slide Number Placeholder 2">
+            <a:extLst>
+              <a:ext uri="{FF2B5EF4-FFF2-40B4-BE49-F238E27FC236}">
+                <a16:creationId xmlns:a16="http://schemas.microsoft.com/office/drawing/2014/main" id="{D25C674A-377B-7EA6-0983-6872D71EBBE7}"/>
+              </a:ext>
+            </a:extLst>
+          </p:cNvPr>
+          <p:cNvSpPr>
+            <a:spLocks noGrp="1"/>
+          </p:cNvSpPr>
+          <p:nvPr>
+            <p:ph type="sldNum" sz="quarter" idx="12"/>
+          </p:nvPr>
+        </p:nvSpPr>
+        <p:spPr/>
+        <p:txBody>
+          <a:bodyPr/>
+          <a:lstStyle/>
+          <a:p>
+            <a:fld id="{6F6DEA05-8770-4987-B5A1-0C7FA388430F}" type="slidenum">
+              <a:rPr lang="en-GB" smtClean="0"/>
+              <a:t>3</a:t>
+            </a:fld>
+            <a:endParaRPr lang="en-GB"/>
           </a:p>
         </p:txBody>
       </p:sp>
     </p:spTree>
     <p:extLst>
       <p:ext uri="{BB962C8B-B14F-4D97-AF65-F5344CB8AC3E}">
-        <p14:creationId xmlns:p14="http://schemas.microsoft.com/office/powerpoint/2010/main" val="3820747278"/>
+        <p14:creationId xmlns:p14="http://schemas.microsoft.com/office/powerpoint/2010/main" val="1741918805"/>
       </p:ext>
     </p:extLst>
   </p:cSld>
@@ -7749,7 +9290,7 @@
           <p:cNvPr id="2" name="Title 1">
             <a:extLst>
               <a:ext uri="{FF2B5EF4-FFF2-40B4-BE49-F238E27FC236}">
-                <a16:creationId xmlns:a16="http://schemas.microsoft.com/office/drawing/2014/main" id="{7B3E6BC2-9E0E-BC5D-021E-649962747CC8}"/>
+                <a16:creationId xmlns:a16="http://schemas.microsoft.com/office/drawing/2014/main" id="{03F0B424-9B21-DFE3-8490-57CC5C74BF60}"/>
               </a:ext>
             </a:extLst>
           </p:cNvPr>
@@ -7766,315 +9307,136 @@
           <a:lstStyle/>
           <a:p>
             <a:r>
-              <a:rPr lang="en-US" b="1" dirty="0"/>
-              <a:t>Functionality M &amp; S</a:t>
-            </a:r>
-            <a:endParaRPr lang="en-IE" b="1" dirty="0"/>
-          </a:p>
-        </p:txBody>
-      </p:sp>
-      <p:sp>
-        <p:nvSpPr>
-          <p:cNvPr id="4" name="Rectangle 3">
-            <a:extLst>
-              <a:ext uri="{FF2B5EF4-FFF2-40B4-BE49-F238E27FC236}">
-                <a16:creationId xmlns:a16="http://schemas.microsoft.com/office/drawing/2014/main" id="{9D31D2C7-7E61-81BB-C503-1A1C9CE9E9DC}"/>
-              </a:ext>
-            </a:extLst>
-          </p:cNvPr>
-          <p:cNvSpPr/>
-          <p:nvPr/>
-        </p:nvSpPr>
-        <p:spPr>
-          <a:xfrm>
-            <a:off x="838200" y="1576872"/>
-            <a:ext cx="5257800" cy="3909527"/>
-          </a:xfrm>
-          <a:prstGeom prst="rect">
-            <a:avLst/>
-          </a:prstGeom>
-        </p:spPr>
-        <p:style>
-          <a:lnRef idx="2">
-            <a:schemeClr val="accent6"/>
-          </a:lnRef>
-          <a:fillRef idx="1">
-            <a:schemeClr val="lt1"/>
-          </a:fillRef>
-          <a:effectRef idx="0">
-            <a:schemeClr val="accent6"/>
-          </a:effectRef>
-          <a:fontRef idx="minor">
-            <a:schemeClr val="dk1"/>
-          </a:fontRef>
-        </p:style>
-        <p:txBody>
-          <a:bodyPr rtlCol="0" anchor="ctr"/>
-          <a:lstStyle/>
-          <a:p>
-            <a:pPr algn="ctr"/>
-            <a:endParaRPr lang="en-IE"/>
-          </a:p>
-        </p:txBody>
-      </p:sp>
-      <p:sp>
-        <p:nvSpPr>
-          <p:cNvPr id="8" name="TextBox 7">
-            <a:extLst>
-              <a:ext uri="{FF2B5EF4-FFF2-40B4-BE49-F238E27FC236}">
-                <a16:creationId xmlns:a16="http://schemas.microsoft.com/office/drawing/2014/main" id="{B5C2A98B-BF77-555E-3208-32A1110E245E}"/>
-              </a:ext>
-            </a:extLst>
-          </p:cNvPr>
-          <p:cNvSpPr txBox="1"/>
-          <p:nvPr/>
-        </p:nvSpPr>
-        <p:spPr>
-          <a:xfrm>
-            <a:off x="837857" y="1497855"/>
-            <a:ext cx="5257799" cy="461665"/>
-          </a:xfrm>
-          <a:prstGeom prst="rect">
-            <a:avLst/>
-          </a:prstGeom>
-          <a:noFill/>
-        </p:spPr>
-        <p:txBody>
-          <a:bodyPr wrap="square" rtlCol="0">
-            <a:spAutoFit/>
-          </a:bodyPr>
-          <a:lstStyle/>
-          <a:p>
-            <a:r>
-              <a:rPr lang="en-US" sz="2400" b="1" dirty="0"/>
-              <a:t>Must Have</a:t>
-            </a:r>
-            <a:endParaRPr lang="en-IE" sz="2400" b="1" dirty="0"/>
-          </a:p>
-        </p:txBody>
-      </p:sp>
-      <p:sp>
-        <p:nvSpPr>
-          <p:cNvPr id="18" name="Rectangle 17">
-            <a:extLst>
-              <a:ext uri="{FF2B5EF4-FFF2-40B4-BE49-F238E27FC236}">
-                <a16:creationId xmlns:a16="http://schemas.microsoft.com/office/drawing/2014/main" id="{1FDC31E3-5D1D-37F1-2213-B817F92A5490}"/>
-              </a:ext>
-            </a:extLst>
-          </p:cNvPr>
-          <p:cNvSpPr/>
-          <p:nvPr/>
-        </p:nvSpPr>
-        <p:spPr>
-          <a:xfrm>
-            <a:off x="6095997" y="1580536"/>
-            <a:ext cx="5257800" cy="3905863"/>
-          </a:xfrm>
-          <a:prstGeom prst="rect">
-            <a:avLst/>
-          </a:prstGeom>
-        </p:spPr>
-        <p:style>
-          <a:lnRef idx="2">
-            <a:schemeClr val="accent6"/>
-          </a:lnRef>
-          <a:fillRef idx="1">
-            <a:schemeClr val="lt1"/>
-          </a:fillRef>
-          <a:effectRef idx="0">
-            <a:schemeClr val="accent6"/>
-          </a:effectRef>
-          <a:fontRef idx="minor">
-            <a:schemeClr val="dk1"/>
-          </a:fontRef>
-        </p:style>
-        <p:txBody>
-          <a:bodyPr rtlCol="0" anchor="ctr"/>
-          <a:lstStyle/>
-          <a:p>
-            <a:pPr algn="ctr"/>
-            <a:endParaRPr lang="en-IE"/>
-          </a:p>
-        </p:txBody>
-      </p:sp>
-      <p:sp>
-        <p:nvSpPr>
-          <p:cNvPr id="21" name="TextBox 20">
-            <a:extLst>
-              <a:ext uri="{FF2B5EF4-FFF2-40B4-BE49-F238E27FC236}">
-                <a16:creationId xmlns:a16="http://schemas.microsoft.com/office/drawing/2014/main" id="{0BBEDA5E-3BEC-0011-75AF-2F204DD42210}"/>
-              </a:ext>
-            </a:extLst>
-          </p:cNvPr>
-          <p:cNvSpPr txBox="1"/>
-          <p:nvPr/>
-        </p:nvSpPr>
-        <p:spPr>
-          <a:xfrm>
-            <a:off x="6095829" y="1568232"/>
-            <a:ext cx="5257799" cy="461665"/>
-          </a:xfrm>
-          <a:prstGeom prst="rect">
-            <a:avLst/>
-          </a:prstGeom>
-          <a:noFill/>
-        </p:spPr>
-        <p:txBody>
-          <a:bodyPr wrap="square" rtlCol="0">
-            <a:spAutoFit/>
-          </a:bodyPr>
-          <a:lstStyle/>
-          <a:p>
-            <a:r>
-              <a:rPr lang="en-US" sz="2400" b="1" dirty="0"/>
-              <a:t>Should Have</a:t>
-            </a:r>
-            <a:endParaRPr lang="en-IE" sz="2400" b="1" dirty="0"/>
-          </a:p>
-        </p:txBody>
-      </p:sp>
-      <p:sp>
-        <p:nvSpPr>
-          <p:cNvPr id="22" name="TextBox 21">
-            <a:extLst>
-              <a:ext uri="{FF2B5EF4-FFF2-40B4-BE49-F238E27FC236}">
-                <a16:creationId xmlns:a16="http://schemas.microsoft.com/office/drawing/2014/main" id="{E72F4C90-37A8-CEF9-ED70-3816F2DB73F7}"/>
-              </a:ext>
-            </a:extLst>
-          </p:cNvPr>
-          <p:cNvSpPr txBox="1"/>
-          <p:nvPr/>
-        </p:nvSpPr>
-        <p:spPr>
-          <a:xfrm>
-            <a:off x="837342" y="1860791"/>
-            <a:ext cx="5257799" cy="2677656"/>
-          </a:xfrm>
-          <a:prstGeom prst="rect">
-            <a:avLst/>
-          </a:prstGeom>
-          <a:noFill/>
-        </p:spPr>
-        <p:txBody>
-          <a:bodyPr wrap="square" rtlCol="0">
-            <a:spAutoFit/>
-          </a:bodyPr>
-          <a:lstStyle/>
-          <a:p>
-            <a:pPr marL="285750" indent="-285750">
+              <a:rPr lang="en-GB" b="1" dirty="0"/>
+              <a:t>Get to know the idea</a:t>
+            </a:r>
+          </a:p>
+        </p:txBody>
+      </p:sp>
+      <p:sp>
+        <p:nvSpPr>
+          <p:cNvPr id="3" name="Content Placeholder 2">
+            <a:extLst>
+              <a:ext uri="{FF2B5EF4-FFF2-40B4-BE49-F238E27FC236}">
+                <a16:creationId xmlns:a16="http://schemas.microsoft.com/office/drawing/2014/main" id="{81646FDB-86FF-E6EB-2531-1B3CA92396EB}"/>
+              </a:ext>
+            </a:extLst>
+          </p:cNvPr>
+          <p:cNvSpPr>
+            <a:spLocks noGrp="1"/>
+          </p:cNvSpPr>
+          <p:nvPr>
+            <p:ph idx="1"/>
+          </p:nvPr>
+        </p:nvSpPr>
+        <p:spPr/>
+        <p:txBody>
+          <a:bodyPr/>
+          <a:lstStyle/>
+          <a:p>
+            <a:pPr algn="l" rtl="0" fontAlgn="base">
               <a:buFont typeface="Arial" panose="020B0604020202020204" pitchFamily="34" charset="0"/>
               <a:buChar char="•"/>
             </a:pPr>
             <a:r>
-              <a:rPr lang="en-US" sz="2400" dirty="0"/>
-              <a:t>Must be able to remind the user to take their medication.</a:t>
-            </a:r>
-          </a:p>
-          <a:p>
-            <a:pPr marL="285750" indent="-285750">
+              <a:rPr lang="en-US" sz="2400" b="0" i="0" u="none" strike="noStrike" dirty="0">
+                <a:effectLst/>
+              </a:rPr>
+              <a:t>We wish to improve the current landscape of medication boxes, by adding an IoT system on top of existing implementations.</a:t>
+            </a:r>
+            <a:r>
+              <a:rPr lang="en-US" sz="2400" b="0" i="0" dirty="0">
+                <a:effectLst/>
+              </a:rPr>
+              <a:t>​</a:t>
+            </a:r>
+          </a:p>
+          <a:p>
+            <a:pPr algn="l" rtl="0" fontAlgn="base">
               <a:buFont typeface="Arial" panose="020B0604020202020204" pitchFamily="34" charset="0"/>
               <a:buChar char="•"/>
             </a:pPr>
             <a:r>
-              <a:rPr lang="en-US" sz="2400" dirty="0"/>
-              <a:t>Must be able to notify carers.</a:t>
-            </a:r>
-          </a:p>
-          <a:p>
-            <a:pPr marL="285750" indent="-285750">
+              <a:rPr lang="en-US" sz="2400" b="0" i="0" u="none" strike="noStrike" dirty="0">
+                <a:effectLst/>
+              </a:rPr>
+              <a:t>This will allow users to effectively keep track of what medication they should or shouldn’t take.</a:t>
+            </a:r>
+            <a:r>
+              <a:rPr lang="en-US" sz="2400" b="0" i="0" dirty="0">
+                <a:effectLst/>
+              </a:rPr>
+              <a:t>​</a:t>
+            </a:r>
+          </a:p>
+          <a:p>
+            <a:pPr algn="l" rtl="0" fontAlgn="base">
               <a:buFont typeface="Arial" panose="020B0604020202020204" pitchFamily="34" charset="0"/>
               <a:buChar char="•"/>
             </a:pPr>
             <a:r>
-              <a:rPr lang="en-US" sz="2400" dirty="0"/>
-              <a:t>Must be able to track when medications is to be taken.</a:t>
-            </a:r>
-          </a:p>
-          <a:p>
-            <a:pPr marL="285750" indent="-285750">
+              <a:rPr lang="en-US" sz="2400" b="0" i="0" u="none" strike="noStrike" dirty="0">
+                <a:effectLst/>
+              </a:rPr>
+              <a:t>This information will be conveyed through hardware and notifications.</a:t>
+            </a:r>
+          </a:p>
+          <a:p>
+            <a:pPr algn="l" rtl="0" fontAlgn="base">
               <a:buFont typeface="Arial" panose="020B0604020202020204" pitchFamily="34" charset="0"/>
               <a:buChar char="•"/>
             </a:pPr>
             <a:r>
-              <a:rPr lang="en-US" sz="2400" dirty="0"/>
-              <a:t>Must be able to handle inter-dependencies between medications.</a:t>
-            </a:r>
-          </a:p>
-        </p:txBody>
-      </p:sp>
-      <p:sp>
-        <p:nvSpPr>
-          <p:cNvPr id="23" name="TextBox 22">
-            <a:extLst>
-              <a:ext uri="{FF2B5EF4-FFF2-40B4-BE49-F238E27FC236}">
-                <a16:creationId xmlns:a16="http://schemas.microsoft.com/office/drawing/2014/main" id="{2A840CAB-C141-193B-E101-5668A0072F85}"/>
-              </a:ext>
-            </a:extLst>
-          </p:cNvPr>
-          <p:cNvSpPr txBox="1"/>
-          <p:nvPr/>
-        </p:nvSpPr>
-        <p:spPr>
-          <a:xfrm>
-            <a:off x="6095828" y="1924299"/>
-            <a:ext cx="5257799" cy="3416320"/>
-          </a:xfrm>
-          <a:prstGeom prst="rect">
-            <a:avLst/>
-          </a:prstGeom>
-          <a:noFill/>
-        </p:spPr>
-        <p:txBody>
-          <a:bodyPr wrap="square" rtlCol="0">
-            <a:spAutoFit/>
-          </a:bodyPr>
-          <a:lstStyle/>
-          <a:p>
-            <a:pPr marL="285750" indent="-285750">
-              <a:buFont typeface="Arial" panose="020B0604020202020204" pitchFamily="34" charset="0"/>
-              <a:buChar char="•"/>
-            </a:pPr>
-            <a:r>
-              <a:rPr lang="en-US" sz="2400" dirty="0"/>
-              <a:t>Should be able to handle multiple medications. </a:t>
-            </a:r>
-          </a:p>
-          <a:p>
-            <a:pPr marL="285750" indent="-285750">
-              <a:buFont typeface="Arial" panose="020B0604020202020204" pitchFamily="34" charset="0"/>
-              <a:buChar char="•"/>
-            </a:pPr>
-            <a:r>
-              <a:rPr lang="en-US" sz="2400" dirty="0"/>
-              <a:t>Should be able to handle multiple boxes.</a:t>
-            </a:r>
-          </a:p>
-          <a:p>
-            <a:pPr marL="285750" indent="-285750">
-              <a:buFont typeface="Arial" panose="020B0604020202020204" pitchFamily="34" charset="0"/>
-              <a:buChar char="•"/>
-            </a:pPr>
-            <a:r>
-              <a:rPr lang="en-US" sz="2400" dirty="0"/>
-              <a:t>Should be able to handle loss of connection.</a:t>
-            </a:r>
-          </a:p>
-          <a:p>
-            <a:pPr marL="285750" indent="-285750">
-              <a:buFont typeface="Arial" panose="020B0604020202020204" pitchFamily="34" charset="0"/>
-              <a:buChar char="•"/>
-            </a:pPr>
-            <a:r>
-              <a:rPr lang="en-US" sz="2400" dirty="0"/>
-              <a:t>Should be able to warn the user if they have taken the wrong medication.</a:t>
-            </a:r>
+              <a:rPr lang="en-US" sz="2400" b="0" i="0" dirty="0">
+                <a:effectLst/>
+              </a:rPr>
+              <a:t>Users who are forgetful or stressed may benefit from our </a:t>
+            </a:r>
+            <a:r>
+              <a:rPr lang="en-GB" sz="2400" b="0" i="0" dirty="0">
+                <a:effectLst/>
+              </a:rPr>
+              <a:t>idea, as the resulting product should provide timely, easy-to-digest notifications. This will help lighten the burden of managing medication off the user’s mind.</a:t>
+            </a:r>
+          </a:p>
+          <a:p>
+            <a:endParaRPr lang="en-GB" dirty="0"/>
+          </a:p>
+        </p:txBody>
+      </p:sp>
+      <p:sp>
+        <p:nvSpPr>
+          <p:cNvPr id="4" name="Slide Number Placeholder 3">
+            <a:extLst>
+              <a:ext uri="{FF2B5EF4-FFF2-40B4-BE49-F238E27FC236}">
+                <a16:creationId xmlns:a16="http://schemas.microsoft.com/office/drawing/2014/main" id="{B93B6B6A-F13C-31F6-3A7D-86B1E95AFB35}"/>
+              </a:ext>
+            </a:extLst>
+          </p:cNvPr>
+          <p:cNvSpPr>
+            <a:spLocks noGrp="1"/>
+          </p:cNvSpPr>
+          <p:nvPr>
+            <p:ph type="sldNum" sz="quarter" idx="12"/>
+          </p:nvPr>
+        </p:nvSpPr>
+        <p:spPr/>
+        <p:txBody>
+          <a:bodyPr/>
+          <a:lstStyle/>
+          <a:p>
+            <a:fld id="{6F6DEA05-8770-4987-B5A1-0C7FA388430F}" type="slidenum">
+              <a:rPr lang="en-GB" smtClean="0"/>
+              <a:t>4</a:t>
+            </a:fld>
+            <a:endParaRPr lang="en-GB"/>
           </a:p>
         </p:txBody>
       </p:sp>
     </p:spTree>
     <p:extLst>
       <p:ext uri="{BB962C8B-B14F-4D97-AF65-F5344CB8AC3E}">
-        <p14:creationId xmlns:p14="http://schemas.microsoft.com/office/powerpoint/2010/main" val="9197245"/>
+        <p14:creationId xmlns:p14="http://schemas.microsoft.com/office/powerpoint/2010/main" val="3820747278"/>
       </p:ext>
     </p:extLst>
   </p:cSld>
@@ -8106,7 +9468,7 @@
           <p:cNvPr id="2" name="Title 1">
             <a:extLst>
               <a:ext uri="{FF2B5EF4-FFF2-40B4-BE49-F238E27FC236}">
-                <a16:creationId xmlns:a16="http://schemas.microsoft.com/office/drawing/2014/main" id="{9B80336D-9718-65C7-4A47-8CA7354C1F91}"/>
+                <a16:creationId xmlns:a16="http://schemas.microsoft.com/office/drawing/2014/main" id="{7B3E6BC2-9E0E-BC5D-021E-649962747CC8}"/>
               </a:ext>
             </a:extLst>
           </p:cNvPr>
@@ -8123,9 +9485,10 @@
           <a:lstStyle/>
           <a:p>
             <a:r>
-              <a:rPr lang="en-IE" b="1" dirty="0"/>
-              <a:t>Functionality C &amp; W</a:t>
-            </a:r>
+              <a:rPr lang="en-US" b="1" dirty="0"/>
+              <a:t>Functionality M &amp; S</a:t>
+            </a:r>
+            <a:endParaRPr lang="en-IE" b="1" dirty="0"/>
           </a:p>
         </p:txBody>
       </p:sp>
@@ -8134,7 +9497,7 @@
           <p:cNvPr id="4" name="Rectangle 3">
             <a:extLst>
               <a:ext uri="{FF2B5EF4-FFF2-40B4-BE49-F238E27FC236}">
-                <a16:creationId xmlns:a16="http://schemas.microsoft.com/office/drawing/2014/main" id="{FC46FDB1-E3E5-0809-26B0-FF17DB03F25C}"/>
+                <a16:creationId xmlns:a16="http://schemas.microsoft.com/office/drawing/2014/main" id="{9D31D2C7-7E61-81BB-C503-1A1C9CE9E9DC}"/>
               </a:ext>
             </a:extLst>
           </p:cNvPr>
@@ -8143,8 +9506,8 @@
         </p:nvSpPr>
         <p:spPr>
           <a:xfrm>
-            <a:off x="595518" y="1786396"/>
-            <a:ext cx="5257800" cy="4216114"/>
+            <a:off x="838200" y="1576872"/>
+            <a:ext cx="5257800" cy="3909527"/>
           </a:xfrm>
           <a:prstGeom prst="rect">
             <a:avLst/>
@@ -8175,10 +9538,10 @@
       </p:sp>
       <p:sp>
         <p:nvSpPr>
-          <p:cNvPr id="5" name="TextBox 4">
-            <a:extLst>
-              <a:ext uri="{FF2B5EF4-FFF2-40B4-BE49-F238E27FC236}">
-                <a16:creationId xmlns:a16="http://schemas.microsoft.com/office/drawing/2014/main" id="{9E4E4779-1305-C9C2-504D-55938B30D5AB}"/>
+          <p:cNvPr id="8" name="TextBox 7">
+            <a:extLst>
+              <a:ext uri="{FF2B5EF4-FFF2-40B4-BE49-F238E27FC236}">
+                <a16:creationId xmlns:a16="http://schemas.microsoft.com/office/drawing/2014/main" id="{B5C2A98B-BF77-555E-3208-32A1110E245E}"/>
               </a:ext>
             </a:extLst>
           </p:cNvPr>
@@ -8187,7 +9550,7 @@
         </p:nvSpPr>
         <p:spPr>
           <a:xfrm>
-            <a:off x="595435" y="1807578"/>
+            <a:off x="837857" y="1497855"/>
             <a:ext cx="5257799" cy="461665"/>
           </a:xfrm>
           <a:prstGeom prst="rect">
@@ -8203,7 +9566,7 @@
           <a:p>
             <a:r>
               <a:rPr lang="en-US" sz="2400" b="1" dirty="0"/>
-              <a:t>Could Have</a:t>
+              <a:t>Must Have</a:t>
             </a:r>
             <a:endParaRPr lang="en-IE" sz="2400" b="1" dirty="0"/>
           </a:p>
@@ -8211,10 +9574,10 @@
       </p:sp>
       <p:sp>
         <p:nvSpPr>
-          <p:cNvPr id="6" name="Rectangle 5">
-            <a:extLst>
-              <a:ext uri="{FF2B5EF4-FFF2-40B4-BE49-F238E27FC236}">
-                <a16:creationId xmlns:a16="http://schemas.microsoft.com/office/drawing/2014/main" id="{A377B0D7-575E-DA63-FF55-BEC12E8BB3BB}"/>
+          <p:cNvPr id="18" name="Rectangle 17">
+            <a:extLst>
+              <a:ext uri="{FF2B5EF4-FFF2-40B4-BE49-F238E27FC236}">
+                <a16:creationId xmlns:a16="http://schemas.microsoft.com/office/drawing/2014/main" id="{1FDC31E3-5D1D-37F1-2213-B817F92A5490}"/>
               </a:ext>
             </a:extLst>
           </p:cNvPr>
@@ -8223,8 +9586,8 @@
         </p:nvSpPr>
         <p:spPr>
           <a:xfrm>
-            <a:off x="5853401" y="1782733"/>
-            <a:ext cx="5257800" cy="4216114"/>
+            <a:off x="6095997" y="1580536"/>
+            <a:ext cx="5257800" cy="3905863"/>
           </a:xfrm>
           <a:prstGeom prst="rect">
             <a:avLst/>
@@ -8255,10 +9618,10 @@
       </p:sp>
       <p:sp>
         <p:nvSpPr>
-          <p:cNvPr id="7" name="TextBox 6">
-            <a:extLst>
-              <a:ext uri="{FF2B5EF4-FFF2-40B4-BE49-F238E27FC236}">
-                <a16:creationId xmlns:a16="http://schemas.microsoft.com/office/drawing/2014/main" id="{A0BFA557-B62D-BD76-186D-F2ED048D934D}"/>
+          <p:cNvPr id="21" name="TextBox 20">
+            <a:extLst>
+              <a:ext uri="{FF2B5EF4-FFF2-40B4-BE49-F238E27FC236}">
+                <a16:creationId xmlns:a16="http://schemas.microsoft.com/office/drawing/2014/main" id="{0BBEDA5E-3BEC-0011-75AF-2F204DD42210}"/>
               </a:ext>
             </a:extLst>
           </p:cNvPr>
@@ -8267,7 +9630,7 @@
         </p:nvSpPr>
         <p:spPr>
           <a:xfrm>
-            <a:off x="5853234" y="1795037"/>
+            <a:off x="6095829" y="1568232"/>
             <a:ext cx="5257799" cy="461665"/>
           </a:xfrm>
           <a:prstGeom prst="rect">
@@ -8283,7 +9646,7 @@
           <a:p>
             <a:r>
               <a:rPr lang="en-US" sz="2400" b="1" dirty="0"/>
-              <a:t>Would be Nice to Have</a:t>
+              <a:t>Should Have</a:t>
             </a:r>
             <a:endParaRPr lang="en-IE" sz="2400" b="1" dirty="0"/>
           </a:p>
@@ -8291,10 +9654,10 @@
       </p:sp>
       <p:sp>
         <p:nvSpPr>
-          <p:cNvPr id="8" name="TextBox 7">
-            <a:extLst>
-              <a:ext uri="{FF2B5EF4-FFF2-40B4-BE49-F238E27FC236}">
-                <a16:creationId xmlns:a16="http://schemas.microsoft.com/office/drawing/2014/main" id="{28AE94E1-FF30-FB5B-D380-675D4AE69DC9}"/>
+          <p:cNvPr id="22" name="TextBox 21">
+            <a:extLst>
+              <a:ext uri="{FF2B5EF4-FFF2-40B4-BE49-F238E27FC236}">
+                <a16:creationId xmlns:a16="http://schemas.microsoft.com/office/drawing/2014/main" id="{E72F4C90-37A8-CEF9-ED70-3816F2DB73F7}"/>
               </a:ext>
             </a:extLst>
           </p:cNvPr>
@@ -8303,8 +9666,8 @@
         </p:nvSpPr>
         <p:spPr>
           <a:xfrm>
-            <a:off x="595435" y="2237900"/>
-            <a:ext cx="5257799" cy="2308324"/>
+            <a:off x="837342" y="1860791"/>
+            <a:ext cx="5257799" cy="2677656"/>
           </a:xfrm>
           <a:prstGeom prst="rect">
             <a:avLst/>
@@ -8323,7 +9686,7 @@
             </a:pPr>
             <a:r>
               <a:rPr lang="en-US" sz="2400" dirty="0"/>
-              <a:t>Store a record of previous days.</a:t>
+              <a:t>Must be able to remind the user to take their medication.</a:t>
             </a:r>
           </a:p>
           <a:p>
@@ -8333,7 +9696,7 @@
             </a:pPr>
             <a:r>
               <a:rPr lang="en-US" sz="2400" dirty="0"/>
-              <a:t>Audio version of notifications.</a:t>
+              <a:t>Must be able to notify carers.</a:t>
             </a:r>
           </a:p>
           <a:p>
@@ -8343,7 +9706,7 @@
             </a:pPr>
             <a:r>
               <a:rPr lang="en-US" sz="2400" dirty="0"/>
-              <a:t>Locking</a:t>
+              <a:t>Must be able to track when medications is to be taken.</a:t>
             </a:r>
           </a:p>
           <a:p>
@@ -8353,17 +9716,17 @@
             </a:pPr>
             <a:r>
               <a:rPr lang="en-US" sz="2400" dirty="0"/>
-              <a:t>It should be either portable or able to handle the user travelling without the box.</a:t>
-            </a:r>
-          </a:p>
-        </p:txBody>
-      </p:sp>
-      <p:sp>
-        <p:nvSpPr>
-          <p:cNvPr id="9" name="TextBox 8">
-            <a:extLst>
-              <a:ext uri="{FF2B5EF4-FFF2-40B4-BE49-F238E27FC236}">
-                <a16:creationId xmlns:a16="http://schemas.microsoft.com/office/drawing/2014/main" id="{1E821D2E-AF3F-D15F-C9B7-0446CEF1BFA6}"/>
+              <a:t>Must be able to handle inter-dependencies between medications.</a:t>
+            </a:r>
+          </a:p>
+        </p:txBody>
+      </p:sp>
+      <p:sp>
+        <p:nvSpPr>
+          <p:cNvPr id="23" name="TextBox 22">
+            <a:extLst>
+              <a:ext uri="{FF2B5EF4-FFF2-40B4-BE49-F238E27FC236}">
+                <a16:creationId xmlns:a16="http://schemas.microsoft.com/office/drawing/2014/main" id="{2A840CAB-C141-193B-E101-5668A0072F85}"/>
               </a:ext>
             </a:extLst>
           </p:cNvPr>
@@ -8372,8 +9735,8 @@
         </p:nvSpPr>
         <p:spPr>
           <a:xfrm>
-            <a:off x="5853234" y="2223044"/>
-            <a:ext cx="5257799" cy="830997"/>
+            <a:off x="6095828" y="1924299"/>
+            <a:ext cx="5257799" cy="3416320"/>
           </a:xfrm>
           <a:prstGeom prst="rect">
             <a:avLst/>
@@ -8392,7 +9755,7 @@
             </a:pPr>
             <a:r>
               <a:rPr lang="en-US" sz="2400" dirty="0"/>
-              <a:t>Location tracking.</a:t>
+              <a:t>Should be able to handle multiple medications. </a:t>
             </a:r>
           </a:p>
           <a:p>
@@ -8402,15 +9765,64 @@
             </a:pPr>
             <a:r>
               <a:rPr lang="en-US" sz="2400" dirty="0"/>
-              <a:t>Emergency contact button.</a:t>
-            </a:r>
+              <a:t>Should be able to handle multiple boxes.</a:t>
+            </a:r>
+          </a:p>
+          <a:p>
+            <a:pPr marL="285750" indent="-285750">
+              <a:buFont typeface="Arial" panose="020B0604020202020204" pitchFamily="34" charset="0"/>
+              <a:buChar char="•"/>
+            </a:pPr>
+            <a:r>
+              <a:rPr lang="en-US" sz="2400" dirty="0"/>
+              <a:t>Should be able to handle loss of connection.</a:t>
+            </a:r>
+          </a:p>
+          <a:p>
+            <a:pPr marL="285750" indent="-285750">
+              <a:buFont typeface="Arial" panose="020B0604020202020204" pitchFamily="34" charset="0"/>
+              <a:buChar char="•"/>
+            </a:pPr>
+            <a:r>
+              <a:rPr lang="en-US" sz="2400" dirty="0"/>
+              <a:t>Should be able to warn the user if they have taken the wrong medication.</a:t>
+            </a:r>
+          </a:p>
+        </p:txBody>
+      </p:sp>
+      <p:sp>
+        <p:nvSpPr>
+          <p:cNvPr id="3" name="Slide Number Placeholder 2">
+            <a:extLst>
+              <a:ext uri="{FF2B5EF4-FFF2-40B4-BE49-F238E27FC236}">
+                <a16:creationId xmlns:a16="http://schemas.microsoft.com/office/drawing/2014/main" id="{EBA7A828-55BA-44BA-5CED-854ADA126A4E}"/>
+              </a:ext>
+            </a:extLst>
+          </p:cNvPr>
+          <p:cNvSpPr>
+            <a:spLocks noGrp="1"/>
+          </p:cNvSpPr>
+          <p:nvPr>
+            <p:ph type="sldNum" sz="quarter" idx="12"/>
+          </p:nvPr>
+        </p:nvSpPr>
+        <p:spPr/>
+        <p:txBody>
+          <a:bodyPr/>
+          <a:lstStyle/>
+          <a:p>
+            <a:fld id="{6F6DEA05-8770-4987-B5A1-0C7FA388430F}" type="slidenum">
+              <a:rPr lang="en-GB" smtClean="0"/>
+              <a:t>5</a:t>
+            </a:fld>
+            <a:endParaRPr lang="en-GB"/>
           </a:p>
         </p:txBody>
       </p:sp>
     </p:spTree>
     <p:extLst>
       <p:ext uri="{BB962C8B-B14F-4D97-AF65-F5344CB8AC3E}">
-        <p14:creationId xmlns:p14="http://schemas.microsoft.com/office/powerpoint/2010/main" val="2734639617"/>
+        <p14:creationId xmlns:p14="http://schemas.microsoft.com/office/powerpoint/2010/main" val="9197245"/>
       </p:ext>
     </p:extLst>
   </p:cSld>
@@ -8437,196 +9849,345 @@
           <a:chExt cx="0" cy="0"/>
         </a:xfrm>
       </p:grpSpPr>
-      <p:pic>
-        <p:nvPicPr>
-          <p:cNvPr id="7" name="Picture 6" descr="A person with his arms crossed&#10;&#10;Description automatically generated">
-            <a:extLst>
-              <a:ext uri="{FF2B5EF4-FFF2-40B4-BE49-F238E27FC236}">
-                <a16:creationId xmlns:a16="http://schemas.microsoft.com/office/drawing/2014/main" id="{FCE77B6E-B4F9-5E5C-2DB1-9991A09ED206}"/>
-              </a:ext>
-            </a:extLst>
-          </p:cNvPr>
-          <p:cNvPicPr>
-            <a:picLocks noChangeAspect="1"/>
-          </p:cNvPicPr>
+      <p:sp>
+        <p:nvSpPr>
+          <p:cNvPr id="2" name="Title 1">
+            <a:extLst>
+              <a:ext uri="{FF2B5EF4-FFF2-40B4-BE49-F238E27FC236}">
+                <a16:creationId xmlns:a16="http://schemas.microsoft.com/office/drawing/2014/main" id="{9B80336D-9718-65C7-4A47-8CA7354C1F91}"/>
+              </a:ext>
+            </a:extLst>
+          </p:cNvPr>
+          <p:cNvSpPr>
+            <a:spLocks noGrp="1"/>
+          </p:cNvSpPr>
+          <p:nvPr>
+            <p:ph type="title"/>
+          </p:nvPr>
+        </p:nvSpPr>
+        <p:spPr/>
+        <p:txBody>
+          <a:bodyPr/>
+          <a:lstStyle/>
+          <a:p>
+            <a:r>
+              <a:rPr lang="en-IE" b="1" dirty="0"/>
+              <a:t>Functionality C &amp; W</a:t>
+            </a:r>
+          </a:p>
+        </p:txBody>
+      </p:sp>
+      <p:sp>
+        <p:nvSpPr>
+          <p:cNvPr id="4" name="Rectangle 3">
+            <a:extLst>
+              <a:ext uri="{FF2B5EF4-FFF2-40B4-BE49-F238E27FC236}">
+                <a16:creationId xmlns:a16="http://schemas.microsoft.com/office/drawing/2014/main" id="{FC46FDB1-E3E5-0809-26B0-FF17DB03F25C}"/>
+              </a:ext>
+            </a:extLst>
+          </p:cNvPr>
+          <p:cNvSpPr/>
           <p:nvPr/>
-        </p:nvPicPr>
-        <p:blipFill rotWithShape="1">
-          <a:blip r:embed="rId2">
-            <a:extLst>
-              <a:ext uri="{28A0092B-C50C-407E-A947-70E740481C1C}">
-                <a14:useLocalDpi xmlns:a14="http://schemas.microsoft.com/office/drawing/2010/main" val="0"/>
-              </a:ext>
-            </a:extLst>
-          </a:blip>
-          <a:srcRect r="-2" b="10616"/>
-          <a:stretch/>
-        </p:blipFill>
+        </p:nvSpPr>
         <p:spPr>
           <a:xfrm>
-            <a:off x="101764" y="158560"/>
-            <a:ext cx="4540821" cy="3023252"/>
+            <a:off x="595518" y="1786396"/>
+            <a:ext cx="5257800" cy="4216114"/>
           </a:xfrm>
           <a:prstGeom prst="rect">
             <a:avLst/>
           </a:prstGeom>
         </p:spPr>
-      </p:pic>
-      <p:pic>
-        <p:nvPicPr>
-          <p:cNvPr id="5" name="Content Placeholder 4" descr="A screenshot of a computer">
-            <a:extLst>
-              <a:ext uri="{FF2B5EF4-FFF2-40B4-BE49-F238E27FC236}">
-                <a16:creationId xmlns:a16="http://schemas.microsoft.com/office/drawing/2014/main" id="{FF8AB690-62EB-2408-C32D-19F3AB186AA1}"/>
-              </a:ext>
-            </a:extLst>
-          </p:cNvPr>
-          <p:cNvPicPr>
-            <a:picLocks noGrp="1" noChangeAspect="1"/>
-          </p:cNvPicPr>
-          <p:nvPr>
-            <p:ph idx="1"/>
-          </p:nvPr>
-        </p:nvPicPr>
-        <p:blipFill rotWithShape="1">
-          <a:blip r:embed="rId3">
-            <a:extLst>
-              <a:ext uri="{28A0092B-C50C-407E-A947-70E740481C1C}">
-                <a14:useLocalDpi xmlns:a14="http://schemas.microsoft.com/office/drawing/2010/main" val="0"/>
-              </a:ext>
-            </a:extLst>
-          </a:blip>
-          <a:srcRect r="-2" b="10616"/>
-          <a:stretch/>
-        </p:blipFill>
+        <p:style>
+          <a:lnRef idx="2">
+            <a:schemeClr val="accent6"/>
+          </a:lnRef>
+          <a:fillRef idx="1">
+            <a:schemeClr val="lt1"/>
+          </a:fillRef>
+          <a:effectRef idx="0">
+            <a:schemeClr val="accent6"/>
+          </a:effectRef>
+          <a:fontRef idx="minor">
+            <a:schemeClr val="dk1"/>
+          </a:fontRef>
+        </p:style>
+        <p:txBody>
+          <a:bodyPr rtlCol="0" anchor="ctr"/>
+          <a:lstStyle/>
+          <a:p>
+            <a:pPr algn="ctr"/>
+            <a:endParaRPr lang="en-IE"/>
+          </a:p>
+        </p:txBody>
+      </p:sp>
+      <p:sp>
+        <p:nvSpPr>
+          <p:cNvPr id="5" name="TextBox 4">
+            <a:extLst>
+              <a:ext uri="{FF2B5EF4-FFF2-40B4-BE49-F238E27FC236}">
+                <a16:creationId xmlns:a16="http://schemas.microsoft.com/office/drawing/2014/main" id="{9E4E4779-1305-C9C2-504D-55938B30D5AB}"/>
+              </a:ext>
+            </a:extLst>
+          </p:cNvPr>
+          <p:cNvSpPr txBox="1"/>
+          <p:nvPr/>
+        </p:nvSpPr>
         <p:spPr>
           <a:xfrm>
-            <a:off x="4744350" y="158560"/>
-            <a:ext cx="4546765" cy="3023252"/>
+            <a:off x="595435" y="1807578"/>
+            <a:ext cx="5257799" cy="461665"/>
+          </a:xfrm>
+          <a:prstGeom prst="rect">
+            <a:avLst/>
+          </a:prstGeom>
+          <a:noFill/>
+        </p:spPr>
+        <p:txBody>
+          <a:bodyPr wrap="square" rtlCol="0">
+            <a:spAutoFit/>
+          </a:bodyPr>
+          <a:lstStyle/>
+          <a:p>
+            <a:r>
+              <a:rPr lang="en-US" sz="2400" b="1" dirty="0"/>
+              <a:t>Could Have</a:t>
+            </a:r>
+            <a:endParaRPr lang="en-IE" sz="2400" b="1" dirty="0"/>
+          </a:p>
+        </p:txBody>
+      </p:sp>
+      <p:sp>
+        <p:nvSpPr>
+          <p:cNvPr id="6" name="Rectangle 5">
+            <a:extLst>
+              <a:ext uri="{FF2B5EF4-FFF2-40B4-BE49-F238E27FC236}">
+                <a16:creationId xmlns:a16="http://schemas.microsoft.com/office/drawing/2014/main" id="{A377B0D7-575E-DA63-FF55-BEC12E8BB3BB}"/>
+              </a:ext>
+            </a:extLst>
+          </p:cNvPr>
+          <p:cNvSpPr/>
+          <p:nvPr/>
+        </p:nvSpPr>
+        <p:spPr>
+          <a:xfrm>
+            <a:off x="5853401" y="1782733"/>
+            <a:ext cx="5257800" cy="4216114"/>
           </a:xfrm>
           <a:prstGeom prst="rect">
             <a:avLst/>
           </a:prstGeom>
         </p:spPr>
-      </p:pic>
-      <p:pic>
-        <p:nvPicPr>
-          <p:cNvPr id="9" name="Picture 8" descr="A person holding a blue object&#10;&#10;Description automatically generated">
-            <a:extLst>
-              <a:ext uri="{FF2B5EF4-FFF2-40B4-BE49-F238E27FC236}">
-                <a16:creationId xmlns:a16="http://schemas.microsoft.com/office/drawing/2014/main" id="{22BFB949-1C13-6955-C4BF-C7988FC12A79}"/>
-              </a:ext>
-            </a:extLst>
-          </p:cNvPr>
-          <p:cNvPicPr>
-            <a:picLocks noChangeAspect="1"/>
-          </p:cNvPicPr>
+        <p:style>
+          <a:lnRef idx="2">
+            <a:schemeClr val="accent6"/>
+          </a:lnRef>
+          <a:fillRef idx="1">
+            <a:schemeClr val="lt1"/>
+          </a:fillRef>
+          <a:effectRef idx="0">
+            <a:schemeClr val="accent6"/>
+          </a:effectRef>
+          <a:fontRef idx="minor">
+            <a:schemeClr val="dk1"/>
+          </a:fontRef>
+        </p:style>
+        <p:txBody>
+          <a:bodyPr rtlCol="0" anchor="ctr"/>
+          <a:lstStyle/>
+          <a:p>
+            <a:pPr algn="ctr"/>
+            <a:endParaRPr lang="en-IE"/>
+          </a:p>
+        </p:txBody>
+      </p:sp>
+      <p:sp>
+        <p:nvSpPr>
+          <p:cNvPr id="7" name="TextBox 6">
+            <a:extLst>
+              <a:ext uri="{FF2B5EF4-FFF2-40B4-BE49-F238E27FC236}">
+                <a16:creationId xmlns:a16="http://schemas.microsoft.com/office/drawing/2014/main" id="{A0BFA557-B62D-BD76-186D-F2ED048D934D}"/>
+              </a:ext>
+            </a:extLst>
+          </p:cNvPr>
+          <p:cNvSpPr txBox="1"/>
           <p:nvPr/>
-        </p:nvPicPr>
-        <p:blipFill>
-          <a:blip r:embed="rId4">
-            <a:extLst>
-              <a:ext uri="{28A0092B-C50C-407E-A947-70E740481C1C}">
-                <a14:useLocalDpi xmlns:a14="http://schemas.microsoft.com/office/drawing/2010/main" val="0"/>
-              </a:ext>
-            </a:extLst>
-          </a:blip>
-          <a:stretch>
-            <a:fillRect/>
-          </a:stretch>
-        </p:blipFill>
+        </p:nvSpPr>
         <p:spPr>
           <a:xfrm>
-            <a:off x="101764" y="3316288"/>
-            <a:ext cx="4642586" cy="3383152"/>
+            <a:off x="5853234" y="1795037"/>
+            <a:ext cx="5257799" cy="461665"/>
           </a:xfrm>
           <a:prstGeom prst="rect">
             <a:avLst/>
           </a:prstGeom>
+          <a:noFill/>
         </p:spPr>
-      </p:pic>
-      <p:pic>
-        <p:nvPicPr>
-          <p:cNvPr id="11" name="Picture 10" descr="A screenshot of a computer&#10;&#10;Description automatically generated">
-            <a:extLst>
-              <a:ext uri="{FF2B5EF4-FFF2-40B4-BE49-F238E27FC236}">
-                <a16:creationId xmlns:a16="http://schemas.microsoft.com/office/drawing/2014/main" id="{A137BA1C-9F0E-C1C8-01ED-8558BBC591C1}"/>
-              </a:ext>
-            </a:extLst>
-          </p:cNvPr>
-          <p:cNvPicPr>
-            <a:picLocks noChangeAspect="1"/>
-          </p:cNvPicPr>
+        <p:txBody>
+          <a:bodyPr wrap="square" rtlCol="0">
+            <a:spAutoFit/>
+          </a:bodyPr>
+          <a:lstStyle/>
+          <a:p>
+            <a:r>
+              <a:rPr lang="en-US" sz="2400" b="1" dirty="0"/>
+              <a:t>Would be Nice to Have</a:t>
+            </a:r>
+            <a:endParaRPr lang="en-IE" sz="2400" b="1" dirty="0"/>
+          </a:p>
+        </p:txBody>
+      </p:sp>
+      <p:sp>
+        <p:nvSpPr>
+          <p:cNvPr id="8" name="TextBox 7">
+            <a:extLst>
+              <a:ext uri="{FF2B5EF4-FFF2-40B4-BE49-F238E27FC236}">
+                <a16:creationId xmlns:a16="http://schemas.microsoft.com/office/drawing/2014/main" id="{28AE94E1-FF30-FB5B-D380-675D4AE69DC9}"/>
+              </a:ext>
+            </a:extLst>
+          </p:cNvPr>
+          <p:cNvSpPr txBox="1"/>
           <p:nvPr/>
-        </p:nvPicPr>
-        <p:blipFill>
-          <a:blip r:embed="rId5">
-            <a:extLst>
-              <a:ext uri="{28A0092B-C50C-407E-A947-70E740481C1C}">
-                <a14:useLocalDpi xmlns:a14="http://schemas.microsoft.com/office/drawing/2010/main" val="0"/>
-              </a:ext>
-            </a:extLst>
-          </a:blip>
-          <a:stretch>
-            <a:fillRect/>
-          </a:stretch>
-        </p:blipFill>
+        </p:nvSpPr>
         <p:spPr>
           <a:xfrm>
-            <a:off x="4744350" y="3316288"/>
-            <a:ext cx="4546765" cy="3383152"/>
+            <a:off x="595435" y="2237900"/>
+            <a:ext cx="5257799" cy="2308324"/>
           </a:xfrm>
           <a:prstGeom prst="rect">
             <a:avLst/>
           </a:prstGeom>
+          <a:noFill/>
         </p:spPr>
-      </p:pic>
-      <p:sp>
-        <p:nvSpPr>
-          <p:cNvPr id="2" name="Title 1">
-            <a:extLst>
-              <a:ext uri="{FF2B5EF4-FFF2-40B4-BE49-F238E27FC236}">
-                <a16:creationId xmlns:a16="http://schemas.microsoft.com/office/drawing/2014/main" id="{37F4D87B-46D5-6A6A-712C-8FD916A1117F}"/>
-              </a:ext>
-            </a:extLst>
-          </p:cNvPr>
-          <p:cNvSpPr>
-            <a:spLocks noGrp="1"/>
-          </p:cNvSpPr>
-          <p:nvPr>
-            <p:ph type="title"/>
-          </p:nvPr>
+        <p:txBody>
+          <a:bodyPr wrap="square" rtlCol="0">
+            <a:spAutoFit/>
+          </a:bodyPr>
+          <a:lstStyle/>
+          <a:p>
+            <a:pPr marL="285750" indent="-285750">
+              <a:buFont typeface="Arial" panose="020B0604020202020204" pitchFamily="34" charset="0"/>
+              <a:buChar char="•"/>
+            </a:pPr>
+            <a:r>
+              <a:rPr lang="en-US" sz="2400" dirty="0"/>
+              <a:t>Store a record of previous days.</a:t>
+            </a:r>
+          </a:p>
+          <a:p>
+            <a:pPr marL="285750" indent="-285750">
+              <a:buFont typeface="Arial" panose="020B0604020202020204" pitchFamily="34" charset="0"/>
+              <a:buChar char="•"/>
+            </a:pPr>
+            <a:r>
+              <a:rPr lang="en-US" sz="2400" dirty="0"/>
+              <a:t>Audio version of notifications.</a:t>
+            </a:r>
+          </a:p>
+          <a:p>
+            <a:pPr marL="285750" indent="-285750">
+              <a:buFont typeface="Arial" panose="020B0604020202020204" pitchFamily="34" charset="0"/>
+              <a:buChar char="•"/>
+            </a:pPr>
+            <a:r>
+              <a:rPr lang="en-US" sz="2400" dirty="0"/>
+              <a:t>Locking</a:t>
+            </a:r>
+          </a:p>
+          <a:p>
+            <a:pPr marL="285750" indent="-285750">
+              <a:buFont typeface="Arial" panose="020B0604020202020204" pitchFamily="34" charset="0"/>
+              <a:buChar char="•"/>
+            </a:pPr>
+            <a:r>
+              <a:rPr lang="en-US" sz="2400" dirty="0"/>
+              <a:t>It should be either portable or able to handle the user travelling without the box.</a:t>
+            </a:r>
+          </a:p>
+        </p:txBody>
+      </p:sp>
+      <p:sp>
+        <p:nvSpPr>
+          <p:cNvPr id="9" name="TextBox 8">
+            <a:extLst>
+              <a:ext uri="{FF2B5EF4-FFF2-40B4-BE49-F238E27FC236}">
+                <a16:creationId xmlns:a16="http://schemas.microsoft.com/office/drawing/2014/main" id="{1E821D2E-AF3F-D15F-C9B7-0446CEF1BFA6}"/>
+              </a:ext>
+            </a:extLst>
+          </p:cNvPr>
+          <p:cNvSpPr txBox="1"/>
+          <p:nvPr/>
         </p:nvSpPr>
         <p:spPr>
           <a:xfrm>
-            <a:off x="9386936" y="1250731"/>
-            <a:ext cx="2473891" cy="4922773"/>
+            <a:off x="5853234" y="2223044"/>
+            <a:ext cx="5257799" cy="830997"/>
           </a:xfrm>
+          <a:prstGeom prst="rect">
+            <a:avLst/>
+          </a:prstGeom>
+          <a:noFill/>
         </p:spPr>
         <p:txBody>
-          <a:bodyPr vert="horz" lIns="91440" tIns="45720" rIns="91440" bIns="45720" rtlCol="0" anchor="ctr">
-            <a:normAutofit/>
+          <a:bodyPr wrap="square" rtlCol="0">
+            <a:spAutoFit/>
           </a:bodyPr>
           <a:lstStyle/>
           <a:p>
-            <a:r>
-              <a:rPr lang="en-US" b="1" kern="1200" dirty="0">
-                <a:solidFill>
-                  <a:schemeClr val="tx1"/>
-                </a:solidFill>
-                <a:latin typeface="+mj-lt"/>
-                <a:ea typeface="+mj-ea"/>
-                <a:cs typeface="+mj-cs"/>
-              </a:rPr>
-              <a:t>User Personas</a:t>
-            </a:r>
+            <a:pPr marL="285750" indent="-285750">
+              <a:buFont typeface="Arial" panose="020B0604020202020204" pitchFamily="34" charset="0"/>
+              <a:buChar char="•"/>
+            </a:pPr>
+            <a:r>
+              <a:rPr lang="en-US" sz="2400" dirty="0"/>
+              <a:t>Location tracking.</a:t>
+            </a:r>
+          </a:p>
+          <a:p>
+            <a:pPr marL="285750" indent="-285750">
+              <a:buFont typeface="Arial" panose="020B0604020202020204" pitchFamily="34" charset="0"/>
+              <a:buChar char="•"/>
+            </a:pPr>
+            <a:r>
+              <a:rPr lang="en-US" sz="2400" dirty="0"/>
+              <a:t>Emergency contact button.</a:t>
+            </a:r>
+          </a:p>
+        </p:txBody>
+      </p:sp>
+      <p:sp>
+        <p:nvSpPr>
+          <p:cNvPr id="3" name="Slide Number Placeholder 2">
+            <a:extLst>
+              <a:ext uri="{FF2B5EF4-FFF2-40B4-BE49-F238E27FC236}">
+                <a16:creationId xmlns:a16="http://schemas.microsoft.com/office/drawing/2014/main" id="{13D560F9-DDE6-700D-9493-1BE1CB2A1FF7}"/>
+              </a:ext>
+            </a:extLst>
+          </p:cNvPr>
+          <p:cNvSpPr>
+            <a:spLocks noGrp="1"/>
+          </p:cNvSpPr>
+          <p:nvPr>
+            <p:ph type="sldNum" sz="quarter" idx="12"/>
+          </p:nvPr>
+        </p:nvSpPr>
+        <p:spPr/>
+        <p:txBody>
+          <a:bodyPr/>
+          <a:lstStyle/>
+          <a:p>
+            <a:fld id="{6F6DEA05-8770-4987-B5A1-0C7FA388430F}" type="slidenum">
+              <a:rPr lang="en-GB" smtClean="0"/>
+              <a:t>6</a:t>
+            </a:fld>
+            <a:endParaRPr lang="en-GB"/>
           </a:p>
         </p:txBody>
       </p:sp>
     </p:spTree>
     <p:extLst>
       <p:ext uri="{BB962C8B-B14F-4D97-AF65-F5344CB8AC3E}">
-        <p14:creationId xmlns:p14="http://schemas.microsoft.com/office/powerpoint/2010/main" val="938140966"/>
+        <p14:creationId xmlns:p14="http://schemas.microsoft.com/office/powerpoint/2010/main" val="2734639617"/>
       </p:ext>
     </p:extLst>
   </p:cSld>
@@ -8653,91 +10214,225 @@
           <a:chExt cx="0" cy="0"/>
         </a:xfrm>
       </p:grpSpPr>
-      <p:sp>
-        <p:nvSpPr>
-          <p:cNvPr id="2" name="Title 1">
-            <a:extLst>
-              <a:ext uri="{FF2B5EF4-FFF2-40B4-BE49-F238E27FC236}">
-                <a16:creationId xmlns:a16="http://schemas.microsoft.com/office/drawing/2014/main" id="{AB615A6E-8E23-459C-4E0B-98E1DE2102AC}"/>
-              </a:ext>
-            </a:extLst>
-          </p:cNvPr>
-          <p:cNvSpPr>
-            <a:spLocks noGrp="1"/>
-          </p:cNvSpPr>
-          <p:nvPr>
-            <p:ph type="title"/>
-          </p:nvPr>
-        </p:nvSpPr>
-        <p:spPr/>
-        <p:txBody>
-          <a:bodyPr/>
-          <a:lstStyle/>
-          <a:p>
-            <a:r>
-              <a:rPr lang="en-IE" b="1" dirty="0"/>
-              <a:t>How users connect</a:t>
-            </a:r>
-          </a:p>
-        </p:txBody>
-      </p:sp>
-      <p:sp>
-        <p:nvSpPr>
-          <p:cNvPr id="3" name="Content Placeholder 2">
-            <a:extLst>
-              <a:ext uri="{FF2B5EF4-FFF2-40B4-BE49-F238E27FC236}">
-                <a16:creationId xmlns:a16="http://schemas.microsoft.com/office/drawing/2014/main" id="{D2D1F4ED-61E2-46A1-3BF4-8CB85C2BD635}"/>
-              </a:ext>
-            </a:extLst>
-          </p:cNvPr>
-          <p:cNvSpPr>
-            <a:spLocks noGrp="1"/>
-          </p:cNvSpPr>
-          <p:nvPr>
-            <p:ph idx="1"/>
-          </p:nvPr>
-        </p:nvSpPr>
+      <p:pic>
+        <p:nvPicPr>
+          <p:cNvPr id="7" name="Picture 6" descr="A person with his arms crossed&#10;&#10;Description automatically generated">
+            <a:extLst>
+              <a:ext uri="{FF2B5EF4-FFF2-40B4-BE49-F238E27FC236}">
+                <a16:creationId xmlns:a16="http://schemas.microsoft.com/office/drawing/2014/main" id="{FCE77B6E-B4F9-5E5C-2DB1-9991A09ED206}"/>
+              </a:ext>
+            </a:extLst>
+          </p:cNvPr>
+          <p:cNvPicPr>
+            <a:picLocks noChangeAspect="1"/>
+          </p:cNvPicPr>
+          <p:nvPr/>
+        </p:nvPicPr>
+        <p:blipFill rotWithShape="1">
+          <a:blip r:embed="rId2">
+            <a:extLst>
+              <a:ext uri="{28A0092B-C50C-407E-A947-70E740481C1C}">
+                <a14:useLocalDpi xmlns:a14="http://schemas.microsoft.com/office/drawing/2010/main" val="0"/>
+              </a:ext>
+            </a:extLst>
+          </a:blip>
+          <a:srcRect r="-2" b="10616"/>
+          <a:stretch/>
+        </p:blipFill>
         <p:spPr>
           <a:xfrm>
-            <a:off x="838200" y="1690688"/>
-            <a:ext cx="10515600" cy="4325303"/>
+            <a:off x="101764" y="158560"/>
+            <a:ext cx="4540821" cy="3023252"/>
+          </a:xfrm>
+          <a:prstGeom prst="rect">
+            <a:avLst/>
+          </a:prstGeom>
+        </p:spPr>
+      </p:pic>
+      <p:pic>
+        <p:nvPicPr>
+          <p:cNvPr id="5" name="Content Placeholder 4" descr="A screenshot of a computer">
+            <a:extLst>
+              <a:ext uri="{FF2B5EF4-FFF2-40B4-BE49-F238E27FC236}">
+                <a16:creationId xmlns:a16="http://schemas.microsoft.com/office/drawing/2014/main" id="{FF8AB690-62EB-2408-C32D-19F3AB186AA1}"/>
+              </a:ext>
+            </a:extLst>
+          </p:cNvPr>
+          <p:cNvPicPr>
+            <a:picLocks noGrp="1" noChangeAspect="1"/>
+          </p:cNvPicPr>
+          <p:nvPr>
+            <p:ph idx="1"/>
+          </p:nvPr>
+        </p:nvPicPr>
+        <p:blipFill rotWithShape="1">
+          <a:blip r:embed="rId3">
+            <a:extLst>
+              <a:ext uri="{28A0092B-C50C-407E-A947-70E740481C1C}">
+                <a14:useLocalDpi xmlns:a14="http://schemas.microsoft.com/office/drawing/2010/main" val="0"/>
+              </a:ext>
+            </a:extLst>
+          </a:blip>
+          <a:srcRect r="-2" b="10616"/>
+          <a:stretch/>
+        </p:blipFill>
+        <p:spPr>
+          <a:xfrm>
+            <a:off x="4744350" y="158560"/>
+            <a:ext cx="4546765" cy="3023252"/>
+          </a:xfrm>
+          <a:prstGeom prst="rect">
+            <a:avLst/>
+          </a:prstGeom>
+        </p:spPr>
+      </p:pic>
+      <p:pic>
+        <p:nvPicPr>
+          <p:cNvPr id="9" name="Picture 8" descr="A person holding a blue object&#10;&#10;Description automatically generated">
+            <a:extLst>
+              <a:ext uri="{FF2B5EF4-FFF2-40B4-BE49-F238E27FC236}">
+                <a16:creationId xmlns:a16="http://schemas.microsoft.com/office/drawing/2014/main" id="{22BFB949-1C13-6955-C4BF-C7988FC12A79}"/>
+              </a:ext>
+            </a:extLst>
+          </p:cNvPr>
+          <p:cNvPicPr>
+            <a:picLocks noChangeAspect="1"/>
+          </p:cNvPicPr>
+          <p:nvPr/>
+        </p:nvPicPr>
+        <p:blipFill>
+          <a:blip r:embed="rId4">
+            <a:extLst>
+              <a:ext uri="{28A0092B-C50C-407E-A947-70E740481C1C}">
+                <a14:useLocalDpi xmlns:a14="http://schemas.microsoft.com/office/drawing/2010/main" val="0"/>
+              </a:ext>
+            </a:extLst>
+          </a:blip>
+          <a:stretch>
+            <a:fillRect/>
+          </a:stretch>
+        </p:blipFill>
+        <p:spPr>
+          <a:xfrm>
+            <a:off x="101764" y="3316288"/>
+            <a:ext cx="4642586" cy="3383152"/>
+          </a:xfrm>
+          <a:prstGeom prst="rect">
+            <a:avLst/>
+          </a:prstGeom>
+        </p:spPr>
+      </p:pic>
+      <p:pic>
+        <p:nvPicPr>
+          <p:cNvPr id="11" name="Picture 10" descr="A screenshot of a computer&#10;&#10;Description automatically generated">
+            <a:extLst>
+              <a:ext uri="{FF2B5EF4-FFF2-40B4-BE49-F238E27FC236}">
+                <a16:creationId xmlns:a16="http://schemas.microsoft.com/office/drawing/2014/main" id="{A137BA1C-9F0E-C1C8-01ED-8558BBC591C1}"/>
+              </a:ext>
+            </a:extLst>
+          </p:cNvPr>
+          <p:cNvPicPr>
+            <a:picLocks noChangeAspect="1"/>
+          </p:cNvPicPr>
+          <p:nvPr/>
+        </p:nvPicPr>
+        <p:blipFill>
+          <a:blip r:embed="rId5">
+            <a:extLst>
+              <a:ext uri="{28A0092B-C50C-407E-A947-70E740481C1C}">
+                <a14:useLocalDpi xmlns:a14="http://schemas.microsoft.com/office/drawing/2010/main" val="0"/>
+              </a:ext>
+            </a:extLst>
+          </a:blip>
+          <a:stretch>
+            <a:fillRect/>
+          </a:stretch>
+        </p:blipFill>
+        <p:spPr>
+          <a:xfrm>
+            <a:off x="4744350" y="3316288"/>
+            <a:ext cx="4546765" cy="3383152"/>
+          </a:xfrm>
+          <a:prstGeom prst="rect">
+            <a:avLst/>
+          </a:prstGeom>
+        </p:spPr>
+      </p:pic>
+      <p:sp>
+        <p:nvSpPr>
+          <p:cNvPr id="2" name="Title 1">
+            <a:extLst>
+              <a:ext uri="{FF2B5EF4-FFF2-40B4-BE49-F238E27FC236}">
+                <a16:creationId xmlns:a16="http://schemas.microsoft.com/office/drawing/2014/main" id="{37F4D87B-46D5-6A6A-712C-8FD916A1117F}"/>
+              </a:ext>
+            </a:extLst>
+          </p:cNvPr>
+          <p:cNvSpPr>
+            <a:spLocks noGrp="1"/>
+          </p:cNvSpPr>
+          <p:nvPr>
+            <p:ph type="title"/>
+          </p:nvPr>
+        </p:nvSpPr>
+        <p:spPr>
+          <a:xfrm>
+            <a:off x="9386936" y="1250731"/>
+            <a:ext cx="2473891" cy="4922773"/>
           </a:xfrm>
         </p:spPr>
         <p:txBody>
-          <a:bodyPr>
+          <a:bodyPr vert="horz" lIns="91440" tIns="45720" rIns="91440" bIns="45720" rtlCol="0" anchor="ctr">
             <a:normAutofit/>
           </a:bodyPr>
           <a:lstStyle/>
           <a:p>
-            <a:pPr marL="0" indent="0">
-              <a:buNone/>
-            </a:pPr>
-            <a:r>
-              <a:rPr lang="en-IE" sz="2400" dirty="0"/>
-              <a:t>The application will absolutely start off available on desktop/laptops as most of our target audience is more comfortable with these devices. </a:t>
-            </a:r>
-          </a:p>
-          <a:p>
-            <a:pPr marL="0" indent="0">
-              <a:buNone/>
-            </a:pPr>
-            <a:endParaRPr lang="en-IE" sz="2400" dirty="0"/>
-          </a:p>
-          <a:p>
-            <a:pPr marL="0" indent="0">
-              <a:buNone/>
-            </a:pPr>
-            <a:r>
-              <a:rPr lang="en-IE" sz="2400" dirty="0"/>
-              <a:t>However, many users may also be comfortable using mobile devices. Therefore, we are considering the potential of developing a progressive web app to cater for both desktop and mobile users.</a:t>
-            </a:r>
+            <a:r>
+              <a:rPr lang="en-US" b="1" kern="1200" dirty="0">
+                <a:solidFill>
+                  <a:schemeClr val="tx1"/>
+                </a:solidFill>
+                <a:latin typeface="+mj-lt"/>
+                <a:ea typeface="+mj-ea"/>
+                <a:cs typeface="+mj-cs"/>
+              </a:rPr>
+              <a:t>User Personas</a:t>
+            </a:r>
+          </a:p>
+        </p:txBody>
+      </p:sp>
+      <p:sp>
+        <p:nvSpPr>
+          <p:cNvPr id="3" name="Slide Number Placeholder 2">
+            <a:extLst>
+              <a:ext uri="{FF2B5EF4-FFF2-40B4-BE49-F238E27FC236}">
+                <a16:creationId xmlns:a16="http://schemas.microsoft.com/office/drawing/2014/main" id="{6E9C1C5B-F3A4-965B-01BC-FAF407FA6FA5}"/>
+              </a:ext>
+            </a:extLst>
+          </p:cNvPr>
+          <p:cNvSpPr>
+            <a:spLocks noGrp="1"/>
+          </p:cNvSpPr>
+          <p:nvPr>
+            <p:ph type="sldNum" sz="quarter" idx="12"/>
+          </p:nvPr>
+        </p:nvSpPr>
+        <p:spPr/>
+        <p:txBody>
+          <a:bodyPr/>
+          <a:lstStyle/>
+          <a:p>
+            <a:fld id="{6F6DEA05-8770-4987-B5A1-0C7FA388430F}" type="slidenum">
+              <a:rPr lang="en-GB" smtClean="0"/>
+              <a:t>7</a:t>
+            </a:fld>
+            <a:endParaRPr lang="en-GB"/>
           </a:p>
         </p:txBody>
       </p:sp>
     </p:spTree>
     <p:extLst>
       <p:ext uri="{BB962C8B-B14F-4D97-AF65-F5344CB8AC3E}">
-        <p14:creationId xmlns:p14="http://schemas.microsoft.com/office/powerpoint/2010/main" val="1443816223"/>
+        <p14:creationId xmlns:p14="http://schemas.microsoft.com/office/powerpoint/2010/main" val="938140966"/>
       </p:ext>
     </p:extLst>
   </p:cSld>
@@ -8769,7 +10464,7 @@
           <p:cNvPr id="2" name="Title 1">
             <a:extLst>
               <a:ext uri="{FF2B5EF4-FFF2-40B4-BE49-F238E27FC236}">
-                <a16:creationId xmlns:a16="http://schemas.microsoft.com/office/drawing/2014/main" id="{96DE2346-2A67-9C31-AC59-D8E25D97CC10}"/>
+                <a16:creationId xmlns:a16="http://schemas.microsoft.com/office/drawing/2014/main" id="{AB615A6E-8E23-459C-4E0B-98E1DE2102AC}"/>
               </a:ext>
             </a:extLst>
           </p:cNvPr>
@@ -8778,12 +10473,40 @@
           </p:cNvSpPr>
           <p:nvPr>
             <p:ph type="title"/>
+          </p:nvPr>
+        </p:nvSpPr>
+        <p:spPr/>
+        <p:txBody>
+          <a:bodyPr/>
+          <a:lstStyle/>
+          <a:p>
+            <a:r>
+              <a:rPr lang="en-IE" b="1" dirty="0"/>
+              <a:t>How users connect</a:t>
+            </a:r>
+          </a:p>
+        </p:txBody>
+      </p:sp>
+      <p:sp>
+        <p:nvSpPr>
+          <p:cNvPr id="3" name="Content Placeholder 2">
+            <a:extLst>
+              <a:ext uri="{FF2B5EF4-FFF2-40B4-BE49-F238E27FC236}">
+                <a16:creationId xmlns:a16="http://schemas.microsoft.com/office/drawing/2014/main" id="{D2D1F4ED-61E2-46A1-3BF4-8CB85C2BD635}"/>
+              </a:ext>
+            </a:extLst>
+          </p:cNvPr>
+          <p:cNvSpPr>
+            <a:spLocks noGrp="1"/>
+          </p:cNvSpPr>
+          <p:nvPr>
+            <p:ph idx="1"/>
           </p:nvPr>
         </p:nvSpPr>
         <p:spPr>
           <a:xfrm>
-            <a:off x="1137034" y="609597"/>
-            <a:ext cx="9392421" cy="1330841"/>
+            <a:off x="838200" y="1690688"/>
+            <a:ext cx="10515600" cy="4325303"/>
           </a:xfrm>
         </p:spPr>
         <p:txBody>
@@ -8792,110 +10515,64 @@
           </a:bodyPr>
           <a:lstStyle/>
           <a:p>
-            <a:r>
-              <a:rPr lang="en-IE" b="1" dirty="0"/>
-              <a:t>How we can tell if the project has been successful or not.</a:t>
-            </a:r>
-          </a:p>
-        </p:txBody>
-      </p:sp>
-      <p:sp>
-        <p:nvSpPr>
-          <p:cNvPr id="3" name="Content Placeholder 2">
-            <a:extLst>
-              <a:ext uri="{FF2B5EF4-FFF2-40B4-BE49-F238E27FC236}">
-                <a16:creationId xmlns:a16="http://schemas.microsoft.com/office/drawing/2014/main" id="{8587B57F-F8A2-EBB7-53B9-BD2DEEE6B8BA}"/>
-              </a:ext>
-            </a:extLst>
-          </p:cNvPr>
-          <p:cNvSpPr>
-            <a:spLocks noGrp="1"/>
-          </p:cNvSpPr>
-          <p:nvPr>
-            <p:ph idx="1"/>
-          </p:nvPr>
-        </p:nvSpPr>
-        <p:spPr>
-          <a:xfrm>
-            <a:off x="1137034" y="2198362"/>
-            <a:ext cx="5250118" cy="3917773"/>
-          </a:xfrm>
-        </p:spPr>
-        <p:txBody>
-          <a:bodyPr>
-            <a:noAutofit/>
-          </a:bodyPr>
-          <a:lstStyle/>
-          <a:p>
+            <a:pPr marL="0" indent="0">
+              <a:buNone/>
+            </a:pPr>
             <a:r>
               <a:rPr lang="en-IE" sz="2400" dirty="0"/>
-              <a:t>To assess the success of the project we can calculate the ratio of a user's {“missed” : “true”} to {“missed : “false”}.</a:t>
-            </a:r>
-          </a:p>
-          <a:p>
+              <a:t>The application will absolutely start off available on desktop/laptops as most of our target audience is more comfortable with these devices. </a:t>
+            </a:r>
+          </a:p>
+          <a:p>
+            <a:pPr marL="0" indent="0">
+              <a:buNone/>
+            </a:pPr>
+            <a:endParaRPr lang="en-IE" sz="2400" dirty="0"/>
+          </a:p>
+          <a:p>
+            <a:pPr marL="0" indent="0">
+              <a:buNone/>
+            </a:pPr>
             <a:r>
               <a:rPr lang="en-IE" sz="2400" dirty="0"/>
-              <a:t> If the ratio of {“missed” : “true”} to {“missed : “false”} is low, it indicates that the user has stuck to their medication regimen.</a:t>
-            </a:r>
-          </a:p>
-          <a:p>
-            <a:r>
-              <a:rPr lang="en-IE" sz="2400" dirty="0"/>
-              <a:t>If the ratio of {“missed” : “true”} to {“missed : “false”} is high, it indicates that the user has frequently missed taking.</a:t>
-            </a:r>
-          </a:p>
-        </p:txBody>
-      </p:sp>
-      <p:pic>
-        <p:nvPicPr>
-          <p:cNvPr id="1026" name="Picture 2">
-            <a:extLst>
-              <a:ext uri="{FF2B5EF4-FFF2-40B4-BE49-F238E27FC236}">
-                <a16:creationId xmlns:a16="http://schemas.microsoft.com/office/drawing/2014/main" id="{F5CD8263-DE61-A535-4C9C-3EC48FAA105C}"/>
-              </a:ext>
-            </a:extLst>
-          </p:cNvPr>
-          <p:cNvPicPr>
-            <a:picLocks noChangeAspect="1" noChangeArrowheads="1"/>
-          </p:cNvPicPr>
-          <p:nvPr/>
-        </p:nvPicPr>
-        <p:blipFill>
-          <a:blip r:embed="rId2">
-            <a:extLst>
-              <a:ext uri="{28A0092B-C50C-407E-A947-70E740481C1C}">
-                <a14:useLocalDpi xmlns:a14="http://schemas.microsoft.com/office/drawing/2010/main" val="0"/>
-              </a:ext>
-            </a:extLst>
-          </a:blip>
-          <a:stretch>
-            <a:fillRect/>
-          </a:stretch>
-        </p:blipFill>
-        <p:spPr bwMode="auto">
-          <a:xfrm>
-            <a:off x="6719367" y="2207984"/>
-            <a:ext cx="4788505" cy="3709775"/>
-          </a:xfrm>
-          <a:prstGeom prst="rect">
-            <a:avLst/>
-          </a:prstGeom>
-          <a:noFill/>
-          <a:extLst>
-            <a:ext uri="{909E8E84-426E-40DD-AFC4-6F175D3DCCD1}">
-              <a14:hiddenFill xmlns:a14="http://schemas.microsoft.com/office/drawing/2010/main">
-                <a:solidFill>
-                  <a:srgbClr val="FFFFFF"/>
-                </a:solidFill>
-              </a14:hiddenFill>
-            </a:ext>
-          </a:extLst>
-        </p:spPr>
-      </p:pic>
+              <a:t>However, many users may also be comfortable using mobile devices. Therefore, we are considering the potential of developing a progressive web app to cater for both desktop and mobile users.</a:t>
+            </a:r>
+          </a:p>
+        </p:txBody>
+      </p:sp>
+      <p:sp>
+        <p:nvSpPr>
+          <p:cNvPr id="4" name="Slide Number Placeholder 3">
+            <a:extLst>
+              <a:ext uri="{FF2B5EF4-FFF2-40B4-BE49-F238E27FC236}">
+                <a16:creationId xmlns:a16="http://schemas.microsoft.com/office/drawing/2014/main" id="{CE03DB02-3E2F-824E-6192-50E0D361E28F}"/>
+              </a:ext>
+            </a:extLst>
+          </p:cNvPr>
+          <p:cNvSpPr>
+            <a:spLocks noGrp="1"/>
+          </p:cNvSpPr>
+          <p:nvPr>
+            <p:ph type="sldNum" sz="quarter" idx="12"/>
+          </p:nvPr>
+        </p:nvSpPr>
+        <p:spPr/>
+        <p:txBody>
+          <a:bodyPr/>
+          <a:lstStyle/>
+          <a:p>
+            <a:fld id="{6F6DEA05-8770-4987-B5A1-0C7FA388430F}" type="slidenum">
+              <a:rPr lang="en-GB" smtClean="0"/>
+              <a:t>8</a:t>
+            </a:fld>
+            <a:endParaRPr lang="en-GB"/>
+          </a:p>
+        </p:txBody>
+      </p:sp>
     </p:spTree>
     <p:extLst>
       <p:ext uri="{BB962C8B-B14F-4D97-AF65-F5344CB8AC3E}">
-        <p14:creationId xmlns:p14="http://schemas.microsoft.com/office/powerpoint/2010/main" val="2495498406"/>
+        <p14:creationId xmlns:p14="http://schemas.microsoft.com/office/powerpoint/2010/main" val="1443816223"/>
       </p:ext>
     </p:extLst>
   </p:cSld>
@@ -8927,7 +10604,7 @@
           <p:cNvPr id="2" name="Title 1">
             <a:extLst>
               <a:ext uri="{FF2B5EF4-FFF2-40B4-BE49-F238E27FC236}">
-                <a16:creationId xmlns:a16="http://schemas.microsoft.com/office/drawing/2014/main" id="{81F8D0E1-41E5-5D57-F90D-626CDB30EC72}"/>
+                <a16:creationId xmlns:a16="http://schemas.microsoft.com/office/drawing/2014/main" id="{96DE2346-2A67-9C31-AC59-D8E25D97CC10}"/>
               </a:ext>
             </a:extLst>
           </p:cNvPr>
@@ -8938,34 +10615,85 @@
             <p:ph type="title"/>
           </p:nvPr>
         </p:nvSpPr>
-        <p:spPr/>
-        <p:txBody>
-          <a:bodyPr/>
-          <a:lstStyle/>
-          <a:p>
-            <a:r>
-              <a:rPr lang="en-US" b="1" dirty="0"/>
-              <a:t>Initial UI Sketch</a:t>
-            </a:r>
-            <a:endParaRPr lang="en-GB" b="1" dirty="0"/>
+        <p:spPr>
+          <a:xfrm>
+            <a:off x="1137034" y="609597"/>
+            <a:ext cx="9392421" cy="1330841"/>
+          </a:xfrm>
+        </p:spPr>
+        <p:txBody>
+          <a:bodyPr>
+            <a:normAutofit/>
+          </a:bodyPr>
+          <a:lstStyle/>
+          <a:p>
+            <a:r>
+              <a:rPr lang="en-IE" b="1" dirty="0"/>
+              <a:t>How we can tell if the project has been successful or not.</a:t>
+            </a:r>
+          </a:p>
+        </p:txBody>
+      </p:sp>
+      <p:sp>
+        <p:nvSpPr>
+          <p:cNvPr id="3" name="Content Placeholder 2">
+            <a:extLst>
+              <a:ext uri="{FF2B5EF4-FFF2-40B4-BE49-F238E27FC236}">
+                <a16:creationId xmlns:a16="http://schemas.microsoft.com/office/drawing/2014/main" id="{8587B57F-F8A2-EBB7-53B9-BD2DEEE6B8BA}"/>
+              </a:ext>
+            </a:extLst>
+          </p:cNvPr>
+          <p:cNvSpPr>
+            <a:spLocks noGrp="1"/>
+          </p:cNvSpPr>
+          <p:nvPr>
+            <p:ph idx="1"/>
+          </p:nvPr>
+        </p:nvSpPr>
+        <p:spPr>
+          <a:xfrm>
+            <a:off x="1137034" y="2198362"/>
+            <a:ext cx="5250118" cy="3917773"/>
+          </a:xfrm>
+        </p:spPr>
+        <p:txBody>
+          <a:bodyPr>
+            <a:noAutofit/>
+          </a:bodyPr>
+          <a:lstStyle/>
+          <a:p>
+            <a:r>
+              <a:rPr lang="en-IE" sz="2400" dirty="0"/>
+              <a:t>To assess the success of the project we can calculate the ratio of a user's {“missed” : “true”} to {“missed : “false”}.</a:t>
+            </a:r>
+          </a:p>
+          <a:p>
+            <a:r>
+              <a:rPr lang="en-IE" sz="2400" dirty="0"/>
+              <a:t> If the ratio of {“missed” : “true”} to {“missed : “false”} is low, it indicates that the user has stuck to their medication regimen.</a:t>
+            </a:r>
+          </a:p>
+          <a:p>
+            <a:r>
+              <a:rPr lang="en-IE" sz="2400" dirty="0"/>
+              <a:t>If the ratio of {“missed” : “true”} to {“missed : “false”} is high, it indicates that the user has frequently missed taking.</a:t>
+            </a:r>
           </a:p>
         </p:txBody>
       </p:sp>
       <p:pic>
         <p:nvPicPr>
-          <p:cNvPr id="5" name="Content Placeholder 4" descr="A drawing of a clock and a few notes&#10;&#10;Description automatically generated with medium confidence">
-            <a:extLst>
-              <a:ext uri="{FF2B5EF4-FFF2-40B4-BE49-F238E27FC236}">
-                <a16:creationId xmlns:a16="http://schemas.microsoft.com/office/drawing/2014/main" id="{FC62F7D8-1506-EAB7-3B37-EB09E7473B58}"/>
+          <p:cNvPr id="1026" name="Picture 2">
+            <a:extLst>
+              <a:ext uri="{FF2B5EF4-FFF2-40B4-BE49-F238E27FC236}">
+                <a16:creationId xmlns:a16="http://schemas.microsoft.com/office/drawing/2014/main" id="{F5CD8263-DE61-A535-4C9C-3EC48FAA105C}"/>
               </a:ext>
             </a:extLst>
           </p:cNvPr>
           <p:cNvPicPr>
-            <a:picLocks noGrp="1" noChangeAspect="1"/>
+            <a:picLocks noChangeAspect="1" noChangeArrowheads="1"/>
           </p:cNvPicPr>
-          <p:nvPr>
-            <p:ph idx="1"/>
-          </p:nvPr>
+          <p:nvPr/>
         </p:nvPicPr>
         <p:blipFill>
           <a:blip r:embed="rId2">
@@ -8979,17 +10707,59 @@
             <a:fillRect/>
           </a:stretch>
         </p:blipFill>
-        <p:spPr>
+        <p:spPr bwMode="auto">
           <a:xfrm>
-            <a:off x="1036627" y="1373233"/>
-            <a:ext cx="10118745" cy="5119642"/>
+            <a:off x="6719367" y="2207984"/>
+            <a:ext cx="4788505" cy="3709775"/>
           </a:xfrm>
+          <a:prstGeom prst="rect">
+            <a:avLst/>
+          </a:prstGeom>
+          <a:noFill/>
+          <a:extLst>
+            <a:ext uri="{909E8E84-426E-40DD-AFC4-6F175D3DCCD1}">
+              <a14:hiddenFill xmlns:a14="http://schemas.microsoft.com/office/drawing/2010/main">
+                <a:solidFill>
+                  <a:srgbClr val="FFFFFF"/>
+                </a:solidFill>
+              </a14:hiddenFill>
+            </a:ext>
+          </a:extLst>
         </p:spPr>
       </p:pic>
+      <p:sp>
+        <p:nvSpPr>
+          <p:cNvPr id="4" name="Slide Number Placeholder 3">
+            <a:extLst>
+              <a:ext uri="{FF2B5EF4-FFF2-40B4-BE49-F238E27FC236}">
+                <a16:creationId xmlns:a16="http://schemas.microsoft.com/office/drawing/2014/main" id="{0878EE6B-B24C-B01E-7A03-8DAB35CAE499}"/>
+              </a:ext>
+            </a:extLst>
+          </p:cNvPr>
+          <p:cNvSpPr>
+            <a:spLocks noGrp="1"/>
+          </p:cNvSpPr>
+          <p:nvPr>
+            <p:ph type="sldNum" sz="quarter" idx="12"/>
+          </p:nvPr>
+        </p:nvSpPr>
+        <p:spPr/>
+        <p:txBody>
+          <a:bodyPr/>
+          <a:lstStyle/>
+          <a:p>
+            <a:fld id="{6F6DEA05-8770-4987-B5A1-0C7FA388430F}" type="slidenum">
+              <a:rPr lang="en-GB" smtClean="0"/>
+              <a:t>9</a:t>
+            </a:fld>
+            <a:endParaRPr lang="en-GB"/>
+          </a:p>
+        </p:txBody>
+      </p:sp>
     </p:spTree>
     <p:extLst>
       <p:ext uri="{BB962C8B-B14F-4D97-AF65-F5344CB8AC3E}">
-        <p14:creationId xmlns:p14="http://schemas.microsoft.com/office/powerpoint/2010/main" val="2508038474"/>
+        <p14:creationId xmlns:p14="http://schemas.microsoft.com/office/powerpoint/2010/main" val="2495498406"/>
       </p:ext>
     </p:extLst>
   </p:cSld>
@@ -9292,4 +11062,299 @@
     </a:ext>
   </a:extLst>
 </a:theme>
+</file>
+
+<file path=ppt/theme/theme2.xml><?xml version="1.0" encoding="utf-8"?>
+<a:theme xmlns:a="http://schemas.openxmlformats.org/drawingml/2006/main" name="Office Theme">
+  <a:themeElements>
+    <a:clrScheme name="Office">
+      <a:dk1>
+        <a:sysClr val="windowText" lastClr="000000"/>
+      </a:dk1>
+      <a:lt1>
+        <a:sysClr val="window" lastClr="FFFFFF"/>
+      </a:lt1>
+      <a:dk2>
+        <a:srgbClr val="44546A"/>
+      </a:dk2>
+      <a:lt2>
+        <a:srgbClr val="E7E6E6"/>
+      </a:lt2>
+      <a:accent1>
+        <a:srgbClr val="4472C4"/>
+      </a:accent1>
+      <a:accent2>
+        <a:srgbClr val="ED7D31"/>
+      </a:accent2>
+      <a:accent3>
+        <a:srgbClr val="A5A5A5"/>
+      </a:accent3>
+      <a:accent4>
+        <a:srgbClr val="FFC000"/>
+      </a:accent4>
+      <a:accent5>
+        <a:srgbClr val="5B9BD5"/>
+      </a:accent5>
+      <a:accent6>
+        <a:srgbClr val="70AD47"/>
+      </a:accent6>
+      <a:hlink>
+        <a:srgbClr val="0563C1"/>
+      </a:hlink>
+      <a:folHlink>
+        <a:srgbClr val="954F72"/>
+      </a:folHlink>
+    </a:clrScheme>
+    <a:fontScheme name="Office">
+      <a:majorFont>
+        <a:latin typeface="Calibri Light" panose="020F0302020204030204"/>
+        <a:ea typeface=""/>
+        <a:cs typeface=""/>
+        <a:font script="Jpan" typeface="游ゴシック Light"/>
+        <a:font script="Hang" typeface="맑은 고딕"/>
+        <a:font script="Hans" typeface="等线 Light"/>
+        <a:font script="Hant" typeface="新細明體"/>
+        <a:font script="Arab" typeface="Times New Roman"/>
+        <a:font script="Hebr" typeface="Times New Roman"/>
+        <a:font script="Thai" typeface="Angsana New"/>
+        <a:font script="Ethi" typeface="Nyala"/>
+        <a:font script="Beng" typeface="Vrinda"/>
+        <a:font script="Gujr" typeface="Shruti"/>
+        <a:font script="Khmr" typeface="MoolBoran"/>
+        <a:font script="Knda" typeface="Tunga"/>
+        <a:font script="Guru" typeface="Raavi"/>
+        <a:font script="Cans" typeface="Euphemia"/>
+        <a:font script="Cher" typeface="Plantagenet Cherokee"/>
+        <a:font script="Yiii" typeface="Microsoft Yi Baiti"/>
+        <a:font script="Tibt" typeface="Microsoft Himalaya"/>
+        <a:font script="Thaa" typeface="MV Boli"/>
+        <a:font script="Deva" typeface="Mangal"/>
+        <a:font script="Telu" typeface="Gautami"/>
+        <a:font script="Taml" typeface="Latha"/>
+        <a:font script="Syrc" typeface="Estrangelo Edessa"/>
+        <a:font script="Orya" typeface="Kalinga"/>
+        <a:font script="Mlym" typeface="Kartika"/>
+        <a:font script="Laoo" typeface="DokChampa"/>
+        <a:font script="Sinh" typeface="Iskoola Pota"/>
+        <a:font script="Mong" typeface="Mongolian Baiti"/>
+        <a:font script="Viet" typeface="Times New Roman"/>
+        <a:font script="Uigh" typeface="Microsoft Uighur"/>
+        <a:font script="Geor" typeface="Sylfaen"/>
+        <a:font script="Armn" typeface="Arial"/>
+        <a:font script="Bugi" typeface="Leelawadee UI"/>
+        <a:font script="Bopo" typeface="Microsoft JhengHei"/>
+        <a:font script="Java" typeface="Javanese Text"/>
+        <a:font script="Lisu" typeface="Segoe UI"/>
+        <a:font script="Mymr" typeface="Myanmar Text"/>
+        <a:font script="Nkoo" typeface="Ebrima"/>
+        <a:font script="Olck" typeface="Nirmala UI"/>
+        <a:font script="Osma" typeface="Ebrima"/>
+        <a:font script="Phag" typeface="Phagspa"/>
+        <a:font script="Syrn" typeface="Estrangelo Edessa"/>
+        <a:font script="Syrj" typeface="Estrangelo Edessa"/>
+        <a:font script="Syre" typeface="Estrangelo Edessa"/>
+        <a:font script="Sora" typeface="Nirmala UI"/>
+        <a:font script="Tale" typeface="Microsoft Tai Le"/>
+        <a:font script="Talu" typeface="Microsoft New Tai Lue"/>
+        <a:font script="Tfng" typeface="Ebrima"/>
+      </a:majorFont>
+      <a:minorFont>
+        <a:latin typeface="Calibri" panose="020F0502020204030204"/>
+        <a:ea typeface=""/>
+        <a:cs typeface=""/>
+        <a:font script="Jpan" typeface="游ゴシック"/>
+        <a:font script="Hang" typeface="맑은 고딕"/>
+        <a:font script="Hans" typeface="等线"/>
+        <a:font script="Hant" typeface="新細明體"/>
+        <a:font script="Arab" typeface="Arial"/>
+        <a:font script="Hebr" typeface="Arial"/>
+        <a:font script="Thai" typeface="Cordia New"/>
+        <a:font script="Ethi" typeface="Nyala"/>
+        <a:font script="Beng" typeface="Vrinda"/>
+        <a:font script="Gujr" typeface="Shruti"/>
+        <a:font script="Khmr" typeface="DaunPenh"/>
+        <a:font script="Knda" typeface="Tunga"/>
+        <a:font script="Guru" typeface="Raavi"/>
+        <a:font script="Cans" typeface="Euphemia"/>
+        <a:font script="Cher" typeface="Plantagenet Cherokee"/>
+        <a:font script="Yiii" typeface="Microsoft Yi Baiti"/>
+        <a:font script="Tibt" typeface="Microsoft Himalaya"/>
+        <a:font script="Thaa" typeface="MV Boli"/>
+        <a:font script="Deva" typeface="Mangal"/>
+        <a:font script="Telu" typeface="Gautami"/>
+        <a:font script="Taml" typeface="Latha"/>
+        <a:font script="Syrc" typeface="Estrangelo Edessa"/>
+        <a:font script="Orya" typeface="Kalinga"/>
+        <a:font script="Mlym" typeface="Kartika"/>
+        <a:font script="Laoo" typeface="DokChampa"/>
+        <a:font script="Sinh" typeface="Iskoola Pota"/>
+        <a:font script="Mong" typeface="Mongolian Baiti"/>
+        <a:font script="Viet" typeface="Arial"/>
+        <a:font script="Uigh" typeface="Microsoft Uighur"/>
+        <a:font script="Geor" typeface="Sylfaen"/>
+        <a:font script="Armn" typeface="Arial"/>
+        <a:font script="Bugi" typeface="Leelawadee UI"/>
+        <a:font script="Bopo" typeface="Microsoft JhengHei"/>
+        <a:font script="Java" typeface="Javanese Text"/>
+        <a:font script="Lisu" typeface="Segoe UI"/>
+        <a:font script="Mymr" typeface="Myanmar Text"/>
+        <a:font script="Nkoo" typeface="Ebrima"/>
+        <a:font script="Olck" typeface="Nirmala UI"/>
+        <a:font script="Osma" typeface="Ebrima"/>
+        <a:font script="Phag" typeface="Phagspa"/>
+        <a:font script="Syrn" typeface="Estrangelo Edessa"/>
+        <a:font script="Syrj" typeface="Estrangelo Edessa"/>
+        <a:font script="Syre" typeface="Estrangelo Edessa"/>
+        <a:font script="Sora" typeface="Nirmala UI"/>
+        <a:font script="Tale" typeface="Microsoft Tai Le"/>
+        <a:font script="Talu" typeface="Microsoft New Tai Lue"/>
+        <a:font script="Tfng" typeface="Ebrima"/>
+      </a:minorFont>
+    </a:fontScheme>
+    <a:fmtScheme name="Office">
+      <a:fillStyleLst>
+        <a:solidFill>
+          <a:schemeClr val="phClr"/>
+        </a:solidFill>
+        <a:gradFill rotWithShape="1">
+          <a:gsLst>
+            <a:gs pos="0">
+              <a:schemeClr val="phClr">
+                <a:lumMod val="110000"/>
+                <a:satMod val="105000"/>
+                <a:tint val="67000"/>
+              </a:schemeClr>
+            </a:gs>
+            <a:gs pos="50000">
+              <a:schemeClr val="phClr">
+                <a:lumMod val="105000"/>
+                <a:satMod val="103000"/>
+                <a:tint val="73000"/>
+              </a:schemeClr>
+            </a:gs>
+            <a:gs pos="100000">
+              <a:schemeClr val="phClr">
+                <a:lumMod val="105000"/>
+                <a:satMod val="109000"/>
+                <a:tint val="81000"/>
+              </a:schemeClr>
+            </a:gs>
+          </a:gsLst>
+          <a:lin ang="5400000" scaled="0"/>
+        </a:gradFill>
+        <a:gradFill rotWithShape="1">
+          <a:gsLst>
+            <a:gs pos="0">
+              <a:schemeClr val="phClr">
+                <a:satMod val="103000"/>
+                <a:lumMod val="102000"/>
+                <a:tint val="94000"/>
+              </a:schemeClr>
+            </a:gs>
+            <a:gs pos="50000">
+              <a:schemeClr val="phClr">
+                <a:satMod val="110000"/>
+                <a:lumMod val="100000"/>
+                <a:shade val="100000"/>
+              </a:schemeClr>
+            </a:gs>
+            <a:gs pos="100000">
+              <a:schemeClr val="phClr">
+                <a:lumMod val="99000"/>
+                <a:satMod val="120000"/>
+                <a:shade val="78000"/>
+              </a:schemeClr>
+            </a:gs>
+          </a:gsLst>
+          <a:lin ang="5400000" scaled="0"/>
+        </a:gradFill>
+      </a:fillStyleLst>
+      <a:lnStyleLst>
+        <a:ln w="6350" cap="flat" cmpd="sng" algn="ctr">
+          <a:solidFill>
+            <a:schemeClr val="phClr"/>
+          </a:solidFill>
+          <a:prstDash val="solid"/>
+          <a:miter lim="800000"/>
+        </a:ln>
+        <a:ln w="12700" cap="flat" cmpd="sng" algn="ctr">
+          <a:solidFill>
+            <a:schemeClr val="phClr"/>
+          </a:solidFill>
+          <a:prstDash val="solid"/>
+          <a:miter lim="800000"/>
+        </a:ln>
+        <a:ln w="19050" cap="flat" cmpd="sng" algn="ctr">
+          <a:solidFill>
+            <a:schemeClr val="phClr"/>
+          </a:solidFill>
+          <a:prstDash val="solid"/>
+          <a:miter lim="800000"/>
+        </a:ln>
+      </a:lnStyleLst>
+      <a:effectStyleLst>
+        <a:effectStyle>
+          <a:effectLst/>
+        </a:effectStyle>
+        <a:effectStyle>
+          <a:effectLst/>
+        </a:effectStyle>
+        <a:effectStyle>
+          <a:effectLst>
+            <a:outerShdw blurRad="57150" dist="19050" dir="5400000" algn="ctr" rotWithShape="0">
+              <a:srgbClr val="000000">
+                <a:alpha val="63000"/>
+              </a:srgbClr>
+            </a:outerShdw>
+          </a:effectLst>
+        </a:effectStyle>
+      </a:effectStyleLst>
+      <a:bgFillStyleLst>
+        <a:solidFill>
+          <a:schemeClr val="phClr"/>
+        </a:solidFill>
+        <a:solidFill>
+          <a:schemeClr val="phClr">
+            <a:tint val="95000"/>
+            <a:satMod val="170000"/>
+          </a:schemeClr>
+        </a:solidFill>
+        <a:gradFill rotWithShape="1">
+          <a:gsLst>
+            <a:gs pos="0">
+              <a:schemeClr val="phClr">
+                <a:tint val="93000"/>
+                <a:satMod val="150000"/>
+                <a:shade val="98000"/>
+                <a:lumMod val="102000"/>
+              </a:schemeClr>
+            </a:gs>
+            <a:gs pos="50000">
+              <a:schemeClr val="phClr">
+                <a:tint val="98000"/>
+                <a:satMod val="130000"/>
+                <a:shade val="90000"/>
+                <a:lumMod val="103000"/>
+              </a:schemeClr>
+            </a:gs>
+            <a:gs pos="100000">
+              <a:schemeClr val="phClr">
+                <a:shade val="63000"/>
+                <a:satMod val="120000"/>
+              </a:schemeClr>
+            </a:gs>
+          </a:gsLst>
+          <a:lin ang="5400000" scaled="0"/>
+        </a:gradFill>
+      </a:bgFillStyleLst>
+    </a:fmtScheme>
+  </a:themeElements>
+  <a:objectDefaults/>
+  <a:extraClrSchemeLst/>
+  <a:extLst>
+    <a:ext uri="{05A4C25C-085E-4340-85A3-A5531E510DB2}">
+      <thm15:themeFamily xmlns:thm15="http://schemas.microsoft.com/office/thememl/2012/main" name="Office Theme" id="{62F939B6-93AF-4DB8-9C6B-D6C7DFDC589F}" vid="{4A3C46E8-61CC-4603-A589-7422A47A8E4A}"/>
+    </a:ext>
+  </a:extLst>
+</a:theme>
 </file>